--- a/doc/项目计划ppt.pptx
+++ b/doc/项目计划ppt.pptx
@@ -6,7 +6,7 @@
     <p:sldMasterId id="2147483679" r:id="rId2"/>
   </p:sldMasterIdLst>
   <p:notesMasterIdLst>
-    <p:notesMasterId r:id="rId30"/>
+    <p:notesMasterId r:id="rId31"/>
   </p:notesMasterIdLst>
   <p:sldIdLst>
     <p:sldId id="256" r:id="rId3"/>
@@ -26,16 +26,17 @@
     <p:sldId id="307" r:id="rId17"/>
     <p:sldId id="308" r:id="rId18"/>
     <p:sldId id="309" r:id="rId19"/>
-    <p:sldId id="310" r:id="rId20"/>
-    <p:sldId id="311" r:id="rId21"/>
-    <p:sldId id="289" r:id="rId22"/>
-    <p:sldId id="290" r:id="rId23"/>
-    <p:sldId id="293" r:id="rId24"/>
-    <p:sldId id="294" r:id="rId25"/>
-    <p:sldId id="274" r:id="rId26"/>
-    <p:sldId id="313" r:id="rId27"/>
-    <p:sldId id="312" r:id="rId28"/>
-    <p:sldId id="280" r:id="rId29"/>
+    <p:sldId id="314" r:id="rId20"/>
+    <p:sldId id="310" r:id="rId21"/>
+    <p:sldId id="311" r:id="rId22"/>
+    <p:sldId id="289" r:id="rId23"/>
+    <p:sldId id="290" r:id="rId24"/>
+    <p:sldId id="293" r:id="rId25"/>
+    <p:sldId id="294" r:id="rId26"/>
+    <p:sldId id="274" r:id="rId27"/>
+    <p:sldId id="313" r:id="rId28"/>
+    <p:sldId id="312" r:id="rId29"/>
+    <p:sldId id="280" r:id="rId30"/>
   </p:sldIdLst>
   <p:sldSz cx="12192000" cy="6858000"/>
   <p:notesSz cx="6858000" cy="9144000"/>
@@ -4708,7 +4709,7 @@
           <a:p>
             <a:fld id="{3E6E1E63-6347-BD4F-A808-7F54FA34CE72}" type="datetimeFigureOut">
               <a:rPr kumimoji="1" lang="zh-CN" altLang="en-US" smtClean="0"/>
-              <a:t>2017/10/22</a:t>
+              <a:t>2017/10/29</a:t>
             </a:fld>
             <a:endParaRPr kumimoji="1" lang="zh-CN" altLang="en-US"/>
           </a:p>
@@ -16691,7 +16692,6 @@
               <a:rPr kumimoji="1" lang="zh-CN" altLang="en-US" dirty="0"/>
               <a:t>实施详细软件开发活动的计划</a:t>
             </a:r>
-            <a:endParaRPr kumimoji="1" lang="zh-CN" altLang="en-US" dirty="0"/>
           </a:p>
         </p:txBody>
       </p:sp>
@@ -17225,7 +17225,6 @@
               <a:rPr kumimoji="1" lang="zh-CN" altLang="en-US" dirty="0"/>
               <a:t>实施详细软件开发活动的计划</a:t>
             </a:r>
-            <a:endParaRPr kumimoji="1" lang="zh-CN" altLang="en-US" dirty="0"/>
           </a:p>
         </p:txBody>
       </p:sp>
@@ -17785,6 +17784,66 @@
           <a:chExt cx="0" cy="0"/>
         </a:xfrm>
       </p:grpSpPr>
+      <p:pic>
+        <p:nvPicPr>
+          <p:cNvPr id="4" name="图片 3"/>
+          <p:cNvPicPr>
+            <a:picLocks noChangeAspect="1"/>
+          </p:cNvPicPr>
+          <p:nvPr/>
+        </p:nvPicPr>
+        <p:blipFill>
+          <a:blip r:embed="rId2">
+            <a:extLst>
+              <a:ext uri="{28A0092B-C50C-407E-A947-70E740481C1C}">
+                <a14:useLocalDpi xmlns:a14="http://schemas.microsoft.com/office/drawing/2010/main" val="0"/>
+              </a:ext>
+            </a:extLst>
+          </a:blip>
+          <a:stretch>
+            <a:fillRect/>
+          </a:stretch>
+        </p:blipFill>
+        <p:spPr>
+          <a:xfrm>
+            <a:off x="895016" y="513348"/>
+            <a:ext cx="10058400" cy="5673333"/>
+          </a:xfrm>
+          <a:prstGeom prst="rect">
+            <a:avLst/>
+          </a:prstGeom>
+        </p:spPr>
+      </p:pic>
+    </p:spTree>
+    <p:extLst>
+      <p:ext uri="{BB962C8B-B14F-4D97-AF65-F5344CB8AC3E}">
+        <p14:creationId xmlns:p14="http://schemas.microsoft.com/office/powerpoint/2010/main" val="1105132969"/>
+      </p:ext>
+    </p:extLst>
+  </p:cSld>
+  <p:clrMapOvr>
+    <a:masterClrMapping/>
+  </p:clrMapOvr>
+</p:sld>
+</file>
+
+<file path=ppt/slides/slide19.xml><?xml version="1.0" encoding="utf-8"?>
+<p:sld xmlns:a="http://schemas.openxmlformats.org/drawingml/2006/main" xmlns:r="http://schemas.openxmlformats.org/officeDocument/2006/relationships" xmlns:p="http://schemas.openxmlformats.org/presentationml/2006/main">
+  <p:cSld>
+    <p:spTree>
+      <p:nvGrpSpPr>
+        <p:cNvPr id="1" name=""/>
+        <p:cNvGrpSpPr/>
+        <p:nvPr/>
+      </p:nvGrpSpPr>
+      <p:grpSpPr>
+        <a:xfrm>
+          <a:off x="0" y="0"/>
+          <a:ext cx="0" cy="0"/>
+          <a:chOff x="0" y="0"/>
+          <a:chExt cx="0" cy="0"/>
+        </a:xfrm>
+      </p:grpSpPr>
       <p:sp>
         <p:nvSpPr>
           <p:cNvPr id="2" name="文本占位符 1"/>
@@ -17827,7 +17886,6 @@
               <a:rPr kumimoji="1" lang="zh-CN" altLang="en-US" dirty="0"/>
               <a:t>进度表和活动网络图</a:t>
             </a:r>
-            <a:endParaRPr kumimoji="1" lang="zh-CN" altLang="en-US" dirty="0"/>
           </a:p>
         </p:txBody>
       </p:sp>
@@ -17936,42 +17994,42 @@
                 <a:gridCol w="1300549">
                   <a:extLst>
                     <a:ext uri="{9D8B030D-6E8A-4147-A177-3AD203B41FA5}">
-                      <a16:colId xmlns:a16="http://schemas.microsoft.com/office/drawing/2014/main" val="3967617700"/>
+                      <a16:colId xmlns:a16="http://schemas.microsoft.com/office/drawing/2014/main" xmlns="" val="3967617700"/>
                     </a:ext>
                   </a:extLst>
                 </a:gridCol>
                 <a:gridCol w="1300549">
                   <a:extLst>
                     <a:ext uri="{9D8B030D-6E8A-4147-A177-3AD203B41FA5}">
-                      <a16:colId xmlns:a16="http://schemas.microsoft.com/office/drawing/2014/main" val="2332239294"/>
+                      <a16:colId xmlns:a16="http://schemas.microsoft.com/office/drawing/2014/main" xmlns="" val="2332239294"/>
                     </a:ext>
                   </a:extLst>
                 </a:gridCol>
                 <a:gridCol w="1301414">
                   <a:extLst>
                     <a:ext uri="{9D8B030D-6E8A-4147-A177-3AD203B41FA5}">
-                      <a16:colId xmlns:a16="http://schemas.microsoft.com/office/drawing/2014/main" val="446739189"/>
+                      <a16:colId xmlns:a16="http://schemas.microsoft.com/office/drawing/2014/main" xmlns="" val="446739189"/>
                     </a:ext>
                   </a:extLst>
                 </a:gridCol>
                 <a:gridCol w="1301414">
                   <a:extLst>
                     <a:ext uri="{9D8B030D-6E8A-4147-A177-3AD203B41FA5}">
-                      <a16:colId xmlns:a16="http://schemas.microsoft.com/office/drawing/2014/main" val="4021387506"/>
+                      <a16:colId xmlns:a16="http://schemas.microsoft.com/office/drawing/2014/main" xmlns="" val="4021387506"/>
                     </a:ext>
                   </a:extLst>
                 </a:gridCol>
                 <a:gridCol w="1301414">
                   <a:extLst>
                     <a:ext uri="{9D8B030D-6E8A-4147-A177-3AD203B41FA5}">
-                      <a16:colId xmlns:a16="http://schemas.microsoft.com/office/drawing/2014/main" val="2330201307"/>
+                      <a16:colId xmlns:a16="http://schemas.microsoft.com/office/drawing/2014/main" xmlns="" val="2330201307"/>
                     </a:ext>
                   </a:extLst>
                 </a:gridCol>
                 <a:gridCol w="1301414">
                   <a:extLst>
                     <a:ext uri="{9D8B030D-6E8A-4147-A177-3AD203B41FA5}">
-                      <a16:colId xmlns:a16="http://schemas.microsoft.com/office/drawing/2014/main" val="638758341"/>
+                      <a16:colId xmlns:a16="http://schemas.microsoft.com/office/drawing/2014/main" xmlns="" val="638758341"/>
                     </a:ext>
                   </a:extLst>
                 </a:gridCol>
@@ -18189,7 +18247,7 @@
                 </a:tc>
                 <a:extLst>
                   <a:ext uri="{0D108BD9-81ED-4DB2-BD59-A6C34878D82A}">
-                    <a16:rowId xmlns:a16="http://schemas.microsoft.com/office/drawing/2014/main" val="2228963376"/>
+                    <a16:rowId xmlns:a16="http://schemas.microsoft.com/office/drawing/2014/main" xmlns="" val="2228963376"/>
                   </a:ext>
                 </a:extLst>
               </a:tr>
@@ -18388,7 +18446,7 @@
                 </a:tc>
                 <a:extLst>
                   <a:ext uri="{0D108BD9-81ED-4DB2-BD59-A6C34878D82A}">
-                    <a16:rowId xmlns:a16="http://schemas.microsoft.com/office/drawing/2014/main" val="240234309"/>
+                    <a16:rowId xmlns:a16="http://schemas.microsoft.com/office/drawing/2014/main" xmlns="" val="240234309"/>
                   </a:ext>
                 </a:extLst>
               </a:tr>
@@ -18587,7 +18645,7 @@
                 </a:tc>
                 <a:extLst>
                   <a:ext uri="{0D108BD9-81ED-4DB2-BD59-A6C34878D82A}">
-                    <a16:rowId xmlns:a16="http://schemas.microsoft.com/office/drawing/2014/main" val="3011261799"/>
+                    <a16:rowId xmlns:a16="http://schemas.microsoft.com/office/drawing/2014/main" xmlns="" val="3011261799"/>
                   </a:ext>
                 </a:extLst>
               </a:tr>
@@ -18786,7 +18844,7 @@
                 </a:tc>
                 <a:extLst>
                   <a:ext uri="{0D108BD9-81ED-4DB2-BD59-A6C34878D82A}">
-                    <a16:rowId xmlns:a16="http://schemas.microsoft.com/office/drawing/2014/main" val="3090129595"/>
+                    <a16:rowId xmlns:a16="http://schemas.microsoft.com/office/drawing/2014/main" xmlns="" val="3090129595"/>
                   </a:ext>
                 </a:extLst>
               </a:tr>
@@ -18985,7 +19043,7 @@
                 </a:tc>
                 <a:extLst>
                   <a:ext uri="{0D108BD9-81ED-4DB2-BD59-A6C34878D82A}">
-                    <a16:rowId xmlns:a16="http://schemas.microsoft.com/office/drawing/2014/main" val="3706194943"/>
+                    <a16:rowId xmlns:a16="http://schemas.microsoft.com/office/drawing/2014/main" xmlns="" val="3706194943"/>
                   </a:ext>
                 </a:extLst>
               </a:tr>
@@ -19184,7 +19242,7 @@
                 </a:tc>
                 <a:extLst>
                   <a:ext uri="{0D108BD9-81ED-4DB2-BD59-A6C34878D82A}">
-                    <a16:rowId xmlns:a16="http://schemas.microsoft.com/office/drawing/2014/main" val="2148784819"/>
+                    <a16:rowId xmlns:a16="http://schemas.microsoft.com/office/drawing/2014/main" xmlns="" val="2148784819"/>
                   </a:ext>
                 </a:extLst>
               </a:tr>
@@ -19383,7 +19441,7 @@
                 </a:tc>
                 <a:extLst>
                   <a:ext uri="{0D108BD9-81ED-4DB2-BD59-A6C34878D82A}">
-                    <a16:rowId xmlns:a16="http://schemas.microsoft.com/office/drawing/2014/main" val="98337853"/>
+                    <a16:rowId xmlns:a16="http://schemas.microsoft.com/office/drawing/2014/main" xmlns="" val="98337853"/>
                   </a:ext>
                 </a:extLst>
               </a:tr>
@@ -19582,7 +19640,7 @@
                 </a:tc>
                 <a:extLst>
                   <a:ext uri="{0D108BD9-81ED-4DB2-BD59-A6C34878D82A}">
-                    <a16:rowId xmlns:a16="http://schemas.microsoft.com/office/drawing/2014/main" val="2246592849"/>
+                    <a16:rowId xmlns:a16="http://schemas.microsoft.com/office/drawing/2014/main" xmlns="" val="2246592849"/>
                   </a:ext>
                 </a:extLst>
               </a:tr>
@@ -19781,7 +19839,7 @@
                 </a:tc>
                 <a:extLst>
                   <a:ext uri="{0D108BD9-81ED-4DB2-BD59-A6C34878D82A}">
-                    <a16:rowId xmlns:a16="http://schemas.microsoft.com/office/drawing/2014/main" val="1124270815"/>
+                    <a16:rowId xmlns:a16="http://schemas.microsoft.com/office/drawing/2014/main" xmlns="" val="1124270815"/>
                   </a:ext>
                 </a:extLst>
               </a:tr>
@@ -19980,7 +20038,7 @@
                 </a:tc>
                 <a:extLst>
                   <a:ext uri="{0D108BD9-81ED-4DB2-BD59-A6C34878D82A}">
-                    <a16:rowId xmlns:a16="http://schemas.microsoft.com/office/drawing/2014/main" val="493092062"/>
+                    <a16:rowId xmlns:a16="http://schemas.microsoft.com/office/drawing/2014/main" xmlns="" val="493092062"/>
                   </a:ext>
                 </a:extLst>
               </a:tr>
@@ -20197,7 +20255,7 @@
                 </a:tc>
                 <a:extLst>
                   <a:ext uri="{0D108BD9-81ED-4DB2-BD59-A6C34878D82A}">
-                    <a16:rowId xmlns:a16="http://schemas.microsoft.com/office/drawing/2014/main" val="64618694"/>
+                    <a16:rowId xmlns:a16="http://schemas.microsoft.com/office/drawing/2014/main" xmlns="" val="64618694"/>
                   </a:ext>
                 </a:extLst>
               </a:tr>
@@ -20414,7 +20472,7 @@
                 </a:tc>
                 <a:extLst>
                   <a:ext uri="{0D108BD9-81ED-4DB2-BD59-A6C34878D82A}">
-                    <a16:rowId xmlns:a16="http://schemas.microsoft.com/office/drawing/2014/main" val="1440663552"/>
+                    <a16:rowId xmlns:a16="http://schemas.microsoft.com/office/drawing/2014/main" xmlns="" val="1440663552"/>
                   </a:ext>
                 </a:extLst>
               </a:tr>
@@ -20665,7 +20723,7 @@
                 </a:tc>
                 <a:extLst>
                   <a:ext uri="{0D108BD9-81ED-4DB2-BD59-A6C34878D82A}">
-                    <a16:rowId xmlns:a16="http://schemas.microsoft.com/office/drawing/2014/main" val="3466301119"/>
+                    <a16:rowId xmlns:a16="http://schemas.microsoft.com/office/drawing/2014/main" xmlns="" val="3466301119"/>
                   </a:ext>
                 </a:extLst>
               </a:tr>
@@ -20864,7 +20922,7 @@
                 </a:tc>
                 <a:extLst>
                   <a:ext uri="{0D108BD9-81ED-4DB2-BD59-A6C34878D82A}">
-                    <a16:rowId xmlns:a16="http://schemas.microsoft.com/office/drawing/2014/main" val="659151099"/>
+                    <a16:rowId xmlns:a16="http://schemas.microsoft.com/office/drawing/2014/main" xmlns="" val="659151099"/>
                   </a:ext>
                 </a:extLst>
               </a:tr>
@@ -21063,7 +21121,7 @@
                 </a:tc>
                 <a:extLst>
                   <a:ext uri="{0D108BD9-81ED-4DB2-BD59-A6C34878D82A}">
-                    <a16:rowId xmlns:a16="http://schemas.microsoft.com/office/drawing/2014/main" val="2403022193"/>
+                    <a16:rowId xmlns:a16="http://schemas.microsoft.com/office/drawing/2014/main" xmlns="" val="2403022193"/>
                   </a:ext>
                 </a:extLst>
               </a:tr>
@@ -21262,7 +21320,7 @@
                 </a:tc>
                 <a:extLst>
                   <a:ext uri="{0D108BD9-81ED-4DB2-BD59-A6C34878D82A}">
-                    <a16:rowId xmlns:a16="http://schemas.microsoft.com/office/drawing/2014/main" val="3794511802"/>
+                    <a16:rowId xmlns:a16="http://schemas.microsoft.com/office/drawing/2014/main" xmlns="" val="3794511802"/>
                   </a:ext>
                 </a:extLst>
               </a:tr>
@@ -21461,7 +21519,7 @@
                 </a:tc>
                 <a:extLst>
                   <a:ext uri="{0D108BD9-81ED-4DB2-BD59-A6C34878D82A}">
-                    <a16:rowId xmlns:a16="http://schemas.microsoft.com/office/drawing/2014/main" val="3358567513"/>
+                    <a16:rowId xmlns:a16="http://schemas.microsoft.com/office/drawing/2014/main" xmlns="" val="3358567513"/>
                   </a:ext>
                 </a:extLst>
               </a:tr>
@@ -21660,7 +21718,7 @@
                 </a:tc>
                 <a:extLst>
                   <a:ext uri="{0D108BD9-81ED-4DB2-BD59-A6C34878D82A}">
-                    <a16:rowId xmlns:a16="http://schemas.microsoft.com/office/drawing/2014/main" val="129604160"/>
+                    <a16:rowId xmlns:a16="http://schemas.microsoft.com/office/drawing/2014/main" xmlns="" val="129604160"/>
                   </a:ext>
                 </a:extLst>
               </a:tr>
@@ -21868,7 +21926,7 @@
                 </a:tc>
                 <a:extLst>
                   <a:ext uri="{0D108BD9-81ED-4DB2-BD59-A6C34878D82A}">
-                    <a16:rowId xmlns:a16="http://schemas.microsoft.com/office/drawing/2014/main" val="3291388225"/>
+                    <a16:rowId xmlns:a16="http://schemas.microsoft.com/office/drawing/2014/main" xmlns="" val="3291388225"/>
                   </a:ext>
                 </a:extLst>
               </a:tr>
@@ -21984,7 +22042,7 @@
                 </a:tc>
                 <a:extLst>
                   <a:ext uri="{0D108BD9-81ED-4DB2-BD59-A6C34878D82A}">
-                    <a16:rowId xmlns:a16="http://schemas.microsoft.com/office/drawing/2014/main" val="3066654649"/>
+                    <a16:rowId xmlns:a16="http://schemas.microsoft.com/office/drawing/2014/main" xmlns="" val="3066654649"/>
                   </a:ext>
                 </a:extLst>
               </a:tr>
@@ -21996,158 +22054,6 @@
     <p:extLst>
       <p:ext uri="{BB962C8B-B14F-4D97-AF65-F5344CB8AC3E}">
         <p14:creationId xmlns:p14="http://schemas.microsoft.com/office/powerpoint/2010/main" val="211829230"/>
-      </p:ext>
-    </p:extLst>
-  </p:cSld>
-  <p:clrMapOvr>
-    <a:masterClrMapping/>
-  </p:clrMapOvr>
-  <mc:AlternateContent xmlns:mc="http://schemas.openxmlformats.org/markup-compatibility/2006" xmlns:p14="http://schemas.microsoft.com/office/powerpoint/2010/main">
-    <mc:Choice Requires="p14">
-      <p:transition spd="med" p14:dur="700">
-        <p:fade/>
-      </p:transition>
-    </mc:Choice>
-    <mc:Fallback xmlns="">
-      <p:transition spd="med">
-        <p:fade/>
-      </p:transition>
-    </mc:Fallback>
-  </mc:AlternateContent>
-</p:sld>
-</file>
-
-<file path=ppt/slides/slide19.xml><?xml version="1.0" encoding="utf-8"?>
-<p:sld xmlns:a="http://schemas.openxmlformats.org/drawingml/2006/main" xmlns:r="http://schemas.openxmlformats.org/officeDocument/2006/relationships" xmlns:p="http://schemas.openxmlformats.org/presentationml/2006/main">
-  <p:cSld>
-    <p:spTree>
-      <p:nvGrpSpPr>
-        <p:cNvPr id="1" name=""/>
-        <p:cNvGrpSpPr/>
-        <p:nvPr/>
-      </p:nvGrpSpPr>
-      <p:grpSpPr>
-        <a:xfrm>
-          <a:off x="0" y="0"/>
-          <a:ext cx="0" cy="0"/>
-          <a:chOff x="0" y="0"/>
-          <a:chExt cx="0" cy="0"/>
-        </a:xfrm>
-      </p:grpSpPr>
-      <p:sp>
-        <p:nvSpPr>
-          <p:cNvPr id="2" name="文本占位符 1"/>
-          <p:cNvSpPr>
-            <a:spLocks noGrp="1"/>
-          </p:cNvSpPr>
-          <p:nvPr>
-            <p:ph type="body" sz="quarter" idx="12"/>
-          </p:nvPr>
-        </p:nvSpPr>
-        <p:spPr/>
-        <p:txBody>
-          <a:bodyPr/>
-          <a:lstStyle/>
-          <a:p>
-            <a:r>
-              <a:rPr kumimoji="1" lang="en-US" altLang="zh-CN" dirty="0" smtClean="0"/>
-              <a:t>06</a:t>
-            </a:r>
-            <a:endParaRPr kumimoji="1" lang="zh-CN" altLang="en-US" dirty="0"/>
-          </a:p>
-        </p:txBody>
-      </p:sp>
-      <p:sp>
-        <p:nvSpPr>
-          <p:cNvPr id="3" name="文本占位符 2"/>
-          <p:cNvSpPr>
-            <a:spLocks noGrp="1"/>
-          </p:cNvSpPr>
-          <p:nvPr>
-            <p:ph type="body" sz="quarter" idx="13"/>
-          </p:nvPr>
-        </p:nvSpPr>
-        <p:spPr/>
-        <p:txBody>
-          <a:bodyPr/>
-          <a:lstStyle/>
-          <a:p>
-            <a:r>
-              <a:rPr kumimoji="1" lang="zh-CN" altLang="en-US" dirty="0" smtClean="0"/>
-              <a:t>甘特图</a:t>
-            </a:r>
-            <a:endParaRPr kumimoji="1" lang="zh-CN" altLang="en-US" dirty="0"/>
-          </a:p>
-        </p:txBody>
-      </p:sp>
-      <p:pic>
-        <p:nvPicPr>
-          <p:cNvPr id="8" name="图片 7"/>
-          <p:cNvPicPr>
-            <a:picLocks noChangeAspect="1"/>
-          </p:cNvPicPr>
-          <p:nvPr/>
-        </p:nvPicPr>
-        <p:blipFill>
-          <a:blip r:embed="rId2">
-            <a:extLst>
-              <a:ext uri="{28A0092B-C50C-407E-A947-70E740481C1C}">
-                <a14:useLocalDpi xmlns:a14="http://schemas.microsoft.com/office/drawing/2010/main" val="0"/>
-              </a:ext>
-            </a:extLst>
-          </a:blip>
-          <a:stretch>
-            <a:fillRect/>
-          </a:stretch>
-        </p:blipFill>
-        <p:spPr>
-          <a:xfrm>
-            <a:off x="9657864" y="288560"/>
-            <a:ext cx="2244436" cy="713763"/>
-          </a:xfrm>
-          <a:prstGeom prst="rect">
-            <a:avLst/>
-          </a:prstGeom>
-        </p:spPr>
-      </p:pic>
-      <p:sp>
-        <p:nvSpPr>
-          <p:cNvPr id="5" name="文本框 4"/>
-          <p:cNvSpPr txBox="1"/>
-          <p:nvPr/>
-        </p:nvSpPr>
-        <p:spPr>
-          <a:xfrm>
-            <a:off x="2198077" y="2703594"/>
-            <a:ext cx="8053754" cy="461665"/>
-          </a:xfrm>
-          <a:prstGeom prst="rect">
-            <a:avLst/>
-          </a:prstGeom>
-          <a:noFill/>
-        </p:spPr>
-        <p:txBody>
-          <a:bodyPr wrap="square" rtlCol="0">
-            <a:spAutoFit/>
-          </a:bodyPr>
-          <a:lstStyle/>
-          <a:p>
-            <a:r>
-              <a:rPr lang="zh-CN" altLang="en-US" sz="2400" dirty="0" smtClean="0"/>
-              <a:t>详见</a:t>
-            </a:r>
-            <a:r>
-              <a:rPr lang="en-US" altLang="zh-CN" sz="2400" dirty="0" smtClean="0"/>
-              <a:t>Project</a:t>
-            </a:r>
-            <a:endParaRPr lang="zh-CN" altLang="en-US" sz="2400" dirty="0"/>
-          </a:p>
-        </p:txBody>
-      </p:sp>
-    </p:spTree>
-    <p:extLst>
-      <p:ext uri="{BB962C8B-B14F-4D97-AF65-F5344CB8AC3E}">
-        <p14:creationId xmlns:p14="http://schemas.microsoft.com/office/powerpoint/2010/main" val="3819925019"/>
       </p:ext>
     </p:extLst>
   </p:cSld>
@@ -22729,6 +22635,158 @@
           <a:p>
             <a:r>
               <a:rPr kumimoji="1" lang="en-US" altLang="zh-CN" dirty="0" smtClean="0"/>
+              <a:t>06</a:t>
+            </a:r>
+            <a:endParaRPr kumimoji="1" lang="zh-CN" altLang="en-US" dirty="0"/>
+          </a:p>
+        </p:txBody>
+      </p:sp>
+      <p:sp>
+        <p:nvSpPr>
+          <p:cNvPr id="3" name="文本占位符 2"/>
+          <p:cNvSpPr>
+            <a:spLocks noGrp="1"/>
+          </p:cNvSpPr>
+          <p:nvPr>
+            <p:ph type="body" sz="quarter" idx="13"/>
+          </p:nvPr>
+        </p:nvSpPr>
+        <p:spPr/>
+        <p:txBody>
+          <a:bodyPr/>
+          <a:lstStyle/>
+          <a:p>
+            <a:r>
+              <a:rPr kumimoji="1" lang="zh-CN" altLang="en-US" dirty="0" smtClean="0"/>
+              <a:t>甘特图</a:t>
+            </a:r>
+            <a:endParaRPr kumimoji="1" lang="zh-CN" altLang="en-US" dirty="0"/>
+          </a:p>
+        </p:txBody>
+      </p:sp>
+      <p:pic>
+        <p:nvPicPr>
+          <p:cNvPr id="8" name="图片 7"/>
+          <p:cNvPicPr>
+            <a:picLocks noChangeAspect="1"/>
+          </p:cNvPicPr>
+          <p:nvPr/>
+        </p:nvPicPr>
+        <p:blipFill>
+          <a:blip r:embed="rId2">
+            <a:extLst>
+              <a:ext uri="{28A0092B-C50C-407E-A947-70E740481C1C}">
+                <a14:useLocalDpi xmlns:a14="http://schemas.microsoft.com/office/drawing/2010/main" val="0"/>
+              </a:ext>
+            </a:extLst>
+          </a:blip>
+          <a:stretch>
+            <a:fillRect/>
+          </a:stretch>
+        </p:blipFill>
+        <p:spPr>
+          <a:xfrm>
+            <a:off x="9657864" y="288560"/>
+            <a:ext cx="2244436" cy="713763"/>
+          </a:xfrm>
+          <a:prstGeom prst="rect">
+            <a:avLst/>
+          </a:prstGeom>
+        </p:spPr>
+      </p:pic>
+      <p:sp>
+        <p:nvSpPr>
+          <p:cNvPr id="5" name="文本框 4"/>
+          <p:cNvSpPr txBox="1"/>
+          <p:nvPr/>
+        </p:nvSpPr>
+        <p:spPr>
+          <a:xfrm>
+            <a:off x="2198077" y="2703594"/>
+            <a:ext cx="8053754" cy="461665"/>
+          </a:xfrm>
+          <a:prstGeom prst="rect">
+            <a:avLst/>
+          </a:prstGeom>
+          <a:noFill/>
+        </p:spPr>
+        <p:txBody>
+          <a:bodyPr wrap="square" rtlCol="0">
+            <a:spAutoFit/>
+          </a:bodyPr>
+          <a:lstStyle/>
+          <a:p>
+            <a:r>
+              <a:rPr lang="zh-CN" altLang="en-US" sz="2400" dirty="0" smtClean="0"/>
+              <a:t>详见</a:t>
+            </a:r>
+            <a:r>
+              <a:rPr lang="en-US" altLang="zh-CN" sz="2400" dirty="0" smtClean="0"/>
+              <a:t>Project</a:t>
+            </a:r>
+            <a:endParaRPr lang="zh-CN" altLang="en-US" sz="2400" dirty="0"/>
+          </a:p>
+        </p:txBody>
+      </p:sp>
+    </p:spTree>
+    <p:extLst>
+      <p:ext uri="{BB962C8B-B14F-4D97-AF65-F5344CB8AC3E}">
+        <p14:creationId xmlns:p14="http://schemas.microsoft.com/office/powerpoint/2010/main" val="3819925019"/>
+      </p:ext>
+    </p:extLst>
+  </p:cSld>
+  <p:clrMapOvr>
+    <a:masterClrMapping/>
+  </p:clrMapOvr>
+  <mc:AlternateContent xmlns:mc="http://schemas.openxmlformats.org/markup-compatibility/2006" xmlns:p14="http://schemas.microsoft.com/office/powerpoint/2010/main">
+    <mc:Choice Requires="p14">
+      <p:transition spd="med" p14:dur="700">
+        <p:fade/>
+      </p:transition>
+    </mc:Choice>
+    <mc:Fallback xmlns="">
+      <p:transition spd="med">
+        <p:fade/>
+      </p:transition>
+    </mc:Fallback>
+  </mc:AlternateContent>
+</p:sld>
+</file>
+
+<file path=ppt/slides/slide21.xml><?xml version="1.0" encoding="utf-8"?>
+<p:sld xmlns:a="http://schemas.openxmlformats.org/drawingml/2006/main" xmlns:r="http://schemas.openxmlformats.org/officeDocument/2006/relationships" xmlns:p="http://schemas.openxmlformats.org/presentationml/2006/main">
+  <p:cSld>
+    <p:spTree>
+      <p:nvGrpSpPr>
+        <p:cNvPr id="1" name=""/>
+        <p:cNvGrpSpPr/>
+        <p:nvPr/>
+      </p:nvGrpSpPr>
+      <p:grpSpPr>
+        <a:xfrm>
+          <a:off x="0" y="0"/>
+          <a:ext cx="0" cy="0"/>
+          <a:chOff x="0" y="0"/>
+          <a:chExt cx="0" cy="0"/>
+        </a:xfrm>
+      </p:grpSpPr>
+      <p:sp>
+        <p:nvSpPr>
+          <p:cNvPr id="2" name="文本占位符 1"/>
+          <p:cNvSpPr>
+            <a:spLocks noGrp="1"/>
+          </p:cNvSpPr>
+          <p:nvPr>
+            <p:ph type="body" sz="quarter" idx="12"/>
+          </p:nvPr>
+        </p:nvSpPr>
+        <p:spPr/>
+        <p:txBody>
+          <a:bodyPr/>
+          <a:lstStyle/>
+          <a:p>
+            <a:r>
+              <a:rPr kumimoji="1" lang="en-US" altLang="zh-CN" dirty="0" smtClean="0"/>
               <a:t>07</a:t>
             </a:r>
             <a:endParaRPr kumimoji="1" lang="zh-CN" altLang="en-US" dirty="0"/>
@@ -22813,7 +22871,7 @@
 </p:sld>
 </file>
 
-<file path=ppt/slides/slide21.xml><?xml version="1.0" encoding="utf-8"?>
+<file path=ppt/slides/slide22.xml><?xml version="1.0" encoding="utf-8"?>
 <p:sld xmlns:a="http://schemas.openxmlformats.org/drawingml/2006/main" xmlns:r="http://schemas.openxmlformats.org/officeDocument/2006/relationships" xmlns:p="http://schemas.openxmlformats.org/presentationml/2006/main">
   <p:cSld>
     <p:spTree>
@@ -23007,19 +23065,7 @@
                 </a:solidFill>
                 <a:ea typeface="微软雅黑" charset="0"/>
               </a:rPr>
-              <a:t>项目</a:t>
-            </a:r>
-            <a:r>
-              <a:rPr lang="zh-CN" altLang="en-US" sz="2400" b="1" kern="0" dirty="0" smtClean="0">
-                <a:solidFill>
-                  <a:schemeClr val="tx1">
-                    <a:lumMod val="75000"/>
-                    <a:lumOff val="25000"/>
-                  </a:schemeClr>
-                </a:solidFill>
-                <a:ea typeface="微软雅黑" charset="0"/>
-              </a:rPr>
-              <a:t>资源</a:t>
+              <a:t>项目资源</a:t>
             </a:r>
             <a:endParaRPr lang="en-US" altLang="zh-CN" sz="2400" b="1" kern="0" dirty="0">
               <a:solidFill>
@@ -23200,14 +23246,14 @@
                 <a:gridCol w="2866771">
                   <a:extLst>
                     <a:ext uri="{9D8B030D-6E8A-4147-A177-3AD203B41FA5}">
-                      <a16:colId xmlns:a16="http://schemas.microsoft.com/office/drawing/2014/main" val="1202296408"/>
+                      <a16:colId xmlns:a16="http://schemas.microsoft.com/office/drawing/2014/main" xmlns="" val="1202296408"/>
                     </a:ext>
                   </a:extLst>
                 </a:gridCol>
                 <a:gridCol w="2866771">
                   <a:extLst>
                     <a:ext uri="{9D8B030D-6E8A-4147-A177-3AD203B41FA5}">
-                      <a16:colId xmlns:a16="http://schemas.microsoft.com/office/drawing/2014/main" val="282047591"/>
+                      <a16:colId xmlns:a16="http://schemas.microsoft.com/office/drawing/2014/main" xmlns="" val="282047591"/>
                     </a:ext>
                   </a:extLst>
                 </a:gridCol>
@@ -23279,7 +23325,7 @@
                 </a:tc>
                 <a:extLst>
                   <a:ext uri="{0D108BD9-81ED-4DB2-BD59-A6C34878D82A}">
-                    <a16:rowId xmlns:a16="http://schemas.microsoft.com/office/drawing/2014/main" val="2546144726"/>
+                    <a16:rowId xmlns:a16="http://schemas.microsoft.com/office/drawing/2014/main" xmlns="" val="2546144726"/>
                   </a:ext>
                 </a:extLst>
               </a:tr>
@@ -23350,7 +23396,7 @@
                 </a:tc>
                 <a:extLst>
                   <a:ext uri="{0D108BD9-81ED-4DB2-BD59-A6C34878D82A}">
-                    <a16:rowId xmlns:a16="http://schemas.microsoft.com/office/drawing/2014/main" val="4177879628"/>
+                    <a16:rowId xmlns:a16="http://schemas.microsoft.com/office/drawing/2014/main" xmlns="" val="4177879628"/>
                   </a:ext>
                 </a:extLst>
               </a:tr>
@@ -23421,7 +23467,7 @@
                 </a:tc>
                 <a:extLst>
                   <a:ext uri="{0D108BD9-81ED-4DB2-BD59-A6C34878D82A}">
-                    <a16:rowId xmlns:a16="http://schemas.microsoft.com/office/drawing/2014/main" val="3367308179"/>
+                    <a16:rowId xmlns:a16="http://schemas.microsoft.com/office/drawing/2014/main" xmlns="" val="3367308179"/>
                   </a:ext>
                 </a:extLst>
               </a:tr>
@@ -23492,7 +23538,7 @@
                 </a:tc>
                 <a:extLst>
                   <a:ext uri="{0D108BD9-81ED-4DB2-BD59-A6C34878D82A}">
-                    <a16:rowId xmlns:a16="http://schemas.microsoft.com/office/drawing/2014/main" val="2709575355"/>
+                    <a16:rowId xmlns:a16="http://schemas.microsoft.com/office/drawing/2014/main" xmlns="" val="2709575355"/>
                   </a:ext>
                 </a:extLst>
               </a:tr>
@@ -23563,7 +23609,7 @@
                 </a:tc>
                 <a:extLst>
                   <a:ext uri="{0D108BD9-81ED-4DB2-BD59-A6C34878D82A}">
-                    <a16:rowId xmlns:a16="http://schemas.microsoft.com/office/drawing/2014/main" val="3006282385"/>
+                    <a16:rowId xmlns:a16="http://schemas.microsoft.com/office/drawing/2014/main" xmlns="" val="3006282385"/>
                   </a:ext>
                 </a:extLst>
               </a:tr>
@@ -23720,7 +23766,7 @@
 </p:sld>
 </file>
 
-<file path=ppt/slides/slide22.xml><?xml version="1.0" encoding="utf-8"?>
+<file path=ppt/slides/slide23.xml><?xml version="1.0" encoding="utf-8"?>
 <p:sld xmlns:a="http://schemas.openxmlformats.org/drawingml/2006/main" xmlns:r="http://schemas.openxmlformats.org/officeDocument/2006/relationships" xmlns:p="http://schemas.openxmlformats.org/presentationml/2006/main">
   <p:cSld>
     <p:spTree>
@@ -23838,7 +23884,7 @@
 </p:sld>
 </file>
 
-<file path=ppt/slides/slide23.xml><?xml version="1.0" encoding="utf-8"?>
+<file path=ppt/slides/slide24.xml><?xml version="1.0" encoding="utf-8"?>
 <p:sld xmlns:a="http://schemas.openxmlformats.org/drawingml/2006/main" xmlns:r="http://schemas.openxmlformats.org/officeDocument/2006/relationships" xmlns:p="http://schemas.openxmlformats.org/presentationml/2006/main">
   <p:cSld>
     <p:spTree>
@@ -23956,11 +24002,7 @@
             <a:pPr lvl="1"/>
             <a:r>
               <a:rPr lang="en-US" altLang="zh-CN" sz="2000" b="1" dirty="0" smtClean="0"/>
-              <a:t>8</a:t>
-            </a:r>
-            <a:r>
-              <a:rPr lang="en-US" altLang="zh-CN" sz="2000" b="1" dirty="0" smtClean="0"/>
-              <a:t>.1 </a:t>
+              <a:t>8.1 </a:t>
             </a:r>
             <a:r>
               <a:rPr lang="zh-CN" altLang="zh-CN" sz="2000" b="1" dirty="0" smtClean="0"/>
@@ -24129,28 +24171,28 @@
                 <a:gridCol w="1545777">
                   <a:extLst>
                     <a:ext uri="{9D8B030D-6E8A-4147-A177-3AD203B41FA5}">
-                      <a16:colId xmlns:a16="http://schemas.microsoft.com/office/drawing/2014/main" val="4150449218"/>
+                      <a16:colId xmlns:a16="http://schemas.microsoft.com/office/drawing/2014/main" xmlns="" val="4150449218"/>
                     </a:ext>
                   </a:extLst>
                 </a:gridCol>
                 <a:gridCol w="1545777">
                   <a:extLst>
                     <a:ext uri="{9D8B030D-6E8A-4147-A177-3AD203B41FA5}">
-                      <a16:colId xmlns:a16="http://schemas.microsoft.com/office/drawing/2014/main" val="552001015"/>
+                      <a16:colId xmlns:a16="http://schemas.microsoft.com/office/drawing/2014/main" xmlns="" val="552001015"/>
                     </a:ext>
                   </a:extLst>
                 </a:gridCol>
                 <a:gridCol w="1546502">
                   <a:extLst>
                     <a:ext uri="{9D8B030D-6E8A-4147-A177-3AD203B41FA5}">
-                      <a16:colId xmlns:a16="http://schemas.microsoft.com/office/drawing/2014/main" val="423837887"/>
+                      <a16:colId xmlns:a16="http://schemas.microsoft.com/office/drawing/2014/main" xmlns="" val="423837887"/>
                     </a:ext>
                   </a:extLst>
                 </a:gridCol>
                 <a:gridCol w="1546502">
                   <a:extLst>
                     <a:ext uri="{9D8B030D-6E8A-4147-A177-3AD203B41FA5}">
-                      <a16:colId xmlns:a16="http://schemas.microsoft.com/office/drawing/2014/main" val="1991782144"/>
+                      <a16:colId xmlns:a16="http://schemas.microsoft.com/office/drawing/2014/main" xmlns="" val="1991782144"/>
                     </a:ext>
                   </a:extLst>
                 </a:gridCol>
@@ -24286,7 +24328,7 @@
                 </a:tc>
                 <a:extLst>
                   <a:ext uri="{0D108BD9-81ED-4DB2-BD59-A6C34878D82A}">
-                    <a16:rowId xmlns:a16="http://schemas.microsoft.com/office/drawing/2014/main" val="2682630477"/>
+                    <a16:rowId xmlns:a16="http://schemas.microsoft.com/office/drawing/2014/main" xmlns="" val="2682630477"/>
                   </a:ext>
                 </a:extLst>
               </a:tr>
@@ -24430,7 +24472,7 @@
                 </a:tc>
                 <a:extLst>
                   <a:ext uri="{0D108BD9-81ED-4DB2-BD59-A6C34878D82A}">
-                    <a16:rowId xmlns:a16="http://schemas.microsoft.com/office/drawing/2014/main" val="1129953859"/>
+                    <a16:rowId xmlns:a16="http://schemas.microsoft.com/office/drawing/2014/main" xmlns="" val="1129953859"/>
                   </a:ext>
                 </a:extLst>
               </a:tr>
@@ -24574,7 +24616,7 @@
                 </a:tc>
                 <a:extLst>
                   <a:ext uri="{0D108BD9-81ED-4DB2-BD59-A6C34878D82A}">
-                    <a16:rowId xmlns:a16="http://schemas.microsoft.com/office/drawing/2014/main" val="1123021488"/>
+                    <a16:rowId xmlns:a16="http://schemas.microsoft.com/office/drawing/2014/main" xmlns="" val="1123021488"/>
                   </a:ext>
                 </a:extLst>
               </a:tr>
@@ -24718,7 +24760,7 @@
                 </a:tc>
                 <a:extLst>
                   <a:ext uri="{0D108BD9-81ED-4DB2-BD59-A6C34878D82A}">
-                    <a16:rowId xmlns:a16="http://schemas.microsoft.com/office/drawing/2014/main" val="4249180459"/>
+                    <a16:rowId xmlns:a16="http://schemas.microsoft.com/office/drawing/2014/main" xmlns="" val="4249180459"/>
                   </a:ext>
                 </a:extLst>
               </a:tr>
@@ -24853,7 +24895,7 @@
                 </a:tc>
                 <a:extLst>
                   <a:ext uri="{0D108BD9-81ED-4DB2-BD59-A6C34878D82A}">
-                    <a16:rowId xmlns:a16="http://schemas.microsoft.com/office/drawing/2014/main" val="3346767668"/>
+                    <a16:rowId xmlns:a16="http://schemas.microsoft.com/office/drawing/2014/main" xmlns="" val="3346767668"/>
                   </a:ext>
                 </a:extLst>
               </a:tr>
@@ -24997,7 +25039,7 @@
                 </a:tc>
                 <a:extLst>
                   <a:ext uri="{0D108BD9-81ED-4DB2-BD59-A6C34878D82A}">
-                    <a16:rowId xmlns:a16="http://schemas.microsoft.com/office/drawing/2014/main" val="4058183928"/>
+                    <a16:rowId xmlns:a16="http://schemas.microsoft.com/office/drawing/2014/main" xmlns="" val="4058183928"/>
                   </a:ext>
                 </a:extLst>
               </a:tr>
@@ -25030,7 +25072,7 @@
 </p:sld>
 </file>
 
-<file path=ppt/slides/slide24.xml><?xml version="1.0" encoding="utf-8"?>
+<file path=ppt/slides/slide25.xml><?xml version="1.0" encoding="utf-8"?>
 <p:sld xmlns:a="http://schemas.openxmlformats.org/drawingml/2006/main" xmlns:r="http://schemas.openxmlformats.org/officeDocument/2006/relationships" xmlns:p="http://schemas.openxmlformats.org/presentationml/2006/main">
   <p:cSld>
     <p:spTree>
@@ -25160,7 +25202,7 @@
 </p:sld>
 </file>
 
-<file path=ppt/slides/slide25.xml><?xml version="1.0" encoding="utf-8"?>
+<file path=ppt/slides/slide26.xml><?xml version="1.0" encoding="utf-8"?>
 <p:sld xmlns:a="http://schemas.openxmlformats.org/drawingml/2006/main" xmlns:r="http://schemas.openxmlformats.org/officeDocument/2006/relationships" xmlns:p="http://schemas.openxmlformats.org/presentationml/2006/main">
   <p:cSld>
     <p:spTree>
@@ -25477,7 +25519,7 @@
 </p:sld>
 </file>
 
-<file path=ppt/slides/slide26.xml><?xml version="1.0" encoding="utf-8"?>
+<file path=ppt/slides/slide27.xml><?xml version="1.0" encoding="utf-8"?>
 <p:sld xmlns:a="http://schemas.openxmlformats.org/drawingml/2006/main" xmlns:r="http://schemas.openxmlformats.org/officeDocument/2006/relationships" xmlns:p="http://schemas.openxmlformats.org/presentationml/2006/main">
   <p:cSld>
     <p:spTree>
@@ -25539,7 +25581,11 @@
           <a:p>
             <a:r>
               <a:rPr kumimoji="1" lang="zh-CN" altLang="en-US" sz="6600" dirty="0" smtClean="0"/>
-              <a:t>组内分工</a:t>
+              <a:t>组内</a:t>
+            </a:r>
+            <a:r>
+              <a:rPr kumimoji="1" lang="zh-CN" altLang="en-US" sz="6600" dirty="0" smtClean="0"/>
+              <a:t>分工及评分</a:t>
             </a:r>
             <a:endParaRPr kumimoji="1" lang="zh-CN" altLang="en-US" sz="6600" dirty="0"/>
           </a:p>
@@ -25603,7 +25649,19 @@
             </a:r>
             <a:r>
               <a:rPr lang="zh-CN" altLang="en-US" dirty="0" smtClean="0"/>
-              <a:t>坤：项目计划的制定</a:t>
+              <a:t>坤：项目计划的</a:t>
+            </a:r>
+            <a:r>
+              <a:rPr lang="zh-CN" altLang="en-US" dirty="0" smtClean="0"/>
+              <a:t>制定</a:t>
+            </a:r>
+            <a:r>
+              <a:rPr lang="en-US" altLang="zh-CN" dirty="0" smtClean="0"/>
+              <a:t>-5</a:t>
+            </a:r>
+            <a:r>
+              <a:rPr lang="zh-CN" altLang="en-US" dirty="0" smtClean="0"/>
+              <a:t>分</a:t>
             </a:r>
             <a:endParaRPr lang="en-US" altLang="zh-CN" dirty="0" smtClean="0"/>
           </a:p>
@@ -25621,7 +25679,19 @@
             </a:r>
             <a:r>
               <a:rPr lang="zh-CN" altLang="en-US" dirty="0" smtClean="0"/>
-              <a:t>内容填充</a:t>
+              <a:t>内容</a:t>
+            </a:r>
+            <a:r>
+              <a:rPr lang="zh-CN" altLang="en-US" dirty="0" smtClean="0"/>
+              <a:t>填充</a:t>
+            </a:r>
+            <a:r>
+              <a:rPr lang="en-US" altLang="zh-CN" dirty="0" smtClean="0"/>
+              <a:t>-3</a:t>
+            </a:r>
+            <a:r>
+              <a:rPr lang="zh-CN" altLang="en-US" dirty="0" smtClean="0"/>
+              <a:t>分</a:t>
             </a:r>
             <a:endParaRPr lang="en-US" altLang="zh-CN" dirty="0" smtClean="0"/>
           </a:p>
@@ -25643,7 +25713,19 @@
             </a:r>
             <a:r>
               <a:rPr lang="zh-CN" altLang="en-US" dirty="0"/>
-              <a:t>制作、项目计划的制定</a:t>
+              <a:t>制作、项目计划的</a:t>
+            </a:r>
+            <a:r>
+              <a:rPr lang="zh-CN" altLang="en-US" dirty="0" smtClean="0"/>
+              <a:t>制定</a:t>
+            </a:r>
+            <a:r>
+              <a:rPr lang="en-US" altLang="zh-CN" dirty="0" smtClean="0"/>
+              <a:t>-4</a:t>
+            </a:r>
+            <a:r>
+              <a:rPr lang="zh-CN" altLang="en-US" dirty="0" smtClean="0"/>
+              <a:t>分</a:t>
             </a:r>
             <a:endParaRPr lang="en-US" altLang="zh-CN" dirty="0"/>
           </a:p>
@@ -25684,7 +25766,7 @@
 </p:sld>
 </file>
 
-<file path=ppt/slides/slide27.xml><?xml version="1.0" encoding="utf-8"?>
+<file path=ppt/slides/slide28.xml><?xml version="1.0" encoding="utf-8"?>
 <p:sld xmlns:a="http://schemas.openxmlformats.org/drawingml/2006/main" xmlns:r="http://schemas.openxmlformats.org/officeDocument/2006/relationships" xmlns:p="http://schemas.openxmlformats.org/presentationml/2006/main">
   <p:cSld>
     <p:spTree>
@@ -26983,7 +27065,6 @@
               <a:rPr kumimoji="1" lang="zh-CN" altLang="en-US" dirty="0"/>
               <a:t>交付产品</a:t>
             </a:r>
-            <a:endParaRPr kumimoji="1" lang="zh-CN" altLang="en-US" dirty="0"/>
           </a:p>
         </p:txBody>
       </p:sp>
@@ -27281,7 +27362,6 @@
               <a:rPr kumimoji="1" lang="zh-CN" altLang="en-US" dirty="0"/>
               <a:t>交付产品</a:t>
             </a:r>
-            <a:endParaRPr kumimoji="1" lang="zh-CN" altLang="en-US" dirty="0"/>
           </a:p>
         </p:txBody>
       </p:sp>
@@ -27445,21 +27525,21 @@
                 <a:gridCol w="1154925">
                   <a:extLst>
                     <a:ext uri="{9D8B030D-6E8A-4147-A177-3AD203B41FA5}">
-                      <a16:colId xmlns:a16="http://schemas.microsoft.com/office/drawing/2014/main" val="419074878"/>
+                      <a16:colId xmlns:a16="http://schemas.microsoft.com/office/drawing/2014/main" xmlns="" val="419074878"/>
                     </a:ext>
                   </a:extLst>
                 </a:gridCol>
                 <a:gridCol w="3576602">
                   <a:extLst>
                     <a:ext uri="{9D8B030D-6E8A-4147-A177-3AD203B41FA5}">
-                      <a16:colId xmlns:a16="http://schemas.microsoft.com/office/drawing/2014/main" val="721394238"/>
+                      <a16:colId xmlns:a16="http://schemas.microsoft.com/office/drawing/2014/main" xmlns="" val="721394238"/>
                     </a:ext>
                   </a:extLst>
                 </a:gridCol>
                 <a:gridCol w="3484054">
                   <a:extLst>
                     <a:ext uri="{9D8B030D-6E8A-4147-A177-3AD203B41FA5}">
-                      <a16:colId xmlns:a16="http://schemas.microsoft.com/office/drawing/2014/main" val="4088924978"/>
+                      <a16:colId xmlns:a16="http://schemas.microsoft.com/office/drawing/2014/main" xmlns="" val="4088924978"/>
                     </a:ext>
                   </a:extLst>
                 </a:gridCol>
@@ -27563,7 +27643,7 @@
                 </a:tc>
                 <a:extLst>
                   <a:ext uri="{0D108BD9-81ED-4DB2-BD59-A6C34878D82A}">
-                    <a16:rowId xmlns:a16="http://schemas.microsoft.com/office/drawing/2014/main" val="854070103"/>
+                    <a16:rowId xmlns:a16="http://schemas.microsoft.com/office/drawing/2014/main" xmlns="" val="854070103"/>
                   </a:ext>
                 </a:extLst>
               </a:tr>
@@ -27666,7 +27746,7 @@
                 </a:tc>
                 <a:extLst>
                   <a:ext uri="{0D108BD9-81ED-4DB2-BD59-A6C34878D82A}">
-                    <a16:rowId xmlns:a16="http://schemas.microsoft.com/office/drawing/2014/main" val="531728956"/>
+                    <a16:rowId xmlns:a16="http://schemas.microsoft.com/office/drawing/2014/main" xmlns="" val="531728956"/>
                   </a:ext>
                 </a:extLst>
               </a:tr>
@@ -27769,7 +27849,7 @@
                 </a:tc>
                 <a:extLst>
                   <a:ext uri="{0D108BD9-81ED-4DB2-BD59-A6C34878D82A}">
-                    <a16:rowId xmlns:a16="http://schemas.microsoft.com/office/drawing/2014/main" val="1484615317"/>
+                    <a16:rowId xmlns:a16="http://schemas.microsoft.com/office/drawing/2014/main" xmlns="" val="1484615317"/>
                   </a:ext>
                 </a:extLst>
               </a:tr>
@@ -27872,7 +27952,7 @@
                 </a:tc>
                 <a:extLst>
                   <a:ext uri="{0D108BD9-81ED-4DB2-BD59-A6C34878D82A}">
-                    <a16:rowId xmlns:a16="http://schemas.microsoft.com/office/drawing/2014/main" val="517339105"/>
+                    <a16:rowId xmlns:a16="http://schemas.microsoft.com/office/drawing/2014/main" xmlns="" val="517339105"/>
                   </a:ext>
                 </a:extLst>
               </a:tr>
@@ -27975,7 +28055,7 @@
                 </a:tc>
                 <a:extLst>
                   <a:ext uri="{0D108BD9-81ED-4DB2-BD59-A6C34878D82A}">
-                    <a16:rowId xmlns:a16="http://schemas.microsoft.com/office/drawing/2014/main" val="2443013845"/>
+                    <a16:rowId xmlns:a16="http://schemas.microsoft.com/office/drawing/2014/main" xmlns="" val="2443013845"/>
                   </a:ext>
                 </a:extLst>
               </a:tr>
@@ -28078,7 +28158,7 @@
                 </a:tc>
                 <a:extLst>
                   <a:ext uri="{0D108BD9-81ED-4DB2-BD59-A6C34878D82A}">
-                    <a16:rowId xmlns:a16="http://schemas.microsoft.com/office/drawing/2014/main" val="868796799"/>
+                    <a16:rowId xmlns:a16="http://schemas.microsoft.com/office/drawing/2014/main" xmlns="" val="868796799"/>
                   </a:ext>
                 </a:extLst>
               </a:tr>
@@ -28181,7 +28261,7 @@
                 </a:tc>
                 <a:extLst>
                   <a:ext uri="{0D108BD9-81ED-4DB2-BD59-A6C34878D82A}">
-                    <a16:rowId xmlns:a16="http://schemas.microsoft.com/office/drawing/2014/main" val="2902440526"/>
+                    <a16:rowId xmlns:a16="http://schemas.microsoft.com/office/drawing/2014/main" xmlns="" val="2902440526"/>
                   </a:ext>
                 </a:extLst>
               </a:tr>
@@ -28284,7 +28364,7 @@
                 </a:tc>
                 <a:extLst>
                   <a:ext uri="{0D108BD9-81ED-4DB2-BD59-A6C34878D82A}">
-                    <a16:rowId xmlns:a16="http://schemas.microsoft.com/office/drawing/2014/main" val="63242385"/>
+                    <a16:rowId xmlns:a16="http://schemas.microsoft.com/office/drawing/2014/main" xmlns="" val="63242385"/>
                   </a:ext>
                 </a:extLst>
               </a:tr>
@@ -28387,7 +28467,7 @@
                 </a:tc>
                 <a:extLst>
                   <a:ext uri="{0D108BD9-81ED-4DB2-BD59-A6C34878D82A}">
-                    <a16:rowId xmlns:a16="http://schemas.microsoft.com/office/drawing/2014/main" val="877438879"/>
+                    <a16:rowId xmlns:a16="http://schemas.microsoft.com/office/drawing/2014/main" xmlns="" val="877438879"/>
                   </a:ext>
                 </a:extLst>
               </a:tr>
@@ -28479,7 +28559,6 @@
               <a:rPr kumimoji="1" lang="zh-CN" altLang="en-US" dirty="0"/>
               <a:t>交付产品</a:t>
             </a:r>
-            <a:endParaRPr kumimoji="1" lang="zh-CN" altLang="en-US" dirty="0"/>
           </a:p>
         </p:txBody>
       </p:sp>
@@ -28640,14 +28719,14 @@
                 <a:gridCol w="3852106">
                   <a:extLst>
                     <a:ext uri="{9D8B030D-6E8A-4147-A177-3AD203B41FA5}">
-                      <a16:colId xmlns:a16="http://schemas.microsoft.com/office/drawing/2014/main" val="842905482"/>
+                      <a16:colId xmlns:a16="http://schemas.microsoft.com/office/drawing/2014/main" xmlns="" val="842905482"/>
                     </a:ext>
                   </a:extLst>
                 </a:gridCol>
                 <a:gridCol w="3852106">
                   <a:extLst>
                     <a:ext uri="{9D8B030D-6E8A-4147-A177-3AD203B41FA5}">
-                      <a16:colId xmlns:a16="http://schemas.microsoft.com/office/drawing/2014/main" val="3133004606"/>
+                      <a16:colId xmlns:a16="http://schemas.microsoft.com/office/drawing/2014/main" xmlns="" val="3133004606"/>
                     </a:ext>
                   </a:extLst>
                 </a:gridCol>
@@ -28719,7 +28798,7 @@
                 </a:tc>
                 <a:extLst>
                   <a:ext uri="{0D108BD9-81ED-4DB2-BD59-A6C34878D82A}">
-                    <a16:rowId xmlns:a16="http://schemas.microsoft.com/office/drawing/2014/main" val="822255073"/>
+                    <a16:rowId xmlns:a16="http://schemas.microsoft.com/office/drawing/2014/main" xmlns="" val="822255073"/>
                   </a:ext>
                 </a:extLst>
               </a:tr>
@@ -28799,7 +28878,7 @@
                 </a:tc>
                 <a:extLst>
                   <a:ext uri="{0D108BD9-81ED-4DB2-BD59-A6C34878D82A}">
-                    <a16:rowId xmlns:a16="http://schemas.microsoft.com/office/drawing/2014/main" val="2139038772"/>
+                    <a16:rowId xmlns:a16="http://schemas.microsoft.com/office/drawing/2014/main" xmlns="" val="2139038772"/>
                   </a:ext>
                 </a:extLst>
               </a:tr>
@@ -28879,7 +28958,7 @@
                 </a:tc>
                 <a:extLst>
                   <a:ext uri="{0D108BD9-81ED-4DB2-BD59-A6C34878D82A}">
-                    <a16:rowId xmlns:a16="http://schemas.microsoft.com/office/drawing/2014/main" val="2372518354"/>
+                    <a16:rowId xmlns:a16="http://schemas.microsoft.com/office/drawing/2014/main" xmlns="" val="2372518354"/>
                   </a:ext>
                 </a:extLst>
               </a:tr>
@@ -28959,7 +29038,7 @@
                 </a:tc>
                 <a:extLst>
                   <a:ext uri="{0D108BD9-81ED-4DB2-BD59-A6C34878D82A}">
-                    <a16:rowId xmlns:a16="http://schemas.microsoft.com/office/drawing/2014/main" val="4068666150"/>
+                    <a16:rowId xmlns:a16="http://schemas.microsoft.com/office/drawing/2014/main" xmlns="" val="4068666150"/>
                   </a:ext>
                 </a:extLst>
               </a:tr>
@@ -29039,7 +29118,7 @@
                 </a:tc>
                 <a:extLst>
                   <a:ext uri="{0D108BD9-81ED-4DB2-BD59-A6C34878D82A}">
-                    <a16:rowId xmlns:a16="http://schemas.microsoft.com/office/drawing/2014/main" val="4280705887"/>
+                    <a16:rowId xmlns:a16="http://schemas.microsoft.com/office/drawing/2014/main" xmlns="" val="4280705887"/>
                   </a:ext>
                 </a:extLst>
               </a:tr>
@@ -29119,7 +29198,7 @@
                 </a:tc>
                 <a:extLst>
                   <a:ext uri="{0D108BD9-81ED-4DB2-BD59-A6C34878D82A}">
-                    <a16:rowId xmlns:a16="http://schemas.microsoft.com/office/drawing/2014/main" val="316362367"/>
+                    <a16:rowId xmlns:a16="http://schemas.microsoft.com/office/drawing/2014/main" xmlns="" val="316362367"/>
                   </a:ext>
                 </a:extLst>
               </a:tr>
@@ -29211,7 +29290,6 @@
               <a:rPr kumimoji="1" lang="zh-CN" altLang="en-US" dirty="0"/>
               <a:t>交付产品</a:t>
             </a:r>
-            <a:endParaRPr kumimoji="1" lang="zh-CN" altLang="en-US" dirty="0"/>
           </a:p>
         </p:txBody>
       </p:sp>
@@ -29369,21 +29447,21 @@
                 <a:gridCol w="1357127">
                   <a:extLst>
                     <a:ext uri="{9D8B030D-6E8A-4147-A177-3AD203B41FA5}">
-                      <a16:colId xmlns:a16="http://schemas.microsoft.com/office/drawing/2014/main" val="1601494629"/>
+                      <a16:colId xmlns:a16="http://schemas.microsoft.com/office/drawing/2014/main" xmlns="" val="1601494629"/>
                     </a:ext>
                   </a:extLst>
                 </a:gridCol>
                 <a:gridCol w="4202790">
                   <a:extLst>
                     <a:ext uri="{9D8B030D-6E8A-4147-A177-3AD203B41FA5}">
-                      <a16:colId xmlns:a16="http://schemas.microsoft.com/office/drawing/2014/main" val="1609913802"/>
+                      <a16:colId xmlns:a16="http://schemas.microsoft.com/office/drawing/2014/main" xmlns="" val="1609913802"/>
                     </a:ext>
                   </a:extLst>
                 </a:gridCol>
                 <a:gridCol w="4094037">
                   <a:extLst>
                     <a:ext uri="{9D8B030D-6E8A-4147-A177-3AD203B41FA5}">
-                      <a16:colId xmlns:a16="http://schemas.microsoft.com/office/drawing/2014/main" val="907974138"/>
+                      <a16:colId xmlns:a16="http://schemas.microsoft.com/office/drawing/2014/main" xmlns="" val="907974138"/>
                     </a:ext>
                   </a:extLst>
                 </a:gridCol>
@@ -29487,7 +29565,7 @@
                 </a:tc>
                 <a:extLst>
                   <a:ext uri="{0D108BD9-81ED-4DB2-BD59-A6C34878D82A}">
-                    <a16:rowId xmlns:a16="http://schemas.microsoft.com/office/drawing/2014/main" val="1011311202"/>
+                    <a16:rowId xmlns:a16="http://schemas.microsoft.com/office/drawing/2014/main" xmlns="" val="1011311202"/>
                   </a:ext>
                 </a:extLst>
               </a:tr>
@@ -29709,7 +29787,7 @@
                 </a:tc>
                 <a:extLst>
                   <a:ext uri="{0D108BD9-81ED-4DB2-BD59-A6C34878D82A}">
-                    <a16:rowId xmlns:a16="http://schemas.microsoft.com/office/drawing/2014/main" val="195626558"/>
+                    <a16:rowId xmlns:a16="http://schemas.microsoft.com/office/drawing/2014/main" xmlns="" val="195626558"/>
                   </a:ext>
                 </a:extLst>
               </a:tr>
@@ -29850,7 +29928,7 @@
                 </a:tc>
                 <a:extLst>
                   <a:ext uri="{0D108BD9-81ED-4DB2-BD59-A6C34878D82A}">
-                    <a16:rowId xmlns:a16="http://schemas.microsoft.com/office/drawing/2014/main" val="1289658045"/>
+                    <a16:rowId xmlns:a16="http://schemas.microsoft.com/office/drawing/2014/main" xmlns="" val="1289658045"/>
                   </a:ext>
                 </a:extLst>
               </a:tr>
@@ -29962,7 +30040,7 @@
                 </a:tc>
                 <a:extLst>
                   <a:ext uri="{0D108BD9-81ED-4DB2-BD59-A6C34878D82A}">
-                    <a16:rowId xmlns:a16="http://schemas.microsoft.com/office/drawing/2014/main" val="1319405084"/>
+                    <a16:rowId xmlns:a16="http://schemas.microsoft.com/office/drawing/2014/main" xmlns="" val="1319405084"/>
                   </a:ext>
                 </a:extLst>
               </a:tr>
@@ -30067,7 +30145,7 @@
                 </a:tc>
                 <a:extLst>
                   <a:ext uri="{0D108BD9-81ED-4DB2-BD59-A6C34878D82A}">
-                    <a16:rowId xmlns:a16="http://schemas.microsoft.com/office/drawing/2014/main" val="3549935237"/>
+                    <a16:rowId xmlns:a16="http://schemas.microsoft.com/office/drawing/2014/main" xmlns="" val="3549935237"/>
                   </a:ext>
                 </a:extLst>
               </a:tr>
@@ -30226,7 +30304,7 @@
                 </a:tc>
                 <a:extLst>
                   <a:ext uri="{0D108BD9-81ED-4DB2-BD59-A6C34878D82A}">
-                    <a16:rowId xmlns:a16="http://schemas.microsoft.com/office/drawing/2014/main" val="3595368264"/>
+                    <a16:rowId xmlns:a16="http://schemas.microsoft.com/office/drawing/2014/main" xmlns="" val="3595368264"/>
                   </a:ext>
                 </a:extLst>
               </a:tr>
@@ -30329,7 +30407,7 @@
                 </a:tc>
                 <a:extLst>
                   <a:ext uri="{0D108BD9-81ED-4DB2-BD59-A6C34878D82A}">
-                    <a16:rowId xmlns:a16="http://schemas.microsoft.com/office/drawing/2014/main" val="786863756"/>
+                    <a16:rowId xmlns:a16="http://schemas.microsoft.com/office/drawing/2014/main" xmlns="" val="786863756"/>
                   </a:ext>
                 </a:extLst>
               </a:tr>
@@ -30560,7 +30638,7 @@
                 </a:tc>
                 <a:extLst>
                   <a:ext uri="{0D108BD9-81ED-4DB2-BD59-A6C34878D82A}">
-                    <a16:rowId xmlns:a16="http://schemas.microsoft.com/office/drawing/2014/main" val="2244806116"/>
+                    <a16:rowId xmlns:a16="http://schemas.microsoft.com/office/drawing/2014/main" xmlns="" val="2244806116"/>
                   </a:ext>
                 </a:extLst>
               </a:tr>
@@ -30663,7 +30741,7 @@
                 </a:tc>
                 <a:extLst>
                   <a:ext uri="{0D108BD9-81ED-4DB2-BD59-A6C34878D82A}">
-                    <a16:rowId xmlns:a16="http://schemas.microsoft.com/office/drawing/2014/main" val="589714274"/>
+                    <a16:rowId xmlns:a16="http://schemas.microsoft.com/office/drawing/2014/main" xmlns="" val="589714274"/>
                   </a:ext>
                 </a:extLst>
               </a:tr>

--- a/doc/项目计划ppt.pptx
+++ b/doc/项目计划ppt.pptx
@@ -6,37 +6,40 @@
     <p:sldMasterId id="2147483679" r:id="rId2"/>
   </p:sldMasterIdLst>
   <p:notesMasterIdLst>
-    <p:notesMasterId r:id="rId31"/>
+    <p:notesMasterId r:id="rId34"/>
   </p:notesMasterIdLst>
   <p:sldIdLst>
     <p:sldId id="256" r:id="rId3"/>
     <p:sldId id="257" r:id="rId4"/>
     <p:sldId id="258" r:id="rId5"/>
     <p:sldId id="298" r:id="rId6"/>
-    <p:sldId id="297" r:id="rId7"/>
-    <p:sldId id="299" r:id="rId8"/>
-    <p:sldId id="300" r:id="rId9"/>
-    <p:sldId id="301" r:id="rId10"/>
-    <p:sldId id="302" r:id="rId11"/>
-    <p:sldId id="262" r:id="rId12"/>
-    <p:sldId id="303" r:id="rId13"/>
-    <p:sldId id="304" r:id="rId14"/>
-    <p:sldId id="305" r:id="rId15"/>
-    <p:sldId id="306" r:id="rId16"/>
-    <p:sldId id="307" r:id="rId17"/>
-    <p:sldId id="308" r:id="rId18"/>
-    <p:sldId id="309" r:id="rId19"/>
-    <p:sldId id="314" r:id="rId20"/>
-    <p:sldId id="310" r:id="rId21"/>
-    <p:sldId id="311" r:id="rId22"/>
-    <p:sldId id="289" r:id="rId23"/>
-    <p:sldId id="290" r:id="rId24"/>
-    <p:sldId id="293" r:id="rId25"/>
-    <p:sldId id="294" r:id="rId26"/>
-    <p:sldId id="274" r:id="rId27"/>
-    <p:sldId id="313" r:id="rId28"/>
-    <p:sldId id="312" r:id="rId29"/>
-    <p:sldId id="280" r:id="rId30"/>
+    <p:sldId id="315" r:id="rId7"/>
+    <p:sldId id="316" r:id="rId8"/>
+    <p:sldId id="317" r:id="rId9"/>
+    <p:sldId id="297" r:id="rId10"/>
+    <p:sldId id="299" r:id="rId11"/>
+    <p:sldId id="300" r:id="rId12"/>
+    <p:sldId id="301" r:id="rId13"/>
+    <p:sldId id="302" r:id="rId14"/>
+    <p:sldId id="262" r:id="rId15"/>
+    <p:sldId id="303" r:id="rId16"/>
+    <p:sldId id="304" r:id="rId17"/>
+    <p:sldId id="305" r:id="rId18"/>
+    <p:sldId id="306" r:id="rId19"/>
+    <p:sldId id="307" r:id="rId20"/>
+    <p:sldId id="308" r:id="rId21"/>
+    <p:sldId id="309" r:id="rId22"/>
+    <p:sldId id="314" r:id="rId23"/>
+    <p:sldId id="310" r:id="rId24"/>
+    <p:sldId id="311" r:id="rId25"/>
+    <p:sldId id="289" r:id="rId26"/>
+    <p:sldId id="290" r:id="rId27"/>
+    <p:sldId id="293" r:id="rId28"/>
+    <p:sldId id="294" r:id="rId29"/>
+    <p:sldId id="274" r:id="rId30"/>
+    <p:sldId id="313" r:id="rId31"/>
+    <p:sldId id="312" r:id="rId32"/>
+    <p:sldId id="280" r:id="rId33"/>
   </p:sldIdLst>
   <p:sldSz cx="12192000" cy="6858000"/>
   <p:notesSz cx="6858000" cy="9144000"/>
@@ -4709,7 +4712,7 @@
           <a:p>
             <a:fld id="{3E6E1E63-6347-BD4F-A808-7F54FA34CE72}" type="datetimeFigureOut">
               <a:rPr kumimoji="1" lang="zh-CN" altLang="en-US" smtClean="0"/>
-              <a:t>2017/10/29</a:t>
+              <a:t>2017/11/5</a:t>
             </a:fld>
             <a:endParaRPr kumimoji="1" lang="zh-CN" altLang="en-US"/>
           </a:p>
@@ -5125,7 +5128,7 @@
           <a:p>
             <a:fld id="{211EDE8F-5748-564A-B104-45C8D6344219}" type="slidenum">
               <a:rPr kumimoji="1" lang="zh-CN" altLang="en-US" smtClean="0"/>
-              <a:t>12</a:t>
+              <a:t>15</a:t>
             </a:fld>
             <a:endParaRPr kumimoji="1" lang="zh-CN" altLang="en-US"/>
           </a:p>
@@ -5209,7 +5212,7 @@
           <a:p>
             <a:fld id="{211EDE8F-5748-564A-B104-45C8D6344219}" type="slidenum">
               <a:rPr kumimoji="1" lang="zh-CN" altLang="en-US" smtClean="0"/>
-              <a:t>13</a:t>
+              <a:t>16</a:t>
             </a:fld>
             <a:endParaRPr kumimoji="1" lang="zh-CN" altLang="en-US"/>
           </a:p>
@@ -5293,7 +5296,7 @@
           <a:p>
             <a:fld id="{211EDE8F-5748-564A-B104-45C8D6344219}" type="slidenum">
               <a:rPr kumimoji="1" lang="zh-CN" altLang="en-US" smtClean="0"/>
-              <a:t>15</a:t>
+              <a:t>18</a:t>
             </a:fld>
             <a:endParaRPr kumimoji="1" lang="zh-CN" altLang="en-US"/>
           </a:p>
@@ -5377,7 +5380,7 @@
           <a:p>
             <a:fld id="{211EDE8F-5748-564A-B104-45C8D6344219}" type="slidenum">
               <a:rPr kumimoji="1" lang="zh-CN" altLang="en-US" smtClean="0"/>
-              <a:t>16</a:t>
+              <a:t>19</a:t>
             </a:fld>
             <a:endParaRPr kumimoji="1" lang="zh-CN" altLang="en-US"/>
           </a:p>
@@ -15322,6 +15325,3477 @@
             <p:ph type="body" sz="quarter" idx="12"/>
           </p:nvPr>
         </p:nvSpPr>
+        <p:spPr/>
+        <p:txBody>
+          <a:bodyPr/>
+          <a:lstStyle/>
+          <a:p>
+            <a:r>
+              <a:rPr kumimoji="1" lang="en-US" altLang="zh-CN" dirty="0" smtClean="0"/>
+              <a:t>02</a:t>
+            </a:r>
+            <a:endParaRPr kumimoji="1" lang="zh-CN" altLang="en-US" dirty="0"/>
+          </a:p>
+        </p:txBody>
+      </p:sp>
+      <p:sp>
+        <p:nvSpPr>
+          <p:cNvPr id="3" name="文本占位符 2"/>
+          <p:cNvSpPr>
+            <a:spLocks noGrp="1"/>
+          </p:cNvSpPr>
+          <p:nvPr>
+            <p:ph type="body" sz="quarter" idx="13"/>
+          </p:nvPr>
+        </p:nvSpPr>
+        <p:spPr/>
+        <p:txBody>
+          <a:bodyPr/>
+          <a:lstStyle/>
+          <a:p>
+            <a:r>
+              <a:rPr kumimoji="1" lang="zh-CN" altLang="en-US" dirty="0"/>
+              <a:t>交付产品</a:t>
+            </a:r>
+          </a:p>
+        </p:txBody>
+      </p:sp>
+      <p:sp>
+        <p:nvSpPr>
+          <p:cNvPr id="43" name="空心弧 42"/>
+          <p:cNvSpPr/>
+          <p:nvPr/>
+        </p:nvSpPr>
+        <p:spPr>
+          <a:xfrm rot="10800000">
+            <a:off x="8750883" y="1399035"/>
+            <a:ext cx="2712984" cy="2712984"/>
+          </a:xfrm>
+          <a:prstGeom prst="blockArc">
+            <a:avLst>
+              <a:gd name="adj1" fmla="val 10800000"/>
+              <a:gd name="adj2" fmla="val 21507443"/>
+              <a:gd name="adj3" fmla="val 2294"/>
+            </a:avLst>
+          </a:prstGeom>
+          <a:solidFill>
+            <a:schemeClr val="accent3">
+              <a:lumMod val="20000"/>
+              <a:lumOff val="80000"/>
+            </a:schemeClr>
+          </a:solidFill>
+          <a:ln>
+            <a:noFill/>
+          </a:ln>
+        </p:spPr>
+        <p:style>
+          <a:lnRef idx="2">
+            <a:schemeClr val="accent1">
+              <a:shade val="50000"/>
+            </a:schemeClr>
+          </a:lnRef>
+          <a:fillRef idx="1">
+            <a:schemeClr val="accent1"/>
+          </a:fillRef>
+          <a:effectRef idx="0">
+            <a:schemeClr val="accent1"/>
+          </a:effectRef>
+          <a:fontRef idx="minor">
+            <a:schemeClr val="lt1"/>
+          </a:fontRef>
+        </p:style>
+        <p:txBody>
+          <a:bodyPr rot="0" spcFirstLastPara="0" vertOverflow="overflow" horzOverflow="overflow" vert="horz" wrap="square" lIns="91440" tIns="45720" rIns="91440" bIns="45720" numCol="1" spcCol="0" rtlCol="0" fromWordArt="0" anchor="ctr" anchorCtr="0" forceAA="0" compatLnSpc="1">
+            <a:prstTxWarp prst="textNoShape">
+              <a:avLst/>
+            </a:prstTxWarp>
+            <a:noAutofit/>
+          </a:bodyPr>
+          <a:lstStyle/>
+          <a:p>
+            <a:pPr algn="ctr"/>
+            <a:endParaRPr kumimoji="1" lang="zh-CN" altLang="en-US">
+              <a:solidFill>
+                <a:schemeClr val="tx1"/>
+              </a:solidFill>
+            </a:endParaRPr>
+          </a:p>
+        </p:txBody>
+      </p:sp>
+      <p:pic>
+        <p:nvPicPr>
+          <p:cNvPr id="41" name="图片 40"/>
+          <p:cNvPicPr>
+            <a:picLocks noChangeAspect="1"/>
+          </p:cNvPicPr>
+          <p:nvPr/>
+        </p:nvPicPr>
+        <p:blipFill>
+          <a:blip r:embed="rId2">
+            <a:extLst>
+              <a:ext uri="{28A0092B-C50C-407E-A947-70E740481C1C}">
+                <a14:useLocalDpi xmlns:a14="http://schemas.microsoft.com/office/drawing/2010/main" val="0"/>
+              </a:ext>
+            </a:extLst>
+          </a:blip>
+          <a:stretch>
+            <a:fillRect/>
+          </a:stretch>
+        </p:blipFill>
+        <p:spPr>
+          <a:xfrm>
+            <a:off x="9525979" y="193236"/>
+            <a:ext cx="2244436" cy="713763"/>
+          </a:xfrm>
+          <a:prstGeom prst="rect">
+            <a:avLst/>
+          </a:prstGeom>
+        </p:spPr>
+      </p:pic>
+      <p:sp>
+        <p:nvSpPr>
+          <p:cNvPr id="7" name="文本框 6"/>
+          <p:cNvSpPr txBox="1"/>
+          <p:nvPr/>
+        </p:nvSpPr>
+        <p:spPr>
+          <a:xfrm>
+            <a:off x="1362808" y="1485900"/>
+            <a:ext cx="8932984" cy="1384995"/>
+          </a:xfrm>
+          <a:prstGeom prst="rect">
+            <a:avLst/>
+          </a:prstGeom>
+          <a:noFill/>
+        </p:spPr>
+        <p:txBody>
+          <a:bodyPr wrap="square" rtlCol="0">
+            <a:spAutoFit/>
+          </a:bodyPr>
+          <a:lstStyle/>
+          <a:p>
+            <a:r>
+              <a:rPr lang="en-US" altLang="zh-CN" sz="2800" dirty="0" smtClean="0"/>
+              <a:t>2.2 </a:t>
+            </a:r>
+            <a:r>
+              <a:rPr lang="zh-CN" altLang="en-US" sz="2800" dirty="0" smtClean="0"/>
+              <a:t>文档</a:t>
+            </a:r>
+            <a:endParaRPr lang="en-US" altLang="zh-CN" sz="2800" dirty="0" smtClean="0"/>
+          </a:p>
+          <a:p>
+            <a:endParaRPr lang="en-US" altLang="zh-CN" sz="2800" dirty="0"/>
+          </a:p>
+          <a:p>
+            <a:endParaRPr lang="zh-CN" altLang="en-US" sz="2800" dirty="0"/>
+          </a:p>
+        </p:txBody>
+      </p:sp>
+      <p:graphicFrame>
+        <p:nvGraphicFramePr>
+          <p:cNvPr id="4" name="表格 3"/>
+          <p:cNvGraphicFramePr>
+            <a:graphicFrameLocks noGrp="1"/>
+          </p:cNvGraphicFramePr>
+          <p:nvPr>
+            <p:extLst>
+              <p:ext uri="{D42A27DB-BD31-4B8C-83A1-F6EECF244321}">
+                <p14:modId xmlns:p14="http://schemas.microsoft.com/office/powerpoint/2010/main" val="3095070737"/>
+              </p:ext>
+            </p:extLst>
+          </p:nvPr>
+        </p:nvGraphicFramePr>
+        <p:xfrm>
+          <a:off x="1684556" y="2268413"/>
+          <a:ext cx="8215581" cy="3297033"/>
+        </p:xfrm>
+        <a:graphic>
+          <a:graphicData uri="http://schemas.openxmlformats.org/drawingml/2006/table">
+            <a:tbl>
+              <a:tblPr firstRow="1" firstCol="1" bandRow="1">
+                <a:tableStyleId>{5C22544A-7EE6-4342-B048-85BDC9FD1C3A}</a:tableStyleId>
+              </a:tblPr>
+              <a:tblGrid>
+                <a:gridCol w="1154925">
+                  <a:extLst>
+                    <a:ext uri="{9D8B030D-6E8A-4147-A177-3AD203B41FA5}">
+                      <a16:colId xmlns:a16="http://schemas.microsoft.com/office/drawing/2014/main" xmlns="" val="419074878"/>
+                    </a:ext>
+                  </a:extLst>
+                </a:gridCol>
+                <a:gridCol w="3576602">
+                  <a:extLst>
+                    <a:ext uri="{9D8B030D-6E8A-4147-A177-3AD203B41FA5}">
+                      <a16:colId xmlns:a16="http://schemas.microsoft.com/office/drawing/2014/main" xmlns="" val="721394238"/>
+                    </a:ext>
+                  </a:extLst>
+                </a:gridCol>
+                <a:gridCol w="3484054">
+                  <a:extLst>
+                    <a:ext uri="{9D8B030D-6E8A-4147-A177-3AD203B41FA5}">
+                      <a16:colId xmlns:a16="http://schemas.microsoft.com/office/drawing/2014/main" xmlns="" val="4088924978"/>
+                    </a:ext>
+                  </a:extLst>
+                </a:gridCol>
+              </a:tblGrid>
+              <a:tr h="366337">
+                <a:tc>
+                  <a:txBody>
+                    <a:bodyPr/>
+                    <a:lstStyle/>
+                    <a:p>
+                      <a:pPr algn="ctr">
+                        <a:spcAft>
+                          <a:spcPts val="600"/>
+                        </a:spcAft>
+                      </a:pPr>
+                      <a:r>
+                        <a:rPr lang="zh-CN" sz="1600" kern="100" dirty="0">
+                          <a:solidFill>
+                            <a:schemeClr val="tx1"/>
+                          </a:solidFill>
+                          <a:effectLst/>
+                        </a:rPr>
+                        <a:t>序号</a:t>
+                      </a:r>
+                      <a:endParaRPr lang="zh-CN" sz="1600" kern="100" dirty="0">
+                        <a:solidFill>
+                          <a:schemeClr val="tx1"/>
+                        </a:solidFill>
+                        <a:effectLst/>
+                        <a:latin typeface="Times New Roman" panose="02020603050405020304" pitchFamily="18" charset="0"/>
+                        <a:ea typeface="宋体" panose="02010600030101010101" pitchFamily="2" charset="-122"/>
+                        <a:cs typeface="Times New Roman" panose="02020603050405020304" pitchFamily="18" charset="0"/>
+                      </a:endParaRPr>
+                    </a:p>
+                  </a:txBody>
+                  <a:tcPr marL="68580" marR="68580" marT="0" marB="0"/>
+                </a:tc>
+                <a:tc>
+                  <a:txBody>
+                    <a:bodyPr/>
+                    <a:lstStyle/>
+                    <a:p>
+                      <a:pPr algn="ctr">
+                        <a:spcAft>
+                          <a:spcPts val="600"/>
+                        </a:spcAft>
+                      </a:pPr>
+                      <a:r>
+                        <a:rPr lang="zh-CN" sz="1600" kern="100">
+                          <a:solidFill>
+                            <a:schemeClr val="tx1"/>
+                          </a:solidFill>
+                          <a:effectLst/>
+                        </a:rPr>
+                        <a:t>交付件</a:t>
+                      </a:r>
+                      <a:endParaRPr lang="zh-CN" sz="1600" kern="100">
+                        <a:solidFill>
+                          <a:schemeClr val="tx1"/>
+                        </a:solidFill>
+                        <a:effectLst/>
+                        <a:latin typeface="Times New Roman" panose="02020603050405020304" pitchFamily="18" charset="0"/>
+                        <a:ea typeface="宋体" panose="02010600030101010101" pitchFamily="2" charset="-122"/>
+                        <a:cs typeface="Times New Roman" panose="02020603050405020304" pitchFamily="18" charset="0"/>
+                      </a:endParaRPr>
+                    </a:p>
+                  </a:txBody>
+                  <a:tcPr marL="68580" marR="68580" marT="0" marB="0"/>
+                </a:tc>
+                <a:tc>
+                  <a:txBody>
+                    <a:bodyPr/>
+                    <a:lstStyle/>
+                    <a:p>
+                      <a:pPr algn="ctr">
+                        <a:spcAft>
+                          <a:spcPts val="600"/>
+                        </a:spcAft>
+                      </a:pPr>
+                      <a:r>
+                        <a:rPr lang="zh-CN" sz="1600" kern="100" dirty="0">
+                          <a:solidFill>
+                            <a:schemeClr val="tx1"/>
+                          </a:solidFill>
+                          <a:effectLst/>
+                        </a:rPr>
+                        <a:t>最后期限</a:t>
+                      </a:r>
+                      <a:endParaRPr lang="zh-CN" sz="1600" kern="100" dirty="0">
+                        <a:solidFill>
+                          <a:schemeClr val="tx1"/>
+                        </a:solidFill>
+                        <a:effectLst/>
+                        <a:latin typeface="Times New Roman" panose="02020603050405020304" pitchFamily="18" charset="0"/>
+                        <a:ea typeface="宋体" panose="02010600030101010101" pitchFamily="2" charset="-122"/>
+                        <a:cs typeface="Times New Roman" panose="02020603050405020304" pitchFamily="18" charset="0"/>
+                      </a:endParaRPr>
+                    </a:p>
+                  </a:txBody>
+                  <a:tcPr marL="68580" marR="68580" marT="0" marB="0"/>
+                </a:tc>
+                <a:extLst>
+                  <a:ext uri="{0D108BD9-81ED-4DB2-BD59-A6C34878D82A}">
+                    <a16:rowId xmlns:a16="http://schemas.microsoft.com/office/drawing/2014/main" xmlns="" val="854070103"/>
+                  </a:ext>
+                </a:extLst>
+              </a:tr>
+              <a:tr h="366337">
+                <a:tc>
+                  <a:txBody>
+                    <a:bodyPr/>
+                    <a:lstStyle/>
+                    <a:p>
+                      <a:pPr algn="ctr">
+                        <a:spcAft>
+                          <a:spcPts val="600"/>
+                        </a:spcAft>
+                      </a:pPr>
+                      <a:r>
+                        <a:rPr lang="en-US" sz="1600" kern="100" dirty="0">
+                          <a:solidFill>
+                            <a:schemeClr val="tx1"/>
+                          </a:solidFill>
+                          <a:effectLst/>
+                        </a:rPr>
+                        <a:t>01</a:t>
+                      </a:r>
+                      <a:endParaRPr lang="zh-CN" sz="1600" kern="100" dirty="0">
+                        <a:solidFill>
+                          <a:schemeClr val="tx1"/>
+                        </a:solidFill>
+                        <a:effectLst/>
+                        <a:latin typeface="Times New Roman" panose="02020603050405020304" pitchFamily="18" charset="0"/>
+                        <a:ea typeface="宋体" panose="02010600030101010101" pitchFamily="2" charset="-122"/>
+                        <a:cs typeface="Times New Roman" panose="02020603050405020304" pitchFamily="18" charset="0"/>
+                      </a:endParaRPr>
+                    </a:p>
+                  </a:txBody>
+                  <a:tcPr marL="68580" marR="68580" marT="0" marB="0"/>
+                </a:tc>
+                <a:tc>
+                  <a:txBody>
+                    <a:bodyPr/>
+                    <a:lstStyle/>
+                    <a:p>
+                      <a:pPr algn="ctr">
+                        <a:spcAft>
+                          <a:spcPts val="600"/>
+                        </a:spcAft>
+                      </a:pPr>
+                      <a:r>
+                        <a:rPr lang="zh-CN" sz="1600" kern="100" dirty="0">
+                          <a:solidFill>
+                            <a:schemeClr val="tx1"/>
+                          </a:solidFill>
+                          <a:effectLst/>
+                        </a:rPr>
+                        <a:t>项目计划</a:t>
+                      </a:r>
+                      <a:endParaRPr lang="zh-CN" sz="1600" kern="100" dirty="0">
+                        <a:solidFill>
+                          <a:schemeClr val="tx1"/>
+                        </a:solidFill>
+                        <a:effectLst/>
+                        <a:latin typeface="Times New Roman" panose="02020603050405020304" pitchFamily="18" charset="0"/>
+                        <a:ea typeface="宋体" panose="02010600030101010101" pitchFamily="2" charset="-122"/>
+                        <a:cs typeface="Times New Roman" panose="02020603050405020304" pitchFamily="18" charset="0"/>
+                      </a:endParaRPr>
+                    </a:p>
+                  </a:txBody>
+                  <a:tcPr marL="68580" marR="68580" marT="0" marB="0"/>
+                </a:tc>
+                <a:tc>
+                  <a:txBody>
+                    <a:bodyPr/>
+                    <a:lstStyle/>
+                    <a:p>
+                      <a:pPr algn="ctr">
+                        <a:spcAft>
+                          <a:spcPts val="600"/>
+                        </a:spcAft>
+                      </a:pPr>
+                      <a:r>
+                        <a:rPr lang="en-US" sz="1600" kern="100">
+                          <a:solidFill>
+                            <a:schemeClr val="tx1"/>
+                          </a:solidFill>
+                          <a:effectLst/>
+                        </a:rPr>
+                        <a:t>2017.10.25</a:t>
+                      </a:r>
+                      <a:endParaRPr lang="zh-CN" sz="1600" kern="100">
+                        <a:solidFill>
+                          <a:schemeClr val="tx1"/>
+                        </a:solidFill>
+                        <a:effectLst/>
+                        <a:latin typeface="Times New Roman" panose="02020603050405020304" pitchFamily="18" charset="0"/>
+                        <a:ea typeface="宋体" panose="02010600030101010101" pitchFamily="2" charset="-122"/>
+                        <a:cs typeface="Times New Roman" panose="02020603050405020304" pitchFamily="18" charset="0"/>
+                      </a:endParaRPr>
+                    </a:p>
+                  </a:txBody>
+                  <a:tcPr marL="68580" marR="68580" marT="0" marB="0"/>
+                </a:tc>
+                <a:extLst>
+                  <a:ext uri="{0D108BD9-81ED-4DB2-BD59-A6C34878D82A}">
+                    <a16:rowId xmlns:a16="http://schemas.microsoft.com/office/drawing/2014/main" xmlns="" val="531728956"/>
+                  </a:ext>
+                </a:extLst>
+              </a:tr>
+              <a:tr h="366337">
+                <a:tc>
+                  <a:txBody>
+                    <a:bodyPr/>
+                    <a:lstStyle/>
+                    <a:p>
+                      <a:pPr algn="ctr">
+                        <a:spcAft>
+                          <a:spcPts val="600"/>
+                        </a:spcAft>
+                      </a:pPr>
+                      <a:r>
+                        <a:rPr lang="en-US" sz="1600" kern="100">
+                          <a:solidFill>
+                            <a:schemeClr val="tx1"/>
+                          </a:solidFill>
+                          <a:effectLst/>
+                        </a:rPr>
+                        <a:t>02</a:t>
+                      </a:r>
+                      <a:endParaRPr lang="zh-CN" sz="1600" kern="100">
+                        <a:solidFill>
+                          <a:schemeClr val="tx1"/>
+                        </a:solidFill>
+                        <a:effectLst/>
+                        <a:latin typeface="Times New Roman" panose="02020603050405020304" pitchFamily="18" charset="0"/>
+                        <a:ea typeface="宋体" panose="02010600030101010101" pitchFamily="2" charset="-122"/>
+                        <a:cs typeface="Times New Roman" panose="02020603050405020304" pitchFamily="18" charset="0"/>
+                      </a:endParaRPr>
+                    </a:p>
+                  </a:txBody>
+                  <a:tcPr marL="68580" marR="68580" marT="0" marB="0"/>
+                </a:tc>
+                <a:tc>
+                  <a:txBody>
+                    <a:bodyPr/>
+                    <a:lstStyle/>
+                    <a:p>
+                      <a:pPr algn="ctr">
+                        <a:spcAft>
+                          <a:spcPts val="600"/>
+                        </a:spcAft>
+                      </a:pPr>
+                      <a:r>
+                        <a:rPr lang="zh-CN" sz="1600" kern="100" dirty="0">
+                          <a:solidFill>
+                            <a:schemeClr val="tx1"/>
+                          </a:solidFill>
+                          <a:effectLst/>
+                        </a:rPr>
+                        <a:t>可行性分析报告</a:t>
+                      </a:r>
+                      <a:endParaRPr lang="zh-CN" sz="1600" kern="100" dirty="0">
+                        <a:solidFill>
+                          <a:schemeClr val="tx1"/>
+                        </a:solidFill>
+                        <a:effectLst/>
+                        <a:latin typeface="Times New Roman" panose="02020603050405020304" pitchFamily="18" charset="0"/>
+                        <a:ea typeface="宋体" panose="02010600030101010101" pitchFamily="2" charset="-122"/>
+                        <a:cs typeface="Times New Roman" panose="02020603050405020304" pitchFamily="18" charset="0"/>
+                      </a:endParaRPr>
+                    </a:p>
+                  </a:txBody>
+                  <a:tcPr marL="68580" marR="68580" marT="0" marB="0"/>
+                </a:tc>
+                <a:tc>
+                  <a:txBody>
+                    <a:bodyPr/>
+                    <a:lstStyle/>
+                    <a:p>
+                      <a:pPr algn="ctr">
+                        <a:spcAft>
+                          <a:spcPts val="600"/>
+                        </a:spcAft>
+                      </a:pPr>
+                      <a:r>
+                        <a:rPr lang="en-US" sz="1600" kern="100" dirty="0">
+                          <a:solidFill>
+                            <a:schemeClr val="tx1"/>
+                          </a:solidFill>
+                          <a:effectLst/>
+                        </a:rPr>
+                        <a:t>2017.11.1</a:t>
+                      </a:r>
+                      <a:endParaRPr lang="zh-CN" sz="1600" kern="100" dirty="0">
+                        <a:solidFill>
+                          <a:schemeClr val="tx1"/>
+                        </a:solidFill>
+                        <a:effectLst/>
+                        <a:latin typeface="Times New Roman" panose="02020603050405020304" pitchFamily="18" charset="0"/>
+                        <a:ea typeface="宋体" panose="02010600030101010101" pitchFamily="2" charset="-122"/>
+                        <a:cs typeface="Times New Roman" panose="02020603050405020304" pitchFamily="18" charset="0"/>
+                      </a:endParaRPr>
+                    </a:p>
+                  </a:txBody>
+                  <a:tcPr marL="68580" marR="68580" marT="0" marB="0"/>
+                </a:tc>
+                <a:extLst>
+                  <a:ext uri="{0D108BD9-81ED-4DB2-BD59-A6C34878D82A}">
+                    <a16:rowId xmlns:a16="http://schemas.microsoft.com/office/drawing/2014/main" xmlns="" val="1484615317"/>
+                  </a:ext>
+                </a:extLst>
+              </a:tr>
+              <a:tr h="366337">
+                <a:tc>
+                  <a:txBody>
+                    <a:bodyPr/>
+                    <a:lstStyle/>
+                    <a:p>
+                      <a:pPr algn="ctr">
+                        <a:spcAft>
+                          <a:spcPts val="600"/>
+                        </a:spcAft>
+                      </a:pPr>
+                      <a:r>
+                        <a:rPr lang="en-US" sz="1600" kern="100">
+                          <a:solidFill>
+                            <a:schemeClr val="tx1"/>
+                          </a:solidFill>
+                          <a:effectLst/>
+                        </a:rPr>
+                        <a:t>03</a:t>
+                      </a:r>
+                      <a:endParaRPr lang="zh-CN" sz="1600" kern="100">
+                        <a:solidFill>
+                          <a:schemeClr val="tx1"/>
+                        </a:solidFill>
+                        <a:effectLst/>
+                        <a:latin typeface="Times New Roman" panose="02020603050405020304" pitchFamily="18" charset="0"/>
+                        <a:ea typeface="宋体" panose="02010600030101010101" pitchFamily="2" charset="-122"/>
+                        <a:cs typeface="Times New Roman" panose="02020603050405020304" pitchFamily="18" charset="0"/>
+                      </a:endParaRPr>
+                    </a:p>
+                  </a:txBody>
+                  <a:tcPr marL="68580" marR="68580" marT="0" marB="0"/>
+                </a:tc>
+                <a:tc>
+                  <a:txBody>
+                    <a:bodyPr/>
+                    <a:lstStyle/>
+                    <a:p>
+                      <a:pPr algn="ctr">
+                        <a:spcAft>
+                          <a:spcPts val="600"/>
+                        </a:spcAft>
+                      </a:pPr>
+                      <a:r>
+                        <a:rPr lang="zh-CN" sz="1600" kern="100" dirty="0">
+                          <a:solidFill>
+                            <a:schemeClr val="tx1"/>
+                          </a:solidFill>
+                          <a:effectLst/>
+                        </a:rPr>
+                        <a:t>需求规格说明书</a:t>
+                      </a:r>
+                      <a:endParaRPr lang="zh-CN" sz="1600" kern="100" dirty="0">
+                        <a:solidFill>
+                          <a:schemeClr val="tx1"/>
+                        </a:solidFill>
+                        <a:effectLst/>
+                        <a:latin typeface="Times New Roman" panose="02020603050405020304" pitchFamily="18" charset="0"/>
+                        <a:ea typeface="宋体" panose="02010600030101010101" pitchFamily="2" charset="-122"/>
+                        <a:cs typeface="Times New Roman" panose="02020603050405020304" pitchFamily="18" charset="0"/>
+                      </a:endParaRPr>
+                    </a:p>
+                  </a:txBody>
+                  <a:tcPr marL="68580" marR="68580" marT="0" marB="0"/>
+                </a:tc>
+                <a:tc>
+                  <a:txBody>
+                    <a:bodyPr/>
+                    <a:lstStyle/>
+                    <a:p>
+                      <a:pPr algn="ctr">
+                        <a:spcAft>
+                          <a:spcPts val="600"/>
+                        </a:spcAft>
+                      </a:pPr>
+                      <a:r>
+                        <a:rPr lang="en-US" sz="1600" kern="100">
+                          <a:solidFill>
+                            <a:schemeClr val="tx1"/>
+                          </a:solidFill>
+                          <a:effectLst/>
+                        </a:rPr>
+                        <a:t>2017.11.15</a:t>
+                      </a:r>
+                      <a:endParaRPr lang="zh-CN" sz="1600" kern="100">
+                        <a:solidFill>
+                          <a:schemeClr val="tx1"/>
+                        </a:solidFill>
+                        <a:effectLst/>
+                        <a:latin typeface="Times New Roman" panose="02020603050405020304" pitchFamily="18" charset="0"/>
+                        <a:ea typeface="宋体" panose="02010600030101010101" pitchFamily="2" charset="-122"/>
+                        <a:cs typeface="Times New Roman" panose="02020603050405020304" pitchFamily="18" charset="0"/>
+                      </a:endParaRPr>
+                    </a:p>
+                  </a:txBody>
+                  <a:tcPr marL="68580" marR="68580" marT="0" marB="0"/>
+                </a:tc>
+                <a:extLst>
+                  <a:ext uri="{0D108BD9-81ED-4DB2-BD59-A6C34878D82A}">
+                    <a16:rowId xmlns:a16="http://schemas.microsoft.com/office/drawing/2014/main" xmlns="" val="517339105"/>
+                  </a:ext>
+                </a:extLst>
+              </a:tr>
+              <a:tr h="366337">
+                <a:tc>
+                  <a:txBody>
+                    <a:bodyPr/>
+                    <a:lstStyle/>
+                    <a:p>
+                      <a:pPr algn="ctr">
+                        <a:spcAft>
+                          <a:spcPts val="600"/>
+                        </a:spcAft>
+                      </a:pPr>
+                      <a:r>
+                        <a:rPr lang="en-US" sz="1600" kern="100">
+                          <a:solidFill>
+                            <a:schemeClr val="tx1"/>
+                          </a:solidFill>
+                          <a:effectLst/>
+                        </a:rPr>
+                        <a:t>04</a:t>
+                      </a:r>
+                      <a:endParaRPr lang="zh-CN" sz="1600" kern="100">
+                        <a:solidFill>
+                          <a:schemeClr val="tx1"/>
+                        </a:solidFill>
+                        <a:effectLst/>
+                        <a:latin typeface="Times New Roman" panose="02020603050405020304" pitchFamily="18" charset="0"/>
+                        <a:ea typeface="宋体" panose="02010600030101010101" pitchFamily="2" charset="-122"/>
+                        <a:cs typeface="Times New Roman" panose="02020603050405020304" pitchFamily="18" charset="0"/>
+                      </a:endParaRPr>
+                    </a:p>
+                  </a:txBody>
+                  <a:tcPr marL="68580" marR="68580" marT="0" marB="0"/>
+                </a:tc>
+                <a:tc>
+                  <a:txBody>
+                    <a:bodyPr/>
+                    <a:lstStyle/>
+                    <a:p>
+                      <a:pPr algn="ctr">
+                        <a:spcAft>
+                          <a:spcPts val="600"/>
+                        </a:spcAft>
+                      </a:pPr>
+                      <a:r>
+                        <a:rPr lang="zh-CN" sz="1600" kern="100" dirty="0">
+                          <a:solidFill>
+                            <a:schemeClr val="tx1"/>
+                          </a:solidFill>
+                          <a:effectLst/>
+                        </a:rPr>
+                        <a:t>总体设计报告</a:t>
+                      </a:r>
+                      <a:endParaRPr lang="zh-CN" sz="1600" kern="100" dirty="0">
+                        <a:solidFill>
+                          <a:schemeClr val="tx1"/>
+                        </a:solidFill>
+                        <a:effectLst/>
+                        <a:latin typeface="Times New Roman" panose="02020603050405020304" pitchFamily="18" charset="0"/>
+                        <a:ea typeface="宋体" panose="02010600030101010101" pitchFamily="2" charset="-122"/>
+                        <a:cs typeface="Times New Roman" panose="02020603050405020304" pitchFamily="18" charset="0"/>
+                      </a:endParaRPr>
+                    </a:p>
+                  </a:txBody>
+                  <a:tcPr marL="68580" marR="68580" marT="0" marB="0"/>
+                </a:tc>
+                <a:tc>
+                  <a:txBody>
+                    <a:bodyPr/>
+                    <a:lstStyle/>
+                    <a:p>
+                      <a:pPr algn="ctr">
+                        <a:spcAft>
+                          <a:spcPts val="600"/>
+                        </a:spcAft>
+                      </a:pPr>
+                      <a:r>
+                        <a:rPr lang="en-US" sz="1600" kern="100">
+                          <a:solidFill>
+                            <a:schemeClr val="tx1"/>
+                          </a:solidFill>
+                          <a:effectLst/>
+                        </a:rPr>
+                        <a:t>2017.11.22</a:t>
+                      </a:r>
+                      <a:endParaRPr lang="zh-CN" sz="1600" kern="100">
+                        <a:solidFill>
+                          <a:schemeClr val="tx1"/>
+                        </a:solidFill>
+                        <a:effectLst/>
+                        <a:latin typeface="Times New Roman" panose="02020603050405020304" pitchFamily="18" charset="0"/>
+                        <a:ea typeface="宋体" panose="02010600030101010101" pitchFamily="2" charset="-122"/>
+                        <a:cs typeface="Times New Roman" panose="02020603050405020304" pitchFamily="18" charset="0"/>
+                      </a:endParaRPr>
+                    </a:p>
+                  </a:txBody>
+                  <a:tcPr marL="68580" marR="68580" marT="0" marB="0"/>
+                </a:tc>
+                <a:extLst>
+                  <a:ext uri="{0D108BD9-81ED-4DB2-BD59-A6C34878D82A}">
+                    <a16:rowId xmlns:a16="http://schemas.microsoft.com/office/drawing/2014/main" xmlns="" val="2443013845"/>
+                  </a:ext>
+                </a:extLst>
+              </a:tr>
+              <a:tr h="366337">
+                <a:tc>
+                  <a:txBody>
+                    <a:bodyPr/>
+                    <a:lstStyle/>
+                    <a:p>
+                      <a:pPr algn="ctr">
+                        <a:spcAft>
+                          <a:spcPts val="600"/>
+                        </a:spcAft>
+                      </a:pPr>
+                      <a:r>
+                        <a:rPr lang="en-US" sz="1600" kern="100">
+                          <a:solidFill>
+                            <a:schemeClr val="tx1"/>
+                          </a:solidFill>
+                          <a:effectLst/>
+                        </a:rPr>
+                        <a:t>05</a:t>
+                      </a:r>
+                      <a:endParaRPr lang="zh-CN" sz="1600" kern="100">
+                        <a:solidFill>
+                          <a:schemeClr val="tx1"/>
+                        </a:solidFill>
+                        <a:effectLst/>
+                        <a:latin typeface="Times New Roman" panose="02020603050405020304" pitchFamily="18" charset="0"/>
+                        <a:ea typeface="宋体" panose="02010600030101010101" pitchFamily="2" charset="-122"/>
+                        <a:cs typeface="Times New Roman" panose="02020603050405020304" pitchFamily="18" charset="0"/>
+                      </a:endParaRPr>
+                    </a:p>
+                  </a:txBody>
+                  <a:tcPr marL="68580" marR="68580" marT="0" marB="0"/>
+                </a:tc>
+                <a:tc>
+                  <a:txBody>
+                    <a:bodyPr/>
+                    <a:lstStyle/>
+                    <a:p>
+                      <a:pPr algn="ctr">
+                        <a:spcAft>
+                          <a:spcPts val="600"/>
+                        </a:spcAft>
+                      </a:pPr>
+                      <a:r>
+                        <a:rPr lang="zh-CN" sz="1600" kern="100" dirty="0">
+                          <a:solidFill>
+                            <a:schemeClr val="tx1"/>
+                          </a:solidFill>
+                          <a:effectLst/>
+                        </a:rPr>
+                        <a:t>详细设计报告</a:t>
+                      </a:r>
+                      <a:endParaRPr lang="zh-CN" sz="1600" kern="100" dirty="0">
+                        <a:solidFill>
+                          <a:schemeClr val="tx1"/>
+                        </a:solidFill>
+                        <a:effectLst/>
+                        <a:latin typeface="Times New Roman" panose="02020603050405020304" pitchFamily="18" charset="0"/>
+                        <a:ea typeface="宋体" panose="02010600030101010101" pitchFamily="2" charset="-122"/>
+                        <a:cs typeface="Times New Roman" panose="02020603050405020304" pitchFamily="18" charset="0"/>
+                      </a:endParaRPr>
+                    </a:p>
+                  </a:txBody>
+                  <a:tcPr marL="68580" marR="68580" marT="0" marB="0"/>
+                </a:tc>
+                <a:tc>
+                  <a:txBody>
+                    <a:bodyPr/>
+                    <a:lstStyle/>
+                    <a:p>
+                      <a:pPr algn="ctr">
+                        <a:spcAft>
+                          <a:spcPts val="600"/>
+                        </a:spcAft>
+                      </a:pPr>
+                      <a:r>
+                        <a:rPr lang="en-US" sz="1600" kern="100">
+                          <a:solidFill>
+                            <a:schemeClr val="tx1"/>
+                          </a:solidFill>
+                          <a:effectLst/>
+                        </a:rPr>
+                        <a:t>2017.11.29</a:t>
+                      </a:r>
+                      <a:endParaRPr lang="zh-CN" sz="1600" kern="100">
+                        <a:solidFill>
+                          <a:schemeClr val="tx1"/>
+                        </a:solidFill>
+                        <a:effectLst/>
+                        <a:latin typeface="Times New Roman" panose="02020603050405020304" pitchFamily="18" charset="0"/>
+                        <a:ea typeface="宋体" panose="02010600030101010101" pitchFamily="2" charset="-122"/>
+                        <a:cs typeface="Times New Roman" panose="02020603050405020304" pitchFamily="18" charset="0"/>
+                      </a:endParaRPr>
+                    </a:p>
+                  </a:txBody>
+                  <a:tcPr marL="68580" marR="68580" marT="0" marB="0"/>
+                </a:tc>
+                <a:extLst>
+                  <a:ext uri="{0D108BD9-81ED-4DB2-BD59-A6C34878D82A}">
+                    <a16:rowId xmlns:a16="http://schemas.microsoft.com/office/drawing/2014/main" xmlns="" val="868796799"/>
+                  </a:ext>
+                </a:extLst>
+              </a:tr>
+              <a:tr h="366337">
+                <a:tc>
+                  <a:txBody>
+                    <a:bodyPr/>
+                    <a:lstStyle/>
+                    <a:p>
+                      <a:pPr algn="ctr">
+                        <a:spcAft>
+                          <a:spcPts val="600"/>
+                        </a:spcAft>
+                      </a:pPr>
+                      <a:r>
+                        <a:rPr lang="en-US" sz="1600" kern="100">
+                          <a:solidFill>
+                            <a:schemeClr val="tx1"/>
+                          </a:solidFill>
+                          <a:effectLst/>
+                        </a:rPr>
+                        <a:t>06</a:t>
+                      </a:r>
+                      <a:endParaRPr lang="zh-CN" sz="1600" kern="100">
+                        <a:solidFill>
+                          <a:schemeClr val="tx1"/>
+                        </a:solidFill>
+                        <a:effectLst/>
+                        <a:latin typeface="Times New Roman" panose="02020603050405020304" pitchFamily="18" charset="0"/>
+                        <a:ea typeface="宋体" panose="02010600030101010101" pitchFamily="2" charset="-122"/>
+                        <a:cs typeface="Times New Roman" panose="02020603050405020304" pitchFamily="18" charset="0"/>
+                      </a:endParaRPr>
+                    </a:p>
+                  </a:txBody>
+                  <a:tcPr marL="68580" marR="68580" marT="0" marB="0"/>
+                </a:tc>
+                <a:tc>
+                  <a:txBody>
+                    <a:bodyPr/>
+                    <a:lstStyle/>
+                    <a:p>
+                      <a:pPr algn="ctr">
+                        <a:spcAft>
+                          <a:spcPts val="600"/>
+                        </a:spcAft>
+                      </a:pPr>
+                      <a:r>
+                        <a:rPr lang="zh-CN" sz="1600" kern="100" dirty="0">
+                          <a:solidFill>
+                            <a:schemeClr val="tx1"/>
+                          </a:solidFill>
+                          <a:effectLst/>
+                        </a:rPr>
+                        <a:t>代码清单及测试用例</a:t>
+                      </a:r>
+                      <a:endParaRPr lang="zh-CN" sz="1600" kern="100" dirty="0">
+                        <a:solidFill>
+                          <a:schemeClr val="tx1"/>
+                        </a:solidFill>
+                        <a:effectLst/>
+                        <a:latin typeface="Times New Roman" panose="02020603050405020304" pitchFamily="18" charset="0"/>
+                        <a:ea typeface="宋体" panose="02010600030101010101" pitchFamily="2" charset="-122"/>
+                        <a:cs typeface="Times New Roman" panose="02020603050405020304" pitchFamily="18" charset="0"/>
+                      </a:endParaRPr>
+                    </a:p>
+                  </a:txBody>
+                  <a:tcPr marL="68580" marR="68580" marT="0" marB="0"/>
+                </a:tc>
+                <a:tc>
+                  <a:txBody>
+                    <a:bodyPr/>
+                    <a:lstStyle/>
+                    <a:p>
+                      <a:pPr algn="ctr">
+                        <a:spcAft>
+                          <a:spcPts val="600"/>
+                        </a:spcAft>
+                      </a:pPr>
+                      <a:r>
+                        <a:rPr lang="en-US" sz="1600" kern="100" dirty="0">
+                          <a:solidFill>
+                            <a:schemeClr val="tx1"/>
+                          </a:solidFill>
+                          <a:effectLst/>
+                        </a:rPr>
+                        <a:t>2017.12.13</a:t>
+                      </a:r>
+                      <a:endParaRPr lang="zh-CN" sz="1600" kern="100" dirty="0">
+                        <a:solidFill>
+                          <a:schemeClr val="tx1"/>
+                        </a:solidFill>
+                        <a:effectLst/>
+                        <a:latin typeface="Times New Roman" panose="02020603050405020304" pitchFamily="18" charset="0"/>
+                        <a:ea typeface="宋体" panose="02010600030101010101" pitchFamily="2" charset="-122"/>
+                        <a:cs typeface="Times New Roman" panose="02020603050405020304" pitchFamily="18" charset="0"/>
+                      </a:endParaRPr>
+                    </a:p>
+                  </a:txBody>
+                  <a:tcPr marL="68580" marR="68580" marT="0" marB="0"/>
+                </a:tc>
+                <a:extLst>
+                  <a:ext uri="{0D108BD9-81ED-4DB2-BD59-A6C34878D82A}">
+                    <a16:rowId xmlns:a16="http://schemas.microsoft.com/office/drawing/2014/main" xmlns="" val="2902440526"/>
+                  </a:ext>
+                </a:extLst>
+              </a:tr>
+              <a:tr h="366337">
+                <a:tc>
+                  <a:txBody>
+                    <a:bodyPr/>
+                    <a:lstStyle/>
+                    <a:p>
+                      <a:pPr algn="ctr">
+                        <a:spcAft>
+                          <a:spcPts val="600"/>
+                        </a:spcAft>
+                      </a:pPr>
+                      <a:r>
+                        <a:rPr lang="en-US" sz="1600" kern="100">
+                          <a:solidFill>
+                            <a:schemeClr val="tx1"/>
+                          </a:solidFill>
+                          <a:effectLst/>
+                        </a:rPr>
+                        <a:t>07</a:t>
+                      </a:r>
+                      <a:endParaRPr lang="zh-CN" sz="1600" kern="100">
+                        <a:solidFill>
+                          <a:schemeClr val="tx1"/>
+                        </a:solidFill>
+                        <a:effectLst/>
+                        <a:latin typeface="Times New Roman" panose="02020603050405020304" pitchFamily="18" charset="0"/>
+                        <a:ea typeface="宋体" panose="02010600030101010101" pitchFamily="2" charset="-122"/>
+                        <a:cs typeface="Times New Roman" panose="02020603050405020304" pitchFamily="18" charset="0"/>
+                      </a:endParaRPr>
+                    </a:p>
+                  </a:txBody>
+                  <a:tcPr marL="68580" marR="68580" marT="0" marB="0"/>
+                </a:tc>
+                <a:tc>
+                  <a:txBody>
+                    <a:bodyPr/>
+                    <a:lstStyle/>
+                    <a:p>
+                      <a:pPr algn="ctr">
+                        <a:spcAft>
+                          <a:spcPts val="600"/>
+                        </a:spcAft>
+                      </a:pPr>
+                      <a:r>
+                        <a:rPr lang="zh-CN" sz="1600" kern="100" dirty="0">
+                          <a:solidFill>
+                            <a:schemeClr val="tx1"/>
+                          </a:solidFill>
+                          <a:effectLst/>
+                        </a:rPr>
+                        <a:t>系统测试报告</a:t>
+                      </a:r>
+                      <a:endParaRPr lang="zh-CN" sz="1600" kern="100" dirty="0">
+                        <a:solidFill>
+                          <a:schemeClr val="tx1"/>
+                        </a:solidFill>
+                        <a:effectLst/>
+                        <a:latin typeface="Times New Roman" panose="02020603050405020304" pitchFamily="18" charset="0"/>
+                        <a:ea typeface="宋体" panose="02010600030101010101" pitchFamily="2" charset="-122"/>
+                        <a:cs typeface="Times New Roman" panose="02020603050405020304" pitchFamily="18" charset="0"/>
+                      </a:endParaRPr>
+                    </a:p>
+                  </a:txBody>
+                  <a:tcPr marL="68580" marR="68580" marT="0" marB="0"/>
+                </a:tc>
+                <a:tc>
+                  <a:txBody>
+                    <a:bodyPr/>
+                    <a:lstStyle/>
+                    <a:p>
+                      <a:pPr algn="ctr">
+                        <a:spcAft>
+                          <a:spcPts val="600"/>
+                        </a:spcAft>
+                      </a:pPr>
+                      <a:r>
+                        <a:rPr lang="en-US" sz="1600" kern="100" dirty="0">
+                          <a:solidFill>
+                            <a:schemeClr val="tx1"/>
+                          </a:solidFill>
+                          <a:effectLst/>
+                        </a:rPr>
+                        <a:t>2017.12.20</a:t>
+                      </a:r>
+                      <a:endParaRPr lang="zh-CN" sz="1600" kern="100" dirty="0">
+                        <a:solidFill>
+                          <a:schemeClr val="tx1"/>
+                        </a:solidFill>
+                        <a:effectLst/>
+                        <a:latin typeface="Times New Roman" panose="02020603050405020304" pitchFamily="18" charset="0"/>
+                        <a:ea typeface="宋体" panose="02010600030101010101" pitchFamily="2" charset="-122"/>
+                        <a:cs typeface="Times New Roman" panose="02020603050405020304" pitchFamily="18" charset="0"/>
+                      </a:endParaRPr>
+                    </a:p>
+                  </a:txBody>
+                  <a:tcPr marL="68580" marR="68580" marT="0" marB="0"/>
+                </a:tc>
+                <a:extLst>
+                  <a:ext uri="{0D108BD9-81ED-4DB2-BD59-A6C34878D82A}">
+                    <a16:rowId xmlns:a16="http://schemas.microsoft.com/office/drawing/2014/main" xmlns="" val="63242385"/>
+                  </a:ext>
+                </a:extLst>
+              </a:tr>
+              <a:tr h="366337">
+                <a:tc>
+                  <a:txBody>
+                    <a:bodyPr/>
+                    <a:lstStyle/>
+                    <a:p>
+                      <a:pPr algn="ctr">
+                        <a:spcAft>
+                          <a:spcPts val="600"/>
+                        </a:spcAft>
+                      </a:pPr>
+                      <a:r>
+                        <a:rPr lang="en-US" sz="1600" kern="100">
+                          <a:solidFill>
+                            <a:schemeClr val="tx1"/>
+                          </a:solidFill>
+                          <a:effectLst/>
+                        </a:rPr>
+                        <a:t>08</a:t>
+                      </a:r>
+                      <a:endParaRPr lang="zh-CN" sz="1600" kern="100">
+                        <a:solidFill>
+                          <a:schemeClr val="tx1"/>
+                        </a:solidFill>
+                        <a:effectLst/>
+                        <a:latin typeface="Times New Roman" panose="02020603050405020304" pitchFamily="18" charset="0"/>
+                        <a:ea typeface="宋体" panose="02010600030101010101" pitchFamily="2" charset="-122"/>
+                        <a:cs typeface="Times New Roman" panose="02020603050405020304" pitchFamily="18" charset="0"/>
+                      </a:endParaRPr>
+                    </a:p>
+                  </a:txBody>
+                  <a:tcPr marL="68580" marR="68580" marT="0" marB="0"/>
+                </a:tc>
+                <a:tc>
+                  <a:txBody>
+                    <a:bodyPr/>
+                    <a:lstStyle/>
+                    <a:p>
+                      <a:pPr algn="ctr">
+                        <a:spcAft>
+                          <a:spcPts val="600"/>
+                        </a:spcAft>
+                      </a:pPr>
+                      <a:r>
+                        <a:rPr lang="zh-CN" sz="1600" kern="100">
+                          <a:solidFill>
+                            <a:schemeClr val="tx1"/>
+                          </a:solidFill>
+                          <a:effectLst/>
+                        </a:rPr>
+                        <a:t>项目总结报告</a:t>
+                      </a:r>
+                      <a:endParaRPr lang="zh-CN" sz="1600" kern="100">
+                        <a:solidFill>
+                          <a:schemeClr val="tx1"/>
+                        </a:solidFill>
+                        <a:effectLst/>
+                        <a:latin typeface="Times New Roman" panose="02020603050405020304" pitchFamily="18" charset="0"/>
+                        <a:ea typeface="宋体" panose="02010600030101010101" pitchFamily="2" charset="-122"/>
+                        <a:cs typeface="Times New Roman" panose="02020603050405020304" pitchFamily="18" charset="0"/>
+                      </a:endParaRPr>
+                    </a:p>
+                  </a:txBody>
+                  <a:tcPr marL="68580" marR="68580" marT="0" marB="0"/>
+                </a:tc>
+                <a:tc>
+                  <a:txBody>
+                    <a:bodyPr/>
+                    <a:lstStyle/>
+                    <a:p>
+                      <a:pPr algn="ctr">
+                        <a:spcAft>
+                          <a:spcPts val="600"/>
+                        </a:spcAft>
+                      </a:pPr>
+                      <a:r>
+                        <a:rPr lang="en-US" sz="1600" kern="100" dirty="0">
+                          <a:solidFill>
+                            <a:schemeClr val="tx1"/>
+                          </a:solidFill>
+                          <a:effectLst/>
+                        </a:rPr>
+                        <a:t>2018.1.10</a:t>
+                      </a:r>
+                      <a:endParaRPr lang="zh-CN" sz="1600" kern="100" dirty="0">
+                        <a:solidFill>
+                          <a:schemeClr val="tx1"/>
+                        </a:solidFill>
+                        <a:effectLst/>
+                        <a:latin typeface="Times New Roman" panose="02020603050405020304" pitchFamily="18" charset="0"/>
+                        <a:ea typeface="宋体" panose="02010600030101010101" pitchFamily="2" charset="-122"/>
+                        <a:cs typeface="Times New Roman" panose="02020603050405020304" pitchFamily="18" charset="0"/>
+                      </a:endParaRPr>
+                    </a:p>
+                  </a:txBody>
+                  <a:tcPr marL="68580" marR="68580" marT="0" marB="0"/>
+                </a:tc>
+                <a:extLst>
+                  <a:ext uri="{0D108BD9-81ED-4DB2-BD59-A6C34878D82A}">
+                    <a16:rowId xmlns:a16="http://schemas.microsoft.com/office/drawing/2014/main" xmlns="" val="877438879"/>
+                  </a:ext>
+                </a:extLst>
+              </a:tr>
+            </a:tbl>
+          </a:graphicData>
+        </a:graphic>
+      </p:graphicFrame>
+    </p:spTree>
+    <p:extLst>
+      <p:ext uri="{BB962C8B-B14F-4D97-AF65-F5344CB8AC3E}">
+        <p14:creationId xmlns:p14="http://schemas.microsoft.com/office/powerpoint/2010/main" val="769494680"/>
+      </p:ext>
+    </p:extLst>
+  </p:cSld>
+  <p:clrMapOvr>
+    <a:masterClrMapping/>
+  </p:clrMapOvr>
+  <mc:AlternateContent xmlns:mc="http://schemas.openxmlformats.org/markup-compatibility/2006" xmlns:p14="http://schemas.microsoft.com/office/powerpoint/2010/main">
+    <mc:Choice Requires="p14">
+      <p:transition spd="med" p14:dur="700">
+        <p:fade/>
+      </p:transition>
+    </mc:Choice>
+    <mc:Fallback xmlns="">
+      <p:transition spd="med">
+        <p:fade/>
+      </p:transition>
+    </mc:Fallback>
+  </mc:AlternateContent>
+</p:sld>
+</file>
+
+<file path=ppt/slides/slide11.xml><?xml version="1.0" encoding="utf-8"?>
+<p:sld xmlns:a="http://schemas.openxmlformats.org/drawingml/2006/main" xmlns:r="http://schemas.openxmlformats.org/officeDocument/2006/relationships" xmlns:p="http://schemas.openxmlformats.org/presentationml/2006/main">
+  <p:cSld>
+    <p:spTree>
+      <p:nvGrpSpPr>
+        <p:cNvPr id="1" name=""/>
+        <p:cNvGrpSpPr/>
+        <p:nvPr/>
+      </p:nvGrpSpPr>
+      <p:grpSpPr>
+        <a:xfrm>
+          <a:off x="0" y="0"/>
+          <a:ext cx="0" cy="0"/>
+          <a:chOff x="0" y="0"/>
+          <a:chExt cx="0" cy="0"/>
+        </a:xfrm>
+      </p:grpSpPr>
+      <p:sp>
+        <p:nvSpPr>
+          <p:cNvPr id="2" name="文本占位符 1"/>
+          <p:cNvSpPr>
+            <a:spLocks noGrp="1"/>
+          </p:cNvSpPr>
+          <p:nvPr>
+            <p:ph type="body" sz="quarter" idx="12"/>
+          </p:nvPr>
+        </p:nvSpPr>
+        <p:spPr/>
+        <p:txBody>
+          <a:bodyPr/>
+          <a:lstStyle/>
+          <a:p>
+            <a:r>
+              <a:rPr kumimoji="1" lang="en-US" altLang="zh-CN" dirty="0" smtClean="0"/>
+              <a:t>02</a:t>
+            </a:r>
+            <a:endParaRPr kumimoji="1" lang="zh-CN" altLang="en-US" dirty="0"/>
+          </a:p>
+        </p:txBody>
+      </p:sp>
+      <p:sp>
+        <p:nvSpPr>
+          <p:cNvPr id="3" name="文本占位符 2"/>
+          <p:cNvSpPr>
+            <a:spLocks noGrp="1"/>
+          </p:cNvSpPr>
+          <p:nvPr>
+            <p:ph type="body" sz="quarter" idx="13"/>
+          </p:nvPr>
+        </p:nvSpPr>
+        <p:spPr/>
+        <p:txBody>
+          <a:bodyPr/>
+          <a:lstStyle/>
+          <a:p>
+            <a:r>
+              <a:rPr kumimoji="1" lang="zh-CN" altLang="en-US" dirty="0"/>
+              <a:t>交付产品</a:t>
+            </a:r>
+          </a:p>
+        </p:txBody>
+      </p:sp>
+      <p:sp>
+        <p:nvSpPr>
+          <p:cNvPr id="43" name="空心弧 42"/>
+          <p:cNvSpPr/>
+          <p:nvPr/>
+        </p:nvSpPr>
+        <p:spPr>
+          <a:xfrm rot="10800000">
+            <a:off x="8750883" y="1399035"/>
+            <a:ext cx="2712984" cy="2712984"/>
+          </a:xfrm>
+          <a:prstGeom prst="blockArc">
+            <a:avLst>
+              <a:gd name="adj1" fmla="val 10800000"/>
+              <a:gd name="adj2" fmla="val 21507443"/>
+              <a:gd name="adj3" fmla="val 2294"/>
+            </a:avLst>
+          </a:prstGeom>
+          <a:solidFill>
+            <a:schemeClr val="accent3">
+              <a:lumMod val="20000"/>
+              <a:lumOff val="80000"/>
+            </a:schemeClr>
+          </a:solidFill>
+          <a:ln>
+            <a:noFill/>
+          </a:ln>
+        </p:spPr>
+        <p:style>
+          <a:lnRef idx="2">
+            <a:schemeClr val="accent1">
+              <a:shade val="50000"/>
+            </a:schemeClr>
+          </a:lnRef>
+          <a:fillRef idx="1">
+            <a:schemeClr val="accent1"/>
+          </a:fillRef>
+          <a:effectRef idx="0">
+            <a:schemeClr val="accent1"/>
+          </a:effectRef>
+          <a:fontRef idx="minor">
+            <a:schemeClr val="lt1"/>
+          </a:fontRef>
+        </p:style>
+        <p:txBody>
+          <a:bodyPr rot="0" spcFirstLastPara="0" vertOverflow="overflow" horzOverflow="overflow" vert="horz" wrap="square" lIns="91440" tIns="45720" rIns="91440" bIns="45720" numCol="1" spcCol="0" rtlCol="0" fromWordArt="0" anchor="ctr" anchorCtr="0" forceAA="0" compatLnSpc="1">
+            <a:prstTxWarp prst="textNoShape">
+              <a:avLst/>
+            </a:prstTxWarp>
+            <a:noAutofit/>
+          </a:bodyPr>
+          <a:lstStyle/>
+          <a:p>
+            <a:pPr algn="ctr"/>
+            <a:endParaRPr kumimoji="1" lang="zh-CN" altLang="en-US">
+              <a:solidFill>
+                <a:schemeClr val="tx1"/>
+              </a:solidFill>
+            </a:endParaRPr>
+          </a:p>
+        </p:txBody>
+      </p:sp>
+      <p:pic>
+        <p:nvPicPr>
+          <p:cNvPr id="41" name="图片 40"/>
+          <p:cNvPicPr>
+            <a:picLocks noChangeAspect="1"/>
+          </p:cNvPicPr>
+          <p:nvPr/>
+        </p:nvPicPr>
+        <p:blipFill>
+          <a:blip r:embed="rId2">
+            <a:extLst>
+              <a:ext uri="{28A0092B-C50C-407E-A947-70E740481C1C}">
+                <a14:useLocalDpi xmlns:a14="http://schemas.microsoft.com/office/drawing/2010/main" val="0"/>
+              </a:ext>
+            </a:extLst>
+          </a:blip>
+          <a:stretch>
+            <a:fillRect/>
+          </a:stretch>
+        </p:blipFill>
+        <p:spPr>
+          <a:xfrm>
+            <a:off x="9525979" y="193236"/>
+            <a:ext cx="2244436" cy="713763"/>
+          </a:xfrm>
+          <a:prstGeom prst="rect">
+            <a:avLst/>
+          </a:prstGeom>
+        </p:spPr>
+      </p:pic>
+      <p:sp>
+        <p:nvSpPr>
+          <p:cNvPr id="7" name="文本框 6"/>
+          <p:cNvSpPr txBox="1"/>
+          <p:nvPr/>
+        </p:nvSpPr>
+        <p:spPr>
+          <a:xfrm>
+            <a:off x="1362808" y="1485900"/>
+            <a:ext cx="8932984" cy="800219"/>
+          </a:xfrm>
+          <a:prstGeom prst="rect">
+            <a:avLst/>
+          </a:prstGeom>
+          <a:noFill/>
+        </p:spPr>
+        <p:txBody>
+          <a:bodyPr wrap="square" rtlCol="0">
+            <a:spAutoFit/>
+          </a:bodyPr>
+          <a:lstStyle/>
+          <a:p>
+            <a:r>
+              <a:rPr lang="en-US" altLang="zh-CN" sz="2800" dirty="0" smtClean="0"/>
+              <a:t>2.3 </a:t>
+            </a:r>
+            <a:r>
+              <a:rPr lang="zh-CN" altLang="en-US" sz="2800" dirty="0" smtClean="0"/>
+              <a:t>非移交产品</a:t>
+            </a:r>
+            <a:endParaRPr lang="en-US" altLang="zh-CN" sz="2800" dirty="0" smtClean="0"/>
+          </a:p>
+          <a:p>
+            <a:endParaRPr lang="zh-CN" altLang="en-US" dirty="0"/>
+          </a:p>
+        </p:txBody>
+      </p:sp>
+      <p:graphicFrame>
+        <p:nvGraphicFramePr>
+          <p:cNvPr id="4" name="表格 3"/>
+          <p:cNvGraphicFramePr>
+            <a:graphicFrameLocks noGrp="1"/>
+          </p:cNvGraphicFramePr>
+          <p:nvPr>
+            <p:extLst>
+              <p:ext uri="{D42A27DB-BD31-4B8C-83A1-F6EECF244321}">
+                <p14:modId xmlns:p14="http://schemas.microsoft.com/office/powerpoint/2010/main" val="2056484544"/>
+              </p:ext>
+            </p:extLst>
+          </p:nvPr>
+        </p:nvGraphicFramePr>
+        <p:xfrm>
+          <a:off x="1821767" y="2461451"/>
+          <a:ext cx="7704212" cy="2160186"/>
+        </p:xfrm>
+        <a:graphic>
+          <a:graphicData uri="http://schemas.openxmlformats.org/drawingml/2006/table">
+            <a:tbl>
+              <a:tblPr firstRow="1" firstCol="1" bandRow="1">
+                <a:tableStyleId>{5C22544A-7EE6-4342-B048-85BDC9FD1C3A}</a:tableStyleId>
+              </a:tblPr>
+              <a:tblGrid>
+                <a:gridCol w="3852106">
+                  <a:extLst>
+                    <a:ext uri="{9D8B030D-6E8A-4147-A177-3AD203B41FA5}">
+                      <a16:colId xmlns:a16="http://schemas.microsoft.com/office/drawing/2014/main" xmlns="" val="842905482"/>
+                    </a:ext>
+                  </a:extLst>
+                </a:gridCol>
+                <a:gridCol w="3852106">
+                  <a:extLst>
+                    <a:ext uri="{9D8B030D-6E8A-4147-A177-3AD203B41FA5}">
+                      <a16:colId xmlns:a16="http://schemas.microsoft.com/office/drawing/2014/main" xmlns="" val="3133004606"/>
+                    </a:ext>
+                  </a:extLst>
+                </a:gridCol>
+              </a:tblGrid>
+              <a:tr h="360031">
+                <a:tc>
+                  <a:txBody>
+                    <a:bodyPr/>
+                    <a:lstStyle/>
+                    <a:p>
+                      <a:pPr algn="ctr">
+                        <a:spcAft>
+                          <a:spcPts val="600"/>
+                        </a:spcAft>
+                      </a:pPr>
+                      <a:r>
+                        <a:rPr lang="zh-CN" sz="1600" kern="100">
+                          <a:solidFill>
+                            <a:schemeClr val="tx1"/>
+                          </a:solidFill>
+                          <a:effectLst/>
+                        </a:rPr>
+                        <a:t>序号</a:t>
+                      </a:r>
+                      <a:endParaRPr lang="zh-CN" sz="1600" kern="100">
+                        <a:solidFill>
+                          <a:schemeClr val="tx1"/>
+                        </a:solidFill>
+                        <a:effectLst/>
+                        <a:latin typeface="Times New Roman" panose="02020603050405020304" pitchFamily="18" charset="0"/>
+                        <a:ea typeface="宋体" panose="02010600030101010101" pitchFamily="2" charset="-122"/>
+                        <a:cs typeface="Times New Roman" panose="02020603050405020304" pitchFamily="18" charset="0"/>
+                      </a:endParaRPr>
+                    </a:p>
+                  </a:txBody>
+                  <a:tcPr marL="68580" marR="68580" marT="0" marB="0"/>
+                </a:tc>
+                <a:tc>
+                  <a:txBody>
+                    <a:bodyPr/>
+                    <a:lstStyle/>
+                    <a:p>
+                      <a:pPr algn="ctr">
+                        <a:spcAft>
+                          <a:spcPts val="600"/>
+                        </a:spcAft>
+                      </a:pPr>
+                      <a:r>
+                        <a:rPr lang="zh-CN" sz="1600" kern="100">
+                          <a:solidFill>
+                            <a:schemeClr val="tx1"/>
+                          </a:solidFill>
+                          <a:effectLst/>
+                        </a:rPr>
+                        <a:t>非交付件 </a:t>
+                      </a:r>
+                      <a:endParaRPr lang="zh-CN" sz="1600" kern="100">
+                        <a:solidFill>
+                          <a:schemeClr val="tx1"/>
+                        </a:solidFill>
+                        <a:effectLst/>
+                        <a:latin typeface="Times New Roman" panose="02020603050405020304" pitchFamily="18" charset="0"/>
+                        <a:ea typeface="宋体" panose="02010600030101010101" pitchFamily="2" charset="-122"/>
+                        <a:cs typeface="Times New Roman" panose="02020603050405020304" pitchFamily="18" charset="0"/>
+                      </a:endParaRPr>
+                    </a:p>
+                  </a:txBody>
+                  <a:tcPr marL="68580" marR="68580" marT="0" marB="0"/>
+                </a:tc>
+                <a:extLst>
+                  <a:ext uri="{0D108BD9-81ED-4DB2-BD59-A6C34878D82A}">
+                    <a16:rowId xmlns:a16="http://schemas.microsoft.com/office/drawing/2014/main" xmlns="" val="822255073"/>
+                  </a:ext>
+                </a:extLst>
+              </a:tr>
+              <a:tr h="360031">
+                <a:tc>
+                  <a:txBody>
+                    <a:bodyPr/>
+                    <a:lstStyle/>
+                    <a:p>
+                      <a:pPr algn="ctr">
+                        <a:spcAft>
+                          <a:spcPts val="600"/>
+                        </a:spcAft>
+                      </a:pPr>
+                      <a:r>
+                        <a:rPr lang="en-US" sz="1600" kern="100">
+                          <a:solidFill>
+                            <a:schemeClr val="tx1"/>
+                          </a:solidFill>
+                          <a:effectLst/>
+                        </a:rPr>
+                        <a:t>01</a:t>
+                      </a:r>
+                      <a:endParaRPr lang="zh-CN" sz="1600" kern="100">
+                        <a:solidFill>
+                          <a:schemeClr val="tx1"/>
+                        </a:solidFill>
+                        <a:effectLst/>
+                        <a:latin typeface="Times New Roman" panose="02020603050405020304" pitchFamily="18" charset="0"/>
+                        <a:ea typeface="宋体" panose="02010600030101010101" pitchFamily="2" charset="-122"/>
+                        <a:cs typeface="Times New Roman" panose="02020603050405020304" pitchFamily="18" charset="0"/>
+                      </a:endParaRPr>
+                    </a:p>
+                  </a:txBody>
+                  <a:tcPr marL="68580" marR="68580" marT="0" marB="0"/>
+                </a:tc>
+                <a:tc>
+                  <a:txBody>
+                    <a:bodyPr/>
+                    <a:lstStyle/>
+                    <a:p>
+                      <a:pPr algn="ctr">
+                        <a:spcAft>
+                          <a:spcPts val="600"/>
+                        </a:spcAft>
+                      </a:pPr>
+                      <a:r>
+                        <a:rPr lang="zh-CN" sz="1600" kern="100">
+                          <a:solidFill>
+                            <a:schemeClr val="tx1"/>
+                          </a:solidFill>
+                          <a:effectLst/>
+                        </a:rPr>
+                        <a:t>项目计划</a:t>
+                      </a:r>
+                      <a:r>
+                        <a:rPr lang="en-US" sz="1600" kern="100">
+                          <a:solidFill>
+                            <a:schemeClr val="tx1"/>
+                          </a:solidFill>
+                          <a:effectLst/>
+                        </a:rPr>
+                        <a:t>ppt</a:t>
+                      </a:r>
+                      <a:endParaRPr lang="zh-CN" sz="1600" kern="100">
+                        <a:solidFill>
+                          <a:schemeClr val="tx1"/>
+                        </a:solidFill>
+                        <a:effectLst/>
+                        <a:latin typeface="Times New Roman" panose="02020603050405020304" pitchFamily="18" charset="0"/>
+                        <a:ea typeface="宋体" panose="02010600030101010101" pitchFamily="2" charset="-122"/>
+                        <a:cs typeface="Times New Roman" panose="02020603050405020304" pitchFamily="18" charset="0"/>
+                      </a:endParaRPr>
+                    </a:p>
+                  </a:txBody>
+                  <a:tcPr marL="68580" marR="68580" marT="0" marB="0"/>
+                </a:tc>
+                <a:extLst>
+                  <a:ext uri="{0D108BD9-81ED-4DB2-BD59-A6C34878D82A}">
+                    <a16:rowId xmlns:a16="http://schemas.microsoft.com/office/drawing/2014/main" xmlns="" val="2139038772"/>
+                  </a:ext>
+                </a:extLst>
+              </a:tr>
+              <a:tr h="360031">
+                <a:tc>
+                  <a:txBody>
+                    <a:bodyPr/>
+                    <a:lstStyle/>
+                    <a:p>
+                      <a:pPr algn="ctr">
+                        <a:spcAft>
+                          <a:spcPts val="600"/>
+                        </a:spcAft>
+                      </a:pPr>
+                      <a:r>
+                        <a:rPr lang="en-US" sz="1600" kern="100">
+                          <a:solidFill>
+                            <a:schemeClr val="tx1"/>
+                          </a:solidFill>
+                          <a:effectLst/>
+                        </a:rPr>
+                        <a:t>02</a:t>
+                      </a:r>
+                      <a:endParaRPr lang="zh-CN" sz="1600" kern="100">
+                        <a:solidFill>
+                          <a:schemeClr val="tx1"/>
+                        </a:solidFill>
+                        <a:effectLst/>
+                        <a:latin typeface="Times New Roman" panose="02020603050405020304" pitchFamily="18" charset="0"/>
+                        <a:ea typeface="宋体" panose="02010600030101010101" pitchFamily="2" charset="-122"/>
+                        <a:cs typeface="Times New Roman" panose="02020603050405020304" pitchFamily="18" charset="0"/>
+                      </a:endParaRPr>
+                    </a:p>
+                  </a:txBody>
+                  <a:tcPr marL="68580" marR="68580" marT="0" marB="0"/>
+                </a:tc>
+                <a:tc>
+                  <a:txBody>
+                    <a:bodyPr/>
+                    <a:lstStyle/>
+                    <a:p>
+                      <a:pPr algn="ctr">
+                        <a:spcAft>
+                          <a:spcPts val="600"/>
+                        </a:spcAft>
+                      </a:pPr>
+                      <a:r>
+                        <a:rPr lang="zh-CN" sz="1600" kern="100">
+                          <a:solidFill>
+                            <a:schemeClr val="tx1"/>
+                          </a:solidFill>
+                          <a:effectLst/>
+                        </a:rPr>
+                        <a:t>需求评审</a:t>
+                      </a:r>
+                      <a:r>
+                        <a:rPr lang="en-US" sz="1600" kern="100">
+                          <a:solidFill>
+                            <a:schemeClr val="tx1"/>
+                          </a:solidFill>
+                          <a:effectLst/>
+                        </a:rPr>
+                        <a:t>ppt</a:t>
+                      </a:r>
+                      <a:endParaRPr lang="zh-CN" sz="1600" kern="100">
+                        <a:solidFill>
+                          <a:schemeClr val="tx1"/>
+                        </a:solidFill>
+                        <a:effectLst/>
+                        <a:latin typeface="Times New Roman" panose="02020603050405020304" pitchFamily="18" charset="0"/>
+                        <a:ea typeface="宋体" panose="02010600030101010101" pitchFamily="2" charset="-122"/>
+                        <a:cs typeface="Times New Roman" panose="02020603050405020304" pitchFamily="18" charset="0"/>
+                      </a:endParaRPr>
+                    </a:p>
+                  </a:txBody>
+                  <a:tcPr marL="68580" marR="68580" marT="0" marB="0"/>
+                </a:tc>
+                <a:extLst>
+                  <a:ext uri="{0D108BD9-81ED-4DB2-BD59-A6C34878D82A}">
+                    <a16:rowId xmlns:a16="http://schemas.microsoft.com/office/drawing/2014/main" xmlns="" val="2372518354"/>
+                  </a:ext>
+                </a:extLst>
+              </a:tr>
+              <a:tr h="360031">
+                <a:tc>
+                  <a:txBody>
+                    <a:bodyPr/>
+                    <a:lstStyle/>
+                    <a:p>
+                      <a:pPr algn="ctr">
+                        <a:spcAft>
+                          <a:spcPts val="600"/>
+                        </a:spcAft>
+                      </a:pPr>
+                      <a:r>
+                        <a:rPr lang="en-US" sz="1600" kern="100">
+                          <a:solidFill>
+                            <a:schemeClr val="tx1"/>
+                          </a:solidFill>
+                          <a:effectLst/>
+                        </a:rPr>
+                        <a:t>03</a:t>
+                      </a:r>
+                      <a:endParaRPr lang="zh-CN" sz="1600" kern="100">
+                        <a:solidFill>
+                          <a:schemeClr val="tx1"/>
+                        </a:solidFill>
+                        <a:effectLst/>
+                        <a:latin typeface="Times New Roman" panose="02020603050405020304" pitchFamily="18" charset="0"/>
+                        <a:ea typeface="宋体" panose="02010600030101010101" pitchFamily="2" charset="-122"/>
+                        <a:cs typeface="Times New Roman" panose="02020603050405020304" pitchFamily="18" charset="0"/>
+                      </a:endParaRPr>
+                    </a:p>
+                  </a:txBody>
+                  <a:tcPr marL="68580" marR="68580" marT="0" marB="0"/>
+                </a:tc>
+                <a:tc>
+                  <a:txBody>
+                    <a:bodyPr/>
+                    <a:lstStyle/>
+                    <a:p>
+                      <a:pPr algn="ctr">
+                        <a:spcAft>
+                          <a:spcPts val="600"/>
+                        </a:spcAft>
+                      </a:pPr>
+                      <a:r>
+                        <a:rPr lang="zh-CN" sz="1600" kern="100">
+                          <a:solidFill>
+                            <a:schemeClr val="tx1"/>
+                          </a:solidFill>
+                          <a:effectLst/>
+                        </a:rPr>
+                        <a:t>总体设计评审</a:t>
+                      </a:r>
+                      <a:r>
+                        <a:rPr lang="en-US" sz="1600" kern="100">
+                          <a:solidFill>
+                            <a:schemeClr val="tx1"/>
+                          </a:solidFill>
+                          <a:effectLst/>
+                        </a:rPr>
+                        <a:t>ppt</a:t>
+                      </a:r>
+                      <a:endParaRPr lang="zh-CN" sz="1600" kern="100">
+                        <a:solidFill>
+                          <a:schemeClr val="tx1"/>
+                        </a:solidFill>
+                        <a:effectLst/>
+                        <a:latin typeface="Times New Roman" panose="02020603050405020304" pitchFamily="18" charset="0"/>
+                        <a:ea typeface="宋体" panose="02010600030101010101" pitchFamily="2" charset="-122"/>
+                        <a:cs typeface="Times New Roman" panose="02020603050405020304" pitchFamily="18" charset="0"/>
+                      </a:endParaRPr>
+                    </a:p>
+                  </a:txBody>
+                  <a:tcPr marL="68580" marR="68580" marT="0" marB="0"/>
+                </a:tc>
+                <a:extLst>
+                  <a:ext uri="{0D108BD9-81ED-4DB2-BD59-A6C34878D82A}">
+                    <a16:rowId xmlns:a16="http://schemas.microsoft.com/office/drawing/2014/main" xmlns="" val="4068666150"/>
+                  </a:ext>
+                </a:extLst>
+              </a:tr>
+              <a:tr h="360031">
+                <a:tc>
+                  <a:txBody>
+                    <a:bodyPr/>
+                    <a:lstStyle/>
+                    <a:p>
+                      <a:pPr algn="ctr">
+                        <a:spcAft>
+                          <a:spcPts val="600"/>
+                        </a:spcAft>
+                      </a:pPr>
+                      <a:r>
+                        <a:rPr lang="en-US" sz="1600" kern="100">
+                          <a:solidFill>
+                            <a:schemeClr val="tx1"/>
+                          </a:solidFill>
+                          <a:effectLst/>
+                        </a:rPr>
+                        <a:t>04</a:t>
+                      </a:r>
+                      <a:endParaRPr lang="zh-CN" sz="1600" kern="100">
+                        <a:solidFill>
+                          <a:schemeClr val="tx1"/>
+                        </a:solidFill>
+                        <a:effectLst/>
+                        <a:latin typeface="Times New Roman" panose="02020603050405020304" pitchFamily="18" charset="0"/>
+                        <a:ea typeface="宋体" panose="02010600030101010101" pitchFamily="2" charset="-122"/>
+                        <a:cs typeface="Times New Roman" panose="02020603050405020304" pitchFamily="18" charset="0"/>
+                      </a:endParaRPr>
+                    </a:p>
+                  </a:txBody>
+                  <a:tcPr marL="68580" marR="68580" marT="0" marB="0"/>
+                </a:tc>
+                <a:tc>
+                  <a:txBody>
+                    <a:bodyPr/>
+                    <a:lstStyle/>
+                    <a:p>
+                      <a:pPr algn="ctr">
+                        <a:spcAft>
+                          <a:spcPts val="600"/>
+                        </a:spcAft>
+                      </a:pPr>
+                      <a:r>
+                        <a:rPr lang="zh-CN" sz="1600" kern="100">
+                          <a:solidFill>
+                            <a:schemeClr val="tx1"/>
+                          </a:solidFill>
+                          <a:effectLst/>
+                        </a:rPr>
+                        <a:t>反转</a:t>
+                      </a:r>
+                      <a:r>
+                        <a:rPr lang="en-US" sz="1600" kern="100">
+                          <a:solidFill>
+                            <a:schemeClr val="tx1"/>
+                          </a:solidFill>
+                          <a:effectLst/>
+                        </a:rPr>
+                        <a:t>ppt</a:t>
+                      </a:r>
+                      <a:endParaRPr lang="zh-CN" sz="1600" kern="100">
+                        <a:solidFill>
+                          <a:schemeClr val="tx1"/>
+                        </a:solidFill>
+                        <a:effectLst/>
+                        <a:latin typeface="Times New Roman" panose="02020603050405020304" pitchFamily="18" charset="0"/>
+                        <a:ea typeface="宋体" panose="02010600030101010101" pitchFamily="2" charset="-122"/>
+                        <a:cs typeface="Times New Roman" panose="02020603050405020304" pitchFamily="18" charset="0"/>
+                      </a:endParaRPr>
+                    </a:p>
+                  </a:txBody>
+                  <a:tcPr marL="68580" marR="68580" marT="0" marB="0"/>
+                </a:tc>
+                <a:extLst>
+                  <a:ext uri="{0D108BD9-81ED-4DB2-BD59-A6C34878D82A}">
+                    <a16:rowId xmlns:a16="http://schemas.microsoft.com/office/drawing/2014/main" xmlns="" val="4280705887"/>
+                  </a:ext>
+                </a:extLst>
+              </a:tr>
+              <a:tr h="360031">
+                <a:tc>
+                  <a:txBody>
+                    <a:bodyPr/>
+                    <a:lstStyle/>
+                    <a:p>
+                      <a:pPr algn="ctr">
+                        <a:spcAft>
+                          <a:spcPts val="600"/>
+                        </a:spcAft>
+                      </a:pPr>
+                      <a:r>
+                        <a:rPr lang="en-US" sz="1600" kern="100">
+                          <a:solidFill>
+                            <a:schemeClr val="tx1"/>
+                          </a:solidFill>
+                          <a:effectLst/>
+                        </a:rPr>
+                        <a:t>05</a:t>
+                      </a:r>
+                      <a:endParaRPr lang="zh-CN" sz="1600" kern="100">
+                        <a:solidFill>
+                          <a:schemeClr val="tx1"/>
+                        </a:solidFill>
+                        <a:effectLst/>
+                        <a:latin typeface="Times New Roman" panose="02020603050405020304" pitchFamily="18" charset="0"/>
+                        <a:ea typeface="宋体" panose="02010600030101010101" pitchFamily="2" charset="-122"/>
+                        <a:cs typeface="Times New Roman" panose="02020603050405020304" pitchFamily="18" charset="0"/>
+                      </a:endParaRPr>
+                    </a:p>
+                  </a:txBody>
+                  <a:tcPr marL="68580" marR="68580" marT="0" marB="0"/>
+                </a:tc>
+                <a:tc>
+                  <a:txBody>
+                    <a:bodyPr/>
+                    <a:lstStyle/>
+                    <a:p>
+                      <a:pPr algn="ctr">
+                        <a:spcAft>
+                          <a:spcPts val="600"/>
+                        </a:spcAft>
+                      </a:pPr>
+                      <a:r>
+                        <a:rPr lang="zh-CN" sz="1600" kern="100" dirty="0">
+                          <a:solidFill>
+                            <a:schemeClr val="tx1"/>
+                          </a:solidFill>
+                          <a:effectLst/>
+                        </a:rPr>
+                        <a:t>总评审</a:t>
+                      </a:r>
+                      <a:r>
+                        <a:rPr lang="en-US" sz="1600" kern="100" dirty="0" err="1">
+                          <a:solidFill>
+                            <a:schemeClr val="tx1"/>
+                          </a:solidFill>
+                          <a:effectLst/>
+                        </a:rPr>
+                        <a:t>ppt</a:t>
+                      </a:r>
+                      <a:endParaRPr lang="zh-CN" sz="1600" kern="100" dirty="0">
+                        <a:solidFill>
+                          <a:schemeClr val="tx1"/>
+                        </a:solidFill>
+                        <a:effectLst/>
+                        <a:latin typeface="Times New Roman" panose="02020603050405020304" pitchFamily="18" charset="0"/>
+                        <a:ea typeface="宋体" panose="02010600030101010101" pitchFamily="2" charset="-122"/>
+                        <a:cs typeface="Times New Roman" panose="02020603050405020304" pitchFamily="18" charset="0"/>
+                      </a:endParaRPr>
+                    </a:p>
+                  </a:txBody>
+                  <a:tcPr marL="68580" marR="68580" marT="0" marB="0"/>
+                </a:tc>
+                <a:extLst>
+                  <a:ext uri="{0D108BD9-81ED-4DB2-BD59-A6C34878D82A}">
+                    <a16:rowId xmlns:a16="http://schemas.microsoft.com/office/drawing/2014/main" xmlns="" val="316362367"/>
+                  </a:ext>
+                </a:extLst>
+              </a:tr>
+            </a:tbl>
+          </a:graphicData>
+        </a:graphic>
+      </p:graphicFrame>
+    </p:spTree>
+    <p:extLst>
+      <p:ext uri="{BB962C8B-B14F-4D97-AF65-F5344CB8AC3E}">
+        <p14:creationId xmlns:p14="http://schemas.microsoft.com/office/powerpoint/2010/main" val="333797320"/>
+      </p:ext>
+    </p:extLst>
+  </p:cSld>
+  <p:clrMapOvr>
+    <a:masterClrMapping/>
+  </p:clrMapOvr>
+  <mc:AlternateContent xmlns:mc="http://schemas.openxmlformats.org/markup-compatibility/2006" xmlns:p14="http://schemas.microsoft.com/office/powerpoint/2010/main">
+    <mc:Choice Requires="p14">
+      <p:transition spd="med" p14:dur="700">
+        <p:fade/>
+      </p:transition>
+    </mc:Choice>
+    <mc:Fallback xmlns="">
+      <p:transition spd="med">
+        <p:fade/>
+      </p:transition>
+    </mc:Fallback>
+  </mc:AlternateContent>
+</p:sld>
+</file>
+
+<file path=ppt/slides/slide12.xml><?xml version="1.0" encoding="utf-8"?>
+<p:sld xmlns:a="http://schemas.openxmlformats.org/drawingml/2006/main" xmlns:r="http://schemas.openxmlformats.org/officeDocument/2006/relationships" xmlns:p="http://schemas.openxmlformats.org/presentationml/2006/main">
+  <p:cSld>
+    <p:spTree>
+      <p:nvGrpSpPr>
+        <p:cNvPr id="1" name=""/>
+        <p:cNvGrpSpPr/>
+        <p:nvPr/>
+      </p:nvGrpSpPr>
+      <p:grpSpPr>
+        <a:xfrm>
+          <a:off x="0" y="0"/>
+          <a:ext cx="0" cy="0"/>
+          <a:chOff x="0" y="0"/>
+          <a:chExt cx="0" cy="0"/>
+        </a:xfrm>
+      </p:grpSpPr>
+      <p:sp>
+        <p:nvSpPr>
+          <p:cNvPr id="2" name="文本占位符 1"/>
+          <p:cNvSpPr>
+            <a:spLocks noGrp="1"/>
+          </p:cNvSpPr>
+          <p:nvPr>
+            <p:ph type="body" sz="quarter" idx="12"/>
+          </p:nvPr>
+        </p:nvSpPr>
+        <p:spPr/>
+        <p:txBody>
+          <a:bodyPr/>
+          <a:lstStyle/>
+          <a:p>
+            <a:r>
+              <a:rPr kumimoji="1" lang="en-US" altLang="zh-CN" dirty="0" smtClean="0"/>
+              <a:t>02</a:t>
+            </a:r>
+            <a:endParaRPr kumimoji="1" lang="zh-CN" altLang="en-US" dirty="0"/>
+          </a:p>
+        </p:txBody>
+      </p:sp>
+      <p:sp>
+        <p:nvSpPr>
+          <p:cNvPr id="3" name="文本占位符 2"/>
+          <p:cNvSpPr>
+            <a:spLocks noGrp="1"/>
+          </p:cNvSpPr>
+          <p:nvPr>
+            <p:ph type="body" sz="quarter" idx="13"/>
+          </p:nvPr>
+        </p:nvSpPr>
+        <p:spPr/>
+        <p:txBody>
+          <a:bodyPr/>
+          <a:lstStyle/>
+          <a:p>
+            <a:r>
+              <a:rPr kumimoji="1" lang="zh-CN" altLang="en-US" dirty="0"/>
+              <a:t>交付产品</a:t>
+            </a:r>
+          </a:p>
+        </p:txBody>
+      </p:sp>
+      <p:sp>
+        <p:nvSpPr>
+          <p:cNvPr id="43" name="空心弧 42"/>
+          <p:cNvSpPr/>
+          <p:nvPr/>
+        </p:nvSpPr>
+        <p:spPr>
+          <a:xfrm rot="10800000">
+            <a:off x="8750883" y="1399035"/>
+            <a:ext cx="2712984" cy="2712984"/>
+          </a:xfrm>
+          <a:prstGeom prst="blockArc">
+            <a:avLst>
+              <a:gd name="adj1" fmla="val 10800000"/>
+              <a:gd name="adj2" fmla="val 21507443"/>
+              <a:gd name="adj3" fmla="val 2294"/>
+            </a:avLst>
+          </a:prstGeom>
+          <a:solidFill>
+            <a:schemeClr val="accent3">
+              <a:lumMod val="20000"/>
+              <a:lumOff val="80000"/>
+            </a:schemeClr>
+          </a:solidFill>
+          <a:ln>
+            <a:noFill/>
+          </a:ln>
+        </p:spPr>
+        <p:style>
+          <a:lnRef idx="2">
+            <a:schemeClr val="accent1">
+              <a:shade val="50000"/>
+            </a:schemeClr>
+          </a:lnRef>
+          <a:fillRef idx="1">
+            <a:schemeClr val="accent1"/>
+          </a:fillRef>
+          <a:effectRef idx="0">
+            <a:schemeClr val="accent1"/>
+          </a:effectRef>
+          <a:fontRef idx="minor">
+            <a:schemeClr val="lt1"/>
+          </a:fontRef>
+        </p:style>
+        <p:txBody>
+          <a:bodyPr rot="0" spcFirstLastPara="0" vertOverflow="overflow" horzOverflow="overflow" vert="horz" wrap="square" lIns="91440" tIns="45720" rIns="91440" bIns="45720" numCol="1" spcCol="0" rtlCol="0" fromWordArt="0" anchor="ctr" anchorCtr="0" forceAA="0" compatLnSpc="1">
+            <a:prstTxWarp prst="textNoShape">
+              <a:avLst/>
+            </a:prstTxWarp>
+            <a:noAutofit/>
+          </a:bodyPr>
+          <a:lstStyle/>
+          <a:p>
+            <a:pPr algn="ctr"/>
+            <a:endParaRPr kumimoji="1" lang="zh-CN" altLang="en-US">
+              <a:solidFill>
+                <a:schemeClr val="tx1"/>
+              </a:solidFill>
+            </a:endParaRPr>
+          </a:p>
+        </p:txBody>
+      </p:sp>
+      <p:pic>
+        <p:nvPicPr>
+          <p:cNvPr id="41" name="图片 40"/>
+          <p:cNvPicPr>
+            <a:picLocks noChangeAspect="1"/>
+          </p:cNvPicPr>
+          <p:nvPr/>
+        </p:nvPicPr>
+        <p:blipFill>
+          <a:blip r:embed="rId2">
+            <a:extLst>
+              <a:ext uri="{28A0092B-C50C-407E-A947-70E740481C1C}">
+                <a14:useLocalDpi xmlns:a14="http://schemas.microsoft.com/office/drawing/2010/main" val="0"/>
+              </a:ext>
+            </a:extLst>
+          </a:blip>
+          <a:stretch>
+            <a:fillRect/>
+          </a:stretch>
+        </p:blipFill>
+        <p:spPr>
+          <a:xfrm>
+            <a:off x="9525979" y="193236"/>
+            <a:ext cx="2244436" cy="713763"/>
+          </a:xfrm>
+          <a:prstGeom prst="rect">
+            <a:avLst/>
+          </a:prstGeom>
+        </p:spPr>
+      </p:pic>
+      <p:sp>
+        <p:nvSpPr>
+          <p:cNvPr id="7" name="文本框 6"/>
+          <p:cNvSpPr txBox="1"/>
+          <p:nvPr/>
+        </p:nvSpPr>
+        <p:spPr>
+          <a:xfrm>
+            <a:off x="970383" y="1137424"/>
+            <a:ext cx="8932984" cy="523220"/>
+          </a:xfrm>
+          <a:prstGeom prst="rect">
+            <a:avLst/>
+          </a:prstGeom>
+          <a:noFill/>
+        </p:spPr>
+        <p:txBody>
+          <a:bodyPr wrap="square" rtlCol="0">
+            <a:spAutoFit/>
+          </a:bodyPr>
+          <a:lstStyle/>
+          <a:p>
+            <a:r>
+              <a:rPr lang="en-US" altLang="zh-CN" sz="2800" dirty="0" smtClean="0"/>
+              <a:t>2.4</a:t>
+            </a:r>
+            <a:r>
+              <a:rPr lang="zh-CN" altLang="en-US" sz="2800" dirty="0" smtClean="0"/>
+              <a:t>验收标准</a:t>
+            </a:r>
+            <a:endParaRPr lang="zh-CN" altLang="en-US" sz="2800" dirty="0"/>
+          </a:p>
+        </p:txBody>
+      </p:sp>
+      <p:graphicFrame>
+        <p:nvGraphicFramePr>
+          <p:cNvPr id="4" name="表格 3"/>
+          <p:cNvGraphicFramePr>
+            <a:graphicFrameLocks noGrp="1"/>
+          </p:cNvGraphicFramePr>
+          <p:nvPr>
+            <p:extLst>
+              <p:ext uri="{D42A27DB-BD31-4B8C-83A1-F6EECF244321}">
+                <p14:modId xmlns:p14="http://schemas.microsoft.com/office/powerpoint/2010/main" val="472705589"/>
+              </p:ext>
+            </p:extLst>
+          </p:nvPr>
+        </p:nvGraphicFramePr>
+        <p:xfrm>
+          <a:off x="1361505" y="1651851"/>
+          <a:ext cx="9653954" cy="4688347"/>
+        </p:xfrm>
+        <a:graphic>
+          <a:graphicData uri="http://schemas.openxmlformats.org/drawingml/2006/table">
+            <a:tbl>
+              <a:tblPr firstRow="1" firstCol="1" bandRow="1">
+                <a:tableStyleId>{5C22544A-7EE6-4342-B048-85BDC9FD1C3A}</a:tableStyleId>
+              </a:tblPr>
+              <a:tblGrid>
+                <a:gridCol w="1357127">
+                  <a:extLst>
+                    <a:ext uri="{9D8B030D-6E8A-4147-A177-3AD203B41FA5}">
+                      <a16:colId xmlns:a16="http://schemas.microsoft.com/office/drawing/2014/main" xmlns="" val="1601494629"/>
+                    </a:ext>
+                  </a:extLst>
+                </a:gridCol>
+                <a:gridCol w="4202790">
+                  <a:extLst>
+                    <a:ext uri="{9D8B030D-6E8A-4147-A177-3AD203B41FA5}">
+                      <a16:colId xmlns:a16="http://schemas.microsoft.com/office/drawing/2014/main" xmlns="" val="1609913802"/>
+                    </a:ext>
+                  </a:extLst>
+                </a:gridCol>
+                <a:gridCol w="4094037">
+                  <a:extLst>
+                    <a:ext uri="{9D8B030D-6E8A-4147-A177-3AD203B41FA5}">
+                      <a16:colId xmlns:a16="http://schemas.microsoft.com/office/drawing/2014/main" xmlns="" val="907974138"/>
+                    </a:ext>
+                  </a:extLst>
+                </a:gridCol>
+              </a:tblGrid>
+              <a:tr h="159730">
+                <a:tc>
+                  <a:txBody>
+                    <a:bodyPr/>
+                    <a:lstStyle/>
+                    <a:p>
+                      <a:pPr algn="ctr">
+                        <a:spcAft>
+                          <a:spcPts val="600"/>
+                        </a:spcAft>
+                      </a:pPr>
+                      <a:r>
+                        <a:rPr lang="zh-CN" sz="1200" kern="100" dirty="0">
+                          <a:solidFill>
+                            <a:schemeClr val="tx1"/>
+                          </a:solidFill>
+                          <a:effectLst/>
+                        </a:rPr>
+                        <a:t>序号</a:t>
+                      </a:r>
+                      <a:endParaRPr lang="zh-CN" sz="1200" kern="100" dirty="0">
+                        <a:solidFill>
+                          <a:schemeClr val="tx1"/>
+                        </a:solidFill>
+                        <a:effectLst/>
+                        <a:latin typeface="Times New Roman" panose="02020603050405020304" pitchFamily="18" charset="0"/>
+                        <a:ea typeface="宋体" panose="02010600030101010101" pitchFamily="2" charset="-122"/>
+                        <a:cs typeface="Times New Roman" panose="02020603050405020304" pitchFamily="18" charset="0"/>
+                      </a:endParaRPr>
+                    </a:p>
+                  </a:txBody>
+                  <a:tcPr marL="56106" marR="56106" marT="0" marB="0"/>
+                </a:tc>
+                <a:tc>
+                  <a:txBody>
+                    <a:bodyPr/>
+                    <a:lstStyle/>
+                    <a:p>
+                      <a:pPr algn="ctr">
+                        <a:spcAft>
+                          <a:spcPts val="600"/>
+                        </a:spcAft>
+                      </a:pPr>
+                      <a:r>
+                        <a:rPr lang="zh-CN" sz="1200" kern="100" dirty="0">
+                          <a:solidFill>
+                            <a:schemeClr val="tx1"/>
+                          </a:solidFill>
+                          <a:effectLst/>
+                        </a:rPr>
+                        <a:t>交付件</a:t>
+                      </a:r>
+                      <a:endParaRPr lang="zh-CN" sz="1200" kern="100" dirty="0">
+                        <a:solidFill>
+                          <a:schemeClr val="tx1"/>
+                        </a:solidFill>
+                        <a:effectLst/>
+                        <a:latin typeface="Times New Roman" panose="02020603050405020304" pitchFamily="18" charset="0"/>
+                        <a:ea typeface="宋体" panose="02010600030101010101" pitchFamily="2" charset="-122"/>
+                        <a:cs typeface="Times New Roman" panose="02020603050405020304" pitchFamily="18" charset="0"/>
+                      </a:endParaRPr>
+                    </a:p>
+                  </a:txBody>
+                  <a:tcPr marL="56106" marR="56106" marT="0" marB="0"/>
+                </a:tc>
+                <a:tc>
+                  <a:txBody>
+                    <a:bodyPr/>
+                    <a:lstStyle/>
+                    <a:p>
+                      <a:pPr algn="ctr">
+                        <a:spcAft>
+                          <a:spcPts val="600"/>
+                        </a:spcAft>
+                      </a:pPr>
+                      <a:r>
+                        <a:rPr lang="zh-CN" sz="1200" kern="100">
+                          <a:solidFill>
+                            <a:schemeClr val="tx1"/>
+                          </a:solidFill>
+                          <a:effectLst/>
+                        </a:rPr>
+                        <a:t>验收标准</a:t>
+                      </a:r>
+                      <a:endParaRPr lang="zh-CN" sz="1200" kern="100">
+                        <a:solidFill>
+                          <a:schemeClr val="tx1"/>
+                        </a:solidFill>
+                        <a:effectLst/>
+                        <a:latin typeface="Times New Roman" panose="02020603050405020304" pitchFamily="18" charset="0"/>
+                        <a:ea typeface="宋体" panose="02010600030101010101" pitchFamily="2" charset="-122"/>
+                        <a:cs typeface="Times New Roman" panose="02020603050405020304" pitchFamily="18" charset="0"/>
+                      </a:endParaRPr>
+                    </a:p>
+                  </a:txBody>
+                  <a:tcPr marL="56106" marR="56106" marT="0" marB="0"/>
+                </a:tc>
+                <a:extLst>
+                  <a:ext uri="{0D108BD9-81ED-4DB2-BD59-A6C34878D82A}">
+                    <a16:rowId xmlns:a16="http://schemas.microsoft.com/office/drawing/2014/main" xmlns="" val="1011311202"/>
+                  </a:ext>
+                </a:extLst>
+              </a:tr>
+              <a:tr h="969787">
+                <a:tc>
+                  <a:txBody>
+                    <a:bodyPr/>
+                    <a:lstStyle/>
+                    <a:p>
+                      <a:pPr algn="ctr">
+                        <a:spcAft>
+                          <a:spcPts val="600"/>
+                        </a:spcAft>
+                      </a:pPr>
+                      <a:r>
+                        <a:rPr lang="en-US" sz="1200" kern="100" dirty="0">
+                          <a:solidFill>
+                            <a:schemeClr val="tx1"/>
+                          </a:solidFill>
+                          <a:effectLst/>
+                        </a:rPr>
+                        <a:t>01</a:t>
+                      </a:r>
+                      <a:endParaRPr lang="zh-CN" sz="1200" kern="100" dirty="0">
+                        <a:solidFill>
+                          <a:schemeClr val="tx1"/>
+                        </a:solidFill>
+                        <a:effectLst/>
+                        <a:latin typeface="Times New Roman" panose="02020603050405020304" pitchFamily="18" charset="0"/>
+                        <a:ea typeface="宋体" panose="02010600030101010101" pitchFamily="2" charset="-122"/>
+                        <a:cs typeface="Times New Roman" panose="02020603050405020304" pitchFamily="18" charset="0"/>
+                      </a:endParaRPr>
+                    </a:p>
+                  </a:txBody>
+                  <a:tcPr marL="56106" marR="56106" marT="0" marB="0"/>
+                </a:tc>
+                <a:tc>
+                  <a:txBody>
+                    <a:bodyPr/>
+                    <a:lstStyle/>
+                    <a:p>
+                      <a:pPr algn="ctr">
+                        <a:spcAft>
+                          <a:spcPts val="600"/>
+                        </a:spcAft>
+                      </a:pPr>
+                      <a:r>
+                        <a:rPr lang="zh-CN" sz="1200" kern="100" dirty="0">
+                          <a:solidFill>
+                            <a:schemeClr val="tx1"/>
+                          </a:solidFill>
+                          <a:effectLst/>
+                        </a:rPr>
+                        <a:t>项目计划</a:t>
+                      </a:r>
+                      <a:endParaRPr lang="zh-CN" sz="1200" kern="100" dirty="0">
+                        <a:solidFill>
+                          <a:schemeClr val="tx1"/>
+                        </a:solidFill>
+                        <a:effectLst/>
+                        <a:latin typeface="Times New Roman" panose="02020603050405020304" pitchFamily="18" charset="0"/>
+                        <a:ea typeface="宋体" panose="02010600030101010101" pitchFamily="2" charset="-122"/>
+                        <a:cs typeface="Times New Roman" panose="02020603050405020304" pitchFamily="18" charset="0"/>
+                      </a:endParaRPr>
+                    </a:p>
+                  </a:txBody>
+                  <a:tcPr marL="56106" marR="56106" marT="0" marB="0"/>
+                </a:tc>
+                <a:tc>
+                  <a:txBody>
+                    <a:bodyPr/>
+                    <a:lstStyle/>
+                    <a:p>
+                      <a:pPr marL="342900" lvl="0" indent="-342900" algn="ctr">
+                        <a:spcAft>
+                          <a:spcPts val="600"/>
+                        </a:spcAft>
+                        <a:buFont typeface="+mj-lt"/>
+                        <a:buAutoNum type="arabicPeriod"/>
+                      </a:pPr>
+                      <a:r>
+                        <a:rPr lang="zh-CN" sz="1200" kern="100">
+                          <a:solidFill>
+                            <a:schemeClr val="tx1"/>
+                          </a:solidFill>
+                          <a:effectLst/>
+                        </a:rPr>
+                        <a:t>项目计划符合</a:t>
+                      </a:r>
+                      <a:r>
+                        <a:rPr lang="en-US" sz="1200" kern="100">
+                          <a:solidFill>
+                            <a:schemeClr val="tx1"/>
+                          </a:solidFill>
+                          <a:effectLst/>
+                        </a:rPr>
+                        <a:t>SDP</a:t>
+                      </a:r>
+                      <a:r>
+                        <a:rPr lang="zh-CN" sz="1200" kern="100">
+                          <a:solidFill>
+                            <a:schemeClr val="tx1"/>
+                          </a:solidFill>
+                          <a:effectLst/>
+                        </a:rPr>
+                        <a:t>框架</a:t>
+                      </a:r>
+                    </a:p>
+                    <a:p>
+                      <a:pPr marL="342900" lvl="0" indent="-342900" algn="ctr">
+                        <a:spcAft>
+                          <a:spcPts val="600"/>
+                        </a:spcAft>
+                        <a:buFont typeface="+mj-lt"/>
+                        <a:buAutoNum type="arabicPeriod"/>
+                      </a:pPr>
+                      <a:r>
+                        <a:rPr lang="zh-CN" sz="1200" kern="100">
+                          <a:solidFill>
+                            <a:schemeClr val="tx1"/>
+                          </a:solidFill>
+                          <a:effectLst/>
+                        </a:rPr>
+                        <a:t>提交标准的甘特图</a:t>
+                      </a:r>
+                    </a:p>
+                    <a:p>
+                      <a:pPr marL="342900" lvl="0" indent="-342900" algn="ctr">
+                        <a:spcAft>
+                          <a:spcPts val="600"/>
+                        </a:spcAft>
+                        <a:buFont typeface="+mj-lt"/>
+                        <a:buAutoNum type="arabicPeriod"/>
+                      </a:pPr>
+                      <a:r>
+                        <a:rPr lang="en-US" sz="1200" kern="100">
+                          <a:solidFill>
+                            <a:schemeClr val="tx1"/>
+                          </a:solidFill>
+                          <a:effectLst/>
+                        </a:rPr>
+                        <a:t>ppt</a:t>
+                      </a:r>
+                      <a:r>
+                        <a:rPr lang="zh-CN" sz="1200" kern="100">
+                          <a:solidFill>
+                            <a:schemeClr val="tx1"/>
+                          </a:solidFill>
+                          <a:effectLst/>
+                        </a:rPr>
+                        <a:t>的内容能将计划解释清楚</a:t>
+                      </a:r>
+                    </a:p>
+                    <a:p>
+                      <a:pPr marL="342900" lvl="0" indent="-342900" algn="ctr">
+                        <a:spcAft>
+                          <a:spcPts val="600"/>
+                        </a:spcAft>
+                        <a:buFont typeface="+mj-lt"/>
+                        <a:buAutoNum type="arabicPeriod"/>
+                      </a:pPr>
+                      <a:r>
+                        <a:rPr lang="zh-CN" sz="1200" kern="100">
+                          <a:solidFill>
+                            <a:schemeClr val="tx1"/>
+                          </a:solidFill>
+                          <a:effectLst/>
+                        </a:rPr>
+                        <a:t>输出项目计划、</a:t>
+                      </a:r>
+                      <a:r>
+                        <a:rPr lang="en-US" sz="1200" kern="100">
+                          <a:solidFill>
+                            <a:schemeClr val="tx1"/>
+                          </a:solidFill>
+                          <a:effectLst/>
+                        </a:rPr>
+                        <a:t>ppt</a:t>
+                      </a:r>
+                      <a:r>
+                        <a:rPr lang="zh-CN" sz="1200" kern="100">
+                          <a:solidFill>
+                            <a:schemeClr val="tx1"/>
+                          </a:solidFill>
+                          <a:effectLst/>
+                        </a:rPr>
+                        <a:t>、</a:t>
+                      </a:r>
+                      <a:r>
+                        <a:rPr lang="en-US" sz="1200" kern="100">
+                          <a:solidFill>
+                            <a:schemeClr val="tx1"/>
+                          </a:solidFill>
+                          <a:effectLst/>
+                        </a:rPr>
+                        <a:t>msproject</a:t>
+                      </a:r>
+                      <a:r>
+                        <a:rPr lang="zh-CN" sz="1200" kern="100">
+                          <a:solidFill>
+                            <a:schemeClr val="tx1"/>
+                          </a:solidFill>
+                          <a:effectLst/>
+                        </a:rPr>
+                        <a:t>文档和会议记录</a:t>
+                      </a:r>
+                      <a:endParaRPr lang="zh-CN" sz="1200" kern="100">
+                        <a:solidFill>
+                          <a:schemeClr val="tx1"/>
+                        </a:solidFill>
+                        <a:effectLst/>
+                        <a:latin typeface="Times New Roman" panose="02020603050405020304" pitchFamily="18" charset="0"/>
+                        <a:ea typeface="宋体" panose="02010600030101010101" pitchFamily="2" charset="-122"/>
+                        <a:cs typeface="Times New Roman" panose="02020603050405020304" pitchFamily="18" charset="0"/>
+                      </a:endParaRPr>
+                    </a:p>
+                  </a:txBody>
+                  <a:tcPr marL="56106" marR="56106" marT="0" marB="0"/>
+                </a:tc>
+                <a:extLst>
+                  <a:ext uri="{0D108BD9-81ED-4DB2-BD59-A6C34878D82A}">
+                    <a16:rowId xmlns:a16="http://schemas.microsoft.com/office/drawing/2014/main" xmlns="" val="195626558"/>
+                  </a:ext>
+                </a:extLst>
+              </a:tr>
+              <a:tr h="753011">
+                <a:tc>
+                  <a:txBody>
+                    <a:bodyPr/>
+                    <a:lstStyle/>
+                    <a:p>
+                      <a:pPr algn="ctr">
+                        <a:spcAft>
+                          <a:spcPts val="600"/>
+                        </a:spcAft>
+                      </a:pPr>
+                      <a:r>
+                        <a:rPr lang="en-US" sz="1200" kern="100">
+                          <a:solidFill>
+                            <a:schemeClr val="tx1"/>
+                          </a:solidFill>
+                          <a:effectLst/>
+                        </a:rPr>
+                        <a:t>02</a:t>
+                      </a:r>
+                      <a:endParaRPr lang="zh-CN" sz="1200" kern="100">
+                        <a:solidFill>
+                          <a:schemeClr val="tx1"/>
+                        </a:solidFill>
+                        <a:effectLst/>
+                        <a:latin typeface="Times New Roman" panose="02020603050405020304" pitchFamily="18" charset="0"/>
+                        <a:ea typeface="宋体" panose="02010600030101010101" pitchFamily="2" charset="-122"/>
+                        <a:cs typeface="Times New Roman" panose="02020603050405020304" pitchFamily="18" charset="0"/>
+                      </a:endParaRPr>
+                    </a:p>
+                  </a:txBody>
+                  <a:tcPr marL="56106" marR="56106" marT="0" marB="0"/>
+                </a:tc>
+                <a:tc>
+                  <a:txBody>
+                    <a:bodyPr/>
+                    <a:lstStyle/>
+                    <a:p>
+                      <a:pPr algn="ctr">
+                        <a:spcAft>
+                          <a:spcPts val="600"/>
+                        </a:spcAft>
+                      </a:pPr>
+                      <a:r>
+                        <a:rPr lang="zh-CN" sz="1200" kern="100" dirty="0">
+                          <a:solidFill>
+                            <a:schemeClr val="tx1"/>
+                          </a:solidFill>
+                          <a:effectLst/>
+                        </a:rPr>
+                        <a:t>可行性分析报告</a:t>
+                      </a:r>
+                      <a:endParaRPr lang="zh-CN" sz="1200" kern="100" dirty="0">
+                        <a:solidFill>
+                          <a:schemeClr val="tx1"/>
+                        </a:solidFill>
+                        <a:effectLst/>
+                        <a:latin typeface="Times New Roman" panose="02020603050405020304" pitchFamily="18" charset="0"/>
+                        <a:ea typeface="宋体" panose="02010600030101010101" pitchFamily="2" charset="-122"/>
+                        <a:cs typeface="Times New Roman" panose="02020603050405020304" pitchFamily="18" charset="0"/>
+                      </a:endParaRPr>
+                    </a:p>
+                  </a:txBody>
+                  <a:tcPr marL="56106" marR="56106" marT="0" marB="0"/>
+                </a:tc>
+                <a:tc>
+                  <a:txBody>
+                    <a:bodyPr/>
+                    <a:lstStyle/>
+                    <a:p>
+                      <a:pPr marL="342900" lvl="0" indent="-342900" algn="ctr">
+                        <a:spcAft>
+                          <a:spcPts val="600"/>
+                        </a:spcAft>
+                        <a:buFont typeface="+mj-lt"/>
+                        <a:buAutoNum type="arabicPeriod"/>
+                      </a:pPr>
+                      <a:r>
+                        <a:rPr lang="zh-CN" sz="1200" kern="100" dirty="0">
+                          <a:solidFill>
+                            <a:schemeClr val="tx1"/>
+                          </a:solidFill>
+                          <a:effectLst/>
+                        </a:rPr>
+                        <a:t>能从技术、经济方面对项目可行性分析</a:t>
+                      </a:r>
+                    </a:p>
+                    <a:p>
+                      <a:pPr marL="342900" lvl="0" indent="-342900" algn="ctr">
+                        <a:spcAft>
+                          <a:spcPts val="600"/>
+                        </a:spcAft>
+                        <a:buFont typeface="+mj-lt"/>
+                        <a:buAutoNum type="arabicPeriod"/>
+                      </a:pPr>
+                      <a:r>
+                        <a:rPr lang="zh-CN" sz="1200" kern="100" dirty="0">
+                          <a:solidFill>
+                            <a:schemeClr val="tx1"/>
+                          </a:solidFill>
+                          <a:effectLst/>
+                        </a:rPr>
+                        <a:t>输出的报告需要有对现有系统和替换系统的分析，分析要给出软件过程图和数据流图。</a:t>
+                      </a:r>
+                    </a:p>
+                    <a:p>
+                      <a:pPr marL="342900" lvl="0" indent="-342900" algn="ctr">
+                        <a:spcAft>
+                          <a:spcPts val="600"/>
+                        </a:spcAft>
+                        <a:buFont typeface="+mj-lt"/>
+                        <a:buAutoNum type="arabicPeriod"/>
+                      </a:pPr>
+                      <a:r>
+                        <a:rPr lang="zh-CN" sz="1200" kern="100" dirty="0">
+                          <a:solidFill>
+                            <a:schemeClr val="tx1"/>
+                          </a:solidFill>
+                          <a:effectLst/>
+                        </a:rPr>
+                        <a:t>结论要指出可行或不可行，并且与过程相符。</a:t>
+                      </a:r>
+                      <a:endParaRPr lang="zh-CN" sz="1200" kern="100" dirty="0">
+                        <a:solidFill>
+                          <a:schemeClr val="tx1"/>
+                        </a:solidFill>
+                        <a:effectLst/>
+                        <a:latin typeface="Times New Roman" panose="02020603050405020304" pitchFamily="18" charset="0"/>
+                        <a:ea typeface="宋体" panose="02010600030101010101" pitchFamily="2" charset="-122"/>
+                        <a:cs typeface="Times New Roman" panose="02020603050405020304" pitchFamily="18" charset="0"/>
+                      </a:endParaRPr>
+                    </a:p>
+                  </a:txBody>
+                  <a:tcPr marL="56106" marR="56106" marT="0" marB="0"/>
+                </a:tc>
+                <a:extLst>
+                  <a:ext uri="{0D108BD9-81ED-4DB2-BD59-A6C34878D82A}">
+                    <a16:rowId xmlns:a16="http://schemas.microsoft.com/office/drawing/2014/main" xmlns="" val="1289658045"/>
+                  </a:ext>
+                </a:extLst>
+              </a:tr>
+              <a:tr h="159730">
+                <a:tc>
+                  <a:txBody>
+                    <a:bodyPr/>
+                    <a:lstStyle/>
+                    <a:p>
+                      <a:pPr algn="ctr">
+                        <a:spcAft>
+                          <a:spcPts val="600"/>
+                        </a:spcAft>
+                      </a:pPr>
+                      <a:r>
+                        <a:rPr lang="en-US" sz="1200" kern="100">
+                          <a:solidFill>
+                            <a:schemeClr val="tx1"/>
+                          </a:solidFill>
+                          <a:effectLst/>
+                        </a:rPr>
+                        <a:t>03</a:t>
+                      </a:r>
+                      <a:endParaRPr lang="zh-CN" sz="1200" kern="100">
+                        <a:solidFill>
+                          <a:schemeClr val="tx1"/>
+                        </a:solidFill>
+                        <a:effectLst/>
+                        <a:latin typeface="Times New Roman" panose="02020603050405020304" pitchFamily="18" charset="0"/>
+                        <a:ea typeface="宋体" panose="02010600030101010101" pitchFamily="2" charset="-122"/>
+                        <a:cs typeface="Times New Roman" panose="02020603050405020304" pitchFamily="18" charset="0"/>
+                      </a:endParaRPr>
+                    </a:p>
+                  </a:txBody>
+                  <a:tcPr marL="56106" marR="56106" marT="0" marB="0"/>
+                </a:tc>
+                <a:tc>
+                  <a:txBody>
+                    <a:bodyPr/>
+                    <a:lstStyle/>
+                    <a:p>
+                      <a:pPr algn="ctr">
+                        <a:spcAft>
+                          <a:spcPts val="600"/>
+                        </a:spcAft>
+                      </a:pPr>
+                      <a:r>
+                        <a:rPr lang="zh-CN" sz="1200" kern="100">
+                          <a:solidFill>
+                            <a:schemeClr val="tx1"/>
+                          </a:solidFill>
+                          <a:effectLst/>
+                        </a:rPr>
+                        <a:t>需求规格说明书</a:t>
+                      </a:r>
+                      <a:endParaRPr lang="zh-CN" sz="1200" kern="100">
+                        <a:solidFill>
+                          <a:schemeClr val="tx1"/>
+                        </a:solidFill>
+                        <a:effectLst/>
+                        <a:latin typeface="Times New Roman" panose="02020603050405020304" pitchFamily="18" charset="0"/>
+                        <a:ea typeface="宋体" panose="02010600030101010101" pitchFamily="2" charset="-122"/>
+                        <a:cs typeface="Times New Roman" panose="02020603050405020304" pitchFamily="18" charset="0"/>
+                      </a:endParaRPr>
+                    </a:p>
+                  </a:txBody>
+                  <a:tcPr marL="56106" marR="56106" marT="0" marB="0"/>
+                </a:tc>
+                <a:tc>
+                  <a:txBody>
+                    <a:bodyPr/>
+                    <a:lstStyle/>
+                    <a:p>
+                      <a:pPr algn="ctr">
+                        <a:spcAft>
+                          <a:spcPts val="600"/>
+                        </a:spcAft>
+                      </a:pPr>
+                      <a:r>
+                        <a:rPr lang="en-US" sz="1200" kern="100" dirty="0">
+                          <a:solidFill>
+                            <a:schemeClr val="tx1"/>
+                          </a:solidFill>
+                          <a:effectLst/>
+                        </a:rPr>
+                        <a:t>1</a:t>
+                      </a:r>
+                      <a:r>
+                        <a:rPr lang="zh-CN" sz="1200" kern="100" dirty="0">
+                          <a:solidFill>
+                            <a:schemeClr val="tx1"/>
+                          </a:solidFill>
+                          <a:effectLst/>
+                        </a:rPr>
+                        <a:t>、有客户访谈和需求规格说明，且两者不能相悖</a:t>
+                      </a:r>
+                      <a:endParaRPr lang="zh-CN" sz="1200" kern="100" dirty="0">
+                        <a:solidFill>
+                          <a:schemeClr val="tx1"/>
+                        </a:solidFill>
+                        <a:effectLst/>
+                        <a:latin typeface="Times New Roman" panose="02020603050405020304" pitchFamily="18" charset="0"/>
+                        <a:ea typeface="宋体" panose="02010600030101010101" pitchFamily="2" charset="-122"/>
+                        <a:cs typeface="Times New Roman" panose="02020603050405020304" pitchFamily="18" charset="0"/>
+                      </a:endParaRPr>
+                    </a:p>
+                  </a:txBody>
+                  <a:tcPr marL="56106" marR="56106" marT="0" marB="0"/>
+                </a:tc>
+                <a:extLst>
+                  <a:ext uri="{0D108BD9-81ED-4DB2-BD59-A6C34878D82A}">
+                    <a16:rowId xmlns:a16="http://schemas.microsoft.com/office/drawing/2014/main" xmlns="" val="1319405084"/>
+                  </a:ext>
+                </a:extLst>
+              </a:tr>
+              <a:tr h="159730">
+                <a:tc>
+                  <a:txBody>
+                    <a:bodyPr/>
+                    <a:lstStyle/>
+                    <a:p>
+                      <a:pPr algn="ctr">
+                        <a:spcAft>
+                          <a:spcPts val="600"/>
+                        </a:spcAft>
+                      </a:pPr>
+                      <a:r>
+                        <a:rPr lang="en-US" sz="1200" kern="100">
+                          <a:solidFill>
+                            <a:schemeClr val="tx1"/>
+                          </a:solidFill>
+                          <a:effectLst/>
+                        </a:rPr>
+                        <a:t>04</a:t>
+                      </a:r>
+                      <a:endParaRPr lang="zh-CN" sz="1200" kern="100">
+                        <a:solidFill>
+                          <a:schemeClr val="tx1"/>
+                        </a:solidFill>
+                        <a:effectLst/>
+                        <a:latin typeface="Times New Roman" panose="02020603050405020304" pitchFamily="18" charset="0"/>
+                        <a:ea typeface="宋体" panose="02010600030101010101" pitchFamily="2" charset="-122"/>
+                        <a:cs typeface="Times New Roman" panose="02020603050405020304" pitchFamily="18" charset="0"/>
+                      </a:endParaRPr>
+                    </a:p>
+                  </a:txBody>
+                  <a:tcPr marL="56106" marR="56106" marT="0" marB="0"/>
+                </a:tc>
+                <a:tc>
+                  <a:txBody>
+                    <a:bodyPr/>
+                    <a:lstStyle/>
+                    <a:p>
+                      <a:pPr algn="ctr">
+                        <a:spcAft>
+                          <a:spcPts val="600"/>
+                        </a:spcAft>
+                      </a:pPr>
+                      <a:r>
+                        <a:rPr lang="zh-CN" sz="1200" kern="100">
+                          <a:solidFill>
+                            <a:schemeClr val="tx1"/>
+                          </a:solidFill>
+                          <a:effectLst/>
+                        </a:rPr>
+                        <a:t>总体设计报告</a:t>
+                      </a:r>
+                      <a:endParaRPr lang="zh-CN" sz="1200" kern="100">
+                        <a:solidFill>
+                          <a:schemeClr val="tx1"/>
+                        </a:solidFill>
+                        <a:effectLst/>
+                        <a:latin typeface="Times New Roman" panose="02020603050405020304" pitchFamily="18" charset="0"/>
+                        <a:ea typeface="宋体" panose="02010600030101010101" pitchFamily="2" charset="-122"/>
+                        <a:cs typeface="Times New Roman" panose="02020603050405020304" pitchFamily="18" charset="0"/>
+                      </a:endParaRPr>
+                    </a:p>
+                  </a:txBody>
+                  <a:tcPr marL="56106" marR="56106" marT="0" marB="0"/>
+                </a:tc>
+                <a:tc>
+                  <a:txBody>
+                    <a:bodyPr/>
+                    <a:lstStyle/>
+                    <a:p>
+                      <a:pPr marL="342900" lvl="0" indent="-342900" algn="ctr">
+                        <a:spcAft>
+                          <a:spcPts val="600"/>
+                        </a:spcAft>
+                        <a:buFont typeface="+mj-lt"/>
+                        <a:buAutoNum type="arabicPeriod"/>
+                      </a:pPr>
+                      <a:r>
+                        <a:rPr lang="zh-CN" sz="1200" kern="100">
+                          <a:solidFill>
+                            <a:schemeClr val="tx1"/>
+                          </a:solidFill>
+                          <a:effectLst/>
+                        </a:rPr>
+                        <a:t>符合国家标准</a:t>
+                      </a:r>
+                      <a:endParaRPr lang="zh-CN" sz="1200" kern="100">
+                        <a:solidFill>
+                          <a:schemeClr val="tx1"/>
+                        </a:solidFill>
+                        <a:effectLst/>
+                        <a:latin typeface="Times New Roman" panose="02020603050405020304" pitchFamily="18" charset="0"/>
+                        <a:ea typeface="宋体" panose="02010600030101010101" pitchFamily="2" charset="-122"/>
+                        <a:cs typeface="Times New Roman" panose="02020603050405020304" pitchFamily="18" charset="0"/>
+                      </a:endParaRPr>
+                    </a:p>
+                  </a:txBody>
+                  <a:tcPr marL="56106" marR="56106" marT="0" marB="0"/>
+                </a:tc>
+                <a:extLst>
+                  <a:ext uri="{0D108BD9-81ED-4DB2-BD59-A6C34878D82A}">
+                    <a16:rowId xmlns:a16="http://schemas.microsoft.com/office/drawing/2014/main" xmlns="" val="3549935237"/>
+                  </a:ext>
+                </a:extLst>
+              </a:tr>
+              <a:tr h="593282">
+                <a:tc>
+                  <a:txBody>
+                    <a:bodyPr/>
+                    <a:lstStyle/>
+                    <a:p>
+                      <a:pPr algn="ctr">
+                        <a:spcAft>
+                          <a:spcPts val="600"/>
+                        </a:spcAft>
+                      </a:pPr>
+                      <a:r>
+                        <a:rPr lang="en-US" sz="1200" kern="100">
+                          <a:solidFill>
+                            <a:schemeClr val="tx1"/>
+                          </a:solidFill>
+                          <a:effectLst/>
+                        </a:rPr>
+                        <a:t>05</a:t>
+                      </a:r>
+                      <a:endParaRPr lang="zh-CN" sz="1200" kern="100">
+                        <a:solidFill>
+                          <a:schemeClr val="tx1"/>
+                        </a:solidFill>
+                        <a:effectLst/>
+                        <a:latin typeface="Times New Roman" panose="02020603050405020304" pitchFamily="18" charset="0"/>
+                        <a:ea typeface="宋体" panose="02010600030101010101" pitchFamily="2" charset="-122"/>
+                        <a:cs typeface="Times New Roman" panose="02020603050405020304" pitchFamily="18" charset="0"/>
+                      </a:endParaRPr>
+                    </a:p>
+                  </a:txBody>
+                  <a:tcPr marL="56106" marR="56106" marT="0" marB="0"/>
+                </a:tc>
+                <a:tc>
+                  <a:txBody>
+                    <a:bodyPr/>
+                    <a:lstStyle/>
+                    <a:p>
+                      <a:pPr algn="ctr">
+                        <a:spcAft>
+                          <a:spcPts val="600"/>
+                        </a:spcAft>
+                      </a:pPr>
+                      <a:r>
+                        <a:rPr lang="zh-CN" sz="1200" kern="100">
+                          <a:solidFill>
+                            <a:schemeClr val="tx1"/>
+                          </a:solidFill>
+                          <a:effectLst/>
+                        </a:rPr>
+                        <a:t>详细设计报告</a:t>
+                      </a:r>
+                      <a:endParaRPr lang="zh-CN" sz="1200" kern="100">
+                        <a:solidFill>
+                          <a:schemeClr val="tx1"/>
+                        </a:solidFill>
+                        <a:effectLst/>
+                        <a:latin typeface="Times New Roman" panose="02020603050405020304" pitchFamily="18" charset="0"/>
+                        <a:ea typeface="宋体" panose="02010600030101010101" pitchFamily="2" charset="-122"/>
+                        <a:cs typeface="Times New Roman" panose="02020603050405020304" pitchFamily="18" charset="0"/>
+                      </a:endParaRPr>
+                    </a:p>
+                  </a:txBody>
+                  <a:tcPr marL="56106" marR="56106" marT="0" marB="0"/>
+                </a:tc>
+                <a:tc>
+                  <a:txBody>
+                    <a:bodyPr/>
+                    <a:lstStyle/>
+                    <a:p>
+                      <a:pPr marL="342900" lvl="0" indent="-342900" algn="ctr">
+                        <a:spcAft>
+                          <a:spcPts val="600"/>
+                        </a:spcAft>
+                        <a:buFont typeface="+mj-lt"/>
+                        <a:buAutoNum type="arabicPeriod"/>
+                      </a:pPr>
+                      <a:r>
+                        <a:rPr lang="zh-CN" sz="1200" kern="100" dirty="0">
+                          <a:solidFill>
+                            <a:schemeClr val="tx1"/>
+                          </a:solidFill>
+                          <a:effectLst/>
+                        </a:rPr>
+                        <a:t>设计要有具体的</a:t>
+                      </a:r>
+                      <a:r>
+                        <a:rPr lang="en-US" sz="1200" kern="100" dirty="0" err="1">
+                          <a:solidFill>
+                            <a:schemeClr val="tx1"/>
+                          </a:solidFill>
+                          <a:effectLst/>
+                        </a:rPr>
+                        <a:t>ui</a:t>
+                      </a:r>
+                      <a:r>
+                        <a:rPr lang="zh-CN" sz="1200" kern="100" dirty="0">
+                          <a:solidFill>
+                            <a:schemeClr val="tx1"/>
+                          </a:solidFill>
+                          <a:effectLst/>
+                        </a:rPr>
+                        <a:t>设计</a:t>
+                      </a:r>
+                    </a:p>
+                    <a:p>
+                      <a:pPr marL="342900" lvl="0" indent="-342900" algn="ctr">
+                        <a:spcAft>
+                          <a:spcPts val="600"/>
+                        </a:spcAft>
+                        <a:buFont typeface="+mj-lt"/>
+                        <a:buAutoNum type="arabicPeriod"/>
+                      </a:pPr>
+                      <a:r>
+                        <a:rPr lang="zh-CN" sz="1200" kern="100" dirty="0">
+                          <a:solidFill>
+                            <a:schemeClr val="tx1"/>
+                          </a:solidFill>
+                          <a:effectLst/>
+                        </a:rPr>
+                        <a:t>服务器接口</a:t>
+                      </a:r>
+                    </a:p>
+                    <a:p>
+                      <a:pPr marL="342900" lvl="0" indent="-342900" algn="ctr">
+                        <a:spcAft>
+                          <a:spcPts val="600"/>
+                        </a:spcAft>
+                        <a:buFont typeface="+mj-lt"/>
+                        <a:buAutoNum type="arabicPeriod"/>
+                      </a:pPr>
+                      <a:r>
+                        <a:rPr lang="zh-CN" sz="1200" kern="100" dirty="0">
+                          <a:solidFill>
+                            <a:schemeClr val="tx1"/>
+                          </a:solidFill>
+                          <a:effectLst/>
+                        </a:rPr>
+                        <a:t>用到的数据库模型及操作</a:t>
+                      </a:r>
+                      <a:endParaRPr lang="zh-CN" sz="1200" kern="100" dirty="0">
+                        <a:solidFill>
+                          <a:schemeClr val="tx1"/>
+                        </a:solidFill>
+                        <a:effectLst/>
+                        <a:latin typeface="Times New Roman" panose="02020603050405020304" pitchFamily="18" charset="0"/>
+                        <a:ea typeface="宋体" panose="02010600030101010101" pitchFamily="2" charset="-122"/>
+                        <a:cs typeface="Times New Roman" panose="02020603050405020304" pitchFamily="18" charset="0"/>
+                      </a:endParaRPr>
+                    </a:p>
+                  </a:txBody>
+                  <a:tcPr marL="56106" marR="56106" marT="0" marB="0"/>
+                </a:tc>
+                <a:extLst>
+                  <a:ext uri="{0D108BD9-81ED-4DB2-BD59-A6C34878D82A}">
+                    <a16:rowId xmlns:a16="http://schemas.microsoft.com/office/drawing/2014/main" xmlns="" val="3595368264"/>
+                  </a:ext>
+                </a:extLst>
+              </a:tr>
+              <a:tr h="159730">
+                <a:tc>
+                  <a:txBody>
+                    <a:bodyPr/>
+                    <a:lstStyle/>
+                    <a:p>
+                      <a:pPr algn="ctr">
+                        <a:spcAft>
+                          <a:spcPts val="600"/>
+                        </a:spcAft>
+                      </a:pPr>
+                      <a:r>
+                        <a:rPr lang="en-US" sz="1200" kern="100">
+                          <a:solidFill>
+                            <a:schemeClr val="tx1"/>
+                          </a:solidFill>
+                          <a:effectLst/>
+                        </a:rPr>
+                        <a:t>06</a:t>
+                      </a:r>
+                      <a:endParaRPr lang="zh-CN" sz="1200" kern="100">
+                        <a:solidFill>
+                          <a:schemeClr val="tx1"/>
+                        </a:solidFill>
+                        <a:effectLst/>
+                        <a:latin typeface="Times New Roman" panose="02020603050405020304" pitchFamily="18" charset="0"/>
+                        <a:ea typeface="宋体" panose="02010600030101010101" pitchFamily="2" charset="-122"/>
+                        <a:cs typeface="Times New Roman" panose="02020603050405020304" pitchFamily="18" charset="0"/>
+                      </a:endParaRPr>
+                    </a:p>
+                  </a:txBody>
+                  <a:tcPr marL="56106" marR="56106" marT="0" marB="0"/>
+                </a:tc>
+                <a:tc>
+                  <a:txBody>
+                    <a:bodyPr/>
+                    <a:lstStyle/>
+                    <a:p>
+                      <a:pPr algn="ctr">
+                        <a:spcAft>
+                          <a:spcPts val="600"/>
+                        </a:spcAft>
+                      </a:pPr>
+                      <a:r>
+                        <a:rPr lang="zh-CN" sz="1200" kern="100">
+                          <a:solidFill>
+                            <a:schemeClr val="tx1"/>
+                          </a:solidFill>
+                          <a:effectLst/>
+                        </a:rPr>
+                        <a:t>代码清单及测试用例</a:t>
+                      </a:r>
+                      <a:endParaRPr lang="zh-CN" sz="1200" kern="100">
+                        <a:solidFill>
+                          <a:schemeClr val="tx1"/>
+                        </a:solidFill>
+                        <a:effectLst/>
+                        <a:latin typeface="Times New Roman" panose="02020603050405020304" pitchFamily="18" charset="0"/>
+                        <a:ea typeface="宋体" panose="02010600030101010101" pitchFamily="2" charset="-122"/>
+                        <a:cs typeface="Times New Roman" panose="02020603050405020304" pitchFamily="18" charset="0"/>
+                      </a:endParaRPr>
+                    </a:p>
+                  </a:txBody>
+                  <a:tcPr marL="56106" marR="56106" marT="0" marB="0"/>
+                </a:tc>
+                <a:tc>
+                  <a:txBody>
+                    <a:bodyPr/>
+                    <a:lstStyle/>
+                    <a:p>
+                      <a:pPr algn="ctr">
+                        <a:spcAft>
+                          <a:spcPts val="600"/>
+                        </a:spcAft>
+                      </a:pPr>
+                      <a:r>
+                        <a:rPr lang="en-US" sz="1200" kern="100" dirty="0">
+                          <a:solidFill>
+                            <a:schemeClr val="tx1"/>
+                          </a:solidFill>
+                          <a:effectLst/>
+                        </a:rPr>
+                        <a:t> </a:t>
+                      </a:r>
+                      <a:endParaRPr lang="zh-CN" sz="1200" kern="100" dirty="0">
+                        <a:solidFill>
+                          <a:schemeClr val="tx1"/>
+                        </a:solidFill>
+                        <a:effectLst/>
+                        <a:latin typeface="Times New Roman" panose="02020603050405020304" pitchFamily="18" charset="0"/>
+                        <a:ea typeface="宋体" panose="02010600030101010101" pitchFamily="2" charset="-122"/>
+                        <a:cs typeface="Times New Roman" panose="02020603050405020304" pitchFamily="18" charset="0"/>
+                      </a:endParaRPr>
+                    </a:p>
+                  </a:txBody>
+                  <a:tcPr marL="56106" marR="56106" marT="0" marB="0"/>
+                </a:tc>
+                <a:extLst>
+                  <a:ext uri="{0D108BD9-81ED-4DB2-BD59-A6C34878D82A}">
+                    <a16:rowId xmlns:a16="http://schemas.microsoft.com/office/drawing/2014/main" xmlns="" val="786863756"/>
+                  </a:ext>
+                </a:extLst>
+              </a:tr>
+              <a:tr h="1186563">
+                <a:tc>
+                  <a:txBody>
+                    <a:bodyPr/>
+                    <a:lstStyle/>
+                    <a:p>
+                      <a:pPr algn="ctr">
+                        <a:spcAft>
+                          <a:spcPts val="600"/>
+                        </a:spcAft>
+                      </a:pPr>
+                      <a:r>
+                        <a:rPr lang="en-US" sz="1200" kern="100">
+                          <a:solidFill>
+                            <a:schemeClr val="tx1"/>
+                          </a:solidFill>
+                          <a:effectLst/>
+                        </a:rPr>
+                        <a:t>07</a:t>
+                      </a:r>
+                      <a:endParaRPr lang="zh-CN" sz="1200" kern="100">
+                        <a:solidFill>
+                          <a:schemeClr val="tx1"/>
+                        </a:solidFill>
+                        <a:effectLst/>
+                        <a:latin typeface="Times New Roman" panose="02020603050405020304" pitchFamily="18" charset="0"/>
+                        <a:ea typeface="宋体" panose="02010600030101010101" pitchFamily="2" charset="-122"/>
+                        <a:cs typeface="Times New Roman" panose="02020603050405020304" pitchFamily="18" charset="0"/>
+                      </a:endParaRPr>
+                    </a:p>
+                  </a:txBody>
+                  <a:tcPr marL="56106" marR="56106" marT="0" marB="0"/>
+                </a:tc>
+                <a:tc>
+                  <a:txBody>
+                    <a:bodyPr/>
+                    <a:lstStyle/>
+                    <a:p>
+                      <a:pPr algn="ctr">
+                        <a:spcAft>
+                          <a:spcPts val="600"/>
+                        </a:spcAft>
+                      </a:pPr>
+                      <a:r>
+                        <a:rPr lang="zh-CN" sz="1200" kern="100" dirty="0">
+                          <a:solidFill>
+                            <a:schemeClr val="tx1"/>
+                          </a:solidFill>
+                          <a:effectLst/>
+                        </a:rPr>
+                        <a:t>系统测试报告</a:t>
+                      </a:r>
+                      <a:endParaRPr lang="zh-CN" sz="1200" kern="100" dirty="0">
+                        <a:solidFill>
+                          <a:schemeClr val="tx1"/>
+                        </a:solidFill>
+                        <a:effectLst/>
+                        <a:latin typeface="Times New Roman" panose="02020603050405020304" pitchFamily="18" charset="0"/>
+                        <a:ea typeface="宋体" panose="02010600030101010101" pitchFamily="2" charset="-122"/>
+                        <a:cs typeface="Times New Roman" panose="02020603050405020304" pitchFamily="18" charset="0"/>
+                      </a:endParaRPr>
+                    </a:p>
+                  </a:txBody>
+                  <a:tcPr marL="56106" marR="56106" marT="0" marB="0"/>
+                </a:tc>
+                <a:tc>
+                  <a:txBody>
+                    <a:bodyPr/>
+                    <a:lstStyle/>
+                    <a:p>
+                      <a:pPr marL="342900" lvl="0" indent="-342900" algn="ctr">
+                        <a:spcAft>
+                          <a:spcPts val="600"/>
+                        </a:spcAft>
+                        <a:buFont typeface="+mj-lt"/>
+                        <a:buAutoNum type="arabicPeriod"/>
+                      </a:pPr>
+                      <a:r>
+                        <a:rPr lang="zh-CN" sz="1200" kern="100" dirty="0">
+                          <a:solidFill>
+                            <a:schemeClr val="tx1"/>
+                          </a:solidFill>
+                          <a:effectLst/>
+                        </a:rPr>
+                        <a:t>数据库表单符合符合</a:t>
+                      </a:r>
+                      <a:r>
+                        <a:rPr lang="en-US" sz="1200" kern="100" dirty="0">
+                          <a:solidFill>
+                            <a:schemeClr val="tx1"/>
+                          </a:solidFill>
+                          <a:effectLst/>
+                        </a:rPr>
+                        <a:t>NF</a:t>
+                      </a:r>
+                      <a:r>
+                        <a:rPr lang="zh-CN" sz="1200" kern="100" dirty="0">
+                          <a:solidFill>
+                            <a:schemeClr val="tx1"/>
+                          </a:solidFill>
+                          <a:effectLst/>
+                        </a:rPr>
+                        <a:t>范式，能和服务器交换数据。</a:t>
+                      </a:r>
+                    </a:p>
+                    <a:p>
+                      <a:pPr marL="342900" lvl="0" indent="-342900" algn="ctr">
+                        <a:spcAft>
+                          <a:spcPts val="600"/>
+                        </a:spcAft>
+                        <a:buFont typeface="+mj-lt"/>
+                        <a:buAutoNum type="arabicPeriod"/>
+                      </a:pPr>
+                      <a:r>
+                        <a:rPr lang="zh-CN" sz="1200" kern="100" dirty="0">
+                          <a:solidFill>
+                            <a:schemeClr val="tx1"/>
+                          </a:solidFill>
+                          <a:effectLst/>
+                        </a:rPr>
+                        <a:t>能正确显示用户信息、活动信息。</a:t>
+                      </a:r>
+                    </a:p>
+                    <a:p>
+                      <a:pPr marL="342900" lvl="0" indent="-342900" algn="ctr">
+                        <a:spcAft>
+                          <a:spcPts val="600"/>
+                        </a:spcAft>
+                        <a:buFont typeface="+mj-lt"/>
+                        <a:buAutoNum type="arabicPeriod"/>
+                      </a:pPr>
+                      <a:r>
+                        <a:rPr lang="zh-CN" sz="1200" kern="100" dirty="0">
+                          <a:solidFill>
+                            <a:schemeClr val="tx1"/>
+                          </a:solidFill>
+                          <a:effectLst/>
+                        </a:rPr>
+                        <a:t>能添加活动信息</a:t>
+                      </a:r>
+                    </a:p>
+                    <a:p>
+                      <a:pPr marL="342900" lvl="0" indent="-342900" algn="ctr">
+                        <a:spcAft>
+                          <a:spcPts val="600"/>
+                        </a:spcAft>
+                        <a:buFont typeface="+mj-lt"/>
+                        <a:buAutoNum type="arabicPeriod"/>
+                      </a:pPr>
+                      <a:r>
+                        <a:rPr lang="zh-CN" sz="1200" kern="100" dirty="0">
+                          <a:solidFill>
+                            <a:schemeClr val="tx1"/>
+                          </a:solidFill>
+                          <a:effectLst/>
+                        </a:rPr>
+                        <a:t>通过</a:t>
+                      </a:r>
+                      <a:r>
+                        <a:rPr lang="en-US" sz="1200" kern="100" dirty="0" err="1">
+                          <a:solidFill>
+                            <a:schemeClr val="tx1"/>
+                          </a:solidFill>
+                          <a:effectLst/>
+                        </a:rPr>
+                        <a:t>hp</a:t>
+                      </a:r>
+                      <a:r>
+                        <a:rPr lang="en-US" sz="1200" kern="100" dirty="0">
+                          <a:solidFill>
+                            <a:schemeClr val="tx1"/>
+                          </a:solidFill>
+                          <a:effectLst/>
+                        </a:rPr>
+                        <a:t> </a:t>
+                      </a:r>
+                      <a:r>
+                        <a:rPr lang="en-US" sz="1200" kern="100" dirty="0" err="1">
+                          <a:solidFill>
+                            <a:schemeClr val="tx1"/>
+                          </a:solidFill>
+                          <a:effectLst/>
+                        </a:rPr>
+                        <a:t>utf</a:t>
+                      </a:r>
+                      <a:r>
+                        <a:rPr lang="zh-CN" sz="1200" kern="100" dirty="0">
+                          <a:solidFill>
+                            <a:schemeClr val="tx1"/>
+                          </a:solidFill>
+                          <a:effectLst/>
+                        </a:rPr>
+                        <a:t>测试</a:t>
+                      </a:r>
+                    </a:p>
+                    <a:p>
+                      <a:pPr marL="342900" lvl="0" indent="-342900" algn="ctr">
+                        <a:spcAft>
+                          <a:spcPts val="600"/>
+                        </a:spcAft>
+                        <a:buFont typeface="+mj-lt"/>
+                        <a:buAutoNum type="arabicPeriod"/>
+                      </a:pPr>
+                      <a:r>
+                        <a:rPr lang="zh-CN" sz="1200" kern="100" dirty="0">
+                          <a:solidFill>
+                            <a:schemeClr val="tx1"/>
+                          </a:solidFill>
+                          <a:effectLst/>
+                        </a:rPr>
+                        <a:t>输出测试报告</a:t>
+                      </a:r>
+                      <a:endParaRPr lang="zh-CN" sz="1200" kern="100" dirty="0">
+                        <a:solidFill>
+                          <a:schemeClr val="tx1"/>
+                        </a:solidFill>
+                        <a:effectLst/>
+                        <a:latin typeface="Times New Roman" panose="02020603050405020304" pitchFamily="18" charset="0"/>
+                        <a:ea typeface="宋体" panose="02010600030101010101" pitchFamily="2" charset="-122"/>
+                        <a:cs typeface="Times New Roman" panose="02020603050405020304" pitchFamily="18" charset="0"/>
+                      </a:endParaRPr>
+                    </a:p>
+                  </a:txBody>
+                  <a:tcPr marL="56106" marR="56106" marT="0" marB="0"/>
+                </a:tc>
+                <a:extLst>
+                  <a:ext uri="{0D108BD9-81ED-4DB2-BD59-A6C34878D82A}">
+                    <a16:rowId xmlns:a16="http://schemas.microsoft.com/office/drawing/2014/main" xmlns="" val="2244806116"/>
+                  </a:ext>
+                </a:extLst>
+              </a:tr>
+              <a:tr h="159730">
+                <a:tc>
+                  <a:txBody>
+                    <a:bodyPr/>
+                    <a:lstStyle/>
+                    <a:p>
+                      <a:pPr algn="ctr">
+                        <a:spcAft>
+                          <a:spcPts val="600"/>
+                        </a:spcAft>
+                      </a:pPr>
+                      <a:r>
+                        <a:rPr lang="en-US" sz="1200" kern="100" dirty="0">
+                          <a:solidFill>
+                            <a:schemeClr val="tx1"/>
+                          </a:solidFill>
+                          <a:effectLst/>
+                        </a:rPr>
+                        <a:t>08</a:t>
+                      </a:r>
+                      <a:endParaRPr lang="zh-CN" sz="1200" kern="100" dirty="0">
+                        <a:solidFill>
+                          <a:schemeClr val="tx1"/>
+                        </a:solidFill>
+                        <a:effectLst/>
+                        <a:latin typeface="Times New Roman" panose="02020603050405020304" pitchFamily="18" charset="0"/>
+                        <a:ea typeface="宋体" panose="02010600030101010101" pitchFamily="2" charset="-122"/>
+                        <a:cs typeface="Times New Roman" panose="02020603050405020304" pitchFamily="18" charset="0"/>
+                      </a:endParaRPr>
+                    </a:p>
+                  </a:txBody>
+                  <a:tcPr marL="56106" marR="56106" marT="0" marB="0"/>
+                </a:tc>
+                <a:tc>
+                  <a:txBody>
+                    <a:bodyPr/>
+                    <a:lstStyle/>
+                    <a:p>
+                      <a:pPr algn="ctr">
+                        <a:spcAft>
+                          <a:spcPts val="600"/>
+                        </a:spcAft>
+                      </a:pPr>
+                      <a:r>
+                        <a:rPr lang="zh-CN" sz="1200" kern="100" dirty="0">
+                          <a:solidFill>
+                            <a:schemeClr val="tx1"/>
+                          </a:solidFill>
+                          <a:effectLst/>
+                        </a:rPr>
+                        <a:t>项目总结报告</a:t>
+                      </a:r>
+                      <a:endParaRPr lang="zh-CN" sz="1200" kern="100" dirty="0">
+                        <a:solidFill>
+                          <a:schemeClr val="tx1"/>
+                        </a:solidFill>
+                        <a:effectLst/>
+                        <a:latin typeface="Times New Roman" panose="02020603050405020304" pitchFamily="18" charset="0"/>
+                        <a:ea typeface="宋体" panose="02010600030101010101" pitchFamily="2" charset="-122"/>
+                        <a:cs typeface="Times New Roman" panose="02020603050405020304" pitchFamily="18" charset="0"/>
+                      </a:endParaRPr>
+                    </a:p>
+                  </a:txBody>
+                  <a:tcPr marL="56106" marR="56106" marT="0" marB="0"/>
+                </a:tc>
+                <a:tc>
+                  <a:txBody>
+                    <a:bodyPr/>
+                    <a:lstStyle/>
+                    <a:p>
+                      <a:pPr algn="ctr">
+                        <a:spcAft>
+                          <a:spcPts val="600"/>
+                        </a:spcAft>
+                      </a:pPr>
+                      <a:r>
+                        <a:rPr lang="en-US" sz="1200" kern="100" dirty="0">
+                          <a:solidFill>
+                            <a:schemeClr val="tx1"/>
+                          </a:solidFill>
+                          <a:effectLst/>
+                        </a:rPr>
+                        <a:t> </a:t>
+                      </a:r>
+                      <a:endParaRPr lang="zh-CN" sz="1200" kern="100" dirty="0">
+                        <a:solidFill>
+                          <a:schemeClr val="tx1"/>
+                        </a:solidFill>
+                        <a:effectLst/>
+                        <a:latin typeface="Times New Roman" panose="02020603050405020304" pitchFamily="18" charset="0"/>
+                        <a:ea typeface="宋体" panose="02010600030101010101" pitchFamily="2" charset="-122"/>
+                        <a:cs typeface="Times New Roman" panose="02020603050405020304" pitchFamily="18" charset="0"/>
+                      </a:endParaRPr>
+                    </a:p>
+                  </a:txBody>
+                  <a:tcPr marL="56106" marR="56106" marT="0" marB="0"/>
+                </a:tc>
+                <a:extLst>
+                  <a:ext uri="{0D108BD9-81ED-4DB2-BD59-A6C34878D82A}">
+                    <a16:rowId xmlns:a16="http://schemas.microsoft.com/office/drawing/2014/main" xmlns="" val="589714274"/>
+                  </a:ext>
+                </a:extLst>
+              </a:tr>
+            </a:tbl>
+          </a:graphicData>
+        </a:graphic>
+      </p:graphicFrame>
+    </p:spTree>
+    <p:extLst>
+      <p:ext uri="{BB962C8B-B14F-4D97-AF65-F5344CB8AC3E}">
+        <p14:creationId xmlns:p14="http://schemas.microsoft.com/office/powerpoint/2010/main" val="2562952251"/>
+      </p:ext>
+    </p:extLst>
+  </p:cSld>
+  <p:clrMapOvr>
+    <a:masterClrMapping/>
+  </p:clrMapOvr>
+  <mc:AlternateContent xmlns:mc="http://schemas.openxmlformats.org/markup-compatibility/2006" xmlns:p14="http://schemas.microsoft.com/office/powerpoint/2010/main">
+    <mc:Choice Requires="p14">
+      <p:transition spd="med" p14:dur="700">
+        <p:fade/>
+      </p:transition>
+    </mc:Choice>
+    <mc:Fallback xmlns="">
+      <p:transition spd="med">
+        <p:fade/>
+      </p:transition>
+    </mc:Fallback>
+  </mc:AlternateContent>
+</p:sld>
+</file>
+
+<file path=ppt/slides/slide13.xml><?xml version="1.0" encoding="utf-8"?>
+<p:sld xmlns:a="http://schemas.openxmlformats.org/drawingml/2006/main" xmlns:r="http://schemas.openxmlformats.org/officeDocument/2006/relationships" xmlns:p="http://schemas.openxmlformats.org/presentationml/2006/main">
+  <p:cSld>
+    <p:spTree>
+      <p:nvGrpSpPr>
+        <p:cNvPr id="1" name=""/>
+        <p:cNvGrpSpPr/>
+        <p:nvPr/>
+      </p:nvGrpSpPr>
+      <p:grpSpPr>
+        <a:xfrm>
+          <a:off x="0" y="0"/>
+          <a:ext cx="0" cy="0"/>
+          <a:chOff x="0" y="0"/>
+          <a:chExt cx="0" cy="0"/>
+        </a:xfrm>
+      </p:grpSpPr>
+      <p:sp>
+        <p:nvSpPr>
+          <p:cNvPr id="2" name="文本占位符 1"/>
+          <p:cNvSpPr>
+            <a:spLocks noGrp="1"/>
+          </p:cNvSpPr>
+          <p:nvPr>
+            <p:ph type="body" sz="quarter" idx="12"/>
+          </p:nvPr>
+        </p:nvSpPr>
         <p:spPr>
           <a:xfrm>
             <a:off x="0" y="0"/>
@@ -15538,7 +19012,7 @@
 </p:sld>
 </file>
 
-<file path=ppt/slides/slide11.xml><?xml version="1.0" encoding="utf-8"?>
+<file path=ppt/slides/slide14.xml><?xml version="1.0" encoding="utf-8"?>
 <p:sld xmlns:a="http://schemas.openxmlformats.org/drawingml/2006/main" xmlns:r="http://schemas.openxmlformats.org/officeDocument/2006/relationships" xmlns:p="http://schemas.openxmlformats.org/presentationml/2006/main">
   <p:cSld>
     <p:spTree>
@@ -15673,7 +19147,7 @@
 </p:sld>
 </file>
 
-<file path=ppt/slides/slide12.xml><?xml version="1.0" encoding="utf-8"?>
+<file path=ppt/slides/slide15.xml><?xml version="1.0" encoding="utf-8"?>
 <p:sld xmlns:a="http://schemas.openxmlformats.org/drawingml/2006/main" xmlns:r="http://schemas.openxmlformats.org/officeDocument/2006/relationships" xmlns:p="http://schemas.openxmlformats.org/presentationml/2006/main">
   <p:cSld>
     <p:spTree>
@@ -16002,7 +19476,7 @@
 </p:sld>
 </file>
 
-<file path=ppt/slides/slide13.xml><?xml version="1.0" encoding="utf-8"?>
+<file path=ppt/slides/slide16.xml><?xml version="1.0" encoding="utf-8"?>
 <p:sld xmlns:a="http://schemas.openxmlformats.org/drawingml/2006/main" xmlns:r="http://schemas.openxmlformats.org/officeDocument/2006/relationships" xmlns:p="http://schemas.openxmlformats.org/presentationml/2006/main">
   <p:cSld>
     <p:spTree>
@@ -16498,7 +19972,7 @@
 </p:sld>
 </file>
 
-<file path=ppt/slides/slide14.xml><?xml version="1.0" encoding="utf-8"?>
+<file path=ppt/slides/slide17.xml><?xml version="1.0" encoding="utf-8"?>
 <p:sld xmlns:a="http://schemas.openxmlformats.org/drawingml/2006/main" xmlns:r="http://schemas.openxmlformats.org/officeDocument/2006/relationships" xmlns:p="http://schemas.openxmlformats.org/presentationml/2006/main">
   <p:cSld>
     <p:spTree>
@@ -16633,7 +20107,7 @@
 </p:sld>
 </file>
 
-<file path=ppt/slides/slide15.xml><?xml version="1.0" encoding="utf-8"?>
+<file path=ppt/slides/slide18.xml><?xml version="1.0" encoding="utf-8"?>
 <p:sld xmlns:a="http://schemas.openxmlformats.org/drawingml/2006/main" xmlns:r="http://schemas.openxmlformats.org/officeDocument/2006/relationships" xmlns:p="http://schemas.openxmlformats.org/presentationml/2006/main">
   <p:cSld>
     <p:spTree>
@@ -17166,7 +20640,7 @@
 </p:sld>
 </file>
 
-<file path=ppt/slides/slide16.xml><?xml version="1.0" encoding="utf-8"?>
+<file path=ppt/slides/slide19.xml><?xml version="1.0" encoding="utf-8"?>
 <p:sld xmlns:a="http://schemas.openxmlformats.org/drawingml/2006/main" xmlns:r="http://schemas.openxmlformats.org/officeDocument/2006/relationships" xmlns:p="http://schemas.openxmlformats.org/presentationml/2006/main">
   <p:cSld>
     <p:spTree>
@@ -17649,7 +21123,533 @@
 </p:sld>
 </file>
 
-<file path=ppt/slides/slide17.xml><?xml version="1.0" encoding="utf-8"?>
+<file path=ppt/slides/slide2.xml><?xml version="1.0" encoding="utf-8"?>
+<p:sld xmlns:a="http://schemas.openxmlformats.org/drawingml/2006/main" xmlns:r="http://schemas.openxmlformats.org/officeDocument/2006/relationships" xmlns:p="http://schemas.openxmlformats.org/presentationml/2006/main">
+  <p:cSld>
+    <p:spTree>
+      <p:nvGrpSpPr>
+        <p:cNvPr id="1" name=""/>
+        <p:cNvGrpSpPr/>
+        <p:nvPr/>
+      </p:nvGrpSpPr>
+      <p:grpSpPr>
+        <a:xfrm>
+          <a:off x="0" y="0"/>
+          <a:ext cx="0" cy="0"/>
+          <a:chOff x="0" y="0"/>
+          <a:chExt cx="0" cy="0"/>
+        </a:xfrm>
+      </p:grpSpPr>
+      <p:sp>
+        <p:nvSpPr>
+          <p:cNvPr id="2" name="文本占位符 1"/>
+          <p:cNvSpPr>
+            <a:spLocks noGrp="1"/>
+          </p:cNvSpPr>
+          <p:nvPr>
+            <p:ph type="body" sz="quarter" idx="12"/>
+          </p:nvPr>
+        </p:nvSpPr>
+        <p:spPr>
+          <a:xfrm>
+            <a:off x="7077075" y="245814"/>
+            <a:ext cx="835026" cy="651828"/>
+          </a:xfrm>
+        </p:spPr>
+        <p:txBody>
+          <a:bodyPr/>
+          <a:lstStyle/>
+          <a:p>
+            <a:r>
+              <a:rPr kumimoji="1" lang="en-US" altLang="zh-CN" dirty="0" smtClean="0"/>
+              <a:t>01</a:t>
+            </a:r>
+            <a:endParaRPr kumimoji="1" lang="zh-CN" altLang="en-US" dirty="0"/>
+          </a:p>
+        </p:txBody>
+      </p:sp>
+      <p:sp>
+        <p:nvSpPr>
+          <p:cNvPr id="3" name="文本占位符 2"/>
+          <p:cNvSpPr>
+            <a:spLocks noGrp="1"/>
+          </p:cNvSpPr>
+          <p:nvPr>
+            <p:ph type="body" sz="quarter" idx="13"/>
+          </p:nvPr>
+        </p:nvSpPr>
+        <p:spPr>
+          <a:xfrm>
+            <a:off x="7912100" y="349153"/>
+            <a:ext cx="3234689" cy="445150"/>
+          </a:xfrm>
+        </p:spPr>
+        <p:txBody>
+          <a:bodyPr/>
+          <a:lstStyle/>
+          <a:p>
+            <a:r>
+              <a:rPr kumimoji="1" lang="zh-CN" altLang="en-US" dirty="0"/>
+              <a:t>引言</a:t>
+            </a:r>
+          </a:p>
+        </p:txBody>
+      </p:sp>
+      <p:sp>
+        <p:nvSpPr>
+          <p:cNvPr id="4" name="文本占位符 3"/>
+          <p:cNvSpPr>
+            <a:spLocks noGrp="1"/>
+          </p:cNvSpPr>
+          <p:nvPr>
+            <p:ph type="body" sz="quarter" idx="14"/>
+          </p:nvPr>
+        </p:nvSpPr>
+        <p:spPr>
+          <a:xfrm>
+            <a:off x="7077075" y="1079890"/>
+            <a:ext cx="835026" cy="651828"/>
+          </a:xfrm>
+        </p:spPr>
+        <p:txBody>
+          <a:bodyPr/>
+          <a:lstStyle/>
+          <a:p>
+            <a:r>
+              <a:rPr kumimoji="1" lang="en-US" altLang="zh-CN" dirty="0" smtClean="0"/>
+              <a:t>02</a:t>
+            </a:r>
+            <a:endParaRPr kumimoji="1" lang="zh-CN" altLang="en-US" dirty="0"/>
+          </a:p>
+        </p:txBody>
+      </p:sp>
+      <p:sp>
+        <p:nvSpPr>
+          <p:cNvPr id="5" name="文本占位符 4"/>
+          <p:cNvSpPr>
+            <a:spLocks noGrp="1"/>
+          </p:cNvSpPr>
+          <p:nvPr>
+            <p:ph type="body" sz="quarter" idx="15"/>
+          </p:nvPr>
+        </p:nvSpPr>
+        <p:spPr>
+          <a:xfrm>
+            <a:off x="7938477" y="1196238"/>
+            <a:ext cx="3234689" cy="445150"/>
+          </a:xfrm>
+        </p:spPr>
+        <p:txBody>
+          <a:bodyPr/>
+          <a:lstStyle/>
+          <a:p>
+            <a:r>
+              <a:rPr kumimoji="1" lang="zh-CN" altLang="en-US" dirty="0" smtClean="0"/>
+              <a:t>交付产品</a:t>
+            </a:r>
+            <a:endParaRPr kumimoji="1" lang="zh-CN" altLang="en-US" dirty="0"/>
+          </a:p>
+        </p:txBody>
+      </p:sp>
+      <p:sp>
+        <p:nvSpPr>
+          <p:cNvPr id="6" name="文本占位符 5"/>
+          <p:cNvSpPr>
+            <a:spLocks noGrp="1"/>
+          </p:cNvSpPr>
+          <p:nvPr>
+            <p:ph type="body" sz="quarter" idx="16"/>
+          </p:nvPr>
+        </p:nvSpPr>
+        <p:spPr>
+          <a:xfrm>
+            <a:off x="7077075" y="1836644"/>
+            <a:ext cx="835026" cy="651828"/>
+          </a:xfrm>
+        </p:spPr>
+        <p:txBody>
+          <a:bodyPr/>
+          <a:lstStyle/>
+          <a:p>
+            <a:r>
+              <a:rPr kumimoji="1" lang="en-US" altLang="zh-CN" dirty="0" smtClean="0"/>
+              <a:t>03</a:t>
+            </a:r>
+            <a:endParaRPr kumimoji="1" lang="zh-CN" altLang="en-US" dirty="0"/>
+          </a:p>
+        </p:txBody>
+      </p:sp>
+      <p:pic>
+        <p:nvPicPr>
+          <p:cNvPr id="15" name="图片 14"/>
+          <p:cNvPicPr>
+            <a:picLocks noChangeAspect="1"/>
+          </p:cNvPicPr>
+          <p:nvPr/>
+        </p:nvPicPr>
+        <p:blipFill>
+          <a:blip r:embed="rId2">
+            <a:extLst>
+              <a:ext uri="{28A0092B-C50C-407E-A947-70E740481C1C}">
+                <a14:useLocalDpi xmlns:a14="http://schemas.microsoft.com/office/drawing/2010/main" val="0"/>
+              </a:ext>
+            </a:extLst>
+          </a:blip>
+          <a:stretch>
+            <a:fillRect/>
+          </a:stretch>
+        </p:blipFill>
+        <p:spPr>
+          <a:xfrm>
+            <a:off x="4470402" y="6144237"/>
+            <a:ext cx="2244436" cy="713763"/>
+          </a:xfrm>
+          <a:prstGeom prst="rect">
+            <a:avLst/>
+          </a:prstGeom>
+        </p:spPr>
+      </p:pic>
+      <p:sp>
+        <p:nvSpPr>
+          <p:cNvPr id="25" name="文本占位符 24"/>
+          <p:cNvSpPr>
+            <a:spLocks noGrp="1"/>
+          </p:cNvSpPr>
+          <p:nvPr>
+            <p:ph type="body" sz="quarter" idx="17"/>
+          </p:nvPr>
+        </p:nvSpPr>
+        <p:spPr>
+          <a:xfrm>
+            <a:off x="7912100" y="1939983"/>
+            <a:ext cx="3234689" cy="445150"/>
+          </a:xfrm>
+        </p:spPr>
+        <p:txBody>
+          <a:bodyPr/>
+          <a:lstStyle/>
+          <a:p>
+            <a:r>
+              <a:rPr lang="zh-CN" altLang="en-US" dirty="0" smtClean="0"/>
+              <a:t>所需工作概述</a:t>
+            </a:r>
+            <a:endParaRPr lang="zh-CN" altLang="en-US" dirty="0"/>
+          </a:p>
+        </p:txBody>
+      </p:sp>
+      <p:sp>
+        <p:nvSpPr>
+          <p:cNvPr id="9" name="文本占位符 5"/>
+          <p:cNvSpPr>
+            <a:spLocks noGrp="1"/>
+          </p:cNvSpPr>
+          <p:nvPr>
+            <p:ph type="body" sz="quarter" idx="16"/>
+          </p:nvPr>
+        </p:nvSpPr>
+        <p:spPr>
+          <a:xfrm>
+            <a:off x="7094659" y="2595718"/>
+            <a:ext cx="835026" cy="651828"/>
+          </a:xfrm>
+        </p:spPr>
+        <p:txBody>
+          <a:bodyPr/>
+          <a:lstStyle/>
+          <a:p>
+            <a:r>
+              <a:rPr kumimoji="1" lang="en-US" altLang="zh-CN" dirty="0" smtClean="0"/>
+              <a:t>04</a:t>
+            </a:r>
+            <a:endParaRPr kumimoji="1" lang="zh-CN" altLang="en-US" dirty="0"/>
+          </a:p>
+        </p:txBody>
+      </p:sp>
+      <p:sp>
+        <p:nvSpPr>
+          <p:cNvPr id="10" name="文本占位符 24"/>
+          <p:cNvSpPr>
+            <a:spLocks noGrp="1"/>
+          </p:cNvSpPr>
+          <p:nvPr>
+            <p:ph type="body" sz="quarter" idx="17"/>
+          </p:nvPr>
+        </p:nvSpPr>
+        <p:spPr>
+          <a:xfrm>
+            <a:off x="7958995" y="2713802"/>
+            <a:ext cx="3234689" cy="445150"/>
+          </a:xfrm>
+        </p:spPr>
+        <p:txBody>
+          <a:bodyPr/>
+          <a:lstStyle/>
+          <a:p>
+            <a:r>
+              <a:rPr lang="zh-CN" altLang="en-US" dirty="0" smtClean="0"/>
+              <a:t>实施整个软件开发活动的计划</a:t>
+            </a:r>
+            <a:endParaRPr lang="zh-CN" altLang="en-US" dirty="0"/>
+          </a:p>
+        </p:txBody>
+      </p:sp>
+      <p:sp>
+        <p:nvSpPr>
+          <p:cNvPr id="11" name="文本占位符 24"/>
+          <p:cNvSpPr>
+            <a:spLocks noGrp="1"/>
+          </p:cNvSpPr>
+          <p:nvPr>
+            <p:ph type="body" sz="quarter" idx="17"/>
+          </p:nvPr>
+        </p:nvSpPr>
+        <p:spPr>
+          <a:xfrm>
+            <a:off x="8010331" y="3405788"/>
+            <a:ext cx="3234689" cy="445150"/>
+          </a:xfrm>
+        </p:spPr>
+        <p:txBody>
+          <a:bodyPr/>
+          <a:lstStyle/>
+          <a:p>
+            <a:r>
+              <a:rPr lang="zh-CN" altLang="en-US" dirty="0" smtClean="0"/>
+              <a:t>实施详细软件开发活动的计划</a:t>
+            </a:r>
+            <a:endParaRPr lang="en-US" altLang="zh-CN" dirty="0" smtClean="0"/>
+          </a:p>
+        </p:txBody>
+      </p:sp>
+      <p:sp>
+        <p:nvSpPr>
+          <p:cNvPr id="12" name="文本占位符 5"/>
+          <p:cNvSpPr>
+            <a:spLocks noGrp="1"/>
+          </p:cNvSpPr>
+          <p:nvPr>
+            <p:ph type="body" sz="quarter" idx="16"/>
+          </p:nvPr>
+        </p:nvSpPr>
+        <p:spPr>
+          <a:xfrm>
+            <a:off x="7103451" y="3302449"/>
+            <a:ext cx="835026" cy="651828"/>
+          </a:xfrm>
+        </p:spPr>
+        <p:txBody>
+          <a:bodyPr/>
+          <a:lstStyle/>
+          <a:p>
+            <a:r>
+              <a:rPr kumimoji="1" lang="en-US" altLang="zh-CN" dirty="0" smtClean="0"/>
+              <a:t>05</a:t>
+            </a:r>
+            <a:endParaRPr kumimoji="1" lang="zh-CN" altLang="en-US" dirty="0"/>
+          </a:p>
+        </p:txBody>
+      </p:sp>
+      <p:sp>
+        <p:nvSpPr>
+          <p:cNvPr id="13" name="文本占位符 24"/>
+          <p:cNvSpPr>
+            <a:spLocks noGrp="1"/>
+          </p:cNvSpPr>
+          <p:nvPr>
+            <p:ph type="body" sz="quarter" idx="17"/>
+          </p:nvPr>
+        </p:nvSpPr>
+        <p:spPr>
+          <a:xfrm>
+            <a:off x="8022056" y="4173655"/>
+            <a:ext cx="3234689" cy="445150"/>
+          </a:xfrm>
+        </p:spPr>
+        <p:txBody>
+          <a:bodyPr/>
+          <a:lstStyle/>
+          <a:p>
+            <a:r>
+              <a:rPr lang="zh-CN" altLang="en-US" dirty="0" smtClean="0"/>
+              <a:t>进度表和活动网络图</a:t>
+            </a:r>
+            <a:endParaRPr lang="en-US" altLang="zh-CN" dirty="0" smtClean="0"/>
+          </a:p>
+        </p:txBody>
+      </p:sp>
+      <p:sp>
+        <p:nvSpPr>
+          <p:cNvPr id="14" name="文本占位符 5"/>
+          <p:cNvSpPr>
+            <a:spLocks noGrp="1"/>
+          </p:cNvSpPr>
+          <p:nvPr>
+            <p:ph type="body" sz="quarter" idx="16"/>
+          </p:nvPr>
+        </p:nvSpPr>
+        <p:spPr>
+          <a:xfrm>
+            <a:off x="7115176" y="4070316"/>
+            <a:ext cx="835026" cy="651828"/>
+          </a:xfrm>
+        </p:spPr>
+        <p:txBody>
+          <a:bodyPr/>
+          <a:lstStyle/>
+          <a:p>
+            <a:r>
+              <a:rPr kumimoji="1" lang="en-US" altLang="zh-CN" dirty="0" smtClean="0"/>
+              <a:t>06</a:t>
+            </a:r>
+            <a:endParaRPr kumimoji="1" lang="zh-CN" altLang="en-US" dirty="0"/>
+          </a:p>
+        </p:txBody>
+      </p:sp>
+      <p:sp>
+        <p:nvSpPr>
+          <p:cNvPr id="16" name="文本占位符 24"/>
+          <p:cNvSpPr>
+            <a:spLocks noGrp="1"/>
+          </p:cNvSpPr>
+          <p:nvPr>
+            <p:ph type="body" sz="quarter" idx="17"/>
+          </p:nvPr>
+        </p:nvSpPr>
+        <p:spPr>
+          <a:xfrm>
+            <a:off x="8060158" y="4941517"/>
+            <a:ext cx="3234689" cy="445150"/>
+          </a:xfrm>
+        </p:spPr>
+        <p:txBody>
+          <a:bodyPr/>
+          <a:lstStyle/>
+          <a:p>
+            <a:r>
+              <a:rPr lang="zh-CN" altLang="en-US" dirty="0" smtClean="0"/>
+              <a:t>项目组织和资源</a:t>
+            </a:r>
+            <a:endParaRPr lang="en-US" altLang="zh-CN" dirty="0" smtClean="0"/>
+          </a:p>
+        </p:txBody>
+      </p:sp>
+      <p:sp>
+        <p:nvSpPr>
+          <p:cNvPr id="17" name="文本占位符 5"/>
+          <p:cNvSpPr>
+            <a:spLocks noGrp="1"/>
+          </p:cNvSpPr>
+          <p:nvPr>
+            <p:ph type="body" sz="quarter" idx="16"/>
+          </p:nvPr>
+        </p:nvSpPr>
+        <p:spPr>
+          <a:xfrm>
+            <a:off x="7103451" y="4874001"/>
+            <a:ext cx="835026" cy="651828"/>
+          </a:xfrm>
+        </p:spPr>
+        <p:txBody>
+          <a:bodyPr/>
+          <a:lstStyle/>
+          <a:p>
+            <a:r>
+              <a:rPr kumimoji="1" lang="en-US" altLang="zh-CN" dirty="0" smtClean="0"/>
+              <a:t>07</a:t>
+            </a:r>
+            <a:endParaRPr kumimoji="1" lang="zh-CN" altLang="en-US" dirty="0"/>
+          </a:p>
+        </p:txBody>
+      </p:sp>
+      <p:sp>
+        <p:nvSpPr>
+          <p:cNvPr id="19" name="文本占位符 24"/>
+          <p:cNvSpPr>
+            <a:spLocks noGrp="1"/>
+          </p:cNvSpPr>
+          <p:nvPr>
+            <p:ph type="body" sz="quarter" idx="17"/>
+          </p:nvPr>
+        </p:nvSpPr>
+        <p:spPr>
+          <a:xfrm>
+            <a:off x="8027920" y="5735757"/>
+            <a:ext cx="4228557" cy="445150"/>
+          </a:xfrm>
+        </p:spPr>
+        <p:txBody>
+          <a:bodyPr/>
+          <a:lstStyle/>
+          <a:p>
+            <a:r>
+              <a:rPr lang="zh-CN" altLang="en-US" dirty="0" smtClean="0"/>
+              <a:t>培训、项目估算、支持条件、注解</a:t>
+            </a:r>
+            <a:endParaRPr lang="en-US" altLang="zh-CN" dirty="0" smtClean="0"/>
+          </a:p>
+        </p:txBody>
+      </p:sp>
+      <p:sp>
+        <p:nvSpPr>
+          <p:cNvPr id="20" name="文本占位符 5"/>
+          <p:cNvSpPr>
+            <a:spLocks noGrp="1"/>
+          </p:cNvSpPr>
+          <p:nvPr>
+            <p:ph type="body" sz="quarter" idx="16"/>
+          </p:nvPr>
+        </p:nvSpPr>
+        <p:spPr>
+          <a:xfrm>
+            <a:off x="7071213" y="5668241"/>
+            <a:ext cx="835026" cy="651828"/>
+          </a:xfrm>
+        </p:spPr>
+        <p:txBody>
+          <a:bodyPr/>
+          <a:lstStyle/>
+          <a:p>
+            <a:r>
+              <a:rPr kumimoji="1" lang="en-US" altLang="zh-CN" dirty="0" smtClean="0"/>
+              <a:t>08</a:t>
+            </a:r>
+            <a:endParaRPr kumimoji="1" lang="zh-CN" altLang="en-US" dirty="0"/>
+          </a:p>
+        </p:txBody>
+      </p:sp>
+    </p:spTree>
+    <p:extLst>
+      <p:ext uri="{BB962C8B-B14F-4D97-AF65-F5344CB8AC3E}">
+        <p14:creationId xmlns:p14="http://schemas.microsoft.com/office/powerpoint/2010/main" val="753959819"/>
+      </p:ext>
+    </p:extLst>
+  </p:cSld>
+  <p:clrMapOvr>
+    <a:masterClrMapping/>
+  </p:clrMapOvr>
+  <mc:AlternateContent xmlns:mc="http://schemas.openxmlformats.org/markup-compatibility/2006" xmlns:p14="http://schemas.microsoft.com/office/powerpoint/2010/main">
+    <mc:Choice Requires="p14">
+      <p:transition spd="slow" p14:dur="1500">
+        <p:split orient="vert"/>
+      </p:transition>
+    </mc:Choice>
+    <mc:Fallback xmlns="">
+      <p:transition spd="slow">
+        <p:split orient="vert"/>
+      </p:transition>
+    </mc:Fallback>
+  </mc:AlternateContent>
+  <p:timing>
+    <p:tnLst>
+      <p:par>
+        <p:cTn id="1" dur="indefinite" restart="never" nodeType="tmRoot"/>
+      </p:par>
+    </p:tnLst>
+  </p:timing>
+</p:sld>
+</file>
+
+<file path=ppt/slides/slide20.xml><?xml version="1.0" encoding="utf-8"?>
 <p:sld xmlns:a="http://schemas.openxmlformats.org/drawingml/2006/main" xmlns:r="http://schemas.openxmlformats.org/officeDocument/2006/relationships" xmlns:p="http://schemas.openxmlformats.org/presentationml/2006/main">
   <p:cSld>
     <p:spTree>
@@ -17767,7 +21767,7 @@
 </p:sld>
 </file>
 
-<file path=ppt/slides/slide18.xml><?xml version="1.0" encoding="utf-8"?>
+<file path=ppt/slides/slide21.xml><?xml version="1.0" encoding="utf-8"?>
 <p:sld xmlns:a="http://schemas.openxmlformats.org/drawingml/2006/main" xmlns:r="http://schemas.openxmlformats.org/officeDocument/2006/relationships" xmlns:p="http://schemas.openxmlformats.org/presentationml/2006/main">
   <p:cSld>
     <p:spTree>
@@ -17827,7 +21827,7 @@
 </p:sld>
 </file>
 
-<file path=ppt/slides/slide19.xml><?xml version="1.0" encoding="utf-8"?>
+<file path=ppt/slides/slide22.xml><?xml version="1.0" encoding="utf-8"?>
 <p:sld xmlns:a="http://schemas.openxmlformats.org/drawingml/2006/main" xmlns:r="http://schemas.openxmlformats.org/officeDocument/2006/relationships" xmlns:p="http://schemas.openxmlformats.org/presentationml/2006/main">
   <p:cSld>
     <p:spTree>
@@ -22075,533 +26075,7 @@
 </p:sld>
 </file>
 
-<file path=ppt/slides/slide2.xml><?xml version="1.0" encoding="utf-8"?>
-<p:sld xmlns:a="http://schemas.openxmlformats.org/drawingml/2006/main" xmlns:r="http://schemas.openxmlformats.org/officeDocument/2006/relationships" xmlns:p="http://schemas.openxmlformats.org/presentationml/2006/main">
-  <p:cSld>
-    <p:spTree>
-      <p:nvGrpSpPr>
-        <p:cNvPr id="1" name=""/>
-        <p:cNvGrpSpPr/>
-        <p:nvPr/>
-      </p:nvGrpSpPr>
-      <p:grpSpPr>
-        <a:xfrm>
-          <a:off x="0" y="0"/>
-          <a:ext cx="0" cy="0"/>
-          <a:chOff x="0" y="0"/>
-          <a:chExt cx="0" cy="0"/>
-        </a:xfrm>
-      </p:grpSpPr>
-      <p:sp>
-        <p:nvSpPr>
-          <p:cNvPr id="2" name="文本占位符 1"/>
-          <p:cNvSpPr>
-            <a:spLocks noGrp="1"/>
-          </p:cNvSpPr>
-          <p:nvPr>
-            <p:ph type="body" sz="quarter" idx="12"/>
-          </p:nvPr>
-        </p:nvSpPr>
-        <p:spPr>
-          <a:xfrm>
-            <a:off x="7077075" y="245814"/>
-            <a:ext cx="835026" cy="651828"/>
-          </a:xfrm>
-        </p:spPr>
-        <p:txBody>
-          <a:bodyPr/>
-          <a:lstStyle/>
-          <a:p>
-            <a:r>
-              <a:rPr kumimoji="1" lang="en-US" altLang="zh-CN" dirty="0" smtClean="0"/>
-              <a:t>01</a:t>
-            </a:r>
-            <a:endParaRPr kumimoji="1" lang="zh-CN" altLang="en-US" dirty="0"/>
-          </a:p>
-        </p:txBody>
-      </p:sp>
-      <p:sp>
-        <p:nvSpPr>
-          <p:cNvPr id="3" name="文本占位符 2"/>
-          <p:cNvSpPr>
-            <a:spLocks noGrp="1"/>
-          </p:cNvSpPr>
-          <p:nvPr>
-            <p:ph type="body" sz="quarter" idx="13"/>
-          </p:nvPr>
-        </p:nvSpPr>
-        <p:spPr>
-          <a:xfrm>
-            <a:off x="7912100" y="349153"/>
-            <a:ext cx="3234689" cy="445150"/>
-          </a:xfrm>
-        </p:spPr>
-        <p:txBody>
-          <a:bodyPr/>
-          <a:lstStyle/>
-          <a:p>
-            <a:r>
-              <a:rPr kumimoji="1" lang="zh-CN" altLang="en-US" dirty="0"/>
-              <a:t>引言</a:t>
-            </a:r>
-          </a:p>
-        </p:txBody>
-      </p:sp>
-      <p:sp>
-        <p:nvSpPr>
-          <p:cNvPr id="4" name="文本占位符 3"/>
-          <p:cNvSpPr>
-            <a:spLocks noGrp="1"/>
-          </p:cNvSpPr>
-          <p:nvPr>
-            <p:ph type="body" sz="quarter" idx="14"/>
-          </p:nvPr>
-        </p:nvSpPr>
-        <p:spPr>
-          <a:xfrm>
-            <a:off x="7077075" y="1079890"/>
-            <a:ext cx="835026" cy="651828"/>
-          </a:xfrm>
-        </p:spPr>
-        <p:txBody>
-          <a:bodyPr/>
-          <a:lstStyle/>
-          <a:p>
-            <a:r>
-              <a:rPr kumimoji="1" lang="en-US" altLang="zh-CN" dirty="0" smtClean="0"/>
-              <a:t>02</a:t>
-            </a:r>
-            <a:endParaRPr kumimoji="1" lang="zh-CN" altLang="en-US" dirty="0"/>
-          </a:p>
-        </p:txBody>
-      </p:sp>
-      <p:sp>
-        <p:nvSpPr>
-          <p:cNvPr id="5" name="文本占位符 4"/>
-          <p:cNvSpPr>
-            <a:spLocks noGrp="1"/>
-          </p:cNvSpPr>
-          <p:nvPr>
-            <p:ph type="body" sz="quarter" idx="15"/>
-          </p:nvPr>
-        </p:nvSpPr>
-        <p:spPr>
-          <a:xfrm>
-            <a:off x="7938477" y="1196238"/>
-            <a:ext cx="3234689" cy="445150"/>
-          </a:xfrm>
-        </p:spPr>
-        <p:txBody>
-          <a:bodyPr/>
-          <a:lstStyle/>
-          <a:p>
-            <a:r>
-              <a:rPr kumimoji="1" lang="zh-CN" altLang="en-US" dirty="0" smtClean="0"/>
-              <a:t>交付产品</a:t>
-            </a:r>
-            <a:endParaRPr kumimoji="1" lang="zh-CN" altLang="en-US" dirty="0"/>
-          </a:p>
-        </p:txBody>
-      </p:sp>
-      <p:sp>
-        <p:nvSpPr>
-          <p:cNvPr id="6" name="文本占位符 5"/>
-          <p:cNvSpPr>
-            <a:spLocks noGrp="1"/>
-          </p:cNvSpPr>
-          <p:nvPr>
-            <p:ph type="body" sz="quarter" idx="16"/>
-          </p:nvPr>
-        </p:nvSpPr>
-        <p:spPr>
-          <a:xfrm>
-            <a:off x="7077075" y="1836644"/>
-            <a:ext cx="835026" cy="651828"/>
-          </a:xfrm>
-        </p:spPr>
-        <p:txBody>
-          <a:bodyPr/>
-          <a:lstStyle/>
-          <a:p>
-            <a:r>
-              <a:rPr kumimoji="1" lang="en-US" altLang="zh-CN" dirty="0" smtClean="0"/>
-              <a:t>03</a:t>
-            </a:r>
-            <a:endParaRPr kumimoji="1" lang="zh-CN" altLang="en-US" dirty="0"/>
-          </a:p>
-        </p:txBody>
-      </p:sp>
-      <p:pic>
-        <p:nvPicPr>
-          <p:cNvPr id="15" name="图片 14"/>
-          <p:cNvPicPr>
-            <a:picLocks noChangeAspect="1"/>
-          </p:cNvPicPr>
-          <p:nvPr/>
-        </p:nvPicPr>
-        <p:blipFill>
-          <a:blip r:embed="rId2">
-            <a:extLst>
-              <a:ext uri="{28A0092B-C50C-407E-A947-70E740481C1C}">
-                <a14:useLocalDpi xmlns:a14="http://schemas.microsoft.com/office/drawing/2010/main" val="0"/>
-              </a:ext>
-            </a:extLst>
-          </a:blip>
-          <a:stretch>
-            <a:fillRect/>
-          </a:stretch>
-        </p:blipFill>
-        <p:spPr>
-          <a:xfrm>
-            <a:off x="4470402" y="6144237"/>
-            <a:ext cx="2244436" cy="713763"/>
-          </a:xfrm>
-          <a:prstGeom prst="rect">
-            <a:avLst/>
-          </a:prstGeom>
-        </p:spPr>
-      </p:pic>
-      <p:sp>
-        <p:nvSpPr>
-          <p:cNvPr id="25" name="文本占位符 24"/>
-          <p:cNvSpPr>
-            <a:spLocks noGrp="1"/>
-          </p:cNvSpPr>
-          <p:nvPr>
-            <p:ph type="body" sz="quarter" idx="17"/>
-          </p:nvPr>
-        </p:nvSpPr>
-        <p:spPr>
-          <a:xfrm>
-            <a:off x="7912100" y="1939983"/>
-            <a:ext cx="3234689" cy="445150"/>
-          </a:xfrm>
-        </p:spPr>
-        <p:txBody>
-          <a:bodyPr/>
-          <a:lstStyle/>
-          <a:p>
-            <a:r>
-              <a:rPr lang="zh-CN" altLang="en-US" dirty="0" smtClean="0"/>
-              <a:t>所需工作概述</a:t>
-            </a:r>
-            <a:endParaRPr lang="zh-CN" altLang="en-US" dirty="0"/>
-          </a:p>
-        </p:txBody>
-      </p:sp>
-      <p:sp>
-        <p:nvSpPr>
-          <p:cNvPr id="9" name="文本占位符 5"/>
-          <p:cNvSpPr>
-            <a:spLocks noGrp="1"/>
-          </p:cNvSpPr>
-          <p:nvPr>
-            <p:ph type="body" sz="quarter" idx="16"/>
-          </p:nvPr>
-        </p:nvSpPr>
-        <p:spPr>
-          <a:xfrm>
-            <a:off x="7094659" y="2595718"/>
-            <a:ext cx="835026" cy="651828"/>
-          </a:xfrm>
-        </p:spPr>
-        <p:txBody>
-          <a:bodyPr/>
-          <a:lstStyle/>
-          <a:p>
-            <a:r>
-              <a:rPr kumimoji="1" lang="en-US" altLang="zh-CN" dirty="0" smtClean="0"/>
-              <a:t>04</a:t>
-            </a:r>
-            <a:endParaRPr kumimoji="1" lang="zh-CN" altLang="en-US" dirty="0"/>
-          </a:p>
-        </p:txBody>
-      </p:sp>
-      <p:sp>
-        <p:nvSpPr>
-          <p:cNvPr id="10" name="文本占位符 24"/>
-          <p:cNvSpPr>
-            <a:spLocks noGrp="1"/>
-          </p:cNvSpPr>
-          <p:nvPr>
-            <p:ph type="body" sz="quarter" idx="17"/>
-          </p:nvPr>
-        </p:nvSpPr>
-        <p:spPr>
-          <a:xfrm>
-            <a:off x="7958995" y="2713802"/>
-            <a:ext cx="3234689" cy="445150"/>
-          </a:xfrm>
-        </p:spPr>
-        <p:txBody>
-          <a:bodyPr/>
-          <a:lstStyle/>
-          <a:p>
-            <a:r>
-              <a:rPr lang="zh-CN" altLang="en-US" dirty="0" smtClean="0"/>
-              <a:t>实施整个软件开发活动的计划</a:t>
-            </a:r>
-            <a:endParaRPr lang="zh-CN" altLang="en-US" dirty="0"/>
-          </a:p>
-        </p:txBody>
-      </p:sp>
-      <p:sp>
-        <p:nvSpPr>
-          <p:cNvPr id="11" name="文本占位符 24"/>
-          <p:cNvSpPr>
-            <a:spLocks noGrp="1"/>
-          </p:cNvSpPr>
-          <p:nvPr>
-            <p:ph type="body" sz="quarter" idx="17"/>
-          </p:nvPr>
-        </p:nvSpPr>
-        <p:spPr>
-          <a:xfrm>
-            <a:off x="8010331" y="3405788"/>
-            <a:ext cx="3234689" cy="445150"/>
-          </a:xfrm>
-        </p:spPr>
-        <p:txBody>
-          <a:bodyPr/>
-          <a:lstStyle/>
-          <a:p>
-            <a:r>
-              <a:rPr lang="zh-CN" altLang="en-US" dirty="0" smtClean="0"/>
-              <a:t>实施详细软件开发活动的计划</a:t>
-            </a:r>
-            <a:endParaRPr lang="en-US" altLang="zh-CN" dirty="0" smtClean="0"/>
-          </a:p>
-        </p:txBody>
-      </p:sp>
-      <p:sp>
-        <p:nvSpPr>
-          <p:cNvPr id="12" name="文本占位符 5"/>
-          <p:cNvSpPr>
-            <a:spLocks noGrp="1"/>
-          </p:cNvSpPr>
-          <p:nvPr>
-            <p:ph type="body" sz="quarter" idx="16"/>
-          </p:nvPr>
-        </p:nvSpPr>
-        <p:spPr>
-          <a:xfrm>
-            <a:off x="7103451" y="3302449"/>
-            <a:ext cx="835026" cy="651828"/>
-          </a:xfrm>
-        </p:spPr>
-        <p:txBody>
-          <a:bodyPr/>
-          <a:lstStyle/>
-          <a:p>
-            <a:r>
-              <a:rPr kumimoji="1" lang="en-US" altLang="zh-CN" dirty="0" smtClean="0"/>
-              <a:t>05</a:t>
-            </a:r>
-            <a:endParaRPr kumimoji="1" lang="zh-CN" altLang="en-US" dirty="0"/>
-          </a:p>
-        </p:txBody>
-      </p:sp>
-      <p:sp>
-        <p:nvSpPr>
-          <p:cNvPr id="13" name="文本占位符 24"/>
-          <p:cNvSpPr>
-            <a:spLocks noGrp="1"/>
-          </p:cNvSpPr>
-          <p:nvPr>
-            <p:ph type="body" sz="quarter" idx="17"/>
-          </p:nvPr>
-        </p:nvSpPr>
-        <p:spPr>
-          <a:xfrm>
-            <a:off x="8022056" y="4173655"/>
-            <a:ext cx="3234689" cy="445150"/>
-          </a:xfrm>
-        </p:spPr>
-        <p:txBody>
-          <a:bodyPr/>
-          <a:lstStyle/>
-          <a:p>
-            <a:r>
-              <a:rPr lang="zh-CN" altLang="en-US" dirty="0" smtClean="0"/>
-              <a:t>进度表和活动网络图</a:t>
-            </a:r>
-            <a:endParaRPr lang="en-US" altLang="zh-CN" dirty="0" smtClean="0"/>
-          </a:p>
-        </p:txBody>
-      </p:sp>
-      <p:sp>
-        <p:nvSpPr>
-          <p:cNvPr id="14" name="文本占位符 5"/>
-          <p:cNvSpPr>
-            <a:spLocks noGrp="1"/>
-          </p:cNvSpPr>
-          <p:nvPr>
-            <p:ph type="body" sz="quarter" idx="16"/>
-          </p:nvPr>
-        </p:nvSpPr>
-        <p:spPr>
-          <a:xfrm>
-            <a:off x="7115176" y="4070316"/>
-            <a:ext cx="835026" cy="651828"/>
-          </a:xfrm>
-        </p:spPr>
-        <p:txBody>
-          <a:bodyPr/>
-          <a:lstStyle/>
-          <a:p>
-            <a:r>
-              <a:rPr kumimoji="1" lang="en-US" altLang="zh-CN" dirty="0" smtClean="0"/>
-              <a:t>06</a:t>
-            </a:r>
-            <a:endParaRPr kumimoji="1" lang="zh-CN" altLang="en-US" dirty="0"/>
-          </a:p>
-        </p:txBody>
-      </p:sp>
-      <p:sp>
-        <p:nvSpPr>
-          <p:cNvPr id="16" name="文本占位符 24"/>
-          <p:cNvSpPr>
-            <a:spLocks noGrp="1"/>
-          </p:cNvSpPr>
-          <p:nvPr>
-            <p:ph type="body" sz="quarter" idx="17"/>
-          </p:nvPr>
-        </p:nvSpPr>
-        <p:spPr>
-          <a:xfrm>
-            <a:off x="8060158" y="4941517"/>
-            <a:ext cx="3234689" cy="445150"/>
-          </a:xfrm>
-        </p:spPr>
-        <p:txBody>
-          <a:bodyPr/>
-          <a:lstStyle/>
-          <a:p>
-            <a:r>
-              <a:rPr lang="zh-CN" altLang="en-US" dirty="0" smtClean="0"/>
-              <a:t>项目组织和资源</a:t>
-            </a:r>
-            <a:endParaRPr lang="en-US" altLang="zh-CN" dirty="0" smtClean="0"/>
-          </a:p>
-        </p:txBody>
-      </p:sp>
-      <p:sp>
-        <p:nvSpPr>
-          <p:cNvPr id="17" name="文本占位符 5"/>
-          <p:cNvSpPr>
-            <a:spLocks noGrp="1"/>
-          </p:cNvSpPr>
-          <p:nvPr>
-            <p:ph type="body" sz="quarter" idx="16"/>
-          </p:nvPr>
-        </p:nvSpPr>
-        <p:spPr>
-          <a:xfrm>
-            <a:off x="7103451" y="4874001"/>
-            <a:ext cx="835026" cy="651828"/>
-          </a:xfrm>
-        </p:spPr>
-        <p:txBody>
-          <a:bodyPr/>
-          <a:lstStyle/>
-          <a:p>
-            <a:r>
-              <a:rPr kumimoji="1" lang="en-US" altLang="zh-CN" dirty="0" smtClean="0"/>
-              <a:t>07</a:t>
-            </a:r>
-            <a:endParaRPr kumimoji="1" lang="zh-CN" altLang="en-US" dirty="0"/>
-          </a:p>
-        </p:txBody>
-      </p:sp>
-      <p:sp>
-        <p:nvSpPr>
-          <p:cNvPr id="19" name="文本占位符 24"/>
-          <p:cNvSpPr>
-            <a:spLocks noGrp="1"/>
-          </p:cNvSpPr>
-          <p:nvPr>
-            <p:ph type="body" sz="quarter" idx="17"/>
-          </p:nvPr>
-        </p:nvSpPr>
-        <p:spPr>
-          <a:xfrm>
-            <a:off x="8027920" y="5735757"/>
-            <a:ext cx="4228557" cy="445150"/>
-          </a:xfrm>
-        </p:spPr>
-        <p:txBody>
-          <a:bodyPr/>
-          <a:lstStyle/>
-          <a:p>
-            <a:r>
-              <a:rPr lang="zh-CN" altLang="en-US" dirty="0" smtClean="0"/>
-              <a:t>培训、项目估算、支持条件、注解</a:t>
-            </a:r>
-            <a:endParaRPr lang="en-US" altLang="zh-CN" dirty="0" smtClean="0"/>
-          </a:p>
-        </p:txBody>
-      </p:sp>
-      <p:sp>
-        <p:nvSpPr>
-          <p:cNvPr id="20" name="文本占位符 5"/>
-          <p:cNvSpPr>
-            <a:spLocks noGrp="1"/>
-          </p:cNvSpPr>
-          <p:nvPr>
-            <p:ph type="body" sz="quarter" idx="16"/>
-          </p:nvPr>
-        </p:nvSpPr>
-        <p:spPr>
-          <a:xfrm>
-            <a:off x="7071213" y="5668241"/>
-            <a:ext cx="835026" cy="651828"/>
-          </a:xfrm>
-        </p:spPr>
-        <p:txBody>
-          <a:bodyPr/>
-          <a:lstStyle/>
-          <a:p>
-            <a:r>
-              <a:rPr kumimoji="1" lang="en-US" altLang="zh-CN" dirty="0" smtClean="0"/>
-              <a:t>08</a:t>
-            </a:r>
-            <a:endParaRPr kumimoji="1" lang="zh-CN" altLang="en-US" dirty="0"/>
-          </a:p>
-        </p:txBody>
-      </p:sp>
-    </p:spTree>
-    <p:extLst>
-      <p:ext uri="{BB962C8B-B14F-4D97-AF65-F5344CB8AC3E}">
-        <p14:creationId xmlns:p14="http://schemas.microsoft.com/office/powerpoint/2010/main" val="753959819"/>
-      </p:ext>
-    </p:extLst>
-  </p:cSld>
-  <p:clrMapOvr>
-    <a:masterClrMapping/>
-  </p:clrMapOvr>
-  <mc:AlternateContent xmlns:mc="http://schemas.openxmlformats.org/markup-compatibility/2006" xmlns:p14="http://schemas.microsoft.com/office/powerpoint/2010/main">
-    <mc:Choice Requires="p14">
-      <p:transition spd="slow" p14:dur="1500">
-        <p:split orient="vert"/>
-      </p:transition>
-    </mc:Choice>
-    <mc:Fallback xmlns="">
-      <p:transition spd="slow">
-        <p:split orient="vert"/>
-      </p:transition>
-    </mc:Fallback>
-  </mc:AlternateContent>
-  <p:timing>
-    <p:tnLst>
-      <p:par>
-        <p:cTn id="1" dur="indefinite" restart="never" nodeType="tmRoot"/>
-      </p:par>
-    </p:tnLst>
-  </p:timing>
-</p:sld>
-</file>
-
-<file path=ppt/slides/slide20.xml><?xml version="1.0" encoding="utf-8"?>
+<file path=ppt/slides/slide23.xml><?xml version="1.0" encoding="utf-8"?>
 <p:sld xmlns:a="http://schemas.openxmlformats.org/drawingml/2006/main" xmlns:r="http://schemas.openxmlformats.org/officeDocument/2006/relationships" xmlns:p="http://schemas.openxmlformats.org/presentationml/2006/main">
   <p:cSld>
     <p:spTree>
@@ -22753,7 +26227,7 @@
 </p:sld>
 </file>
 
-<file path=ppt/slides/slide21.xml><?xml version="1.0" encoding="utf-8"?>
+<file path=ppt/slides/slide24.xml><?xml version="1.0" encoding="utf-8"?>
 <p:sld xmlns:a="http://schemas.openxmlformats.org/drawingml/2006/main" xmlns:r="http://schemas.openxmlformats.org/officeDocument/2006/relationships" xmlns:p="http://schemas.openxmlformats.org/presentationml/2006/main">
   <p:cSld>
     <p:spTree>
@@ -22871,7 +26345,7 @@
 </p:sld>
 </file>
 
-<file path=ppt/slides/slide22.xml><?xml version="1.0" encoding="utf-8"?>
+<file path=ppt/slides/slide25.xml><?xml version="1.0" encoding="utf-8"?>
 <p:sld xmlns:a="http://schemas.openxmlformats.org/drawingml/2006/main" xmlns:r="http://schemas.openxmlformats.org/officeDocument/2006/relationships" xmlns:p="http://schemas.openxmlformats.org/presentationml/2006/main">
   <p:cSld>
     <p:spTree>
@@ -23766,7 +27240,7 @@
 </p:sld>
 </file>
 
-<file path=ppt/slides/slide23.xml><?xml version="1.0" encoding="utf-8"?>
+<file path=ppt/slides/slide26.xml><?xml version="1.0" encoding="utf-8"?>
 <p:sld xmlns:a="http://schemas.openxmlformats.org/drawingml/2006/main" xmlns:r="http://schemas.openxmlformats.org/officeDocument/2006/relationships" xmlns:p="http://schemas.openxmlformats.org/presentationml/2006/main">
   <p:cSld>
     <p:spTree>
@@ -23884,7 +27358,7 @@
 </p:sld>
 </file>
 
-<file path=ppt/slides/slide24.xml><?xml version="1.0" encoding="utf-8"?>
+<file path=ppt/slides/slide27.xml><?xml version="1.0" encoding="utf-8"?>
 <p:sld xmlns:a="http://schemas.openxmlformats.org/drawingml/2006/main" xmlns:r="http://schemas.openxmlformats.org/officeDocument/2006/relationships" xmlns:p="http://schemas.openxmlformats.org/presentationml/2006/main">
   <p:cSld>
     <p:spTree>
@@ -25072,7 +28546,7 @@
 </p:sld>
 </file>
 
-<file path=ppt/slides/slide25.xml><?xml version="1.0" encoding="utf-8"?>
+<file path=ppt/slides/slide28.xml><?xml version="1.0" encoding="utf-8"?>
 <p:sld xmlns:a="http://schemas.openxmlformats.org/drawingml/2006/main" xmlns:r="http://schemas.openxmlformats.org/officeDocument/2006/relationships" xmlns:p="http://schemas.openxmlformats.org/presentationml/2006/main">
   <p:cSld>
     <p:spTree>
@@ -25202,7 +28676,7 @@
 </p:sld>
 </file>
 
-<file path=ppt/slides/slide26.xml><?xml version="1.0" encoding="utf-8"?>
+<file path=ppt/slides/slide29.xml><?xml version="1.0" encoding="utf-8"?>
 <p:sld xmlns:a="http://schemas.openxmlformats.org/drawingml/2006/main" xmlns:r="http://schemas.openxmlformats.org/officeDocument/2006/relationships" xmlns:p="http://schemas.openxmlformats.org/presentationml/2006/main">
   <p:cSld>
     <p:spTree>
@@ -25519,7 +28993,7 @@
 </p:sld>
 </file>
 
-<file path=ppt/slides/slide27.xml><?xml version="1.0" encoding="utf-8"?>
+<file path=ppt/slides/slide3.xml><?xml version="1.0" encoding="utf-8"?>
 <p:sld xmlns:a="http://schemas.openxmlformats.org/drawingml/2006/main" xmlns:r="http://schemas.openxmlformats.org/officeDocument/2006/relationships" xmlns:p="http://schemas.openxmlformats.org/presentationml/2006/main">
   <p:cSld>
     <p:spTree>
@@ -25553,6 +29027,182 @@
           <a:p>
             <a:r>
               <a:rPr kumimoji="1" lang="en-US" altLang="zh-CN" dirty="0" smtClean="0"/>
+              <a:t>01</a:t>
+            </a:r>
+            <a:endParaRPr kumimoji="1" lang="zh-CN" altLang="en-US" dirty="0"/>
+          </a:p>
+        </p:txBody>
+      </p:sp>
+      <p:sp>
+        <p:nvSpPr>
+          <p:cNvPr id="3" name="文本占位符 2"/>
+          <p:cNvSpPr>
+            <a:spLocks noGrp="1"/>
+          </p:cNvSpPr>
+          <p:nvPr>
+            <p:ph type="body" sz="quarter" idx="13"/>
+          </p:nvPr>
+        </p:nvSpPr>
+        <p:spPr/>
+        <p:txBody>
+          <a:bodyPr/>
+          <a:lstStyle/>
+          <a:p>
+            <a:r>
+              <a:rPr kumimoji="1" lang="zh-CN" altLang="en-US" dirty="0"/>
+              <a:t>引言</a:t>
+            </a:r>
+          </a:p>
+        </p:txBody>
+      </p:sp>
+      <p:pic>
+        <p:nvPicPr>
+          <p:cNvPr id="5" name="图片 4"/>
+          <p:cNvPicPr>
+            <a:picLocks noChangeAspect="1"/>
+          </p:cNvPicPr>
+          <p:nvPr/>
+        </p:nvPicPr>
+        <p:blipFill>
+          <a:blip r:embed="rId2">
+            <a:extLst>
+              <a:ext uri="{28A0092B-C50C-407E-A947-70E740481C1C}">
+                <a14:useLocalDpi xmlns:a14="http://schemas.microsoft.com/office/drawing/2010/main" val="0"/>
+              </a:ext>
+            </a:extLst>
+          </a:blip>
+          <a:stretch>
+            <a:fillRect/>
+          </a:stretch>
+        </p:blipFill>
+        <p:spPr>
+          <a:xfrm>
+            <a:off x="4470402" y="6144237"/>
+            <a:ext cx="2244436" cy="713763"/>
+          </a:xfrm>
+          <a:prstGeom prst="rect">
+            <a:avLst/>
+          </a:prstGeom>
+        </p:spPr>
+      </p:pic>
+      <p:sp>
+        <p:nvSpPr>
+          <p:cNvPr id="4" name="文本框 3"/>
+          <p:cNvSpPr txBox="1"/>
+          <p:nvPr/>
+        </p:nvSpPr>
+        <p:spPr>
+          <a:xfrm>
+            <a:off x="5199428" y="3264408"/>
+            <a:ext cx="4764024" cy="1354217"/>
+          </a:xfrm>
+          <a:prstGeom prst="rect">
+            <a:avLst/>
+          </a:prstGeom>
+          <a:noFill/>
+        </p:spPr>
+        <p:txBody>
+          <a:bodyPr wrap="square" rtlCol="0">
+            <a:spAutoFit/>
+          </a:bodyPr>
+          <a:lstStyle/>
+          <a:p>
+            <a:r>
+              <a:rPr lang="en-US" altLang="zh-CN" sz="3200" dirty="0" smtClean="0"/>
+              <a:t>1.1</a:t>
+            </a:r>
+            <a:r>
+              <a:rPr lang="zh-CN" altLang="en-US" sz="3200" dirty="0" smtClean="0"/>
+              <a:t>标识</a:t>
+            </a:r>
+            <a:endParaRPr lang="en-US" altLang="zh-CN" sz="3200" dirty="0" smtClean="0"/>
+          </a:p>
+          <a:p>
+            <a:r>
+              <a:rPr lang="en-US" altLang="zh-CN" sz="3200" dirty="0" smtClean="0"/>
+              <a:t>1.2</a:t>
+            </a:r>
+            <a:r>
+              <a:rPr lang="zh-CN" altLang="en-US" sz="3200" dirty="0" smtClean="0"/>
+              <a:t>系统概述</a:t>
+            </a:r>
+            <a:endParaRPr lang="en-US" altLang="zh-CN" sz="3200" dirty="0" smtClean="0"/>
+          </a:p>
+          <a:p>
+            <a:r>
+              <a:rPr lang="en-US" altLang="zh-CN" dirty="0"/>
+              <a:t> </a:t>
+            </a:r>
+            <a:endParaRPr lang="zh-CN" altLang="en-US" dirty="0"/>
+          </a:p>
+        </p:txBody>
+      </p:sp>
+    </p:spTree>
+    <p:extLst>
+      <p:ext uri="{BB962C8B-B14F-4D97-AF65-F5344CB8AC3E}">
+        <p14:creationId xmlns:p14="http://schemas.microsoft.com/office/powerpoint/2010/main" val="777635325"/>
+      </p:ext>
+    </p:extLst>
+  </p:cSld>
+  <p:clrMapOvr>
+    <a:masterClrMapping/>
+  </p:clrMapOvr>
+  <mc:AlternateContent xmlns:mc="http://schemas.openxmlformats.org/markup-compatibility/2006" xmlns:p14="http://schemas.microsoft.com/office/powerpoint/2010/main">
+    <mc:Choice Requires="p14">
+      <p:transition spd="slow" p14:dur="1200">
+        <p14:prism/>
+      </p:transition>
+    </mc:Choice>
+    <mc:Fallback xmlns="">
+      <p:transition spd="slow">
+        <p:fade/>
+      </p:transition>
+    </mc:Fallback>
+  </mc:AlternateContent>
+  <p:timing>
+    <p:tnLst>
+      <p:par>
+        <p:cTn id="1" dur="indefinite" restart="never" nodeType="tmRoot"/>
+      </p:par>
+    </p:tnLst>
+  </p:timing>
+</p:sld>
+</file>
+
+<file path=ppt/slides/slide30.xml><?xml version="1.0" encoding="utf-8"?>
+<p:sld xmlns:a="http://schemas.openxmlformats.org/drawingml/2006/main" xmlns:r="http://schemas.openxmlformats.org/officeDocument/2006/relationships" xmlns:p="http://schemas.openxmlformats.org/presentationml/2006/main">
+  <p:cSld>
+    <p:spTree>
+      <p:nvGrpSpPr>
+        <p:cNvPr id="1" name=""/>
+        <p:cNvGrpSpPr/>
+        <p:nvPr/>
+      </p:nvGrpSpPr>
+      <p:grpSpPr>
+        <a:xfrm>
+          <a:off x="0" y="0"/>
+          <a:ext cx="0" cy="0"/>
+          <a:chOff x="0" y="0"/>
+          <a:chExt cx="0" cy="0"/>
+        </a:xfrm>
+      </p:grpSpPr>
+      <p:sp>
+        <p:nvSpPr>
+          <p:cNvPr id="2" name="文本占位符 1"/>
+          <p:cNvSpPr>
+            <a:spLocks noGrp="1"/>
+          </p:cNvSpPr>
+          <p:nvPr>
+            <p:ph type="body" sz="quarter" idx="12"/>
+          </p:nvPr>
+        </p:nvSpPr>
+        <p:spPr/>
+        <p:txBody>
+          <a:bodyPr/>
+          <a:lstStyle/>
+          <a:p>
+            <a:r>
+              <a:rPr kumimoji="1" lang="en-US" altLang="zh-CN" dirty="0" smtClean="0"/>
               <a:t>10</a:t>
             </a:r>
             <a:endParaRPr kumimoji="1" lang="zh-CN" altLang="en-US" dirty="0"/>
@@ -25581,11 +29231,7 @@
           <a:p>
             <a:r>
               <a:rPr kumimoji="1" lang="zh-CN" altLang="en-US" sz="6600" dirty="0" smtClean="0"/>
-              <a:t>组内</a:t>
-            </a:r>
-            <a:r>
-              <a:rPr kumimoji="1" lang="zh-CN" altLang="en-US" sz="6600" dirty="0" smtClean="0"/>
-              <a:t>分工及评分</a:t>
+              <a:t>组内分工及评分</a:t>
             </a:r>
             <a:endParaRPr kumimoji="1" lang="zh-CN" altLang="en-US" sz="6600" dirty="0"/>
           </a:p>
@@ -25649,11 +29295,7 @@
             </a:r>
             <a:r>
               <a:rPr lang="zh-CN" altLang="en-US" dirty="0" smtClean="0"/>
-              <a:t>坤：项目计划的</a:t>
-            </a:r>
-            <a:r>
-              <a:rPr lang="zh-CN" altLang="en-US" dirty="0" smtClean="0"/>
-              <a:t>制定</a:t>
+              <a:t>坤：项目计划的制定</a:t>
             </a:r>
             <a:r>
               <a:rPr lang="en-US" altLang="zh-CN" dirty="0" smtClean="0"/>
@@ -25679,11 +29321,7 @@
             </a:r>
             <a:r>
               <a:rPr lang="zh-CN" altLang="en-US" dirty="0" smtClean="0"/>
-              <a:t>内容</a:t>
-            </a:r>
-            <a:r>
-              <a:rPr lang="zh-CN" altLang="en-US" dirty="0" smtClean="0"/>
-              <a:t>填充</a:t>
+              <a:t>内容填充</a:t>
             </a:r>
             <a:r>
               <a:rPr lang="en-US" altLang="zh-CN" dirty="0" smtClean="0"/>
@@ -25766,7 +29404,7 @@
 </p:sld>
 </file>
 
-<file path=ppt/slides/slide28.xml><?xml version="1.0" encoding="utf-8"?>
+<file path=ppt/slides/slide31.xml><?xml version="1.0" encoding="utf-8"?>
 <p:sld xmlns:a="http://schemas.openxmlformats.org/drawingml/2006/main" xmlns:r="http://schemas.openxmlformats.org/officeDocument/2006/relationships" xmlns:p="http://schemas.openxmlformats.org/presentationml/2006/main">
   <p:cSld>
     <p:spTree>
@@ -25994,182 +29632,6 @@
     <mc:Choice Requires="p14">
       <p:transition spd="slow" p14:dur="1600">
         <p14:gallery dir="l"/>
-      </p:transition>
-    </mc:Choice>
-    <mc:Fallback xmlns="">
-      <p:transition spd="slow">
-        <p:fade/>
-      </p:transition>
-    </mc:Fallback>
-  </mc:AlternateContent>
-  <p:timing>
-    <p:tnLst>
-      <p:par>
-        <p:cTn id="1" dur="indefinite" restart="never" nodeType="tmRoot"/>
-      </p:par>
-    </p:tnLst>
-  </p:timing>
-</p:sld>
-</file>
-
-<file path=ppt/slides/slide3.xml><?xml version="1.0" encoding="utf-8"?>
-<p:sld xmlns:a="http://schemas.openxmlformats.org/drawingml/2006/main" xmlns:r="http://schemas.openxmlformats.org/officeDocument/2006/relationships" xmlns:p="http://schemas.openxmlformats.org/presentationml/2006/main">
-  <p:cSld>
-    <p:spTree>
-      <p:nvGrpSpPr>
-        <p:cNvPr id="1" name=""/>
-        <p:cNvGrpSpPr/>
-        <p:nvPr/>
-      </p:nvGrpSpPr>
-      <p:grpSpPr>
-        <a:xfrm>
-          <a:off x="0" y="0"/>
-          <a:ext cx="0" cy="0"/>
-          <a:chOff x="0" y="0"/>
-          <a:chExt cx="0" cy="0"/>
-        </a:xfrm>
-      </p:grpSpPr>
-      <p:sp>
-        <p:nvSpPr>
-          <p:cNvPr id="2" name="文本占位符 1"/>
-          <p:cNvSpPr>
-            <a:spLocks noGrp="1"/>
-          </p:cNvSpPr>
-          <p:nvPr>
-            <p:ph type="body" sz="quarter" idx="12"/>
-          </p:nvPr>
-        </p:nvSpPr>
-        <p:spPr/>
-        <p:txBody>
-          <a:bodyPr/>
-          <a:lstStyle/>
-          <a:p>
-            <a:r>
-              <a:rPr kumimoji="1" lang="en-US" altLang="zh-CN" dirty="0" smtClean="0"/>
-              <a:t>01</a:t>
-            </a:r>
-            <a:endParaRPr kumimoji="1" lang="zh-CN" altLang="en-US" dirty="0"/>
-          </a:p>
-        </p:txBody>
-      </p:sp>
-      <p:sp>
-        <p:nvSpPr>
-          <p:cNvPr id="3" name="文本占位符 2"/>
-          <p:cNvSpPr>
-            <a:spLocks noGrp="1"/>
-          </p:cNvSpPr>
-          <p:nvPr>
-            <p:ph type="body" sz="quarter" idx="13"/>
-          </p:nvPr>
-        </p:nvSpPr>
-        <p:spPr/>
-        <p:txBody>
-          <a:bodyPr/>
-          <a:lstStyle/>
-          <a:p>
-            <a:r>
-              <a:rPr kumimoji="1" lang="zh-CN" altLang="en-US" dirty="0"/>
-              <a:t>引言</a:t>
-            </a:r>
-          </a:p>
-        </p:txBody>
-      </p:sp>
-      <p:pic>
-        <p:nvPicPr>
-          <p:cNvPr id="5" name="图片 4"/>
-          <p:cNvPicPr>
-            <a:picLocks noChangeAspect="1"/>
-          </p:cNvPicPr>
-          <p:nvPr/>
-        </p:nvPicPr>
-        <p:blipFill>
-          <a:blip r:embed="rId2">
-            <a:extLst>
-              <a:ext uri="{28A0092B-C50C-407E-A947-70E740481C1C}">
-                <a14:useLocalDpi xmlns:a14="http://schemas.microsoft.com/office/drawing/2010/main" val="0"/>
-              </a:ext>
-            </a:extLst>
-          </a:blip>
-          <a:stretch>
-            <a:fillRect/>
-          </a:stretch>
-        </p:blipFill>
-        <p:spPr>
-          <a:xfrm>
-            <a:off x="4470402" y="6144237"/>
-            <a:ext cx="2244436" cy="713763"/>
-          </a:xfrm>
-          <a:prstGeom prst="rect">
-            <a:avLst/>
-          </a:prstGeom>
-        </p:spPr>
-      </p:pic>
-      <p:sp>
-        <p:nvSpPr>
-          <p:cNvPr id="4" name="文本框 3"/>
-          <p:cNvSpPr txBox="1"/>
-          <p:nvPr/>
-        </p:nvSpPr>
-        <p:spPr>
-          <a:xfrm>
-            <a:off x="5199428" y="3264408"/>
-            <a:ext cx="4764024" cy="1354217"/>
-          </a:xfrm>
-          <a:prstGeom prst="rect">
-            <a:avLst/>
-          </a:prstGeom>
-          <a:noFill/>
-        </p:spPr>
-        <p:txBody>
-          <a:bodyPr wrap="square" rtlCol="0">
-            <a:spAutoFit/>
-          </a:bodyPr>
-          <a:lstStyle/>
-          <a:p>
-            <a:r>
-              <a:rPr lang="en-US" altLang="zh-CN" sz="3200" dirty="0" smtClean="0"/>
-              <a:t>1.1</a:t>
-            </a:r>
-            <a:r>
-              <a:rPr lang="zh-CN" altLang="en-US" sz="3200" dirty="0" smtClean="0"/>
-              <a:t>标识</a:t>
-            </a:r>
-            <a:endParaRPr lang="en-US" altLang="zh-CN" sz="3200" dirty="0" smtClean="0"/>
-          </a:p>
-          <a:p>
-            <a:r>
-              <a:rPr lang="en-US" altLang="zh-CN" sz="3200" dirty="0" smtClean="0"/>
-              <a:t>1.2</a:t>
-            </a:r>
-            <a:r>
-              <a:rPr lang="zh-CN" altLang="en-US" sz="3200" dirty="0" smtClean="0"/>
-              <a:t>系统概述</a:t>
-            </a:r>
-            <a:endParaRPr lang="en-US" altLang="zh-CN" sz="3200" dirty="0" smtClean="0"/>
-          </a:p>
-          <a:p>
-            <a:r>
-              <a:rPr lang="en-US" altLang="zh-CN" dirty="0"/>
-              <a:t> </a:t>
-            </a:r>
-            <a:endParaRPr lang="zh-CN" altLang="en-US" dirty="0"/>
-          </a:p>
-        </p:txBody>
-      </p:sp>
-    </p:spTree>
-    <p:extLst>
-      <p:ext uri="{BB962C8B-B14F-4D97-AF65-F5344CB8AC3E}">
-        <p14:creationId xmlns:p14="http://schemas.microsoft.com/office/powerpoint/2010/main" val="777635325"/>
-      </p:ext>
-    </p:extLst>
-  </p:cSld>
-  <p:clrMapOvr>
-    <a:masterClrMapping/>
-  </p:clrMapOvr>
-  <mc:AlternateContent xmlns:mc="http://schemas.openxmlformats.org/markup-compatibility/2006" xmlns:p14="http://schemas.microsoft.com/office/powerpoint/2010/main">
-    <mc:Choice Requires="p14">
-      <p:transition spd="slow" p14:dur="1200">
-        <p14:prism/>
       </p:transition>
     </mc:Choice>
     <mc:Fallback xmlns="">
@@ -26855,6 +30317,806 @@
           <a:p>
             <a:r>
               <a:rPr kumimoji="1" lang="en-US" altLang="zh-CN" dirty="0" smtClean="0"/>
+              <a:t>01</a:t>
+            </a:r>
+            <a:endParaRPr kumimoji="1" lang="zh-CN" altLang="en-US" dirty="0"/>
+          </a:p>
+        </p:txBody>
+      </p:sp>
+      <p:sp>
+        <p:nvSpPr>
+          <p:cNvPr id="3" name="文本占位符 2"/>
+          <p:cNvSpPr>
+            <a:spLocks noGrp="1"/>
+          </p:cNvSpPr>
+          <p:nvPr>
+            <p:ph type="body" sz="quarter" idx="13"/>
+          </p:nvPr>
+        </p:nvSpPr>
+        <p:spPr/>
+        <p:txBody>
+          <a:bodyPr/>
+          <a:lstStyle/>
+          <a:p>
+            <a:r>
+              <a:rPr kumimoji="1" lang="zh-CN" altLang="en-US" dirty="0" smtClean="0"/>
+              <a:t>项目简介</a:t>
+            </a:r>
+            <a:endParaRPr kumimoji="1" lang="zh-CN" altLang="en-US" dirty="0"/>
+          </a:p>
+        </p:txBody>
+      </p:sp>
+      <p:sp>
+        <p:nvSpPr>
+          <p:cNvPr id="4" name="文本框 3"/>
+          <p:cNvSpPr txBox="1"/>
+          <p:nvPr/>
+        </p:nvSpPr>
+        <p:spPr>
+          <a:xfrm>
+            <a:off x="1110083" y="876301"/>
+            <a:ext cx="5233584" cy="5078313"/>
+          </a:xfrm>
+          <a:prstGeom prst="rect">
+            <a:avLst/>
+          </a:prstGeom>
+          <a:noFill/>
+        </p:spPr>
+        <p:txBody>
+          <a:bodyPr wrap="square" rtlCol="0">
+            <a:spAutoFit/>
+          </a:bodyPr>
+          <a:lstStyle/>
+          <a:p>
+            <a:r>
+              <a:rPr kumimoji="1" lang="en-US" altLang="zh-CN" dirty="0" smtClean="0"/>
+              <a:t>1.2.4</a:t>
+            </a:r>
+            <a:r>
+              <a:rPr lang="zh-CN" altLang="zh-CN" dirty="0"/>
+              <a:t>功能介绍 </a:t>
+            </a:r>
+            <a:endParaRPr lang="en-US" altLang="zh-CN" dirty="0" smtClean="0"/>
+          </a:p>
+          <a:p>
+            <a:endParaRPr lang="en-US" altLang="zh-CN" dirty="0" smtClean="0"/>
+          </a:p>
+          <a:p>
+            <a:r>
+              <a:rPr lang="en-US" altLang="zh-CN" dirty="0">
+                <a:latin typeface="Microsoft YaHei Light" charset="-122"/>
+                <a:ea typeface="Microsoft YaHei Light" charset="-122"/>
+                <a:cs typeface="Microsoft YaHei Light" charset="-122"/>
+              </a:rPr>
+              <a:t>1:</a:t>
+            </a:r>
+            <a:r>
+              <a:rPr lang="zh-CN" altLang="zh-CN" dirty="0">
+                <a:latin typeface="Microsoft YaHei Light" charset="-122"/>
+                <a:ea typeface="Microsoft YaHei Light" charset="-122"/>
+                <a:cs typeface="Microsoft YaHei Light" charset="-122"/>
+              </a:rPr>
+              <a:t>注册及登陆界面，可以选择使用者身份（分为普通学生，学生组织，老师</a:t>
+            </a:r>
+            <a:r>
+              <a:rPr lang="zh-CN" altLang="zh-CN" dirty="0" smtClean="0">
+                <a:latin typeface="Microsoft YaHei Light" charset="-122"/>
+                <a:ea typeface="Microsoft YaHei Light" charset="-122"/>
+                <a:cs typeface="Microsoft YaHei Light" charset="-122"/>
+              </a:rPr>
+              <a:t>）</a:t>
+            </a:r>
+            <a:endParaRPr lang="en-US" altLang="zh-CN" dirty="0" smtClean="0">
+              <a:latin typeface="Microsoft YaHei Light" charset="-122"/>
+              <a:ea typeface="Microsoft YaHei Light" charset="-122"/>
+              <a:cs typeface="Microsoft YaHei Light" charset="-122"/>
+            </a:endParaRPr>
+          </a:p>
+          <a:p>
+            <a:endParaRPr lang="zh-CN" altLang="zh-CN" dirty="0">
+              <a:latin typeface="Microsoft YaHei Light" charset="-122"/>
+              <a:ea typeface="Microsoft YaHei Light" charset="-122"/>
+              <a:cs typeface="Microsoft YaHei Light" charset="-122"/>
+            </a:endParaRPr>
+          </a:p>
+          <a:p>
+            <a:r>
+              <a:rPr lang="en-US" altLang="zh-CN" dirty="0">
+                <a:latin typeface="Microsoft YaHei Light" charset="-122"/>
+                <a:ea typeface="Microsoft YaHei Light" charset="-122"/>
+                <a:cs typeface="Microsoft YaHei Light" charset="-122"/>
+              </a:rPr>
+              <a:t>2:</a:t>
+            </a:r>
+            <a:r>
+              <a:rPr lang="zh-CN" altLang="zh-CN" dirty="0">
+                <a:latin typeface="Microsoft YaHei Light" charset="-122"/>
+                <a:ea typeface="Microsoft YaHei Light" charset="-122"/>
+                <a:cs typeface="Microsoft YaHei Light" charset="-122"/>
+              </a:rPr>
+              <a:t>活动展示界面：</a:t>
+            </a:r>
+            <a:r>
+              <a:rPr lang="en-US" altLang="zh-CN" dirty="0">
+                <a:latin typeface="Microsoft YaHei Light" charset="-122"/>
+                <a:ea typeface="Microsoft YaHei Light" charset="-122"/>
+                <a:cs typeface="Microsoft YaHei Light" charset="-122"/>
+              </a:rPr>
+              <a:t>1</a:t>
+            </a:r>
+            <a:r>
+              <a:rPr lang="zh-CN" altLang="zh-CN" dirty="0">
+                <a:latin typeface="Microsoft YaHei Light" charset="-122"/>
+                <a:ea typeface="Microsoft YaHei Light" charset="-122"/>
+                <a:cs typeface="Microsoft YaHei Light" charset="-122"/>
+              </a:rPr>
+              <a:t>）活动搜索功能</a:t>
+            </a:r>
+            <a:r>
+              <a:rPr lang="en-US" altLang="zh-CN" dirty="0">
+                <a:latin typeface="Microsoft YaHei Light" charset="-122"/>
+                <a:ea typeface="Microsoft YaHei Light" charset="-122"/>
+                <a:cs typeface="Microsoft YaHei Light" charset="-122"/>
+              </a:rPr>
+              <a:t>2</a:t>
+            </a:r>
+            <a:r>
+              <a:rPr lang="zh-CN" altLang="zh-CN" dirty="0">
+                <a:latin typeface="Microsoft YaHei Light" charset="-122"/>
+                <a:ea typeface="Microsoft YaHei Light" charset="-122"/>
+                <a:cs typeface="Microsoft YaHei Light" charset="-122"/>
+              </a:rPr>
+              <a:t>）按照类别罗列</a:t>
+            </a:r>
+            <a:r>
+              <a:rPr lang="zh-CN" altLang="zh-CN" dirty="0" smtClean="0">
+                <a:latin typeface="Microsoft YaHei Light" charset="-122"/>
+                <a:ea typeface="Microsoft YaHei Light" charset="-122"/>
+                <a:cs typeface="Microsoft YaHei Light" charset="-122"/>
+              </a:rPr>
+              <a:t>功能</a:t>
+            </a:r>
+            <a:endParaRPr lang="en-US" altLang="zh-CN" dirty="0" smtClean="0">
+              <a:latin typeface="Microsoft YaHei Light" charset="-122"/>
+              <a:ea typeface="Microsoft YaHei Light" charset="-122"/>
+              <a:cs typeface="Microsoft YaHei Light" charset="-122"/>
+            </a:endParaRPr>
+          </a:p>
+          <a:p>
+            <a:endParaRPr lang="zh-CN" altLang="zh-CN" dirty="0">
+              <a:latin typeface="Microsoft YaHei Light" charset="-122"/>
+              <a:ea typeface="Microsoft YaHei Light" charset="-122"/>
+              <a:cs typeface="Microsoft YaHei Light" charset="-122"/>
+            </a:endParaRPr>
+          </a:p>
+          <a:p>
+            <a:r>
+              <a:rPr lang="en-US" altLang="zh-CN" dirty="0">
+                <a:latin typeface="Microsoft YaHei Light" charset="-122"/>
+                <a:ea typeface="Microsoft YaHei Light" charset="-122"/>
+                <a:cs typeface="Microsoft YaHei Light" charset="-122"/>
+              </a:rPr>
+              <a:t>3:</a:t>
+            </a:r>
+            <a:r>
+              <a:rPr lang="zh-CN" altLang="zh-CN" dirty="0">
+                <a:latin typeface="Microsoft YaHei Light" charset="-122"/>
+                <a:ea typeface="Microsoft YaHei Light" charset="-122"/>
+                <a:cs typeface="Microsoft YaHei Light" charset="-122"/>
+              </a:rPr>
+              <a:t>个人活动管理界面：</a:t>
+            </a:r>
+            <a:r>
+              <a:rPr lang="en-US" altLang="zh-CN" dirty="0">
+                <a:latin typeface="Microsoft YaHei Light" charset="-122"/>
+                <a:ea typeface="Microsoft YaHei Light" charset="-122"/>
+                <a:cs typeface="Microsoft YaHei Light" charset="-122"/>
+              </a:rPr>
+              <a:t>1</a:t>
+            </a:r>
+            <a:r>
+              <a:rPr lang="zh-CN" altLang="zh-CN" dirty="0">
+                <a:latin typeface="Microsoft YaHei Light" charset="-122"/>
+                <a:ea typeface="Microsoft YaHei Light" charset="-122"/>
+                <a:cs typeface="Microsoft YaHei Light" charset="-122"/>
+              </a:rPr>
+              <a:t>）查询即将开始的活动</a:t>
+            </a:r>
+            <a:r>
+              <a:rPr lang="en-US" altLang="zh-CN" dirty="0">
+                <a:latin typeface="Microsoft YaHei Light" charset="-122"/>
+                <a:ea typeface="Microsoft YaHei Light" charset="-122"/>
+                <a:cs typeface="Microsoft YaHei Light" charset="-122"/>
+              </a:rPr>
+              <a:t>2</a:t>
+            </a:r>
+            <a:r>
+              <a:rPr lang="zh-CN" altLang="zh-CN" dirty="0">
+                <a:latin typeface="Microsoft YaHei Light" charset="-122"/>
+                <a:ea typeface="Microsoft YaHei Light" charset="-122"/>
+                <a:cs typeface="Microsoft YaHei Light" charset="-122"/>
+              </a:rPr>
+              <a:t>）回顾已经结束的</a:t>
+            </a:r>
+            <a:r>
+              <a:rPr lang="zh-CN" altLang="zh-CN" dirty="0" smtClean="0">
+                <a:latin typeface="Microsoft YaHei Light" charset="-122"/>
+                <a:ea typeface="Microsoft YaHei Light" charset="-122"/>
+                <a:cs typeface="Microsoft YaHei Light" charset="-122"/>
+              </a:rPr>
+              <a:t>活动</a:t>
+            </a:r>
+            <a:endParaRPr lang="en-US" altLang="zh-CN" dirty="0" smtClean="0">
+              <a:latin typeface="Microsoft YaHei Light" charset="-122"/>
+              <a:ea typeface="Microsoft YaHei Light" charset="-122"/>
+              <a:cs typeface="Microsoft YaHei Light" charset="-122"/>
+            </a:endParaRPr>
+          </a:p>
+          <a:p>
+            <a:endParaRPr lang="zh-CN" altLang="zh-CN" dirty="0">
+              <a:latin typeface="Microsoft YaHei Light" charset="-122"/>
+              <a:ea typeface="Microsoft YaHei Light" charset="-122"/>
+              <a:cs typeface="Microsoft YaHei Light" charset="-122"/>
+            </a:endParaRPr>
+          </a:p>
+          <a:p>
+            <a:r>
+              <a:rPr lang="en-US" altLang="zh-CN" dirty="0">
+                <a:latin typeface="Microsoft YaHei Light" charset="-122"/>
+                <a:ea typeface="Microsoft YaHei Light" charset="-122"/>
+                <a:cs typeface="Microsoft YaHei Light" charset="-122"/>
+              </a:rPr>
+              <a:t>4:</a:t>
+            </a:r>
+            <a:r>
+              <a:rPr lang="zh-CN" altLang="zh-CN" dirty="0">
+                <a:latin typeface="Microsoft YaHei Light" charset="-122"/>
+                <a:ea typeface="Microsoft YaHei Light" charset="-122"/>
+                <a:cs typeface="Microsoft YaHei Light" charset="-122"/>
+              </a:rPr>
+              <a:t>活动发布与审核界面。普通学生进入后，无法进行操作。学生组织与社团负责人进入后，可以选择发布活动。老师进入后，可以选择审核活动</a:t>
+            </a:r>
+            <a:r>
+              <a:rPr lang="zh-CN" altLang="zh-CN" dirty="0" smtClean="0">
+                <a:latin typeface="Microsoft YaHei Light" charset="-122"/>
+                <a:ea typeface="Microsoft YaHei Light" charset="-122"/>
+                <a:cs typeface="Microsoft YaHei Light" charset="-122"/>
+              </a:rPr>
+              <a:t>。</a:t>
+            </a:r>
+            <a:endParaRPr lang="en-US" altLang="zh-CN" dirty="0" smtClean="0">
+              <a:latin typeface="Microsoft YaHei Light" charset="-122"/>
+              <a:ea typeface="Microsoft YaHei Light" charset="-122"/>
+              <a:cs typeface="Microsoft YaHei Light" charset="-122"/>
+            </a:endParaRPr>
+          </a:p>
+          <a:p>
+            <a:endParaRPr lang="zh-CN" altLang="zh-CN" dirty="0">
+              <a:latin typeface="Microsoft YaHei Light" charset="-122"/>
+              <a:ea typeface="Microsoft YaHei Light" charset="-122"/>
+              <a:cs typeface="Microsoft YaHei Light" charset="-122"/>
+            </a:endParaRPr>
+          </a:p>
+          <a:p>
+            <a:r>
+              <a:rPr lang="en-US" altLang="zh-CN" dirty="0">
+                <a:latin typeface="Microsoft YaHei Light" charset="-122"/>
+                <a:ea typeface="Microsoft YaHei Light" charset="-122"/>
+                <a:cs typeface="Microsoft YaHei Light" charset="-122"/>
+              </a:rPr>
+              <a:t>5:</a:t>
+            </a:r>
+            <a:r>
+              <a:rPr lang="zh-CN" altLang="zh-CN" dirty="0">
+                <a:latin typeface="Microsoft YaHei Light" charset="-122"/>
+                <a:ea typeface="Microsoft YaHei Light" charset="-122"/>
+                <a:cs typeface="Microsoft YaHei Light" charset="-122"/>
+              </a:rPr>
+              <a:t>个人界面。对个人信息进行基本操作。（完善个人信息，登出等等）</a:t>
+            </a:r>
+          </a:p>
+          <a:p>
+            <a:endParaRPr kumimoji="1" lang="zh-CN" altLang="en-US" dirty="0"/>
+          </a:p>
+        </p:txBody>
+      </p:sp>
+      <p:pic>
+        <p:nvPicPr>
+          <p:cNvPr id="5" name="图片 4"/>
+          <p:cNvPicPr/>
+          <p:nvPr/>
+        </p:nvPicPr>
+        <p:blipFill>
+          <a:blip r:embed="rId2">
+            <a:extLst>
+              <a:ext uri="{28A0092B-C50C-407E-A947-70E740481C1C}">
+                <a14:useLocalDpi xmlns:a14="http://schemas.microsoft.com/office/drawing/2010/main" val="0"/>
+              </a:ext>
+            </a:extLst>
+          </a:blip>
+          <a:stretch>
+            <a:fillRect/>
+          </a:stretch>
+        </p:blipFill>
+        <p:spPr>
+          <a:xfrm>
+            <a:off x="7074166" y="1137077"/>
+            <a:ext cx="4556760" cy="4556760"/>
+          </a:xfrm>
+          <a:prstGeom prst="rect">
+            <a:avLst/>
+          </a:prstGeom>
+        </p:spPr>
+      </p:pic>
+    </p:spTree>
+    <p:extLst>
+      <p:ext uri="{BB962C8B-B14F-4D97-AF65-F5344CB8AC3E}">
+        <p14:creationId xmlns:p14="http://schemas.microsoft.com/office/powerpoint/2010/main" val="187301498"/>
+      </p:ext>
+    </p:extLst>
+  </p:cSld>
+  <p:clrMapOvr>
+    <a:masterClrMapping/>
+  </p:clrMapOvr>
+</p:sld>
+</file>
+
+<file path=ppt/slides/slide6.xml><?xml version="1.0" encoding="utf-8"?>
+<p:sld xmlns:a="http://schemas.openxmlformats.org/drawingml/2006/main" xmlns:r="http://schemas.openxmlformats.org/officeDocument/2006/relationships" xmlns:p="http://schemas.openxmlformats.org/presentationml/2006/main">
+  <p:cSld>
+    <p:spTree>
+      <p:nvGrpSpPr>
+        <p:cNvPr id="1" name=""/>
+        <p:cNvGrpSpPr/>
+        <p:nvPr/>
+      </p:nvGrpSpPr>
+      <p:grpSpPr>
+        <a:xfrm>
+          <a:off x="0" y="0"/>
+          <a:ext cx="0" cy="0"/>
+          <a:chOff x="0" y="0"/>
+          <a:chExt cx="0" cy="0"/>
+        </a:xfrm>
+      </p:grpSpPr>
+      <p:sp>
+        <p:nvSpPr>
+          <p:cNvPr id="2" name="文本占位符 1"/>
+          <p:cNvSpPr>
+            <a:spLocks noGrp="1"/>
+          </p:cNvSpPr>
+          <p:nvPr>
+            <p:ph type="body" sz="quarter" idx="12"/>
+          </p:nvPr>
+        </p:nvSpPr>
+        <p:spPr/>
+        <p:txBody>
+          <a:bodyPr/>
+          <a:lstStyle/>
+          <a:p>
+            <a:r>
+              <a:rPr kumimoji="1" lang="en-US" altLang="zh-CN" dirty="0" smtClean="0"/>
+              <a:t>01</a:t>
+            </a:r>
+            <a:endParaRPr kumimoji="1" lang="zh-CN" altLang="en-US" dirty="0"/>
+          </a:p>
+        </p:txBody>
+      </p:sp>
+      <p:sp>
+        <p:nvSpPr>
+          <p:cNvPr id="3" name="文本占位符 2"/>
+          <p:cNvSpPr>
+            <a:spLocks noGrp="1"/>
+          </p:cNvSpPr>
+          <p:nvPr>
+            <p:ph type="body" sz="quarter" idx="13"/>
+          </p:nvPr>
+        </p:nvSpPr>
+        <p:spPr/>
+        <p:txBody>
+          <a:bodyPr/>
+          <a:lstStyle/>
+          <a:p>
+            <a:r>
+              <a:rPr kumimoji="1" lang="zh-CN" altLang="en-US" dirty="0" smtClean="0"/>
+              <a:t>项目简介</a:t>
+            </a:r>
+            <a:endParaRPr kumimoji="1" lang="zh-CN" altLang="en-US" dirty="0"/>
+          </a:p>
+        </p:txBody>
+      </p:sp>
+      <p:sp>
+        <p:nvSpPr>
+          <p:cNvPr id="4" name="文本框 3"/>
+          <p:cNvSpPr txBox="1"/>
+          <p:nvPr/>
+        </p:nvSpPr>
+        <p:spPr>
+          <a:xfrm>
+            <a:off x="1110083" y="960699"/>
+            <a:ext cx="1575244" cy="369332"/>
+          </a:xfrm>
+          <a:prstGeom prst="rect">
+            <a:avLst/>
+          </a:prstGeom>
+          <a:noFill/>
+        </p:spPr>
+        <p:txBody>
+          <a:bodyPr wrap="square" rtlCol="0">
+            <a:spAutoFit/>
+          </a:bodyPr>
+          <a:lstStyle/>
+          <a:p>
+            <a:r>
+              <a:rPr kumimoji="1" lang="zh-CN" altLang="en-US" smtClean="0"/>
+              <a:t>界面原型展示</a:t>
+            </a:r>
+            <a:endParaRPr kumimoji="1" lang="zh-CN" altLang="en-US"/>
+          </a:p>
+        </p:txBody>
+      </p:sp>
+      <p:pic>
+        <p:nvPicPr>
+          <p:cNvPr id="7" name="图片 6"/>
+          <p:cNvPicPr>
+            <a:picLocks noChangeAspect="1"/>
+          </p:cNvPicPr>
+          <p:nvPr/>
+        </p:nvPicPr>
+        <p:blipFill>
+          <a:blip r:embed="rId2">
+            <a:extLst>
+              <a:ext uri="{28A0092B-C50C-407E-A947-70E740481C1C}">
+                <a14:useLocalDpi xmlns:a14="http://schemas.microsoft.com/office/drawing/2010/main" val="0"/>
+              </a:ext>
+            </a:extLst>
+          </a:blip>
+          <a:stretch>
+            <a:fillRect/>
+          </a:stretch>
+        </p:blipFill>
+        <p:spPr>
+          <a:xfrm>
+            <a:off x="6875709" y="25400"/>
+            <a:ext cx="4127500" cy="6350000"/>
+          </a:xfrm>
+          <a:prstGeom prst="rect">
+            <a:avLst/>
+          </a:prstGeom>
+        </p:spPr>
+      </p:pic>
+      <p:pic>
+        <p:nvPicPr>
+          <p:cNvPr id="8" name="图片 7"/>
+          <p:cNvPicPr>
+            <a:picLocks noChangeAspect="1"/>
+          </p:cNvPicPr>
+          <p:nvPr/>
+        </p:nvPicPr>
+        <p:blipFill>
+          <a:blip r:embed="rId3">
+            <a:extLst>
+              <a:ext uri="{28A0092B-C50C-407E-A947-70E740481C1C}">
+                <a14:useLocalDpi xmlns:a14="http://schemas.microsoft.com/office/drawing/2010/main" val="0"/>
+              </a:ext>
+            </a:extLst>
+          </a:blip>
+          <a:stretch>
+            <a:fillRect/>
+          </a:stretch>
+        </p:blipFill>
+        <p:spPr>
+          <a:xfrm>
+            <a:off x="2748209" y="12700"/>
+            <a:ext cx="4127500" cy="6362700"/>
+          </a:xfrm>
+          <a:prstGeom prst="rect">
+            <a:avLst/>
+          </a:prstGeom>
+        </p:spPr>
+      </p:pic>
+      <p:sp>
+        <p:nvSpPr>
+          <p:cNvPr id="9" name="文本框 8"/>
+          <p:cNvSpPr txBox="1"/>
+          <p:nvPr/>
+        </p:nvSpPr>
+        <p:spPr>
+          <a:xfrm>
+            <a:off x="1541276" y="2199392"/>
+            <a:ext cx="545432" cy="1200329"/>
+          </a:xfrm>
+          <a:prstGeom prst="rect">
+            <a:avLst/>
+          </a:prstGeom>
+          <a:noFill/>
+        </p:spPr>
+        <p:txBody>
+          <a:bodyPr wrap="square" rtlCol="0">
+            <a:spAutoFit/>
+          </a:bodyPr>
+          <a:lstStyle/>
+          <a:p>
+            <a:r>
+              <a:rPr kumimoji="1" lang="zh-CN" altLang="en-US" dirty="0" smtClean="0"/>
+              <a:t>活动申请</a:t>
+            </a:r>
+            <a:endParaRPr kumimoji="1" lang="zh-CN" altLang="en-US" dirty="0"/>
+          </a:p>
+        </p:txBody>
+      </p:sp>
+      <p:sp>
+        <p:nvSpPr>
+          <p:cNvPr id="10" name="文本框 9"/>
+          <p:cNvSpPr txBox="1"/>
+          <p:nvPr/>
+        </p:nvSpPr>
+        <p:spPr>
+          <a:xfrm>
+            <a:off x="11265939" y="2199391"/>
+            <a:ext cx="545432" cy="1754326"/>
+          </a:xfrm>
+          <a:prstGeom prst="rect">
+            <a:avLst/>
+          </a:prstGeom>
+          <a:noFill/>
+        </p:spPr>
+        <p:txBody>
+          <a:bodyPr wrap="square" rtlCol="0">
+            <a:spAutoFit/>
+          </a:bodyPr>
+          <a:lstStyle/>
+          <a:p>
+            <a:r>
+              <a:rPr kumimoji="1" lang="zh-CN" altLang="en-US" dirty="0" smtClean="0"/>
+              <a:t>已参加的活动</a:t>
+            </a:r>
+            <a:endParaRPr kumimoji="1" lang="zh-CN" altLang="en-US" dirty="0"/>
+          </a:p>
+        </p:txBody>
+      </p:sp>
+    </p:spTree>
+    <p:extLst>
+      <p:ext uri="{BB962C8B-B14F-4D97-AF65-F5344CB8AC3E}">
+        <p14:creationId xmlns:p14="http://schemas.microsoft.com/office/powerpoint/2010/main" val="2072260192"/>
+      </p:ext>
+    </p:extLst>
+  </p:cSld>
+  <p:clrMapOvr>
+    <a:masterClrMapping/>
+  </p:clrMapOvr>
+</p:sld>
+</file>
+
+<file path=ppt/slides/slide7.xml><?xml version="1.0" encoding="utf-8"?>
+<p:sld xmlns:a="http://schemas.openxmlformats.org/drawingml/2006/main" xmlns:r="http://schemas.openxmlformats.org/officeDocument/2006/relationships" xmlns:p="http://schemas.openxmlformats.org/presentationml/2006/main">
+  <p:cSld>
+    <p:spTree>
+      <p:nvGrpSpPr>
+        <p:cNvPr id="1" name=""/>
+        <p:cNvGrpSpPr/>
+        <p:nvPr/>
+      </p:nvGrpSpPr>
+      <p:grpSpPr>
+        <a:xfrm>
+          <a:off x="0" y="0"/>
+          <a:ext cx="0" cy="0"/>
+          <a:chOff x="0" y="0"/>
+          <a:chExt cx="0" cy="0"/>
+        </a:xfrm>
+      </p:grpSpPr>
+      <p:sp>
+        <p:nvSpPr>
+          <p:cNvPr id="2" name="文本占位符 1"/>
+          <p:cNvSpPr>
+            <a:spLocks noGrp="1"/>
+          </p:cNvSpPr>
+          <p:nvPr>
+            <p:ph type="body" sz="quarter" idx="12"/>
+          </p:nvPr>
+        </p:nvSpPr>
+        <p:spPr/>
+        <p:txBody>
+          <a:bodyPr/>
+          <a:lstStyle/>
+          <a:p>
+            <a:r>
+              <a:rPr kumimoji="1" lang="en-US" altLang="zh-CN" dirty="0" smtClean="0"/>
+              <a:t>01</a:t>
+            </a:r>
+            <a:endParaRPr kumimoji="1" lang="zh-CN" altLang="en-US" dirty="0"/>
+          </a:p>
+        </p:txBody>
+      </p:sp>
+      <p:sp>
+        <p:nvSpPr>
+          <p:cNvPr id="3" name="文本占位符 2"/>
+          <p:cNvSpPr>
+            <a:spLocks noGrp="1"/>
+          </p:cNvSpPr>
+          <p:nvPr>
+            <p:ph type="body" sz="quarter" idx="13"/>
+          </p:nvPr>
+        </p:nvSpPr>
+        <p:spPr/>
+        <p:txBody>
+          <a:bodyPr/>
+          <a:lstStyle/>
+          <a:p>
+            <a:r>
+              <a:rPr kumimoji="1" lang="zh-CN" altLang="en-US" dirty="0" smtClean="0"/>
+              <a:t>项目简介</a:t>
+            </a:r>
+            <a:endParaRPr kumimoji="1" lang="zh-CN" altLang="en-US" dirty="0"/>
+          </a:p>
+        </p:txBody>
+      </p:sp>
+      <p:pic>
+        <p:nvPicPr>
+          <p:cNvPr id="4" name="图片 3"/>
+          <p:cNvPicPr>
+            <a:picLocks noChangeAspect="1"/>
+          </p:cNvPicPr>
+          <p:nvPr/>
+        </p:nvPicPr>
+        <p:blipFill>
+          <a:blip r:embed="rId2">
+            <a:extLst>
+              <a:ext uri="{28A0092B-C50C-407E-A947-70E740481C1C}">
+                <a14:useLocalDpi xmlns:a14="http://schemas.microsoft.com/office/drawing/2010/main" val="0"/>
+              </a:ext>
+            </a:extLst>
+          </a:blip>
+          <a:stretch>
+            <a:fillRect/>
+          </a:stretch>
+        </p:blipFill>
+        <p:spPr>
+          <a:xfrm>
+            <a:off x="2657601" y="0"/>
+            <a:ext cx="4152900" cy="6362700"/>
+          </a:xfrm>
+          <a:prstGeom prst="rect">
+            <a:avLst/>
+          </a:prstGeom>
+        </p:spPr>
+      </p:pic>
+      <p:pic>
+        <p:nvPicPr>
+          <p:cNvPr id="5" name="图片 4"/>
+          <p:cNvPicPr>
+            <a:picLocks noChangeAspect="1"/>
+          </p:cNvPicPr>
+          <p:nvPr/>
+        </p:nvPicPr>
+        <p:blipFill>
+          <a:blip r:embed="rId3">
+            <a:extLst>
+              <a:ext uri="{28A0092B-C50C-407E-A947-70E740481C1C}">
+                <a14:useLocalDpi xmlns:a14="http://schemas.microsoft.com/office/drawing/2010/main" val="0"/>
+              </a:ext>
+            </a:extLst>
+          </a:blip>
+          <a:stretch>
+            <a:fillRect/>
+          </a:stretch>
+        </p:blipFill>
+        <p:spPr>
+          <a:xfrm>
+            <a:off x="6810501" y="0"/>
+            <a:ext cx="4127500" cy="6350000"/>
+          </a:xfrm>
+          <a:prstGeom prst="rect">
+            <a:avLst/>
+          </a:prstGeom>
+        </p:spPr>
+      </p:pic>
+      <p:sp>
+        <p:nvSpPr>
+          <p:cNvPr id="6" name="文本框 5"/>
+          <p:cNvSpPr txBox="1"/>
+          <p:nvPr/>
+        </p:nvSpPr>
+        <p:spPr>
+          <a:xfrm>
+            <a:off x="1541276" y="2199392"/>
+            <a:ext cx="545432" cy="1200329"/>
+          </a:xfrm>
+          <a:prstGeom prst="rect">
+            <a:avLst/>
+          </a:prstGeom>
+          <a:noFill/>
+        </p:spPr>
+        <p:txBody>
+          <a:bodyPr wrap="square" rtlCol="0">
+            <a:spAutoFit/>
+          </a:bodyPr>
+          <a:lstStyle/>
+          <a:p>
+            <a:r>
+              <a:rPr kumimoji="1" lang="zh-CN" altLang="en-US" dirty="0" smtClean="0"/>
+              <a:t>个人信息</a:t>
+            </a:r>
+            <a:endParaRPr kumimoji="1" lang="zh-CN" altLang="en-US" dirty="0"/>
+          </a:p>
+        </p:txBody>
+      </p:sp>
+      <p:sp>
+        <p:nvSpPr>
+          <p:cNvPr id="7" name="文本框 6"/>
+          <p:cNvSpPr txBox="1"/>
+          <p:nvPr/>
+        </p:nvSpPr>
+        <p:spPr>
+          <a:xfrm>
+            <a:off x="11173342" y="1981021"/>
+            <a:ext cx="545432" cy="1200329"/>
+          </a:xfrm>
+          <a:prstGeom prst="rect">
+            <a:avLst/>
+          </a:prstGeom>
+          <a:noFill/>
+        </p:spPr>
+        <p:txBody>
+          <a:bodyPr wrap="square" rtlCol="0">
+            <a:spAutoFit/>
+          </a:bodyPr>
+          <a:lstStyle/>
+          <a:p>
+            <a:r>
+              <a:rPr kumimoji="1" lang="zh-CN" altLang="en-US" dirty="0" smtClean="0"/>
+              <a:t>活动浏览</a:t>
+            </a:r>
+            <a:endParaRPr kumimoji="1" lang="zh-CN" altLang="en-US" dirty="0"/>
+          </a:p>
+        </p:txBody>
+      </p:sp>
+    </p:spTree>
+    <p:extLst>
+      <p:ext uri="{BB962C8B-B14F-4D97-AF65-F5344CB8AC3E}">
+        <p14:creationId xmlns:p14="http://schemas.microsoft.com/office/powerpoint/2010/main" val="532789883"/>
+      </p:ext>
+    </p:extLst>
+  </p:cSld>
+  <p:clrMapOvr>
+    <a:masterClrMapping/>
+  </p:clrMapOvr>
+</p:sld>
+</file>
+
+<file path=ppt/slides/slide8.xml><?xml version="1.0" encoding="utf-8"?>
+<p:sld xmlns:a="http://schemas.openxmlformats.org/drawingml/2006/main" xmlns:r="http://schemas.openxmlformats.org/officeDocument/2006/relationships" xmlns:p="http://schemas.openxmlformats.org/presentationml/2006/main">
+  <p:cSld>
+    <p:spTree>
+      <p:nvGrpSpPr>
+        <p:cNvPr id="1" name=""/>
+        <p:cNvGrpSpPr/>
+        <p:nvPr/>
+      </p:nvGrpSpPr>
+      <p:grpSpPr>
+        <a:xfrm>
+          <a:off x="0" y="0"/>
+          <a:ext cx="0" cy="0"/>
+          <a:chOff x="0" y="0"/>
+          <a:chExt cx="0" cy="0"/>
+        </a:xfrm>
+      </p:grpSpPr>
+      <p:sp>
+        <p:nvSpPr>
+          <p:cNvPr id="2" name="文本占位符 1"/>
+          <p:cNvSpPr>
+            <a:spLocks noGrp="1"/>
+          </p:cNvSpPr>
+          <p:nvPr>
+            <p:ph type="body" sz="quarter" idx="12"/>
+          </p:nvPr>
+        </p:nvSpPr>
+        <p:spPr/>
+        <p:txBody>
+          <a:bodyPr/>
+          <a:lstStyle/>
+          <a:p>
+            <a:r>
+              <a:rPr kumimoji="1" lang="en-US" altLang="zh-CN" dirty="0" smtClean="0"/>
               <a:t>02</a:t>
             </a:r>
             <a:endParaRPr kumimoji="1" lang="zh-CN" altLang="en-US" dirty="0"/>
@@ -27006,7 +31268,7 @@
 </p:sld>
 </file>
 
-<file path=ppt/slides/slide6.xml><?xml version="1.0" encoding="utf-8"?>
+<file path=ppt/slides/slide9.xml><?xml version="1.0" encoding="utf-8"?>
 <p:sld xmlns:a="http://schemas.openxmlformats.org/drawingml/2006/main" xmlns:r="http://schemas.openxmlformats.org/officeDocument/2006/relationships" xmlns:p="http://schemas.openxmlformats.org/presentationml/2006/main">
   <p:cSld>
     <p:spTree>
@@ -27282,3477 +31544,6 @@
     <p:extLst>
       <p:ext uri="{BB962C8B-B14F-4D97-AF65-F5344CB8AC3E}">
         <p14:creationId xmlns:p14="http://schemas.microsoft.com/office/powerpoint/2010/main" val="2582192412"/>
-      </p:ext>
-    </p:extLst>
-  </p:cSld>
-  <p:clrMapOvr>
-    <a:masterClrMapping/>
-  </p:clrMapOvr>
-  <mc:AlternateContent xmlns:mc="http://schemas.openxmlformats.org/markup-compatibility/2006" xmlns:p14="http://schemas.microsoft.com/office/powerpoint/2010/main">
-    <mc:Choice Requires="p14">
-      <p:transition spd="med" p14:dur="700">
-        <p:fade/>
-      </p:transition>
-    </mc:Choice>
-    <mc:Fallback xmlns="">
-      <p:transition spd="med">
-        <p:fade/>
-      </p:transition>
-    </mc:Fallback>
-  </mc:AlternateContent>
-</p:sld>
-</file>
-
-<file path=ppt/slides/slide7.xml><?xml version="1.0" encoding="utf-8"?>
-<p:sld xmlns:a="http://schemas.openxmlformats.org/drawingml/2006/main" xmlns:r="http://schemas.openxmlformats.org/officeDocument/2006/relationships" xmlns:p="http://schemas.openxmlformats.org/presentationml/2006/main">
-  <p:cSld>
-    <p:spTree>
-      <p:nvGrpSpPr>
-        <p:cNvPr id="1" name=""/>
-        <p:cNvGrpSpPr/>
-        <p:nvPr/>
-      </p:nvGrpSpPr>
-      <p:grpSpPr>
-        <a:xfrm>
-          <a:off x="0" y="0"/>
-          <a:ext cx="0" cy="0"/>
-          <a:chOff x="0" y="0"/>
-          <a:chExt cx="0" cy="0"/>
-        </a:xfrm>
-      </p:grpSpPr>
-      <p:sp>
-        <p:nvSpPr>
-          <p:cNvPr id="2" name="文本占位符 1"/>
-          <p:cNvSpPr>
-            <a:spLocks noGrp="1"/>
-          </p:cNvSpPr>
-          <p:nvPr>
-            <p:ph type="body" sz="quarter" idx="12"/>
-          </p:nvPr>
-        </p:nvSpPr>
-        <p:spPr/>
-        <p:txBody>
-          <a:bodyPr/>
-          <a:lstStyle/>
-          <a:p>
-            <a:r>
-              <a:rPr kumimoji="1" lang="en-US" altLang="zh-CN" dirty="0" smtClean="0"/>
-              <a:t>02</a:t>
-            </a:r>
-            <a:endParaRPr kumimoji="1" lang="zh-CN" altLang="en-US" dirty="0"/>
-          </a:p>
-        </p:txBody>
-      </p:sp>
-      <p:sp>
-        <p:nvSpPr>
-          <p:cNvPr id="3" name="文本占位符 2"/>
-          <p:cNvSpPr>
-            <a:spLocks noGrp="1"/>
-          </p:cNvSpPr>
-          <p:nvPr>
-            <p:ph type="body" sz="quarter" idx="13"/>
-          </p:nvPr>
-        </p:nvSpPr>
-        <p:spPr/>
-        <p:txBody>
-          <a:bodyPr/>
-          <a:lstStyle/>
-          <a:p>
-            <a:r>
-              <a:rPr kumimoji="1" lang="zh-CN" altLang="en-US" dirty="0"/>
-              <a:t>交付产品</a:t>
-            </a:r>
-          </a:p>
-        </p:txBody>
-      </p:sp>
-      <p:sp>
-        <p:nvSpPr>
-          <p:cNvPr id="43" name="空心弧 42"/>
-          <p:cNvSpPr/>
-          <p:nvPr/>
-        </p:nvSpPr>
-        <p:spPr>
-          <a:xfrm rot="10800000">
-            <a:off x="8750883" y="1399035"/>
-            <a:ext cx="2712984" cy="2712984"/>
-          </a:xfrm>
-          <a:prstGeom prst="blockArc">
-            <a:avLst>
-              <a:gd name="adj1" fmla="val 10800000"/>
-              <a:gd name="adj2" fmla="val 21507443"/>
-              <a:gd name="adj3" fmla="val 2294"/>
-            </a:avLst>
-          </a:prstGeom>
-          <a:solidFill>
-            <a:schemeClr val="accent3">
-              <a:lumMod val="20000"/>
-              <a:lumOff val="80000"/>
-            </a:schemeClr>
-          </a:solidFill>
-          <a:ln>
-            <a:noFill/>
-          </a:ln>
-        </p:spPr>
-        <p:style>
-          <a:lnRef idx="2">
-            <a:schemeClr val="accent1">
-              <a:shade val="50000"/>
-            </a:schemeClr>
-          </a:lnRef>
-          <a:fillRef idx="1">
-            <a:schemeClr val="accent1"/>
-          </a:fillRef>
-          <a:effectRef idx="0">
-            <a:schemeClr val="accent1"/>
-          </a:effectRef>
-          <a:fontRef idx="minor">
-            <a:schemeClr val="lt1"/>
-          </a:fontRef>
-        </p:style>
-        <p:txBody>
-          <a:bodyPr rot="0" spcFirstLastPara="0" vertOverflow="overflow" horzOverflow="overflow" vert="horz" wrap="square" lIns="91440" tIns="45720" rIns="91440" bIns="45720" numCol="1" spcCol="0" rtlCol="0" fromWordArt="0" anchor="ctr" anchorCtr="0" forceAA="0" compatLnSpc="1">
-            <a:prstTxWarp prst="textNoShape">
-              <a:avLst/>
-            </a:prstTxWarp>
-            <a:noAutofit/>
-          </a:bodyPr>
-          <a:lstStyle/>
-          <a:p>
-            <a:pPr algn="ctr"/>
-            <a:endParaRPr kumimoji="1" lang="zh-CN" altLang="en-US">
-              <a:solidFill>
-                <a:schemeClr val="tx1"/>
-              </a:solidFill>
-            </a:endParaRPr>
-          </a:p>
-        </p:txBody>
-      </p:sp>
-      <p:pic>
-        <p:nvPicPr>
-          <p:cNvPr id="41" name="图片 40"/>
-          <p:cNvPicPr>
-            <a:picLocks noChangeAspect="1"/>
-          </p:cNvPicPr>
-          <p:nvPr/>
-        </p:nvPicPr>
-        <p:blipFill>
-          <a:blip r:embed="rId2">
-            <a:extLst>
-              <a:ext uri="{28A0092B-C50C-407E-A947-70E740481C1C}">
-                <a14:useLocalDpi xmlns:a14="http://schemas.microsoft.com/office/drawing/2010/main" val="0"/>
-              </a:ext>
-            </a:extLst>
-          </a:blip>
-          <a:stretch>
-            <a:fillRect/>
-          </a:stretch>
-        </p:blipFill>
-        <p:spPr>
-          <a:xfrm>
-            <a:off x="9525979" y="193236"/>
-            <a:ext cx="2244436" cy="713763"/>
-          </a:xfrm>
-          <a:prstGeom prst="rect">
-            <a:avLst/>
-          </a:prstGeom>
-        </p:spPr>
-      </p:pic>
-      <p:sp>
-        <p:nvSpPr>
-          <p:cNvPr id="7" name="文本框 6"/>
-          <p:cNvSpPr txBox="1"/>
-          <p:nvPr/>
-        </p:nvSpPr>
-        <p:spPr>
-          <a:xfrm>
-            <a:off x="1362808" y="1485900"/>
-            <a:ext cx="8932984" cy="1384995"/>
-          </a:xfrm>
-          <a:prstGeom prst="rect">
-            <a:avLst/>
-          </a:prstGeom>
-          <a:noFill/>
-        </p:spPr>
-        <p:txBody>
-          <a:bodyPr wrap="square" rtlCol="0">
-            <a:spAutoFit/>
-          </a:bodyPr>
-          <a:lstStyle/>
-          <a:p>
-            <a:r>
-              <a:rPr lang="en-US" altLang="zh-CN" sz="2800" dirty="0" smtClean="0"/>
-              <a:t>2.2 </a:t>
-            </a:r>
-            <a:r>
-              <a:rPr lang="zh-CN" altLang="en-US" sz="2800" dirty="0" smtClean="0"/>
-              <a:t>文档</a:t>
-            </a:r>
-            <a:endParaRPr lang="en-US" altLang="zh-CN" sz="2800" dirty="0" smtClean="0"/>
-          </a:p>
-          <a:p>
-            <a:endParaRPr lang="en-US" altLang="zh-CN" sz="2800" dirty="0"/>
-          </a:p>
-          <a:p>
-            <a:endParaRPr lang="zh-CN" altLang="en-US" sz="2800" dirty="0"/>
-          </a:p>
-        </p:txBody>
-      </p:sp>
-      <p:graphicFrame>
-        <p:nvGraphicFramePr>
-          <p:cNvPr id="4" name="表格 3"/>
-          <p:cNvGraphicFramePr>
-            <a:graphicFrameLocks noGrp="1"/>
-          </p:cNvGraphicFramePr>
-          <p:nvPr>
-            <p:extLst>
-              <p:ext uri="{D42A27DB-BD31-4B8C-83A1-F6EECF244321}">
-                <p14:modId xmlns:p14="http://schemas.microsoft.com/office/powerpoint/2010/main" val="3095070737"/>
-              </p:ext>
-            </p:extLst>
-          </p:nvPr>
-        </p:nvGraphicFramePr>
-        <p:xfrm>
-          <a:off x="1684556" y="2268413"/>
-          <a:ext cx="8215581" cy="3297033"/>
-        </p:xfrm>
-        <a:graphic>
-          <a:graphicData uri="http://schemas.openxmlformats.org/drawingml/2006/table">
-            <a:tbl>
-              <a:tblPr firstRow="1" firstCol="1" bandRow="1">
-                <a:tableStyleId>{5C22544A-7EE6-4342-B048-85BDC9FD1C3A}</a:tableStyleId>
-              </a:tblPr>
-              <a:tblGrid>
-                <a:gridCol w="1154925">
-                  <a:extLst>
-                    <a:ext uri="{9D8B030D-6E8A-4147-A177-3AD203B41FA5}">
-                      <a16:colId xmlns:a16="http://schemas.microsoft.com/office/drawing/2014/main" xmlns="" val="419074878"/>
-                    </a:ext>
-                  </a:extLst>
-                </a:gridCol>
-                <a:gridCol w="3576602">
-                  <a:extLst>
-                    <a:ext uri="{9D8B030D-6E8A-4147-A177-3AD203B41FA5}">
-                      <a16:colId xmlns:a16="http://schemas.microsoft.com/office/drawing/2014/main" xmlns="" val="721394238"/>
-                    </a:ext>
-                  </a:extLst>
-                </a:gridCol>
-                <a:gridCol w="3484054">
-                  <a:extLst>
-                    <a:ext uri="{9D8B030D-6E8A-4147-A177-3AD203B41FA5}">
-                      <a16:colId xmlns:a16="http://schemas.microsoft.com/office/drawing/2014/main" xmlns="" val="4088924978"/>
-                    </a:ext>
-                  </a:extLst>
-                </a:gridCol>
-              </a:tblGrid>
-              <a:tr h="366337">
-                <a:tc>
-                  <a:txBody>
-                    <a:bodyPr/>
-                    <a:lstStyle/>
-                    <a:p>
-                      <a:pPr algn="ctr">
-                        <a:spcAft>
-                          <a:spcPts val="600"/>
-                        </a:spcAft>
-                      </a:pPr>
-                      <a:r>
-                        <a:rPr lang="zh-CN" sz="1600" kern="100" dirty="0">
-                          <a:solidFill>
-                            <a:schemeClr val="tx1"/>
-                          </a:solidFill>
-                          <a:effectLst/>
-                        </a:rPr>
-                        <a:t>序号</a:t>
-                      </a:r>
-                      <a:endParaRPr lang="zh-CN" sz="1600" kern="100" dirty="0">
-                        <a:solidFill>
-                          <a:schemeClr val="tx1"/>
-                        </a:solidFill>
-                        <a:effectLst/>
-                        <a:latin typeface="Times New Roman" panose="02020603050405020304" pitchFamily="18" charset="0"/>
-                        <a:ea typeface="宋体" panose="02010600030101010101" pitchFamily="2" charset="-122"/>
-                        <a:cs typeface="Times New Roman" panose="02020603050405020304" pitchFamily="18" charset="0"/>
-                      </a:endParaRPr>
-                    </a:p>
-                  </a:txBody>
-                  <a:tcPr marL="68580" marR="68580" marT="0" marB="0"/>
-                </a:tc>
-                <a:tc>
-                  <a:txBody>
-                    <a:bodyPr/>
-                    <a:lstStyle/>
-                    <a:p>
-                      <a:pPr algn="ctr">
-                        <a:spcAft>
-                          <a:spcPts val="600"/>
-                        </a:spcAft>
-                      </a:pPr>
-                      <a:r>
-                        <a:rPr lang="zh-CN" sz="1600" kern="100">
-                          <a:solidFill>
-                            <a:schemeClr val="tx1"/>
-                          </a:solidFill>
-                          <a:effectLst/>
-                        </a:rPr>
-                        <a:t>交付件</a:t>
-                      </a:r>
-                      <a:endParaRPr lang="zh-CN" sz="1600" kern="100">
-                        <a:solidFill>
-                          <a:schemeClr val="tx1"/>
-                        </a:solidFill>
-                        <a:effectLst/>
-                        <a:latin typeface="Times New Roman" panose="02020603050405020304" pitchFamily="18" charset="0"/>
-                        <a:ea typeface="宋体" panose="02010600030101010101" pitchFamily="2" charset="-122"/>
-                        <a:cs typeface="Times New Roman" panose="02020603050405020304" pitchFamily="18" charset="0"/>
-                      </a:endParaRPr>
-                    </a:p>
-                  </a:txBody>
-                  <a:tcPr marL="68580" marR="68580" marT="0" marB="0"/>
-                </a:tc>
-                <a:tc>
-                  <a:txBody>
-                    <a:bodyPr/>
-                    <a:lstStyle/>
-                    <a:p>
-                      <a:pPr algn="ctr">
-                        <a:spcAft>
-                          <a:spcPts val="600"/>
-                        </a:spcAft>
-                      </a:pPr>
-                      <a:r>
-                        <a:rPr lang="zh-CN" sz="1600" kern="100" dirty="0">
-                          <a:solidFill>
-                            <a:schemeClr val="tx1"/>
-                          </a:solidFill>
-                          <a:effectLst/>
-                        </a:rPr>
-                        <a:t>最后期限</a:t>
-                      </a:r>
-                      <a:endParaRPr lang="zh-CN" sz="1600" kern="100" dirty="0">
-                        <a:solidFill>
-                          <a:schemeClr val="tx1"/>
-                        </a:solidFill>
-                        <a:effectLst/>
-                        <a:latin typeface="Times New Roman" panose="02020603050405020304" pitchFamily="18" charset="0"/>
-                        <a:ea typeface="宋体" panose="02010600030101010101" pitchFamily="2" charset="-122"/>
-                        <a:cs typeface="Times New Roman" panose="02020603050405020304" pitchFamily="18" charset="0"/>
-                      </a:endParaRPr>
-                    </a:p>
-                  </a:txBody>
-                  <a:tcPr marL="68580" marR="68580" marT="0" marB="0"/>
-                </a:tc>
-                <a:extLst>
-                  <a:ext uri="{0D108BD9-81ED-4DB2-BD59-A6C34878D82A}">
-                    <a16:rowId xmlns:a16="http://schemas.microsoft.com/office/drawing/2014/main" xmlns="" val="854070103"/>
-                  </a:ext>
-                </a:extLst>
-              </a:tr>
-              <a:tr h="366337">
-                <a:tc>
-                  <a:txBody>
-                    <a:bodyPr/>
-                    <a:lstStyle/>
-                    <a:p>
-                      <a:pPr algn="ctr">
-                        <a:spcAft>
-                          <a:spcPts val="600"/>
-                        </a:spcAft>
-                      </a:pPr>
-                      <a:r>
-                        <a:rPr lang="en-US" sz="1600" kern="100" dirty="0">
-                          <a:solidFill>
-                            <a:schemeClr val="tx1"/>
-                          </a:solidFill>
-                          <a:effectLst/>
-                        </a:rPr>
-                        <a:t>01</a:t>
-                      </a:r>
-                      <a:endParaRPr lang="zh-CN" sz="1600" kern="100" dirty="0">
-                        <a:solidFill>
-                          <a:schemeClr val="tx1"/>
-                        </a:solidFill>
-                        <a:effectLst/>
-                        <a:latin typeface="Times New Roman" panose="02020603050405020304" pitchFamily="18" charset="0"/>
-                        <a:ea typeface="宋体" panose="02010600030101010101" pitchFamily="2" charset="-122"/>
-                        <a:cs typeface="Times New Roman" panose="02020603050405020304" pitchFamily="18" charset="0"/>
-                      </a:endParaRPr>
-                    </a:p>
-                  </a:txBody>
-                  <a:tcPr marL="68580" marR="68580" marT="0" marB="0"/>
-                </a:tc>
-                <a:tc>
-                  <a:txBody>
-                    <a:bodyPr/>
-                    <a:lstStyle/>
-                    <a:p>
-                      <a:pPr algn="ctr">
-                        <a:spcAft>
-                          <a:spcPts val="600"/>
-                        </a:spcAft>
-                      </a:pPr>
-                      <a:r>
-                        <a:rPr lang="zh-CN" sz="1600" kern="100" dirty="0">
-                          <a:solidFill>
-                            <a:schemeClr val="tx1"/>
-                          </a:solidFill>
-                          <a:effectLst/>
-                        </a:rPr>
-                        <a:t>项目计划</a:t>
-                      </a:r>
-                      <a:endParaRPr lang="zh-CN" sz="1600" kern="100" dirty="0">
-                        <a:solidFill>
-                          <a:schemeClr val="tx1"/>
-                        </a:solidFill>
-                        <a:effectLst/>
-                        <a:latin typeface="Times New Roman" panose="02020603050405020304" pitchFamily="18" charset="0"/>
-                        <a:ea typeface="宋体" panose="02010600030101010101" pitchFamily="2" charset="-122"/>
-                        <a:cs typeface="Times New Roman" panose="02020603050405020304" pitchFamily="18" charset="0"/>
-                      </a:endParaRPr>
-                    </a:p>
-                  </a:txBody>
-                  <a:tcPr marL="68580" marR="68580" marT="0" marB="0"/>
-                </a:tc>
-                <a:tc>
-                  <a:txBody>
-                    <a:bodyPr/>
-                    <a:lstStyle/>
-                    <a:p>
-                      <a:pPr algn="ctr">
-                        <a:spcAft>
-                          <a:spcPts val="600"/>
-                        </a:spcAft>
-                      </a:pPr>
-                      <a:r>
-                        <a:rPr lang="en-US" sz="1600" kern="100">
-                          <a:solidFill>
-                            <a:schemeClr val="tx1"/>
-                          </a:solidFill>
-                          <a:effectLst/>
-                        </a:rPr>
-                        <a:t>2017.10.25</a:t>
-                      </a:r>
-                      <a:endParaRPr lang="zh-CN" sz="1600" kern="100">
-                        <a:solidFill>
-                          <a:schemeClr val="tx1"/>
-                        </a:solidFill>
-                        <a:effectLst/>
-                        <a:latin typeface="Times New Roman" panose="02020603050405020304" pitchFamily="18" charset="0"/>
-                        <a:ea typeface="宋体" panose="02010600030101010101" pitchFamily="2" charset="-122"/>
-                        <a:cs typeface="Times New Roman" panose="02020603050405020304" pitchFamily="18" charset="0"/>
-                      </a:endParaRPr>
-                    </a:p>
-                  </a:txBody>
-                  <a:tcPr marL="68580" marR="68580" marT="0" marB="0"/>
-                </a:tc>
-                <a:extLst>
-                  <a:ext uri="{0D108BD9-81ED-4DB2-BD59-A6C34878D82A}">
-                    <a16:rowId xmlns:a16="http://schemas.microsoft.com/office/drawing/2014/main" xmlns="" val="531728956"/>
-                  </a:ext>
-                </a:extLst>
-              </a:tr>
-              <a:tr h="366337">
-                <a:tc>
-                  <a:txBody>
-                    <a:bodyPr/>
-                    <a:lstStyle/>
-                    <a:p>
-                      <a:pPr algn="ctr">
-                        <a:spcAft>
-                          <a:spcPts val="600"/>
-                        </a:spcAft>
-                      </a:pPr>
-                      <a:r>
-                        <a:rPr lang="en-US" sz="1600" kern="100">
-                          <a:solidFill>
-                            <a:schemeClr val="tx1"/>
-                          </a:solidFill>
-                          <a:effectLst/>
-                        </a:rPr>
-                        <a:t>02</a:t>
-                      </a:r>
-                      <a:endParaRPr lang="zh-CN" sz="1600" kern="100">
-                        <a:solidFill>
-                          <a:schemeClr val="tx1"/>
-                        </a:solidFill>
-                        <a:effectLst/>
-                        <a:latin typeface="Times New Roman" panose="02020603050405020304" pitchFamily="18" charset="0"/>
-                        <a:ea typeface="宋体" panose="02010600030101010101" pitchFamily="2" charset="-122"/>
-                        <a:cs typeface="Times New Roman" panose="02020603050405020304" pitchFamily="18" charset="0"/>
-                      </a:endParaRPr>
-                    </a:p>
-                  </a:txBody>
-                  <a:tcPr marL="68580" marR="68580" marT="0" marB="0"/>
-                </a:tc>
-                <a:tc>
-                  <a:txBody>
-                    <a:bodyPr/>
-                    <a:lstStyle/>
-                    <a:p>
-                      <a:pPr algn="ctr">
-                        <a:spcAft>
-                          <a:spcPts val="600"/>
-                        </a:spcAft>
-                      </a:pPr>
-                      <a:r>
-                        <a:rPr lang="zh-CN" sz="1600" kern="100" dirty="0">
-                          <a:solidFill>
-                            <a:schemeClr val="tx1"/>
-                          </a:solidFill>
-                          <a:effectLst/>
-                        </a:rPr>
-                        <a:t>可行性分析报告</a:t>
-                      </a:r>
-                      <a:endParaRPr lang="zh-CN" sz="1600" kern="100" dirty="0">
-                        <a:solidFill>
-                          <a:schemeClr val="tx1"/>
-                        </a:solidFill>
-                        <a:effectLst/>
-                        <a:latin typeface="Times New Roman" panose="02020603050405020304" pitchFamily="18" charset="0"/>
-                        <a:ea typeface="宋体" panose="02010600030101010101" pitchFamily="2" charset="-122"/>
-                        <a:cs typeface="Times New Roman" panose="02020603050405020304" pitchFamily="18" charset="0"/>
-                      </a:endParaRPr>
-                    </a:p>
-                  </a:txBody>
-                  <a:tcPr marL="68580" marR="68580" marT="0" marB="0"/>
-                </a:tc>
-                <a:tc>
-                  <a:txBody>
-                    <a:bodyPr/>
-                    <a:lstStyle/>
-                    <a:p>
-                      <a:pPr algn="ctr">
-                        <a:spcAft>
-                          <a:spcPts val="600"/>
-                        </a:spcAft>
-                      </a:pPr>
-                      <a:r>
-                        <a:rPr lang="en-US" sz="1600" kern="100" dirty="0">
-                          <a:solidFill>
-                            <a:schemeClr val="tx1"/>
-                          </a:solidFill>
-                          <a:effectLst/>
-                        </a:rPr>
-                        <a:t>2017.11.1</a:t>
-                      </a:r>
-                      <a:endParaRPr lang="zh-CN" sz="1600" kern="100" dirty="0">
-                        <a:solidFill>
-                          <a:schemeClr val="tx1"/>
-                        </a:solidFill>
-                        <a:effectLst/>
-                        <a:latin typeface="Times New Roman" panose="02020603050405020304" pitchFamily="18" charset="0"/>
-                        <a:ea typeface="宋体" panose="02010600030101010101" pitchFamily="2" charset="-122"/>
-                        <a:cs typeface="Times New Roman" panose="02020603050405020304" pitchFamily="18" charset="0"/>
-                      </a:endParaRPr>
-                    </a:p>
-                  </a:txBody>
-                  <a:tcPr marL="68580" marR="68580" marT="0" marB="0"/>
-                </a:tc>
-                <a:extLst>
-                  <a:ext uri="{0D108BD9-81ED-4DB2-BD59-A6C34878D82A}">
-                    <a16:rowId xmlns:a16="http://schemas.microsoft.com/office/drawing/2014/main" xmlns="" val="1484615317"/>
-                  </a:ext>
-                </a:extLst>
-              </a:tr>
-              <a:tr h="366337">
-                <a:tc>
-                  <a:txBody>
-                    <a:bodyPr/>
-                    <a:lstStyle/>
-                    <a:p>
-                      <a:pPr algn="ctr">
-                        <a:spcAft>
-                          <a:spcPts val="600"/>
-                        </a:spcAft>
-                      </a:pPr>
-                      <a:r>
-                        <a:rPr lang="en-US" sz="1600" kern="100">
-                          <a:solidFill>
-                            <a:schemeClr val="tx1"/>
-                          </a:solidFill>
-                          <a:effectLst/>
-                        </a:rPr>
-                        <a:t>03</a:t>
-                      </a:r>
-                      <a:endParaRPr lang="zh-CN" sz="1600" kern="100">
-                        <a:solidFill>
-                          <a:schemeClr val="tx1"/>
-                        </a:solidFill>
-                        <a:effectLst/>
-                        <a:latin typeface="Times New Roman" panose="02020603050405020304" pitchFamily="18" charset="0"/>
-                        <a:ea typeface="宋体" panose="02010600030101010101" pitchFamily="2" charset="-122"/>
-                        <a:cs typeface="Times New Roman" panose="02020603050405020304" pitchFamily="18" charset="0"/>
-                      </a:endParaRPr>
-                    </a:p>
-                  </a:txBody>
-                  <a:tcPr marL="68580" marR="68580" marT="0" marB="0"/>
-                </a:tc>
-                <a:tc>
-                  <a:txBody>
-                    <a:bodyPr/>
-                    <a:lstStyle/>
-                    <a:p>
-                      <a:pPr algn="ctr">
-                        <a:spcAft>
-                          <a:spcPts val="600"/>
-                        </a:spcAft>
-                      </a:pPr>
-                      <a:r>
-                        <a:rPr lang="zh-CN" sz="1600" kern="100" dirty="0">
-                          <a:solidFill>
-                            <a:schemeClr val="tx1"/>
-                          </a:solidFill>
-                          <a:effectLst/>
-                        </a:rPr>
-                        <a:t>需求规格说明书</a:t>
-                      </a:r>
-                      <a:endParaRPr lang="zh-CN" sz="1600" kern="100" dirty="0">
-                        <a:solidFill>
-                          <a:schemeClr val="tx1"/>
-                        </a:solidFill>
-                        <a:effectLst/>
-                        <a:latin typeface="Times New Roman" panose="02020603050405020304" pitchFamily="18" charset="0"/>
-                        <a:ea typeface="宋体" panose="02010600030101010101" pitchFamily="2" charset="-122"/>
-                        <a:cs typeface="Times New Roman" panose="02020603050405020304" pitchFamily="18" charset="0"/>
-                      </a:endParaRPr>
-                    </a:p>
-                  </a:txBody>
-                  <a:tcPr marL="68580" marR="68580" marT="0" marB="0"/>
-                </a:tc>
-                <a:tc>
-                  <a:txBody>
-                    <a:bodyPr/>
-                    <a:lstStyle/>
-                    <a:p>
-                      <a:pPr algn="ctr">
-                        <a:spcAft>
-                          <a:spcPts val="600"/>
-                        </a:spcAft>
-                      </a:pPr>
-                      <a:r>
-                        <a:rPr lang="en-US" sz="1600" kern="100">
-                          <a:solidFill>
-                            <a:schemeClr val="tx1"/>
-                          </a:solidFill>
-                          <a:effectLst/>
-                        </a:rPr>
-                        <a:t>2017.11.15</a:t>
-                      </a:r>
-                      <a:endParaRPr lang="zh-CN" sz="1600" kern="100">
-                        <a:solidFill>
-                          <a:schemeClr val="tx1"/>
-                        </a:solidFill>
-                        <a:effectLst/>
-                        <a:latin typeface="Times New Roman" panose="02020603050405020304" pitchFamily="18" charset="0"/>
-                        <a:ea typeface="宋体" panose="02010600030101010101" pitchFamily="2" charset="-122"/>
-                        <a:cs typeface="Times New Roman" panose="02020603050405020304" pitchFamily="18" charset="0"/>
-                      </a:endParaRPr>
-                    </a:p>
-                  </a:txBody>
-                  <a:tcPr marL="68580" marR="68580" marT="0" marB="0"/>
-                </a:tc>
-                <a:extLst>
-                  <a:ext uri="{0D108BD9-81ED-4DB2-BD59-A6C34878D82A}">
-                    <a16:rowId xmlns:a16="http://schemas.microsoft.com/office/drawing/2014/main" xmlns="" val="517339105"/>
-                  </a:ext>
-                </a:extLst>
-              </a:tr>
-              <a:tr h="366337">
-                <a:tc>
-                  <a:txBody>
-                    <a:bodyPr/>
-                    <a:lstStyle/>
-                    <a:p>
-                      <a:pPr algn="ctr">
-                        <a:spcAft>
-                          <a:spcPts val="600"/>
-                        </a:spcAft>
-                      </a:pPr>
-                      <a:r>
-                        <a:rPr lang="en-US" sz="1600" kern="100">
-                          <a:solidFill>
-                            <a:schemeClr val="tx1"/>
-                          </a:solidFill>
-                          <a:effectLst/>
-                        </a:rPr>
-                        <a:t>04</a:t>
-                      </a:r>
-                      <a:endParaRPr lang="zh-CN" sz="1600" kern="100">
-                        <a:solidFill>
-                          <a:schemeClr val="tx1"/>
-                        </a:solidFill>
-                        <a:effectLst/>
-                        <a:latin typeface="Times New Roman" panose="02020603050405020304" pitchFamily="18" charset="0"/>
-                        <a:ea typeface="宋体" panose="02010600030101010101" pitchFamily="2" charset="-122"/>
-                        <a:cs typeface="Times New Roman" panose="02020603050405020304" pitchFamily="18" charset="0"/>
-                      </a:endParaRPr>
-                    </a:p>
-                  </a:txBody>
-                  <a:tcPr marL="68580" marR="68580" marT="0" marB="0"/>
-                </a:tc>
-                <a:tc>
-                  <a:txBody>
-                    <a:bodyPr/>
-                    <a:lstStyle/>
-                    <a:p>
-                      <a:pPr algn="ctr">
-                        <a:spcAft>
-                          <a:spcPts val="600"/>
-                        </a:spcAft>
-                      </a:pPr>
-                      <a:r>
-                        <a:rPr lang="zh-CN" sz="1600" kern="100" dirty="0">
-                          <a:solidFill>
-                            <a:schemeClr val="tx1"/>
-                          </a:solidFill>
-                          <a:effectLst/>
-                        </a:rPr>
-                        <a:t>总体设计报告</a:t>
-                      </a:r>
-                      <a:endParaRPr lang="zh-CN" sz="1600" kern="100" dirty="0">
-                        <a:solidFill>
-                          <a:schemeClr val="tx1"/>
-                        </a:solidFill>
-                        <a:effectLst/>
-                        <a:latin typeface="Times New Roman" panose="02020603050405020304" pitchFamily="18" charset="0"/>
-                        <a:ea typeface="宋体" panose="02010600030101010101" pitchFamily="2" charset="-122"/>
-                        <a:cs typeface="Times New Roman" panose="02020603050405020304" pitchFamily="18" charset="0"/>
-                      </a:endParaRPr>
-                    </a:p>
-                  </a:txBody>
-                  <a:tcPr marL="68580" marR="68580" marT="0" marB="0"/>
-                </a:tc>
-                <a:tc>
-                  <a:txBody>
-                    <a:bodyPr/>
-                    <a:lstStyle/>
-                    <a:p>
-                      <a:pPr algn="ctr">
-                        <a:spcAft>
-                          <a:spcPts val="600"/>
-                        </a:spcAft>
-                      </a:pPr>
-                      <a:r>
-                        <a:rPr lang="en-US" sz="1600" kern="100">
-                          <a:solidFill>
-                            <a:schemeClr val="tx1"/>
-                          </a:solidFill>
-                          <a:effectLst/>
-                        </a:rPr>
-                        <a:t>2017.11.22</a:t>
-                      </a:r>
-                      <a:endParaRPr lang="zh-CN" sz="1600" kern="100">
-                        <a:solidFill>
-                          <a:schemeClr val="tx1"/>
-                        </a:solidFill>
-                        <a:effectLst/>
-                        <a:latin typeface="Times New Roman" panose="02020603050405020304" pitchFamily="18" charset="0"/>
-                        <a:ea typeface="宋体" panose="02010600030101010101" pitchFamily="2" charset="-122"/>
-                        <a:cs typeface="Times New Roman" panose="02020603050405020304" pitchFamily="18" charset="0"/>
-                      </a:endParaRPr>
-                    </a:p>
-                  </a:txBody>
-                  <a:tcPr marL="68580" marR="68580" marT="0" marB="0"/>
-                </a:tc>
-                <a:extLst>
-                  <a:ext uri="{0D108BD9-81ED-4DB2-BD59-A6C34878D82A}">
-                    <a16:rowId xmlns:a16="http://schemas.microsoft.com/office/drawing/2014/main" xmlns="" val="2443013845"/>
-                  </a:ext>
-                </a:extLst>
-              </a:tr>
-              <a:tr h="366337">
-                <a:tc>
-                  <a:txBody>
-                    <a:bodyPr/>
-                    <a:lstStyle/>
-                    <a:p>
-                      <a:pPr algn="ctr">
-                        <a:spcAft>
-                          <a:spcPts val="600"/>
-                        </a:spcAft>
-                      </a:pPr>
-                      <a:r>
-                        <a:rPr lang="en-US" sz="1600" kern="100">
-                          <a:solidFill>
-                            <a:schemeClr val="tx1"/>
-                          </a:solidFill>
-                          <a:effectLst/>
-                        </a:rPr>
-                        <a:t>05</a:t>
-                      </a:r>
-                      <a:endParaRPr lang="zh-CN" sz="1600" kern="100">
-                        <a:solidFill>
-                          <a:schemeClr val="tx1"/>
-                        </a:solidFill>
-                        <a:effectLst/>
-                        <a:latin typeface="Times New Roman" panose="02020603050405020304" pitchFamily="18" charset="0"/>
-                        <a:ea typeface="宋体" panose="02010600030101010101" pitchFamily="2" charset="-122"/>
-                        <a:cs typeface="Times New Roman" panose="02020603050405020304" pitchFamily="18" charset="0"/>
-                      </a:endParaRPr>
-                    </a:p>
-                  </a:txBody>
-                  <a:tcPr marL="68580" marR="68580" marT="0" marB="0"/>
-                </a:tc>
-                <a:tc>
-                  <a:txBody>
-                    <a:bodyPr/>
-                    <a:lstStyle/>
-                    <a:p>
-                      <a:pPr algn="ctr">
-                        <a:spcAft>
-                          <a:spcPts val="600"/>
-                        </a:spcAft>
-                      </a:pPr>
-                      <a:r>
-                        <a:rPr lang="zh-CN" sz="1600" kern="100" dirty="0">
-                          <a:solidFill>
-                            <a:schemeClr val="tx1"/>
-                          </a:solidFill>
-                          <a:effectLst/>
-                        </a:rPr>
-                        <a:t>详细设计报告</a:t>
-                      </a:r>
-                      <a:endParaRPr lang="zh-CN" sz="1600" kern="100" dirty="0">
-                        <a:solidFill>
-                          <a:schemeClr val="tx1"/>
-                        </a:solidFill>
-                        <a:effectLst/>
-                        <a:latin typeface="Times New Roman" panose="02020603050405020304" pitchFamily="18" charset="0"/>
-                        <a:ea typeface="宋体" panose="02010600030101010101" pitchFamily="2" charset="-122"/>
-                        <a:cs typeface="Times New Roman" panose="02020603050405020304" pitchFamily="18" charset="0"/>
-                      </a:endParaRPr>
-                    </a:p>
-                  </a:txBody>
-                  <a:tcPr marL="68580" marR="68580" marT="0" marB="0"/>
-                </a:tc>
-                <a:tc>
-                  <a:txBody>
-                    <a:bodyPr/>
-                    <a:lstStyle/>
-                    <a:p>
-                      <a:pPr algn="ctr">
-                        <a:spcAft>
-                          <a:spcPts val="600"/>
-                        </a:spcAft>
-                      </a:pPr>
-                      <a:r>
-                        <a:rPr lang="en-US" sz="1600" kern="100">
-                          <a:solidFill>
-                            <a:schemeClr val="tx1"/>
-                          </a:solidFill>
-                          <a:effectLst/>
-                        </a:rPr>
-                        <a:t>2017.11.29</a:t>
-                      </a:r>
-                      <a:endParaRPr lang="zh-CN" sz="1600" kern="100">
-                        <a:solidFill>
-                          <a:schemeClr val="tx1"/>
-                        </a:solidFill>
-                        <a:effectLst/>
-                        <a:latin typeface="Times New Roman" panose="02020603050405020304" pitchFamily="18" charset="0"/>
-                        <a:ea typeface="宋体" panose="02010600030101010101" pitchFamily="2" charset="-122"/>
-                        <a:cs typeface="Times New Roman" panose="02020603050405020304" pitchFamily="18" charset="0"/>
-                      </a:endParaRPr>
-                    </a:p>
-                  </a:txBody>
-                  <a:tcPr marL="68580" marR="68580" marT="0" marB="0"/>
-                </a:tc>
-                <a:extLst>
-                  <a:ext uri="{0D108BD9-81ED-4DB2-BD59-A6C34878D82A}">
-                    <a16:rowId xmlns:a16="http://schemas.microsoft.com/office/drawing/2014/main" xmlns="" val="868796799"/>
-                  </a:ext>
-                </a:extLst>
-              </a:tr>
-              <a:tr h="366337">
-                <a:tc>
-                  <a:txBody>
-                    <a:bodyPr/>
-                    <a:lstStyle/>
-                    <a:p>
-                      <a:pPr algn="ctr">
-                        <a:spcAft>
-                          <a:spcPts val="600"/>
-                        </a:spcAft>
-                      </a:pPr>
-                      <a:r>
-                        <a:rPr lang="en-US" sz="1600" kern="100">
-                          <a:solidFill>
-                            <a:schemeClr val="tx1"/>
-                          </a:solidFill>
-                          <a:effectLst/>
-                        </a:rPr>
-                        <a:t>06</a:t>
-                      </a:r>
-                      <a:endParaRPr lang="zh-CN" sz="1600" kern="100">
-                        <a:solidFill>
-                          <a:schemeClr val="tx1"/>
-                        </a:solidFill>
-                        <a:effectLst/>
-                        <a:latin typeface="Times New Roman" panose="02020603050405020304" pitchFamily="18" charset="0"/>
-                        <a:ea typeface="宋体" panose="02010600030101010101" pitchFamily="2" charset="-122"/>
-                        <a:cs typeface="Times New Roman" panose="02020603050405020304" pitchFamily="18" charset="0"/>
-                      </a:endParaRPr>
-                    </a:p>
-                  </a:txBody>
-                  <a:tcPr marL="68580" marR="68580" marT="0" marB="0"/>
-                </a:tc>
-                <a:tc>
-                  <a:txBody>
-                    <a:bodyPr/>
-                    <a:lstStyle/>
-                    <a:p>
-                      <a:pPr algn="ctr">
-                        <a:spcAft>
-                          <a:spcPts val="600"/>
-                        </a:spcAft>
-                      </a:pPr>
-                      <a:r>
-                        <a:rPr lang="zh-CN" sz="1600" kern="100" dirty="0">
-                          <a:solidFill>
-                            <a:schemeClr val="tx1"/>
-                          </a:solidFill>
-                          <a:effectLst/>
-                        </a:rPr>
-                        <a:t>代码清单及测试用例</a:t>
-                      </a:r>
-                      <a:endParaRPr lang="zh-CN" sz="1600" kern="100" dirty="0">
-                        <a:solidFill>
-                          <a:schemeClr val="tx1"/>
-                        </a:solidFill>
-                        <a:effectLst/>
-                        <a:latin typeface="Times New Roman" panose="02020603050405020304" pitchFamily="18" charset="0"/>
-                        <a:ea typeface="宋体" panose="02010600030101010101" pitchFamily="2" charset="-122"/>
-                        <a:cs typeface="Times New Roman" panose="02020603050405020304" pitchFamily="18" charset="0"/>
-                      </a:endParaRPr>
-                    </a:p>
-                  </a:txBody>
-                  <a:tcPr marL="68580" marR="68580" marT="0" marB="0"/>
-                </a:tc>
-                <a:tc>
-                  <a:txBody>
-                    <a:bodyPr/>
-                    <a:lstStyle/>
-                    <a:p>
-                      <a:pPr algn="ctr">
-                        <a:spcAft>
-                          <a:spcPts val="600"/>
-                        </a:spcAft>
-                      </a:pPr>
-                      <a:r>
-                        <a:rPr lang="en-US" sz="1600" kern="100" dirty="0">
-                          <a:solidFill>
-                            <a:schemeClr val="tx1"/>
-                          </a:solidFill>
-                          <a:effectLst/>
-                        </a:rPr>
-                        <a:t>2017.12.13</a:t>
-                      </a:r>
-                      <a:endParaRPr lang="zh-CN" sz="1600" kern="100" dirty="0">
-                        <a:solidFill>
-                          <a:schemeClr val="tx1"/>
-                        </a:solidFill>
-                        <a:effectLst/>
-                        <a:latin typeface="Times New Roman" panose="02020603050405020304" pitchFamily="18" charset="0"/>
-                        <a:ea typeface="宋体" panose="02010600030101010101" pitchFamily="2" charset="-122"/>
-                        <a:cs typeface="Times New Roman" panose="02020603050405020304" pitchFamily="18" charset="0"/>
-                      </a:endParaRPr>
-                    </a:p>
-                  </a:txBody>
-                  <a:tcPr marL="68580" marR="68580" marT="0" marB="0"/>
-                </a:tc>
-                <a:extLst>
-                  <a:ext uri="{0D108BD9-81ED-4DB2-BD59-A6C34878D82A}">
-                    <a16:rowId xmlns:a16="http://schemas.microsoft.com/office/drawing/2014/main" xmlns="" val="2902440526"/>
-                  </a:ext>
-                </a:extLst>
-              </a:tr>
-              <a:tr h="366337">
-                <a:tc>
-                  <a:txBody>
-                    <a:bodyPr/>
-                    <a:lstStyle/>
-                    <a:p>
-                      <a:pPr algn="ctr">
-                        <a:spcAft>
-                          <a:spcPts val="600"/>
-                        </a:spcAft>
-                      </a:pPr>
-                      <a:r>
-                        <a:rPr lang="en-US" sz="1600" kern="100">
-                          <a:solidFill>
-                            <a:schemeClr val="tx1"/>
-                          </a:solidFill>
-                          <a:effectLst/>
-                        </a:rPr>
-                        <a:t>07</a:t>
-                      </a:r>
-                      <a:endParaRPr lang="zh-CN" sz="1600" kern="100">
-                        <a:solidFill>
-                          <a:schemeClr val="tx1"/>
-                        </a:solidFill>
-                        <a:effectLst/>
-                        <a:latin typeface="Times New Roman" panose="02020603050405020304" pitchFamily="18" charset="0"/>
-                        <a:ea typeface="宋体" panose="02010600030101010101" pitchFamily="2" charset="-122"/>
-                        <a:cs typeface="Times New Roman" panose="02020603050405020304" pitchFamily="18" charset="0"/>
-                      </a:endParaRPr>
-                    </a:p>
-                  </a:txBody>
-                  <a:tcPr marL="68580" marR="68580" marT="0" marB="0"/>
-                </a:tc>
-                <a:tc>
-                  <a:txBody>
-                    <a:bodyPr/>
-                    <a:lstStyle/>
-                    <a:p>
-                      <a:pPr algn="ctr">
-                        <a:spcAft>
-                          <a:spcPts val="600"/>
-                        </a:spcAft>
-                      </a:pPr>
-                      <a:r>
-                        <a:rPr lang="zh-CN" sz="1600" kern="100" dirty="0">
-                          <a:solidFill>
-                            <a:schemeClr val="tx1"/>
-                          </a:solidFill>
-                          <a:effectLst/>
-                        </a:rPr>
-                        <a:t>系统测试报告</a:t>
-                      </a:r>
-                      <a:endParaRPr lang="zh-CN" sz="1600" kern="100" dirty="0">
-                        <a:solidFill>
-                          <a:schemeClr val="tx1"/>
-                        </a:solidFill>
-                        <a:effectLst/>
-                        <a:latin typeface="Times New Roman" panose="02020603050405020304" pitchFamily="18" charset="0"/>
-                        <a:ea typeface="宋体" panose="02010600030101010101" pitchFamily="2" charset="-122"/>
-                        <a:cs typeface="Times New Roman" panose="02020603050405020304" pitchFamily="18" charset="0"/>
-                      </a:endParaRPr>
-                    </a:p>
-                  </a:txBody>
-                  <a:tcPr marL="68580" marR="68580" marT="0" marB="0"/>
-                </a:tc>
-                <a:tc>
-                  <a:txBody>
-                    <a:bodyPr/>
-                    <a:lstStyle/>
-                    <a:p>
-                      <a:pPr algn="ctr">
-                        <a:spcAft>
-                          <a:spcPts val="600"/>
-                        </a:spcAft>
-                      </a:pPr>
-                      <a:r>
-                        <a:rPr lang="en-US" sz="1600" kern="100" dirty="0">
-                          <a:solidFill>
-                            <a:schemeClr val="tx1"/>
-                          </a:solidFill>
-                          <a:effectLst/>
-                        </a:rPr>
-                        <a:t>2017.12.20</a:t>
-                      </a:r>
-                      <a:endParaRPr lang="zh-CN" sz="1600" kern="100" dirty="0">
-                        <a:solidFill>
-                          <a:schemeClr val="tx1"/>
-                        </a:solidFill>
-                        <a:effectLst/>
-                        <a:latin typeface="Times New Roman" panose="02020603050405020304" pitchFamily="18" charset="0"/>
-                        <a:ea typeface="宋体" panose="02010600030101010101" pitchFamily="2" charset="-122"/>
-                        <a:cs typeface="Times New Roman" panose="02020603050405020304" pitchFamily="18" charset="0"/>
-                      </a:endParaRPr>
-                    </a:p>
-                  </a:txBody>
-                  <a:tcPr marL="68580" marR="68580" marT="0" marB="0"/>
-                </a:tc>
-                <a:extLst>
-                  <a:ext uri="{0D108BD9-81ED-4DB2-BD59-A6C34878D82A}">
-                    <a16:rowId xmlns:a16="http://schemas.microsoft.com/office/drawing/2014/main" xmlns="" val="63242385"/>
-                  </a:ext>
-                </a:extLst>
-              </a:tr>
-              <a:tr h="366337">
-                <a:tc>
-                  <a:txBody>
-                    <a:bodyPr/>
-                    <a:lstStyle/>
-                    <a:p>
-                      <a:pPr algn="ctr">
-                        <a:spcAft>
-                          <a:spcPts val="600"/>
-                        </a:spcAft>
-                      </a:pPr>
-                      <a:r>
-                        <a:rPr lang="en-US" sz="1600" kern="100">
-                          <a:solidFill>
-                            <a:schemeClr val="tx1"/>
-                          </a:solidFill>
-                          <a:effectLst/>
-                        </a:rPr>
-                        <a:t>08</a:t>
-                      </a:r>
-                      <a:endParaRPr lang="zh-CN" sz="1600" kern="100">
-                        <a:solidFill>
-                          <a:schemeClr val="tx1"/>
-                        </a:solidFill>
-                        <a:effectLst/>
-                        <a:latin typeface="Times New Roman" panose="02020603050405020304" pitchFamily="18" charset="0"/>
-                        <a:ea typeface="宋体" panose="02010600030101010101" pitchFamily="2" charset="-122"/>
-                        <a:cs typeface="Times New Roman" panose="02020603050405020304" pitchFamily="18" charset="0"/>
-                      </a:endParaRPr>
-                    </a:p>
-                  </a:txBody>
-                  <a:tcPr marL="68580" marR="68580" marT="0" marB="0"/>
-                </a:tc>
-                <a:tc>
-                  <a:txBody>
-                    <a:bodyPr/>
-                    <a:lstStyle/>
-                    <a:p>
-                      <a:pPr algn="ctr">
-                        <a:spcAft>
-                          <a:spcPts val="600"/>
-                        </a:spcAft>
-                      </a:pPr>
-                      <a:r>
-                        <a:rPr lang="zh-CN" sz="1600" kern="100">
-                          <a:solidFill>
-                            <a:schemeClr val="tx1"/>
-                          </a:solidFill>
-                          <a:effectLst/>
-                        </a:rPr>
-                        <a:t>项目总结报告</a:t>
-                      </a:r>
-                      <a:endParaRPr lang="zh-CN" sz="1600" kern="100">
-                        <a:solidFill>
-                          <a:schemeClr val="tx1"/>
-                        </a:solidFill>
-                        <a:effectLst/>
-                        <a:latin typeface="Times New Roman" panose="02020603050405020304" pitchFamily="18" charset="0"/>
-                        <a:ea typeface="宋体" panose="02010600030101010101" pitchFamily="2" charset="-122"/>
-                        <a:cs typeface="Times New Roman" panose="02020603050405020304" pitchFamily="18" charset="0"/>
-                      </a:endParaRPr>
-                    </a:p>
-                  </a:txBody>
-                  <a:tcPr marL="68580" marR="68580" marT="0" marB="0"/>
-                </a:tc>
-                <a:tc>
-                  <a:txBody>
-                    <a:bodyPr/>
-                    <a:lstStyle/>
-                    <a:p>
-                      <a:pPr algn="ctr">
-                        <a:spcAft>
-                          <a:spcPts val="600"/>
-                        </a:spcAft>
-                      </a:pPr>
-                      <a:r>
-                        <a:rPr lang="en-US" sz="1600" kern="100" dirty="0">
-                          <a:solidFill>
-                            <a:schemeClr val="tx1"/>
-                          </a:solidFill>
-                          <a:effectLst/>
-                        </a:rPr>
-                        <a:t>2018.1.10</a:t>
-                      </a:r>
-                      <a:endParaRPr lang="zh-CN" sz="1600" kern="100" dirty="0">
-                        <a:solidFill>
-                          <a:schemeClr val="tx1"/>
-                        </a:solidFill>
-                        <a:effectLst/>
-                        <a:latin typeface="Times New Roman" panose="02020603050405020304" pitchFamily="18" charset="0"/>
-                        <a:ea typeface="宋体" panose="02010600030101010101" pitchFamily="2" charset="-122"/>
-                        <a:cs typeface="Times New Roman" panose="02020603050405020304" pitchFamily="18" charset="0"/>
-                      </a:endParaRPr>
-                    </a:p>
-                  </a:txBody>
-                  <a:tcPr marL="68580" marR="68580" marT="0" marB="0"/>
-                </a:tc>
-                <a:extLst>
-                  <a:ext uri="{0D108BD9-81ED-4DB2-BD59-A6C34878D82A}">
-                    <a16:rowId xmlns:a16="http://schemas.microsoft.com/office/drawing/2014/main" xmlns="" val="877438879"/>
-                  </a:ext>
-                </a:extLst>
-              </a:tr>
-            </a:tbl>
-          </a:graphicData>
-        </a:graphic>
-      </p:graphicFrame>
-    </p:spTree>
-    <p:extLst>
-      <p:ext uri="{BB962C8B-B14F-4D97-AF65-F5344CB8AC3E}">
-        <p14:creationId xmlns:p14="http://schemas.microsoft.com/office/powerpoint/2010/main" val="769494680"/>
-      </p:ext>
-    </p:extLst>
-  </p:cSld>
-  <p:clrMapOvr>
-    <a:masterClrMapping/>
-  </p:clrMapOvr>
-  <mc:AlternateContent xmlns:mc="http://schemas.openxmlformats.org/markup-compatibility/2006" xmlns:p14="http://schemas.microsoft.com/office/powerpoint/2010/main">
-    <mc:Choice Requires="p14">
-      <p:transition spd="med" p14:dur="700">
-        <p:fade/>
-      </p:transition>
-    </mc:Choice>
-    <mc:Fallback xmlns="">
-      <p:transition spd="med">
-        <p:fade/>
-      </p:transition>
-    </mc:Fallback>
-  </mc:AlternateContent>
-</p:sld>
-</file>
-
-<file path=ppt/slides/slide8.xml><?xml version="1.0" encoding="utf-8"?>
-<p:sld xmlns:a="http://schemas.openxmlformats.org/drawingml/2006/main" xmlns:r="http://schemas.openxmlformats.org/officeDocument/2006/relationships" xmlns:p="http://schemas.openxmlformats.org/presentationml/2006/main">
-  <p:cSld>
-    <p:spTree>
-      <p:nvGrpSpPr>
-        <p:cNvPr id="1" name=""/>
-        <p:cNvGrpSpPr/>
-        <p:nvPr/>
-      </p:nvGrpSpPr>
-      <p:grpSpPr>
-        <a:xfrm>
-          <a:off x="0" y="0"/>
-          <a:ext cx="0" cy="0"/>
-          <a:chOff x="0" y="0"/>
-          <a:chExt cx="0" cy="0"/>
-        </a:xfrm>
-      </p:grpSpPr>
-      <p:sp>
-        <p:nvSpPr>
-          <p:cNvPr id="2" name="文本占位符 1"/>
-          <p:cNvSpPr>
-            <a:spLocks noGrp="1"/>
-          </p:cNvSpPr>
-          <p:nvPr>
-            <p:ph type="body" sz="quarter" idx="12"/>
-          </p:nvPr>
-        </p:nvSpPr>
-        <p:spPr/>
-        <p:txBody>
-          <a:bodyPr/>
-          <a:lstStyle/>
-          <a:p>
-            <a:r>
-              <a:rPr kumimoji="1" lang="en-US" altLang="zh-CN" dirty="0" smtClean="0"/>
-              <a:t>02</a:t>
-            </a:r>
-            <a:endParaRPr kumimoji="1" lang="zh-CN" altLang="en-US" dirty="0"/>
-          </a:p>
-        </p:txBody>
-      </p:sp>
-      <p:sp>
-        <p:nvSpPr>
-          <p:cNvPr id="3" name="文本占位符 2"/>
-          <p:cNvSpPr>
-            <a:spLocks noGrp="1"/>
-          </p:cNvSpPr>
-          <p:nvPr>
-            <p:ph type="body" sz="quarter" idx="13"/>
-          </p:nvPr>
-        </p:nvSpPr>
-        <p:spPr/>
-        <p:txBody>
-          <a:bodyPr/>
-          <a:lstStyle/>
-          <a:p>
-            <a:r>
-              <a:rPr kumimoji="1" lang="zh-CN" altLang="en-US" dirty="0"/>
-              <a:t>交付产品</a:t>
-            </a:r>
-          </a:p>
-        </p:txBody>
-      </p:sp>
-      <p:sp>
-        <p:nvSpPr>
-          <p:cNvPr id="43" name="空心弧 42"/>
-          <p:cNvSpPr/>
-          <p:nvPr/>
-        </p:nvSpPr>
-        <p:spPr>
-          <a:xfrm rot="10800000">
-            <a:off x="8750883" y="1399035"/>
-            <a:ext cx="2712984" cy="2712984"/>
-          </a:xfrm>
-          <a:prstGeom prst="blockArc">
-            <a:avLst>
-              <a:gd name="adj1" fmla="val 10800000"/>
-              <a:gd name="adj2" fmla="val 21507443"/>
-              <a:gd name="adj3" fmla="val 2294"/>
-            </a:avLst>
-          </a:prstGeom>
-          <a:solidFill>
-            <a:schemeClr val="accent3">
-              <a:lumMod val="20000"/>
-              <a:lumOff val="80000"/>
-            </a:schemeClr>
-          </a:solidFill>
-          <a:ln>
-            <a:noFill/>
-          </a:ln>
-        </p:spPr>
-        <p:style>
-          <a:lnRef idx="2">
-            <a:schemeClr val="accent1">
-              <a:shade val="50000"/>
-            </a:schemeClr>
-          </a:lnRef>
-          <a:fillRef idx="1">
-            <a:schemeClr val="accent1"/>
-          </a:fillRef>
-          <a:effectRef idx="0">
-            <a:schemeClr val="accent1"/>
-          </a:effectRef>
-          <a:fontRef idx="minor">
-            <a:schemeClr val="lt1"/>
-          </a:fontRef>
-        </p:style>
-        <p:txBody>
-          <a:bodyPr rot="0" spcFirstLastPara="0" vertOverflow="overflow" horzOverflow="overflow" vert="horz" wrap="square" lIns="91440" tIns="45720" rIns="91440" bIns="45720" numCol="1" spcCol="0" rtlCol="0" fromWordArt="0" anchor="ctr" anchorCtr="0" forceAA="0" compatLnSpc="1">
-            <a:prstTxWarp prst="textNoShape">
-              <a:avLst/>
-            </a:prstTxWarp>
-            <a:noAutofit/>
-          </a:bodyPr>
-          <a:lstStyle/>
-          <a:p>
-            <a:pPr algn="ctr"/>
-            <a:endParaRPr kumimoji="1" lang="zh-CN" altLang="en-US">
-              <a:solidFill>
-                <a:schemeClr val="tx1"/>
-              </a:solidFill>
-            </a:endParaRPr>
-          </a:p>
-        </p:txBody>
-      </p:sp>
-      <p:pic>
-        <p:nvPicPr>
-          <p:cNvPr id="41" name="图片 40"/>
-          <p:cNvPicPr>
-            <a:picLocks noChangeAspect="1"/>
-          </p:cNvPicPr>
-          <p:nvPr/>
-        </p:nvPicPr>
-        <p:blipFill>
-          <a:blip r:embed="rId2">
-            <a:extLst>
-              <a:ext uri="{28A0092B-C50C-407E-A947-70E740481C1C}">
-                <a14:useLocalDpi xmlns:a14="http://schemas.microsoft.com/office/drawing/2010/main" val="0"/>
-              </a:ext>
-            </a:extLst>
-          </a:blip>
-          <a:stretch>
-            <a:fillRect/>
-          </a:stretch>
-        </p:blipFill>
-        <p:spPr>
-          <a:xfrm>
-            <a:off x="9525979" y="193236"/>
-            <a:ext cx="2244436" cy="713763"/>
-          </a:xfrm>
-          <a:prstGeom prst="rect">
-            <a:avLst/>
-          </a:prstGeom>
-        </p:spPr>
-      </p:pic>
-      <p:sp>
-        <p:nvSpPr>
-          <p:cNvPr id="7" name="文本框 6"/>
-          <p:cNvSpPr txBox="1"/>
-          <p:nvPr/>
-        </p:nvSpPr>
-        <p:spPr>
-          <a:xfrm>
-            <a:off x="1362808" y="1485900"/>
-            <a:ext cx="8932984" cy="800219"/>
-          </a:xfrm>
-          <a:prstGeom prst="rect">
-            <a:avLst/>
-          </a:prstGeom>
-          <a:noFill/>
-        </p:spPr>
-        <p:txBody>
-          <a:bodyPr wrap="square" rtlCol="0">
-            <a:spAutoFit/>
-          </a:bodyPr>
-          <a:lstStyle/>
-          <a:p>
-            <a:r>
-              <a:rPr lang="en-US" altLang="zh-CN" sz="2800" dirty="0" smtClean="0"/>
-              <a:t>2.3 </a:t>
-            </a:r>
-            <a:r>
-              <a:rPr lang="zh-CN" altLang="en-US" sz="2800" dirty="0" smtClean="0"/>
-              <a:t>非移交产品</a:t>
-            </a:r>
-            <a:endParaRPr lang="en-US" altLang="zh-CN" sz="2800" dirty="0" smtClean="0"/>
-          </a:p>
-          <a:p>
-            <a:endParaRPr lang="zh-CN" altLang="en-US" dirty="0"/>
-          </a:p>
-        </p:txBody>
-      </p:sp>
-      <p:graphicFrame>
-        <p:nvGraphicFramePr>
-          <p:cNvPr id="4" name="表格 3"/>
-          <p:cNvGraphicFramePr>
-            <a:graphicFrameLocks noGrp="1"/>
-          </p:cNvGraphicFramePr>
-          <p:nvPr>
-            <p:extLst>
-              <p:ext uri="{D42A27DB-BD31-4B8C-83A1-F6EECF244321}">
-                <p14:modId xmlns:p14="http://schemas.microsoft.com/office/powerpoint/2010/main" val="2056484544"/>
-              </p:ext>
-            </p:extLst>
-          </p:nvPr>
-        </p:nvGraphicFramePr>
-        <p:xfrm>
-          <a:off x="1821767" y="2461451"/>
-          <a:ext cx="7704212" cy="2160186"/>
-        </p:xfrm>
-        <a:graphic>
-          <a:graphicData uri="http://schemas.openxmlformats.org/drawingml/2006/table">
-            <a:tbl>
-              <a:tblPr firstRow="1" firstCol="1" bandRow="1">
-                <a:tableStyleId>{5C22544A-7EE6-4342-B048-85BDC9FD1C3A}</a:tableStyleId>
-              </a:tblPr>
-              <a:tblGrid>
-                <a:gridCol w="3852106">
-                  <a:extLst>
-                    <a:ext uri="{9D8B030D-6E8A-4147-A177-3AD203B41FA5}">
-                      <a16:colId xmlns:a16="http://schemas.microsoft.com/office/drawing/2014/main" xmlns="" val="842905482"/>
-                    </a:ext>
-                  </a:extLst>
-                </a:gridCol>
-                <a:gridCol w="3852106">
-                  <a:extLst>
-                    <a:ext uri="{9D8B030D-6E8A-4147-A177-3AD203B41FA5}">
-                      <a16:colId xmlns:a16="http://schemas.microsoft.com/office/drawing/2014/main" xmlns="" val="3133004606"/>
-                    </a:ext>
-                  </a:extLst>
-                </a:gridCol>
-              </a:tblGrid>
-              <a:tr h="360031">
-                <a:tc>
-                  <a:txBody>
-                    <a:bodyPr/>
-                    <a:lstStyle/>
-                    <a:p>
-                      <a:pPr algn="ctr">
-                        <a:spcAft>
-                          <a:spcPts val="600"/>
-                        </a:spcAft>
-                      </a:pPr>
-                      <a:r>
-                        <a:rPr lang="zh-CN" sz="1600" kern="100">
-                          <a:solidFill>
-                            <a:schemeClr val="tx1"/>
-                          </a:solidFill>
-                          <a:effectLst/>
-                        </a:rPr>
-                        <a:t>序号</a:t>
-                      </a:r>
-                      <a:endParaRPr lang="zh-CN" sz="1600" kern="100">
-                        <a:solidFill>
-                          <a:schemeClr val="tx1"/>
-                        </a:solidFill>
-                        <a:effectLst/>
-                        <a:latin typeface="Times New Roman" panose="02020603050405020304" pitchFamily="18" charset="0"/>
-                        <a:ea typeface="宋体" panose="02010600030101010101" pitchFamily="2" charset="-122"/>
-                        <a:cs typeface="Times New Roman" panose="02020603050405020304" pitchFamily="18" charset="0"/>
-                      </a:endParaRPr>
-                    </a:p>
-                  </a:txBody>
-                  <a:tcPr marL="68580" marR="68580" marT="0" marB="0"/>
-                </a:tc>
-                <a:tc>
-                  <a:txBody>
-                    <a:bodyPr/>
-                    <a:lstStyle/>
-                    <a:p>
-                      <a:pPr algn="ctr">
-                        <a:spcAft>
-                          <a:spcPts val="600"/>
-                        </a:spcAft>
-                      </a:pPr>
-                      <a:r>
-                        <a:rPr lang="zh-CN" sz="1600" kern="100">
-                          <a:solidFill>
-                            <a:schemeClr val="tx1"/>
-                          </a:solidFill>
-                          <a:effectLst/>
-                        </a:rPr>
-                        <a:t>非交付件 </a:t>
-                      </a:r>
-                      <a:endParaRPr lang="zh-CN" sz="1600" kern="100">
-                        <a:solidFill>
-                          <a:schemeClr val="tx1"/>
-                        </a:solidFill>
-                        <a:effectLst/>
-                        <a:latin typeface="Times New Roman" panose="02020603050405020304" pitchFamily="18" charset="0"/>
-                        <a:ea typeface="宋体" panose="02010600030101010101" pitchFamily="2" charset="-122"/>
-                        <a:cs typeface="Times New Roman" panose="02020603050405020304" pitchFamily="18" charset="0"/>
-                      </a:endParaRPr>
-                    </a:p>
-                  </a:txBody>
-                  <a:tcPr marL="68580" marR="68580" marT="0" marB="0"/>
-                </a:tc>
-                <a:extLst>
-                  <a:ext uri="{0D108BD9-81ED-4DB2-BD59-A6C34878D82A}">
-                    <a16:rowId xmlns:a16="http://schemas.microsoft.com/office/drawing/2014/main" xmlns="" val="822255073"/>
-                  </a:ext>
-                </a:extLst>
-              </a:tr>
-              <a:tr h="360031">
-                <a:tc>
-                  <a:txBody>
-                    <a:bodyPr/>
-                    <a:lstStyle/>
-                    <a:p>
-                      <a:pPr algn="ctr">
-                        <a:spcAft>
-                          <a:spcPts val="600"/>
-                        </a:spcAft>
-                      </a:pPr>
-                      <a:r>
-                        <a:rPr lang="en-US" sz="1600" kern="100">
-                          <a:solidFill>
-                            <a:schemeClr val="tx1"/>
-                          </a:solidFill>
-                          <a:effectLst/>
-                        </a:rPr>
-                        <a:t>01</a:t>
-                      </a:r>
-                      <a:endParaRPr lang="zh-CN" sz="1600" kern="100">
-                        <a:solidFill>
-                          <a:schemeClr val="tx1"/>
-                        </a:solidFill>
-                        <a:effectLst/>
-                        <a:latin typeface="Times New Roman" panose="02020603050405020304" pitchFamily="18" charset="0"/>
-                        <a:ea typeface="宋体" panose="02010600030101010101" pitchFamily="2" charset="-122"/>
-                        <a:cs typeface="Times New Roman" panose="02020603050405020304" pitchFamily="18" charset="0"/>
-                      </a:endParaRPr>
-                    </a:p>
-                  </a:txBody>
-                  <a:tcPr marL="68580" marR="68580" marT="0" marB="0"/>
-                </a:tc>
-                <a:tc>
-                  <a:txBody>
-                    <a:bodyPr/>
-                    <a:lstStyle/>
-                    <a:p>
-                      <a:pPr algn="ctr">
-                        <a:spcAft>
-                          <a:spcPts val="600"/>
-                        </a:spcAft>
-                      </a:pPr>
-                      <a:r>
-                        <a:rPr lang="zh-CN" sz="1600" kern="100">
-                          <a:solidFill>
-                            <a:schemeClr val="tx1"/>
-                          </a:solidFill>
-                          <a:effectLst/>
-                        </a:rPr>
-                        <a:t>项目计划</a:t>
-                      </a:r>
-                      <a:r>
-                        <a:rPr lang="en-US" sz="1600" kern="100">
-                          <a:solidFill>
-                            <a:schemeClr val="tx1"/>
-                          </a:solidFill>
-                          <a:effectLst/>
-                        </a:rPr>
-                        <a:t>ppt</a:t>
-                      </a:r>
-                      <a:endParaRPr lang="zh-CN" sz="1600" kern="100">
-                        <a:solidFill>
-                          <a:schemeClr val="tx1"/>
-                        </a:solidFill>
-                        <a:effectLst/>
-                        <a:latin typeface="Times New Roman" panose="02020603050405020304" pitchFamily="18" charset="0"/>
-                        <a:ea typeface="宋体" panose="02010600030101010101" pitchFamily="2" charset="-122"/>
-                        <a:cs typeface="Times New Roman" panose="02020603050405020304" pitchFamily="18" charset="0"/>
-                      </a:endParaRPr>
-                    </a:p>
-                  </a:txBody>
-                  <a:tcPr marL="68580" marR="68580" marT="0" marB="0"/>
-                </a:tc>
-                <a:extLst>
-                  <a:ext uri="{0D108BD9-81ED-4DB2-BD59-A6C34878D82A}">
-                    <a16:rowId xmlns:a16="http://schemas.microsoft.com/office/drawing/2014/main" xmlns="" val="2139038772"/>
-                  </a:ext>
-                </a:extLst>
-              </a:tr>
-              <a:tr h="360031">
-                <a:tc>
-                  <a:txBody>
-                    <a:bodyPr/>
-                    <a:lstStyle/>
-                    <a:p>
-                      <a:pPr algn="ctr">
-                        <a:spcAft>
-                          <a:spcPts val="600"/>
-                        </a:spcAft>
-                      </a:pPr>
-                      <a:r>
-                        <a:rPr lang="en-US" sz="1600" kern="100">
-                          <a:solidFill>
-                            <a:schemeClr val="tx1"/>
-                          </a:solidFill>
-                          <a:effectLst/>
-                        </a:rPr>
-                        <a:t>02</a:t>
-                      </a:r>
-                      <a:endParaRPr lang="zh-CN" sz="1600" kern="100">
-                        <a:solidFill>
-                          <a:schemeClr val="tx1"/>
-                        </a:solidFill>
-                        <a:effectLst/>
-                        <a:latin typeface="Times New Roman" panose="02020603050405020304" pitchFamily="18" charset="0"/>
-                        <a:ea typeface="宋体" panose="02010600030101010101" pitchFamily="2" charset="-122"/>
-                        <a:cs typeface="Times New Roman" panose="02020603050405020304" pitchFamily="18" charset="0"/>
-                      </a:endParaRPr>
-                    </a:p>
-                  </a:txBody>
-                  <a:tcPr marL="68580" marR="68580" marT="0" marB="0"/>
-                </a:tc>
-                <a:tc>
-                  <a:txBody>
-                    <a:bodyPr/>
-                    <a:lstStyle/>
-                    <a:p>
-                      <a:pPr algn="ctr">
-                        <a:spcAft>
-                          <a:spcPts val="600"/>
-                        </a:spcAft>
-                      </a:pPr>
-                      <a:r>
-                        <a:rPr lang="zh-CN" sz="1600" kern="100">
-                          <a:solidFill>
-                            <a:schemeClr val="tx1"/>
-                          </a:solidFill>
-                          <a:effectLst/>
-                        </a:rPr>
-                        <a:t>需求评审</a:t>
-                      </a:r>
-                      <a:r>
-                        <a:rPr lang="en-US" sz="1600" kern="100">
-                          <a:solidFill>
-                            <a:schemeClr val="tx1"/>
-                          </a:solidFill>
-                          <a:effectLst/>
-                        </a:rPr>
-                        <a:t>ppt</a:t>
-                      </a:r>
-                      <a:endParaRPr lang="zh-CN" sz="1600" kern="100">
-                        <a:solidFill>
-                          <a:schemeClr val="tx1"/>
-                        </a:solidFill>
-                        <a:effectLst/>
-                        <a:latin typeface="Times New Roman" panose="02020603050405020304" pitchFamily="18" charset="0"/>
-                        <a:ea typeface="宋体" panose="02010600030101010101" pitchFamily="2" charset="-122"/>
-                        <a:cs typeface="Times New Roman" panose="02020603050405020304" pitchFamily="18" charset="0"/>
-                      </a:endParaRPr>
-                    </a:p>
-                  </a:txBody>
-                  <a:tcPr marL="68580" marR="68580" marT="0" marB="0"/>
-                </a:tc>
-                <a:extLst>
-                  <a:ext uri="{0D108BD9-81ED-4DB2-BD59-A6C34878D82A}">
-                    <a16:rowId xmlns:a16="http://schemas.microsoft.com/office/drawing/2014/main" xmlns="" val="2372518354"/>
-                  </a:ext>
-                </a:extLst>
-              </a:tr>
-              <a:tr h="360031">
-                <a:tc>
-                  <a:txBody>
-                    <a:bodyPr/>
-                    <a:lstStyle/>
-                    <a:p>
-                      <a:pPr algn="ctr">
-                        <a:spcAft>
-                          <a:spcPts val="600"/>
-                        </a:spcAft>
-                      </a:pPr>
-                      <a:r>
-                        <a:rPr lang="en-US" sz="1600" kern="100">
-                          <a:solidFill>
-                            <a:schemeClr val="tx1"/>
-                          </a:solidFill>
-                          <a:effectLst/>
-                        </a:rPr>
-                        <a:t>03</a:t>
-                      </a:r>
-                      <a:endParaRPr lang="zh-CN" sz="1600" kern="100">
-                        <a:solidFill>
-                          <a:schemeClr val="tx1"/>
-                        </a:solidFill>
-                        <a:effectLst/>
-                        <a:latin typeface="Times New Roman" panose="02020603050405020304" pitchFamily="18" charset="0"/>
-                        <a:ea typeface="宋体" panose="02010600030101010101" pitchFamily="2" charset="-122"/>
-                        <a:cs typeface="Times New Roman" panose="02020603050405020304" pitchFamily="18" charset="0"/>
-                      </a:endParaRPr>
-                    </a:p>
-                  </a:txBody>
-                  <a:tcPr marL="68580" marR="68580" marT="0" marB="0"/>
-                </a:tc>
-                <a:tc>
-                  <a:txBody>
-                    <a:bodyPr/>
-                    <a:lstStyle/>
-                    <a:p>
-                      <a:pPr algn="ctr">
-                        <a:spcAft>
-                          <a:spcPts val="600"/>
-                        </a:spcAft>
-                      </a:pPr>
-                      <a:r>
-                        <a:rPr lang="zh-CN" sz="1600" kern="100">
-                          <a:solidFill>
-                            <a:schemeClr val="tx1"/>
-                          </a:solidFill>
-                          <a:effectLst/>
-                        </a:rPr>
-                        <a:t>总体设计评审</a:t>
-                      </a:r>
-                      <a:r>
-                        <a:rPr lang="en-US" sz="1600" kern="100">
-                          <a:solidFill>
-                            <a:schemeClr val="tx1"/>
-                          </a:solidFill>
-                          <a:effectLst/>
-                        </a:rPr>
-                        <a:t>ppt</a:t>
-                      </a:r>
-                      <a:endParaRPr lang="zh-CN" sz="1600" kern="100">
-                        <a:solidFill>
-                          <a:schemeClr val="tx1"/>
-                        </a:solidFill>
-                        <a:effectLst/>
-                        <a:latin typeface="Times New Roman" panose="02020603050405020304" pitchFamily="18" charset="0"/>
-                        <a:ea typeface="宋体" panose="02010600030101010101" pitchFamily="2" charset="-122"/>
-                        <a:cs typeface="Times New Roman" panose="02020603050405020304" pitchFamily="18" charset="0"/>
-                      </a:endParaRPr>
-                    </a:p>
-                  </a:txBody>
-                  <a:tcPr marL="68580" marR="68580" marT="0" marB="0"/>
-                </a:tc>
-                <a:extLst>
-                  <a:ext uri="{0D108BD9-81ED-4DB2-BD59-A6C34878D82A}">
-                    <a16:rowId xmlns:a16="http://schemas.microsoft.com/office/drawing/2014/main" xmlns="" val="4068666150"/>
-                  </a:ext>
-                </a:extLst>
-              </a:tr>
-              <a:tr h="360031">
-                <a:tc>
-                  <a:txBody>
-                    <a:bodyPr/>
-                    <a:lstStyle/>
-                    <a:p>
-                      <a:pPr algn="ctr">
-                        <a:spcAft>
-                          <a:spcPts val="600"/>
-                        </a:spcAft>
-                      </a:pPr>
-                      <a:r>
-                        <a:rPr lang="en-US" sz="1600" kern="100">
-                          <a:solidFill>
-                            <a:schemeClr val="tx1"/>
-                          </a:solidFill>
-                          <a:effectLst/>
-                        </a:rPr>
-                        <a:t>04</a:t>
-                      </a:r>
-                      <a:endParaRPr lang="zh-CN" sz="1600" kern="100">
-                        <a:solidFill>
-                          <a:schemeClr val="tx1"/>
-                        </a:solidFill>
-                        <a:effectLst/>
-                        <a:latin typeface="Times New Roman" panose="02020603050405020304" pitchFamily="18" charset="0"/>
-                        <a:ea typeface="宋体" panose="02010600030101010101" pitchFamily="2" charset="-122"/>
-                        <a:cs typeface="Times New Roman" panose="02020603050405020304" pitchFamily="18" charset="0"/>
-                      </a:endParaRPr>
-                    </a:p>
-                  </a:txBody>
-                  <a:tcPr marL="68580" marR="68580" marT="0" marB="0"/>
-                </a:tc>
-                <a:tc>
-                  <a:txBody>
-                    <a:bodyPr/>
-                    <a:lstStyle/>
-                    <a:p>
-                      <a:pPr algn="ctr">
-                        <a:spcAft>
-                          <a:spcPts val="600"/>
-                        </a:spcAft>
-                      </a:pPr>
-                      <a:r>
-                        <a:rPr lang="zh-CN" sz="1600" kern="100">
-                          <a:solidFill>
-                            <a:schemeClr val="tx1"/>
-                          </a:solidFill>
-                          <a:effectLst/>
-                        </a:rPr>
-                        <a:t>反转</a:t>
-                      </a:r>
-                      <a:r>
-                        <a:rPr lang="en-US" sz="1600" kern="100">
-                          <a:solidFill>
-                            <a:schemeClr val="tx1"/>
-                          </a:solidFill>
-                          <a:effectLst/>
-                        </a:rPr>
-                        <a:t>ppt</a:t>
-                      </a:r>
-                      <a:endParaRPr lang="zh-CN" sz="1600" kern="100">
-                        <a:solidFill>
-                          <a:schemeClr val="tx1"/>
-                        </a:solidFill>
-                        <a:effectLst/>
-                        <a:latin typeface="Times New Roman" panose="02020603050405020304" pitchFamily="18" charset="0"/>
-                        <a:ea typeface="宋体" panose="02010600030101010101" pitchFamily="2" charset="-122"/>
-                        <a:cs typeface="Times New Roman" panose="02020603050405020304" pitchFamily="18" charset="0"/>
-                      </a:endParaRPr>
-                    </a:p>
-                  </a:txBody>
-                  <a:tcPr marL="68580" marR="68580" marT="0" marB="0"/>
-                </a:tc>
-                <a:extLst>
-                  <a:ext uri="{0D108BD9-81ED-4DB2-BD59-A6C34878D82A}">
-                    <a16:rowId xmlns:a16="http://schemas.microsoft.com/office/drawing/2014/main" xmlns="" val="4280705887"/>
-                  </a:ext>
-                </a:extLst>
-              </a:tr>
-              <a:tr h="360031">
-                <a:tc>
-                  <a:txBody>
-                    <a:bodyPr/>
-                    <a:lstStyle/>
-                    <a:p>
-                      <a:pPr algn="ctr">
-                        <a:spcAft>
-                          <a:spcPts val="600"/>
-                        </a:spcAft>
-                      </a:pPr>
-                      <a:r>
-                        <a:rPr lang="en-US" sz="1600" kern="100">
-                          <a:solidFill>
-                            <a:schemeClr val="tx1"/>
-                          </a:solidFill>
-                          <a:effectLst/>
-                        </a:rPr>
-                        <a:t>05</a:t>
-                      </a:r>
-                      <a:endParaRPr lang="zh-CN" sz="1600" kern="100">
-                        <a:solidFill>
-                          <a:schemeClr val="tx1"/>
-                        </a:solidFill>
-                        <a:effectLst/>
-                        <a:latin typeface="Times New Roman" panose="02020603050405020304" pitchFamily="18" charset="0"/>
-                        <a:ea typeface="宋体" panose="02010600030101010101" pitchFamily="2" charset="-122"/>
-                        <a:cs typeface="Times New Roman" panose="02020603050405020304" pitchFamily="18" charset="0"/>
-                      </a:endParaRPr>
-                    </a:p>
-                  </a:txBody>
-                  <a:tcPr marL="68580" marR="68580" marT="0" marB="0"/>
-                </a:tc>
-                <a:tc>
-                  <a:txBody>
-                    <a:bodyPr/>
-                    <a:lstStyle/>
-                    <a:p>
-                      <a:pPr algn="ctr">
-                        <a:spcAft>
-                          <a:spcPts val="600"/>
-                        </a:spcAft>
-                      </a:pPr>
-                      <a:r>
-                        <a:rPr lang="zh-CN" sz="1600" kern="100" dirty="0">
-                          <a:solidFill>
-                            <a:schemeClr val="tx1"/>
-                          </a:solidFill>
-                          <a:effectLst/>
-                        </a:rPr>
-                        <a:t>总评审</a:t>
-                      </a:r>
-                      <a:r>
-                        <a:rPr lang="en-US" sz="1600" kern="100" dirty="0" err="1">
-                          <a:solidFill>
-                            <a:schemeClr val="tx1"/>
-                          </a:solidFill>
-                          <a:effectLst/>
-                        </a:rPr>
-                        <a:t>ppt</a:t>
-                      </a:r>
-                      <a:endParaRPr lang="zh-CN" sz="1600" kern="100" dirty="0">
-                        <a:solidFill>
-                          <a:schemeClr val="tx1"/>
-                        </a:solidFill>
-                        <a:effectLst/>
-                        <a:latin typeface="Times New Roman" panose="02020603050405020304" pitchFamily="18" charset="0"/>
-                        <a:ea typeface="宋体" panose="02010600030101010101" pitchFamily="2" charset="-122"/>
-                        <a:cs typeface="Times New Roman" panose="02020603050405020304" pitchFamily="18" charset="0"/>
-                      </a:endParaRPr>
-                    </a:p>
-                  </a:txBody>
-                  <a:tcPr marL="68580" marR="68580" marT="0" marB="0"/>
-                </a:tc>
-                <a:extLst>
-                  <a:ext uri="{0D108BD9-81ED-4DB2-BD59-A6C34878D82A}">
-                    <a16:rowId xmlns:a16="http://schemas.microsoft.com/office/drawing/2014/main" xmlns="" val="316362367"/>
-                  </a:ext>
-                </a:extLst>
-              </a:tr>
-            </a:tbl>
-          </a:graphicData>
-        </a:graphic>
-      </p:graphicFrame>
-    </p:spTree>
-    <p:extLst>
-      <p:ext uri="{BB962C8B-B14F-4D97-AF65-F5344CB8AC3E}">
-        <p14:creationId xmlns:p14="http://schemas.microsoft.com/office/powerpoint/2010/main" val="333797320"/>
-      </p:ext>
-    </p:extLst>
-  </p:cSld>
-  <p:clrMapOvr>
-    <a:masterClrMapping/>
-  </p:clrMapOvr>
-  <mc:AlternateContent xmlns:mc="http://schemas.openxmlformats.org/markup-compatibility/2006" xmlns:p14="http://schemas.microsoft.com/office/powerpoint/2010/main">
-    <mc:Choice Requires="p14">
-      <p:transition spd="med" p14:dur="700">
-        <p:fade/>
-      </p:transition>
-    </mc:Choice>
-    <mc:Fallback xmlns="">
-      <p:transition spd="med">
-        <p:fade/>
-      </p:transition>
-    </mc:Fallback>
-  </mc:AlternateContent>
-</p:sld>
-</file>
-
-<file path=ppt/slides/slide9.xml><?xml version="1.0" encoding="utf-8"?>
-<p:sld xmlns:a="http://schemas.openxmlformats.org/drawingml/2006/main" xmlns:r="http://schemas.openxmlformats.org/officeDocument/2006/relationships" xmlns:p="http://schemas.openxmlformats.org/presentationml/2006/main">
-  <p:cSld>
-    <p:spTree>
-      <p:nvGrpSpPr>
-        <p:cNvPr id="1" name=""/>
-        <p:cNvGrpSpPr/>
-        <p:nvPr/>
-      </p:nvGrpSpPr>
-      <p:grpSpPr>
-        <a:xfrm>
-          <a:off x="0" y="0"/>
-          <a:ext cx="0" cy="0"/>
-          <a:chOff x="0" y="0"/>
-          <a:chExt cx="0" cy="0"/>
-        </a:xfrm>
-      </p:grpSpPr>
-      <p:sp>
-        <p:nvSpPr>
-          <p:cNvPr id="2" name="文本占位符 1"/>
-          <p:cNvSpPr>
-            <a:spLocks noGrp="1"/>
-          </p:cNvSpPr>
-          <p:nvPr>
-            <p:ph type="body" sz="quarter" idx="12"/>
-          </p:nvPr>
-        </p:nvSpPr>
-        <p:spPr/>
-        <p:txBody>
-          <a:bodyPr/>
-          <a:lstStyle/>
-          <a:p>
-            <a:r>
-              <a:rPr kumimoji="1" lang="en-US" altLang="zh-CN" dirty="0" smtClean="0"/>
-              <a:t>02</a:t>
-            </a:r>
-            <a:endParaRPr kumimoji="1" lang="zh-CN" altLang="en-US" dirty="0"/>
-          </a:p>
-        </p:txBody>
-      </p:sp>
-      <p:sp>
-        <p:nvSpPr>
-          <p:cNvPr id="3" name="文本占位符 2"/>
-          <p:cNvSpPr>
-            <a:spLocks noGrp="1"/>
-          </p:cNvSpPr>
-          <p:nvPr>
-            <p:ph type="body" sz="quarter" idx="13"/>
-          </p:nvPr>
-        </p:nvSpPr>
-        <p:spPr/>
-        <p:txBody>
-          <a:bodyPr/>
-          <a:lstStyle/>
-          <a:p>
-            <a:r>
-              <a:rPr kumimoji="1" lang="zh-CN" altLang="en-US" dirty="0"/>
-              <a:t>交付产品</a:t>
-            </a:r>
-          </a:p>
-        </p:txBody>
-      </p:sp>
-      <p:sp>
-        <p:nvSpPr>
-          <p:cNvPr id="43" name="空心弧 42"/>
-          <p:cNvSpPr/>
-          <p:nvPr/>
-        </p:nvSpPr>
-        <p:spPr>
-          <a:xfrm rot="10800000">
-            <a:off x="8750883" y="1399035"/>
-            <a:ext cx="2712984" cy="2712984"/>
-          </a:xfrm>
-          <a:prstGeom prst="blockArc">
-            <a:avLst>
-              <a:gd name="adj1" fmla="val 10800000"/>
-              <a:gd name="adj2" fmla="val 21507443"/>
-              <a:gd name="adj3" fmla="val 2294"/>
-            </a:avLst>
-          </a:prstGeom>
-          <a:solidFill>
-            <a:schemeClr val="accent3">
-              <a:lumMod val="20000"/>
-              <a:lumOff val="80000"/>
-            </a:schemeClr>
-          </a:solidFill>
-          <a:ln>
-            <a:noFill/>
-          </a:ln>
-        </p:spPr>
-        <p:style>
-          <a:lnRef idx="2">
-            <a:schemeClr val="accent1">
-              <a:shade val="50000"/>
-            </a:schemeClr>
-          </a:lnRef>
-          <a:fillRef idx="1">
-            <a:schemeClr val="accent1"/>
-          </a:fillRef>
-          <a:effectRef idx="0">
-            <a:schemeClr val="accent1"/>
-          </a:effectRef>
-          <a:fontRef idx="minor">
-            <a:schemeClr val="lt1"/>
-          </a:fontRef>
-        </p:style>
-        <p:txBody>
-          <a:bodyPr rot="0" spcFirstLastPara="0" vertOverflow="overflow" horzOverflow="overflow" vert="horz" wrap="square" lIns="91440" tIns="45720" rIns="91440" bIns="45720" numCol="1" spcCol="0" rtlCol="0" fromWordArt="0" anchor="ctr" anchorCtr="0" forceAA="0" compatLnSpc="1">
-            <a:prstTxWarp prst="textNoShape">
-              <a:avLst/>
-            </a:prstTxWarp>
-            <a:noAutofit/>
-          </a:bodyPr>
-          <a:lstStyle/>
-          <a:p>
-            <a:pPr algn="ctr"/>
-            <a:endParaRPr kumimoji="1" lang="zh-CN" altLang="en-US">
-              <a:solidFill>
-                <a:schemeClr val="tx1"/>
-              </a:solidFill>
-            </a:endParaRPr>
-          </a:p>
-        </p:txBody>
-      </p:sp>
-      <p:pic>
-        <p:nvPicPr>
-          <p:cNvPr id="41" name="图片 40"/>
-          <p:cNvPicPr>
-            <a:picLocks noChangeAspect="1"/>
-          </p:cNvPicPr>
-          <p:nvPr/>
-        </p:nvPicPr>
-        <p:blipFill>
-          <a:blip r:embed="rId2">
-            <a:extLst>
-              <a:ext uri="{28A0092B-C50C-407E-A947-70E740481C1C}">
-                <a14:useLocalDpi xmlns:a14="http://schemas.microsoft.com/office/drawing/2010/main" val="0"/>
-              </a:ext>
-            </a:extLst>
-          </a:blip>
-          <a:stretch>
-            <a:fillRect/>
-          </a:stretch>
-        </p:blipFill>
-        <p:spPr>
-          <a:xfrm>
-            <a:off x="9525979" y="193236"/>
-            <a:ext cx="2244436" cy="713763"/>
-          </a:xfrm>
-          <a:prstGeom prst="rect">
-            <a:avLst/>
-          </a:prstGeom>
-        </p:spPr>
-      </p:pic>
-      <p:sp>
-        <p:nvSpPr>
-          <p:cNvPr id="7" name="文本框 6"/>
-          <p:cNvSpPr txBox="1"/>
-          <p:nvPr/>
-        </p:nvSpPr>
-        <p:spPr>
-          <a:xfrm>
-            <a:off x="970383" y="1137424"/>
-            <a:ext cx="8932984" cy="523220"/>
-          </a:xfrm>
-          <a:prstGeom prst="rect">
-            <a:avLst/>
-          </a:prstGeom>
-          <a:noFill/>
-        </p:spPr>
-        <p:txBody>
-          <a:bodyPr wrap="square" rtlCol="0">
-            <a:spAutoFit/>
-          </a:bodyPr>
-          <a:lstStyle/>
-          <a:p>
-            <a:r>
-              <a:rPr lang="en-US" altLang="zh-CN" sz="2800" dirty="0" smtClean="0"/>
-              <a:t>2.4</a:t>
-            </a:r>
-            <a:r>
-              <a:rPr lang="zh-CN" altLang="en-US" sz="2800" dirty="0" smtClean="0"/>
-              <a:t>验收标准</a:t>
-            </a:r>
-            <a:endParaRPr lang="zh-CN" altLang="en-US" sz="2800" dirty="0"/>
-          </a:p>
-        </p:txBody>
-      </p:sp>
-      <p:graphicFrame>
-        <p:nvGraphicFramePr>
-          <p:cNvPr id="4" name="表格 3"/>
-          <p:cNvGraphicFramePr>
-            <a:graphicFrameLocks noGrp="1"/>
-          </p:cNvGraphicFramePr>
-          <p:nvPr>
-            <p:extLst>
-              <p:ext uri="{D42A27DB-BD31-4B8C-83A1-F6EECF244321}">
-                <p14:modId xmlns:p14="http://schemas.microsoft.com/office/powerpoint/2010/main" val="472705589"/>
-              </p:ext>
-            </p:extLst>
-          </p:nvPr>
-        </p:nvGraphicFramePr>
-        <p:xfrm>
-          <a:off x="1361505" y="1651851"/>
-          <a:ext cx="9653954" cy="4688347"/>
-        </p:xfrm>
-        <a:graphic>
-          <a:graphicData uri="http://schemas.openxmlformats.org/drawingml/2006/table">
-            <a:tbl>
-              <a:tblPr firstRow="1" firstCol="1" bandRow="1">
-                <a:tableStyleId>{5C22544A-7EE6-4342-B048-85BDC9FD1C3A}</a:tableStyleId>
-              </a:tblPr>
-              <a:tblGrid>
-                <a:gridCol w="1357127">
-                  <a:extLst>
-                    <a:ext uri="{9D8B030D-6E8A-4147-A177-3AD203B41FA5}">
-                      <a16:colId xmlns:a16="http://schemas.microsoft.com/office/drawing/2014/main" xmlns="" val="1601494629"/>
-                    </a:ext>
-                  </a:extLst>
-                </a:gridCol>
-                <a:gridCol w="4202790">
-                  <a:extLst>
-                    <a:ext uri="{9D8B030D-6E8A-4147-A177-3AD203B41FA5}">
-                      <a16:colId xmlns:a16="http://schemas.microsoft.com/office/drawing/2014/main" xmlns="" val="1609913802"/>
-                    </a:ext>
-                  </a:extLst>
-                </a:gridCol>
-                <a:gridCol w="4094037">
-                  <a:extLst>
-                    <a:ext uri="{9D8B030D-6E8A-4147-A177-3AD203B41FA5}">
-                      <a16:colId xmlns:a16="http://schemas.microsoft.com/office/drawing/2014/main" xmlns="" val="907974138"/>
-                    </a:ext>
-                  </a:extLst>
-                </a:gridCol>
-              </a:tblGrid>
-              <a:tr h="159730">
-                <a:tc>
-                  <a:txBody>
-                    <a:bodyPr/>
-                    <a:lstStyle/>
-                    <a:p>
-                      <a:pPr algn="ctr">
-                        <a:spcAft>
-                          <a:spcPts val="600"/>
-                        </a:spcAft>
-                      </a:pPr>
-                      <a:r>
-                        <a:rPr lang="zh-CN" sz="1200" kern="100" dirty="0">
-                          <a:solidFill>
-                            <a:schemeClr val="tx1"/>
-                          </a:solidFill>
-                          <a:effectLst/>
-                        </a:rPr>
-                        <a:t>序号</a:t>
-                      </a:r>
-                      <a:endParaRPr lang="zh-CN" sz="1200" kern="100" dirty="0">
-                        <a:solidFill>
-                          <a:schemeClr val="tx1"/>
-                        </a:solidFill>
-                        <a:effectLst/>
-                        <a:latin typeface="Times New Roman" panose="02020603050405020304" pitchFamily="18" charset="0"/>
-                        <a:ea typeface="宋体" panose="02010600030101010101" pitchFamily="2" charset="-122"/>
-                        <a:cs typeface="Times New Roman" panose="02020603050405020304" pitchFamily="18" charset="0"/>
-                      </a:endParaRPr>
-                    </a:p>
-                  </a:txBody>
-                  <a:tcPr marL="56106" marR="56106" marT="0" marB="0"/>
-                </a:tc>
-                <a:tc>
-                  <a:txBody>
-                    <a:bodyPr/>
-                    <a:lstStyle/>
-                    <a:p>
-                      <a:pPr algn="ctr">
-                        <a:spcAft>
-                          <a:spcPts val="600"/>
-                        </a:spcAft>
-                      </a:pPr>
-                      <a:r>
-                        <a:rPr lang="zh-CN" sz="1200" kern="100" dirty="0">
-                          <a:solidFill>
-                            <a:schemeClr val="tx1"/>
-                          </a:solidFill>
-                          <a:effectLst/>
-                        </a:rPr>
-                        <a:t>交付件</a:t>
-                      </a:r>
-                      <a:endParaRPr lang="zh-CN" sz="1200" kern="100" dirty="0">
-                        <a:solidFill>
-                          <a:schemeClr val="tx1"/>
-                        </a:solidFill>
-                        <a:effectLst/>
-                        <a:latin typeface="Times New Roman" panose="02020603050405020304" pitchFamily="18" charset="0"/>
-                        <a:ea typeface="宋体" panose="02010600030101010101" pitchFamily="2" charset="-122"/>
-                        <a:cs typeface="Times New Roman" panose="02020603050405020304" pitchFamily="18" charset="0"/>
-                      </a:endParaRPr>
-                    </a:p>
-                  </a:txBody>
-                  <a:tcPr marL="56106" marR="56106" marT="0" marB="0"/>
-                </a:tc>
-                <a:tc>
-                  <a:txBody>
-                    <a:bodyPr/>
-                    <a:lstStyle/>
-                    <a:p>
-                      <a:pPr algn="ctr">
-                        <a:spcAft>
-                          <a:spcPts val="600"/>
-                        </a:spcAft>
-                      </a:pPr>
-                      <a:r>
-                        <a:rPr lang="zh-CN" sz="1200" kern="100">
-                          <a:solidFill>
-                            <a:schemeClr val="tx1"/>
-                          </a:solidFill>
-                          <a:effectLst/>
-                        </a:rPr>
-                        <a:t>验收标准</a:t>
-                      </a:r>
-                      <a:endParaRPr lang="zh-CN" sz="1200" kern="100">
-                        <a:solidFill>
-                          <a:schemeClr val="tx1"/>
-                        </a:solidFill>
-                        <a:effectLst/>
-                        <a:latin typeface="Times New Roman" panose="02020603050405020304" pitchFamily="18" charset="0"/>
-                        <a:ea typeface="宋体" panose="02010600030101010101" pitchFamily="2" charset="-122"/>
-                        <a:cs typeface="Times New Roman" panose="02020603050405020304" pitchFamily="18" charset="0"/>
-                      </a:endParaRPr>
-                    </a:p>
-                  </a:txBody>
-                  <a:tcPr marL="56106" marR="56106" marT="0" marB="0"/>
-                </a:tc>
-                <a:extLst>
-                  <a:ext uri="{0D108BD9-81ED-4DB2-BD59-A6C34878D82A}">
-                    <a16:rowId xmlns:a16="http://schemas.microsoft.com/office/drawing/2014/main" xmlns="" val="1011311202"/>
-                  </a:ext>
-                </a:extLst>
-              </a:tr>
-              <a:tr h="969787">
-                <a:tc>
-                  <a:txBody>
-                    <a:bodyPr/>
-                    <a:lstStyle/>
-                    <a:p>
-                      <a:pPr algn="ctr">
-                        <a:spcAft>
-                          <a:spcPts val="600"/>
-                        </a:spcAft>
-                      </a:pPr>
-                      <a:r>
-                        <a:rPr lang="en-US" sz="1200" kern="100" dirty="0">
-                          <a:solidFill>
-                            <a:schemeClr val="tx1"/>
-                          </a:solidFill>
-                          <a:effectLst/>
-                        </a:rPr>
-                        <a:t>01</a:t>
-                      </a:r>
-                      <a:endParaRPr lang="zh-CN" sz="1200" kern="100" dirty="0">
-                        <a:solidFill>
-                          <a:schemeClr val="tx1"/>
-                        </a:solidFill>
-                        <a:effectLst/>
-                        <a:latin typeface="Times New Roman" panose="02020603050405020304" pitchFamily="18" charset="0"/>
-                        <a:ea typeface="宋体" panose="02010600030101010101" pitchFamily="2" charset="-122"/>
-                        <a:cs typeface="Times New Roman" panose="02020603050405020304" pitchFamily="18" charset="0"/>
-                      </a:endParaRPr>
-                    </a:p>
-                  </a:txBody>
-                  <a:tcPr marL="56106" marR="56106" marT="0" marB="0"/>
-                </a:tc>
-                <a:tc>
-                  <a:txBody>
-                    <a:bodyPr/>
-                    <a:lstStyle/>
-                    <a:p>
-                      <a:pPr algn="ctr">
-                        <a:spcAft>
-                          <a:spcPts val="600"/>
-                        </a:spcAft>
-                      </a:pPr>
-                      <a:r>
-                        <a:rPr lang="zh-CN" sz="1200" kern="100" dirty="0">
-                          <a:solidFill>
-                            <a:schemeClr val="tx1"/>
-                          </a:solidFill>
-                          <a:effectLst/>
-                        </a:rPr>
-                        <a:t>项目计划</a:t>
-                      </a:r>
-                      <a:endParaRPr lang="zh-CN" sz="1200" kern="100" dirty="0">
-                        <a:solidFill>
-                          <a:schemeClr val="tx1"/>
-                        </a:solidFill>
-                        <a:effectLst/>
-                        <a:latin typeface="Times New Roman" panose="02020603050405020304" pitchFamily="18" charset="0"/>
-                        <a:ea typeface="宋体" panose="02010600030101010101" pitchFamily="2" charset="-122"/>
-                        <a:cs typeface="Times New Roman" panose="02020603050405020304" pitchFamily="18" charset="0"/>
-                      </a:endParaRPr>
-                    </a:p>
-                  </a:txBody>
-                  <a:tcPr marL="56106" marR="56106" marT="0" marB="0"/>
-                </a:tc>
-                <a:tc>
-                  <a:txBody>
-                    <a:bodyPr/>
-                    <a:lstStyle/>
-                    <a:p>
-                      <a:pPr marL="342900" lvl="0" indent="-342900" algn="ctr">
-                        <a:spcAft>
-                          <a:spcPts val="600"/>
-                        </a:spcAft>
-                        <a:buFont typeface="+mj-lt"/>
-                        <a:buAutoNum type="arabicPeriod"/>
-                      </a:pPr>
-                      <a:r>
-                        <a:rPr lang="zh-CN" sz="1200" kern="100">
-                          <a:solidFill>
-                            <a:schemeClr val="tx1"/>
-                          </a:solidFill>
-                          <a:effectLst/>
-                        </a:rPr>
-                        <a:t>项目计划符合</a:t>
-                      </a:r>
-                      <a:r>
-                        <a:rPr lang="en-US" sz="1200" kern="100">
-                          <a:solidFill>
-                            <a:schemeClr val="tx1"/>
-                          </a:solidFill>
-                          <a:effectLst/>
-                        </a:rPr>
-                        <a:t>SDP</a:t>
-                      </a:r>
-                      <a:r>
-                        <a:rPr lang="zh-CN" sz="1200" kern="100">
-                          <a:solidFill>
-                            <a:schemeClr val="tx1"/>
-                          </a:solidFill>
-                          <a:effectLst/>
-                        </a:rPr>
-                        <a:t>框架</a:t>
-                      </a:r>
-                    </a:p>
-                    <a:p>
-                      <a:pPr marL="342900" lvl="0" indent="-342900" algn="ctr">
-                        <a:spcAft>
-                          <a:spcPts val="600"/>
-                        </a:spcAft>
-                        <a:buFont typeface="+mj-lt"/>
-                        <a:buAutoNum type="arabicPeriod"/>
-                      </a:pPr>
-                      <a:r>
-                        <a:rPr lang="zh-CN" sz="1200" kern="100">
-                          <a:solidFill>
-                            <a:schemeClr val="tx1"/>
-                          </a:solidFill>
-                          <a:effectLst/>
-                        </a:rPr>
-                        <a:t>提交标准的甘特图</a:t>
-                      </a:r>
-                    </a:p>
-                    <a:p>
-                      <a:pPr marL="342900" lvl="0" indent="-342900" algn="ctr">
-                        <a:spcAft>
-                          <a:spcPts val="600"/>
-                        </a:spcAft>
-                        <a:buFont typeface="+mj-lt"/>
-                        <a:buAutoNum type="arabicPeriod"/>
-                      </a:pPr>
-                      <a:r>
-                        <a:rPr lang="en-US" sz="1200" kern="100">
-                          <a:solidFill>
-                            <a:schemeClr val="tx1"/>
-                          </a:solidFill>
-                          <a:effectLst/>
-                        </a:rPr>
-                        <a:t>ppt</a:t>
-                      </a:r>
-                      <a:r>
-                        <a:rPr lang="zh-CN" sz="1200" kern="100">
-                          <a:solidFill>
-                            <a:schemeClr val="tx1"/>
-                          </a:solidFill>
-                          <a:effectLst/>
-                        </a:rPr>
-                        <a:t>的内容能将计划解释清楚</a:t>
-                      </a:r>
-                    </a:p>
-                    <a:p>
-                      <a:pPr marL="342900" lvl="0" indent="-342900" algn="ctr">
-                        <a:spcAft>
-                          <a:spcPts val="600"/>
-                        </a:spcAft>
-                        <a:buFont typeface="+mj-lt"/>
-                        <a:buAutoNum type="arabicPeriod"/>
-                      </a:pPr>
-                      <a:r>
-                        <a:rPr lang="zh-CN" sz="1200" kern="100">
-                          <a:solidFill>
-                            <a:schemeClr val="tx1"/>
-                          </a:solidFill>
-                          <a:effectLst/>
-                        </a:rPr>
-                        <a:t>输出项目计划、</a:t>
-                      </a:r>
-                      <a:r>
-                        <a:rPr lang="en-US" sz="1200" kern="100">
-                          <a:solidFill>
-                            <a:schemeClr val="tx1"/>
-                          </a:solidFill>
-                          <a:effectLst/>
-                        </a:rPr>
-                        <a:t>ppt</a:t>
-                      </a:r>
-                      <a:r>
-                        <a:rPr lang="zh-CN" sz="1200" kern="100">
-                          <a:solidFill>
-                            <a:schemeClr val="tx1"/>
-                          </a:solidFill>
-                          <a:effectLst/>
-                        </a:rPr>
-                        <a:t>、</a:t>
-                      </a:r>
-                      <a:r>
-                        <a:rPr lang="en-US" sz="1200" kern="100">
-                          <a:solidFill>
-                            <a:schemeClr val="tx1"/>
-                          </a:solidFill>
-                          <a:effectLst/>
-                        </a:rPr>
-                        <a:t>msproject</a:t>
-                      </a:r>
-                      <a:r>
-                        <a:rPr lang="zh-CN" sz="1200" kern="100">
-                          <a:solidFill>
-                            <a:schemeClr val="tx1"/>
-                          </a:solidFill>
-                          <a:effectLst/>
-                        </a:rPr>
-                        <a:t>文档和会议记录</a:t>
-                      </a:r>
-                      <a:endParaRPr lang="zh-CN" sz="1200" kern="100">
-                        <a:solidFill>
-                          <a:schemeClr val="tx1"/>
-                        </a:solidFill>
-                        <a:effectLst/>
-                        <a:latin typeface="Times New Roman" panose="02020603050405020304" pitchFamily="18" charset="0"/>
-                        <a:ea typeface="宋体" panose="02010600030101010101" pitchFamily="2" charset="-122"/>
-                        <a:cs typeface="Times New Roman" panose="02020603050405020304" pitchFamily="18" charset="0"/>
-                      </a:endParaRPr>
-                    </a:p>
-                  </a:txBody>
-                  <a:tcPr marL="56106" marR="56106" marT="0" marB="0"/>
-                </a:tc>
-                <a:extLst>
-                  <a:ext uri="{0D108BD9-81ED-4DB2-BD59-A6C34878D82A}">
-                    <a16:rowId xmlns:a16="http://schemas.microsoft.com/office/drawing/2014/main" xmlns="" val="195626558"/>
-                  </a:ext>
-                </a:extLst>
-              </a:tr>
-              <a:tr h="753011">
-                <a:tc>
-                  <a:txBody>
-                    <a:bodyPr/>
-                    <a:lstStyle/>
-                    <a:p>
-                      <a:pPr algn="ctr">
-                        <a:spcAft>
-                          <a:spcPts val="600"/>
-                        </a:spcAft>
-                      </a:pPr>
-                      <a:r>
-                        <a:rPr lang="en-US" sz="1200" kern="100">
-                          <a:solidFill>
-                            <a:schemeClr val="tx1"/>
-                          </a:solidFill>
-                          <a:effectLst/>
-                        </a:rPr>
-                        <a:t>02</a:t>
-                      </a:r>
-                      <a:endParaRPr lang="zh-CN" sz="1200" kern="100">
-                        <a:solidFill>
-                          <a:schemeClr val="tx1"/>
-                        </a:solidFill>
-                        <a:effectLst/>
-                        <a:latin typeface="Times New Roman" panose="02020603050405020304" pitchFamily="18" charset="0"/>
-                        <a:ea typeface="宋体" panose="02010600030101010101" pitchFamily="2" charset="-122"/>
-                        <a:cs typeface="Times New Roman" panose="02020603050405020304" pitchFamily="18" charset="0"/>
-                      </a:endParaRPr>
-                    </a:p>
-                  </a:txBody>
-                  <a:tcPr marL="56106" marR="56106" marT="0" marB="0"/>
-                </a:tc>
-                <a:tc>
-                  <a:txBody>
-                    <a:bodyPr/>
-                    <a:lstStyle/>
-                    <a:p>
-                      <a:pPr algn="ctr">
-                        <a:spcAft>
-                          <a:spcPts val="600"/>
-                        </a:spcAft>
-                      </a:pPr>
-                      <a:r>
-                        <a:rPr lang="zh-CN" sz="1200" kern="100" dirty="0">
-                          <a:solidFill>
-                            <a:schemeClr val="tx1"/>
-                          </a:solidFill>
-                          <a:effectLst/>
-                        </a:rPr>
-                        <a:t>可行性分析报告</a:t>
-                      </a:r>
-                      <a:endParaRPr lang="zh-CN" sz="1200" kern="100" dirty="0">
-                        <a:solidFill>
-                          <a:schemeClr val="tx1"/>
-                        </a:solidFill>
-                        <a:effectLst/>
-                        <a:latin typeface="Times New Roman" panose="02020603050405020304" pitchFamily="18" charset="0"/>
-                        <a:ea typeface="宋体" panose="02010600030101010101" pitchFamily="2" charset="-122"/>
-                        <a:cs typeface="Times New Roman" panose="02020603050405020304" pitchFamily="18" charset="0"/>
-                      </a:endParaRPr>
-                    </a:p>
-                  </a:txBody>
-                  <a:tcPr marL="56106" marR="56106" marT="0" marB="0"/>
-                </a:tc>
-                <a:tc>
-                  <a:txBody>
-                    <a:bodyPr/>
-                    <a:lstStyle/>
-                    <a:p>
-                      <a:pPr marL="342900" lvl="0" indent="-342900" algn="ctr">
-                        <a:spcAft>
-                          <a:spcPts val="600"/>
-                        </a:spcAft>
-                        <a:buFont typeface="+mj-lt"/>
-                        <a:buAutoNum type="arabicPeriod"/>
-                      </a:pPr>
-                      <a:r>
-                        <a:rPr lang="zh-CN" sz="1200" kern="100" dirty="0">
-                          <a:solidFill>
-                            <a:schemeClr val="tx1"/>
-                          </a:solidFill>
-                          <a:effectLst/>
-                        </a:rPr>
-                        <a:t>能从技术、经济方面对项目可行性分析</a:t>
-                      </a:r>
-                    </a:p>
-                    <a:p>
-                      <a:pPr marL="342900" lvl="0" indent="-342900" algn="ctr">
-                        <a:spcAft>
-                          <a:spcPts val="600"/>
-                        </a:spcAft>
-                        <a:buFont typeface="+mj-lt"/>
-                        <a:buAutoNum type="arabicPeriod"/>
-                      </a:pPr>
-                      <a:r>
-                        <a:rPr lang="zh-CN" sz="1200" kern="100" dirty="0">
-                          <a:solidFill>
-                            <a:schemeClr val="tx1"/>
-                          </a:solidFill>
-                          <a:effectLst/>
-                        </a:rPr>
-                        <a:t>输出的报告需要有对现有系统和替换系统的分析，分析要给出软件过程图和数据流图。</a:t>
-                      </a:r>
-                    </a:p>
-                    <a:p>
-                      <a:pPr marL="342900" lvl="0" indent="-342900" algn="ctr">
-                        <a:spcAft>
-                          <a:spcPts val="600"/>
-                        </a:spcAft>
-                        <a:buFont typeface="+mj-lt"/>
-                        <a:buAutoNum type="arabicPeriod"/>
-                      </a:pPr>
-                      <a:r>
-                        <a:rPr lang="zh-CN" sz="1200" kern="100" dirty="0">
-                          <a:solidFill>
-                            <a:schemeClr val="tx1"/>
-                          </a:solidFill>
-                          <a:effectLst/>
-                        </a:rPr>
-                        <a:t>结论要指出可行或不可行，并且与过程相符。</a:t>
-                      </a:r>
-                      <a:endParaRPr lang="zh-CN" sz="1200" kern="100" dirty="0">
-                        <a:solidFill>
-                          <a:schemeClr val="tx1"/>
-                        </a:solidFill>
-                        <a:effectLst/>
-                        <a:latin typeface="Times New Roman" panose="02020603050405020304" pitchFamily="18" charset="0"/>
-                        <a:ea typeface="宋体" panose="02010600030101010101" pitchFamily="2" charset="-122"/>
-                        <a:cs typeface="Times New Roman" panose="02020603050405020304" pitchFamily="18" charset="0"/>
-                      </a:endParaRPr>
-                    </a:p>
-                  </a:txBody>
-                  <a:tcPr marL="56106" marR="56106" marT="0" marB="0"/>
-                </a:tc>
-                <a:extLst>
-                  <a:ext uri="{0D108BD9-81ED-4DB2-BD59-A6C34878D82A}">
-                    <a16:rowId xmlns:a16="http://schemas.microsoft.com/office/drawing/2014/main" xmlns="" val="1289658045"/>
-                  </a:ext>
-                </a:extLst>
-              </a:tr>
-              <a:tr h="159730">
-                <a:tc>
-                  <a:txBody>
-                    <a:bodyPr/>
-                    <a:lstStyle/>
-                    <a:p>
-                      <a:pPr algn="ctr">
-                        <a:spcAft>
-                          <a:spcPts val="600"/>
-                        </a:spcAft>
-                      </a:pPr>
-                      <a:r>
-                        <a:rPr lang="en-US" sz="1200" kern="100">
-                          <a:solidFill>
-                            <a:schemeClr val="tx1"/>
-                          </a:solidFill>
-                          <a:effectLst/>
-                        </a:rPr>
-                        <a:t>03</a:t>
-                      </a:r>
-                      <a:endParaRPr lang="zh-CN" sz="1200" kern="100">
-                        <a:solidFill>
-                          <a:schemeClr val="tx1"/>
-                        </a:solidFill>
-                        <a:effectLst/>
-                        <a:latin typeface="Times New Roman" panose="02020603050405020304" pitchFamily="18" charset="0"/>
-                        <a:ea typeface="宋体" panose="02010600030101010101" pitchFamily="2" charset="-122"/>
-                        <a:cs typeface="Times New Roman" panose="02020603050405020304" pitchFamily="18" charset="0"/>
-                      </a:endParaRPr>
-                    </a:p>
-                  </a:txBody>
-                  <a:tcPr marL="56106" marR="56106" marT="0" marB="0"/>
-                </a:tc>
-                <a:tc>
-                  <a:txBody>
-                    <a:bodyPr/>
-                    <a:lstStyle/>
-                    <a:p>
-                      <a:pPr algn="ctr">
-                        <a:spcAft>
-                          <a:spcPts val="600"/>
-                        </a:spcAft>
-                      </a:pPr>
-                      <a:r>
-                        <a:rPr lang="zh-CN" sz="1200" kern="100">
-                          <a:solidFill>
-                            <a:schemeClr val="tx1"/>
-                          </a:solidFill>
-                          <a:effectLst/>
-                        </a:rPr>
-                        <a:t>需求规格说明书</a:t>
-                      </a:r>
-                      <a:endParaRPr lang="zh-CN" sz="1200" kern="100">
-                        <a:solidFill>
-                          <a:schemeClr val="tx1"/>
-                        </a:solidFill>
-                        <a:effectLst/>
-                        <a:latin typeface="Times New Roman" panose="02020603050405020304" pitchFamily="18" charset="0"/>
-                        <a:ea typeface="宋体" panose="02010600030101010101" pitchFamily="2" charset="-122"/>
-                        <a:cs typeface="Times New Roman" panose="02020603050405020304" pitchFamily="18" charset="0"/>
-                      </a:endParaRPr>
-                    </a:p>
-                  </a:txBody>
-                  <a:tcPr marL="56106" marR="56106" marT="0" marB="0"/>
-                </a:tc>
-                <a:tc>
-                  <a:txBody>
-                    <a:bodyPr/>
-                    <a:lstStyle/>
-                    <a:p>
-                      <a:pPr algn="ctr">
-                        <a:spcAft>
-                          <a:spcPts val="600"/>
-                        </a:spcAft>
-                      </a:pPr>
-                      <a:r>
-                        <a:rPr lang="en-US" sz="1200" kern="100" dirty="0">
-                          <a:solidFill>
-                            <a:schemeClr val="tx1"/>
-                          </a:solidFill>
-                          <a:effectLst/>
-                        </a:rPr>
-                        <a:t>1</a:t>
-                      </a:r>
-                      <a:r>
-                        <a:rPr lang="zh-CN" sz="1200" kern="100" dirty="0">
-                          <a:solidFill>
-                            <a:schemeClr val="tx1"/>
-                          </a:solidFill>
-                          <a:effectLst/>
-                        </a:rPr>
-                        <a:t>、有客户访谈和需求规格说明，且两者不能相悖</a:t>
-                      </a:r>
-                      <a:endParaRPr lang="zh-CN" sz="1200" kern="100" dirty="0">
-                        <a:solidFill>
-                          <a:schemeClr val="tx1"/>
-                        </a:solidFill>
-                        <a:effectLst/>
-                        <a:latin typeface="Times New Roman" panose="02020603050405020304" pitchFamily="18" charset="0"/>
-                        <a:ea typeface="宋体" panose="02010600030101010101" pitchFamily="2" charset="-122"/>
-                        <a:cs typeface="Times New Roman" panose="02020603050405020304" pitchFamily="18" charset="0"/>
-                      </a:endParaRPr>
-                    </a:p>
-                  </a:txBody>
-                  <a:tcPr marL="56106" marR="56106" marT="0" marB="0"/>
-                </a:tc>
-                <a:extLst>
-                  <a:ext uri="{0D108BD9-81ED-4DB2-BD59-A6C34878D82A}">
-                    <a16:rowId xmlns:a16="http://schemas.microsoft.com/office/drawing/2014/main" xmlns="" val="1319405084"/>
-                  </a:ext>
-                </a:extLst>
-              </a:tr>
-              <a:tr h="159730">
-                <a:tc>
-                  <a:txBody>
-                    <a:bodyPr/>
-                    <a:lstStyle/>
-                    <a:p>
-                      <a:pPr algn="ctr">
-                        <a:spcAft>
-                          <a:spcPts val="600"/>
-                        </a:spcAft>
-                      </a:pPr>
-                      <a:r>
-                        <a:rPr lang="en-US" sz="1200" kern="100">
-                          <a:solidFill>
-                            <a:schemeClr val="tx1"/>
-                          </a:solidFill>
-                          <a:effectLst/>
-                        </a:rPr>
-                        <a:t>04</a:t>
-                      </a:r>
-                      <a:endParaRPr lang="zh-CN" sz="1200" kern="100">
-                        <a:solidFill>
-                          <a:schemeClr val="tx1"/>
-                        </a:solidFill>
-                        <a:effectLst/>
-                        <a:latin typeface="Times New Roman" panose="02020603050405020304" pitchFamily="18" charset="0"/>
-                        <a:ea typeface="宋体" panose="02010600030101010101" pitchFamily="2" charset="-122"/>
-                        <a:cs typeface="Times New Roman" panose="02020603050405020304" pitchFamily="18" charset="0"/>
-                      </a:endParaRPr>
-                    </a:p>
-                  </a:txBody>
-                  <a:tcPr marL="56106" marR="56106" marT="0" marB="0"/>
-                </a:tc>
-                <a:tc>
-                  <a:txBody>
-                    <a:bodyPr/>
-                    <a:lstStyle/>
-                    <a:p>
-                      <a:pPr algn="ctr">
-                        <a:spcAft>
-                          <a:spcPts val="600"/>
-                        </a:spcAft>
-                      </a:pPr>
-                      <a:r>
-                        <a:rPr lang="zh-CN" sz="1200" kern="100">
-                          <a:solidFill>
-                            <a:schemeClr val="tx1"/>
-                          </a:solidFill>
-                          <a:effectLst/>
-                        </a:rPr>
-                        <a:t>总体设计报告</a:t>
-                      </a:r>
-                      <a:endParaRPr lang="zh-CN" sz="1200" kern="100">
-                        <a:solidFill>
-                          <a:schemeClr val="tx1"/>
-                        </a:solidFill>
-                        <a:effectLst/>
-                        <a:latin typeface="Times New Roman" panose="02020603050405020304" pitchFamily="18" charset="0"/>
-                        <a:ea typeface="宋体" panose="02010600030101010101" pitchFamily="2" charset="-122"/>
-                        <a:cs typeface="Times New Roman" panose="02020603050405020304" pitchFamily="18" charset="0"/>
-                      </a:endParaRPr>
-                    </a:p>
-                  </a:txBody>
-                  <a:tcPr marL="56106" marR="56106" marT="0" marB="0"/>
-                </a:tc>
-                <a:tc>
-                  <a:txBody>
-                    <a:bodyPr/>
-                    <a:lstStyle/>
-                    <a:p>
-                      <a:pPr marL="342900" lvl="0" indent="-342900" algn="ctr">
-                        <a:spcAft>
-                          <a:spcPts val="600"/>
-                        </a:spcAft>
-                        <a:buFont typeface="+mj-lt"/>
-                        <a:buAutoNum type="arabicPeriod"/>
-                      </a:pPr>
-                      <a:r>
-                        <a:rPr lang="zh-CN" sz="1200" kern="100">
-                          <a:solidFill>
-                            <a:schemeClr val="tx1"/>
-                          </a:solidFill>
-                          <a:effectLst/>
-                        </a:rPr>
-                        <a:t>符合国家标准</a:t>
-                      </a:r>
-                      <a:endParaRPr lang="zh-CN" sz="1200" kern="100">
-                        <a:solidFill>
-                          <a:schemeClr val="tx1"/>
-                        </a:solidFill>
-                        <a:effectLst/>
-                        <a:latin typeface="Times New Roman" panose="02020603050405020304" pitchFamily="18" charset="0"/>
-                        <a:ea typeface="宋体" panose="02010600030101010101" pitchFamily="2" charset="-122"/>
-                        <a:cs typeface="Times New Roman" panose="02020603050405020304" pitchFamily="18" charset="0"/>
-                      </a:endParaRPr>
-                    </a:p>
-                  </a:txBody>
-                  <a:tcPr marL="56106" marR="56106" marT="0" marB="0"/>
-                </a:tc>
-                <a:extLst>
-                  <a:ext uri="{0D108BD9-81ED-4DB2-BD59-A6C34878D82A}">
-                    <a16:rowId xmlns:a16="http://schemas.microsoft.com/office/drawing/2014/main" xmlns="" val="3549935237"/>
-                  </a:ext>
-                </a:extLst>
-              </a:tr>
-              <a:tr h="593282">
-                <a:tc>
-                  <a:txBody>
-                    <a:bodyPr/>
-                    <a:lstStyle/>
-                    <a:p>
-                      <a:pPr algn="ctr">
-                        <a:spcAft>
-                          <a:spcPts val="600"/>
-                        </a:spcAft>
-                      </a:pPr>
-                      <a:r>
-                        <a:rPr lang="en-US" sz="1200" kern="100">
-                          <a:solidFill>
-                            <a:schemeClr val="tx1"/>
-                          </a:solidFill>
-                          <a:effectLst/>
-                        </a:rPr>
-                        <a:t>05</a:t>
-                      </a:r>
-                      <a:endParaRPr lang="zh-CN" sz="1200" kern="100">
-                        <a:solidFill>
-                          <a:schemeClr val="tx1"/>
-                        </a:solidFill>
-                        <a:effectLst/>
-                        <a:latin typeface="Times New Roman" panose="02020603050405020304" pitchFamily="18" charset="0"/>
-                        <a:ea typeface="宋体" panose="02010600030101010101" pitchFamily="2" charset="-122"/>
-                        <a:cs typeface="Times New Roman" panose="02020603050405020304" pitchFamily="18" charset="0"/>
-                      </a:endParaRPr>
-                    </a:p>
-                  </a:txBody>
-                  <a:tcPr marL="56106" marR="56106" marT="0" marB="0"/>
-                </a:tc>
-                <a:tc>
-                  <a:txBody>
-                    <a:bodyPr/>
-                    <a:lstStyle/>
-                    <a:p>
-                      <a:pPr algn="ctr">
-                        <a:spcAft>
-                          <a:spcPts val="600"/>
-                        </a:spcAft>
-                      </a:pPr>
-                      <a:r>
-                        <a:rPr lang="zh-CN" sz="1200" kern="100">
-                          <a:solidFill>
-                            <a:schemeClr val="tx1"/>
-                          </a:solidFill>
-                          <a:effectLst/>
-                        </a:rPr>
-                        <a:t>详细设计报告</a:t>
-                      </a:r>
-                      <a:endParaRPr lang="zh-CN" sz="1200" kern="100">
-                        <a:solidFill>
-                          <a:schemeClr val="tx1"/>
-                        </a:solidFill>
-                        <a:effectLst/>
-                        <a:latin typeface="Times New Roman" panose="02020603050405020304" pitchFamily="18" charset="0"/>
-                        <a:ea typeface="宋体" panose="02010600030101010101" pitchFamily="2" charset="-122"/>
-                        <a:cs typeface="Times New Roman" panose="02020603050405020304" pitchFamily="18" charset="0"/>
-                      </a:endParaRPr>
-                    </a:p>
-                  </a:txBody>
-                  <a:tcPr marL="56106" marR="56106" marT="0" marB="0"/>
-                </a:tc>
-                <a:tc>
-                  <a:txBody>
-                    <a:bodyPr/>
-                    <a:lstStyle/>
-                    <a:p>
-                      <a:pPr marL="342900" lvl="0" indent="-342900" algn="ctr">
-                        <a:spcAft>
-                          <a:spcPts val="600"/>
-                        </a:spcAft>
-                        <a:buFont typeface="+mj-lt"/>
-                        <a:buAutoNum type="arabicPeriod"/>
-                      </a:pPr>
-                      <a:r>
-                        <a:rPr lang="zh-CN" sz="1200" kern="100" dirty="0">
-                          <a:solidFill>
-                            <a:schemeClr val="tx1"/>
-                          </a:solidFill>
-                          <a:effectLst/>
-                        </a:rPr>
-                        <a:t>设计要有具体的</a:t>
-                      </a:r>
-                      <a:r>
-                        <a:rPr lang="en-US" sz="1200" kern="100" dirty="0" err="1">
-                          <a:solidFill>
-                            <a:schemeClr val="tx1"/>
-                          </a:solidFill>
-                          <a:effectLst/>
-                        </a:rPr>
-                        <a:t>ui</a:t>
-                      </a:r>
-                      <a:r>
-                        <a:rPr lang="zh-CN" sz="1200" kern="100" dirty="0">
-                          <a:solidFill>
-                            <a:schemeClr val="tx1"/>
-                          </a:solidFill>
-                          <a:effectLst/>
-                        </a:rPr>
-                        <a:t>设计</a:t>
-                      </a:r>
-                    </a:p>
-                    <a:p>
-                      <a:pPr marL="342900" lvl="0" indent="-342900" algn="ctr">
-                        <a:spcAft>
-                          <a:spcPts val="600"/>
-                        </a:spcAft>
-                        <a:buFont typeface="+mj-lt"/>
-                        <a:buAutoNum type="arabicPeriod"/>
-                      </a:pPr>
-                      <a:r>
-                        <a:rPr lang="zh-CN" sz="1200" kern="100" dirty="0">
-                          <a:solidFill>
-                            <a:schemeClr val="tx1"/>
-                          </a:solidFill>
-                          <a:effectLst/>
-                        </a:rPr>
-                        <a:t>服务器接口</a:t>
-                      </a:r>
-                    </a:p>
-                    <a:p>
-                      <a:pPr marL="342900" lvl="0" indent="-342900" algn="ctr">
-                        <a:spcAft>
-                          <a:spcPts val="600"/>
-                        </a:spcAft>
-                        <a:buFont typeface="+mj-lt"/>
-                        <a:buAutoNum type="arabicPeriod"/>
-                      </a:pPr>
-                      <a:r>
-                        <a:rPr lang="zh-CN" sz="1200" kern="100" dirty="0">
-                          <a:solidFill>
-                            <a:schemeClr val="tx1"/>
-                          </a:solidFill>
-                          <a:effectLst/>
-                        </a:rPr>
-                        <a:t>用到的数据库模型及操作</a:t>
-                      </a:r>
-                      <a:endParaRPr lang="zh-CN" sz="1200" kern="100" dirty="0">
-                        <a:solidFill>
-                          <a:schemeClr val="tx1"/>
-                        </a:solidFill>
-                        <a:effectLst/>
-                        <a:latin typeface="Times New Roman" panose="02020603050405020304" pitchFamily="18" charset="0"/>
-                        <a:ea typeface="宋体" panose="02010600030101010101" pitchFamily="2" charset="-122"/>
-                        <a:cs typeface="Times New Roman" panose="02020603050405020304" pitchFamily="18" charset="0"/>
-                      </a:endParaRPr>
-                    </a:p>
-                  </a:txBody>
-                  <a:tcPr marL="56106" marR="56106" marT="0" marB="0"/>
-                </a:tc>
-                <a:extLst>
-                  <a:ext uri="{0D108BD9-81ED-4DB2-BD59-A6C34878D82A}">
-                    <a16:rowId xmlns:a16="http://schemas.microsoft.com/office/drawing/2014/main" xmlns="" val="3595368264"/>
-                  </a:ext>
-                </a:extLst>
-              </a:tr>
-              <a:tr h="159730">
-                <a:tc>
-                  <a:txBody>
-                    <a:bodyPr/>
-                    <a:lstStyle/>
-                    <a:p>
-                      <a:pPr algn="ctr">
-                        <a:spcAft>
-                          <a:spcPts val="600"/>
-                        </a:spcAft>
-                      </a:pPr>
-                      <a:r>
-                        <a:rPr lang="en-US" sz="1200" kern="100">
-                          <a:solidFill>
-                            <a:schemeClr val="tx1"/>
-                          </a:solidFill>
-                          <a:effectLst/>
-                        </a:rPr>
-                        <a:t>06</a:t>
-                      </a:r>
-                      <a:endParaRPr lang="zh-CN" sz="1200" kern="100">
-                        <a:solidFill>
-                          <a:schemeClr val="tx1"/>
-                        </a:solidFill>
-                        <a:effectLst/>
-                        <a:latin typeface="Times New Roman" panose="02020603050405020304" pitchFamily="18" charset="0"/>
-                        <a:ea typeface="宋体" panose="02010600030101010101" pitchFamily="2" charset="-122"/>
-                        <a:cs typeface="Times New Roman" panose="02020603050405020304" pitchFamily="18" charset="0"/>
-                      </a:endParaRPr>
-                    </a:p>
-                  </a:txBody>
-                  <a:tcPr marL="56106" marR="56106" marT="0" marB="0"/>
-                </a:tc>
-                <a:tc>
-                  <a:txBody>
-                    <a:bodyPr/>
-                    <a:lstStyle/>
-                    <a:p>
-                      <a:pPr algn="ctr">
-                        <a:spcAft>
-                          <a:spcPts val="600"/>
-                        </a:spcAft>
-                      </a:pPr>
-                      <a:r>
-                        <a:rPr lang="zh-CN" sz="1200" kern="100">
-                          <a:solidFill>
-                            <a:schemeClr val="tx1"/>
-                          </a:solidFill>
-                          <a:effectLst/>
-                        </a:rPr>
-                        <a:t>代码清单及测试用例</a:t>
-                      </a:r>
-                      <a:endParaRPr lang="zh-CN" sz="1200" kern="100">
-                        <a:solidFill>
-                          <a:schemeClr val="tx1"/>
-                        </a:solidFill>
-                        <a:effectLst/>
-                        <a:latin typeface="Times New Roman" panose="02020603050405020304" pitchFamily="18" charset="0"/>
-                        <a:ea typeface="宋体" panose="02010600030101010101" pitchFamily="2" charset="-122"/>
-                        <a:cs typeface="Times New Roman" panose="02020603050405020304" pitchFamily="18" charset="0"/>
-                      </a:endParaRPr>
-                    </a:p>
-                  </a:txBody>
-                  <a:tcPr marL="56106" marR="56106" marT="0" marB="0"/>
-                </a:tc>
-                <a:tc>
-                  <a:txBody>
-                    <a:bodyPr/>
-                    <a:lstStyle/>
-                    <a:p>
-                      <a:pPr algn="ctr">
-                        <a:spcAft>
-                          <a:spcPts val="600"/>
-                        </a:spcAft>
-                      </a:pPr>
-                      <a:r>
-                        <a:rPr lang="en-US" sz="1200" kern="100" dirty="0">
-                          <a:solidFill>
-                            <a:schemeClr val="tx1"/>
-                          </a:solidFill>
-                          <a:effectLst/>
-                        </a:rPr>
-                        <a:t> </a:t>
-                      </a:r>
-                      <a:endParaRPr lang="zh-CN" sz="1200" kern="100" dirty="0">
-                        <a:solidFill>
-                          <a:schemeClr val="tx1"/>
-                        </a:solidFill>
-                        <a:effectLst/>
-                        <a:latin typeface="Times New Roman" panose="02020603050405020304" pitchFamily="18" charset="0"/>
-                        <a:ea typeface="宋体" panose="02010600030101010101" pitchFamily="2" charset="-122"/>
-                        <a:cs typeface="Times New Roman" panose="02020603050405020304" pitchFamily="18" charset="0"/>
-                      </a:endParaRPr>
-                    </a:p>
-                  </a:txBody>
-                  <a:tcPr marL="56106" marR="56106" marT="0" marB="0"/>
-                </a:tc>
-                <a:extLst>
-                  <a:ext uri="{0D108BD9-81ED-4DB2-BD59-A6C34878D82A}">
-                    <a16:rowId xmlns:a16="http://schemas.microsoft.com/office/drawing/2014/main" xmlns="" val="786863756"/>
-                  </a:ext>
-                </a:extLst>
-              </a:tr>
-              <a:tr h="1186563">
-                <a:tc>
-                  <a:txBody>
-                    <a:bodyPr/>
-                    <a:lstStyle/>
-                    <a:p>
-                      <a:pPr algn="ctr">
-                        <a:spcAft>
-                          <a:spcPts val="600"/>
-                        </a:spcAft>
-                      </a:pPr>
-                      <a:r>
-                        <a:rPr lang="en-US" sz="1200" kern="100">
-                          <a:solidFill>
-                            <a:schemeClr val="tx1"/>
-                          </a:solidFill>
-                          <a:effectLst/>
-                        </a:rPr>
-                        <a:t>07</a:t>
-                      </a:r>
-                      <a:endParaRPr lang="zh-CN" sz="1200" kern="100">
-                        <a:solidFill>
-                          <a:schemeClr val="tx1"/>
-                        </a:solidFill>
-                        <a:effectLst/>
-                        <a:latin typeface="Times New Roman" panose="02020603050405020304" pitchFamily="18" charset="0"/>
-                        <a:ea typeface="宋体" panose="02010600030101010101" pitchFamily="2" charset="-122"/>
-                        <a:cs typeface="Times New Roman" panose="02020603050405020304" pitchFamily="18" charset="0"/>
-                      </a:endParaRPr>
-                    </a:p>
-                  </a:txBody>
-                  <a:tcPr marL="56106" marR="56106" marT="0" marB="0"/>
-                </a:tc>
-                <a:tc>
-                  <a:txBody>
-                    <a:bodyPr/>
-                    <a:lstStyle/>
-                    <a:p>
-                      <a:pPr algn="ctr">
-                        <a:spcAft>
-                          <a:spcPts val="600"/>
-                        </a:spcAft>
-                      </a:pPr>
-                      <a:r>
-                        <a:rPr lang="zh-CN" sz="1200" kern="100" dirty="0">
-                          <a:solidFill>
-                            <a:schemeClr val="tx1"/>
-                          </a:solidFill>
-                          <a:effectLst/>
-                        </a:rPr>
-                        <a:t>系统测试报告</a:t>
-                      </a:r>
-                      <a:endParaRPr lang="zh-CN" sz="1200" kern="100" dirty="0">
-                        <a:solidFill>
-                          <a:schemeClr val="tx1"/>
-                        </a:solidFill>
-                        <a:effectLst/>
-                        <a:latin typeface="Times New Roman" panose="02020603050405020304" pitchFamily="18" charset="0"/>
-                        <a:ea typeface="宋体" panose="02010600030101010101" pitchFamily="2" charset="-122"/>
-                        <a:cs typeface="Times New Roman" panose="02020603050405020304" pitchFamily="18" charset="0"/>
-                      </a:endParaRPr>
-                    </a:p>
-                  </a:txBody>
-                  <a:tcPr marL="56106" marR="56106" marT="0" marB="0"/>
-                </a:tc>
-                <a:tc>
-                  <a:txBody>
-                    <a:bodyPr/>
-                    <a:lstStyle/>
-                    <a:p>
-                      <a:pPr marL="342900" lvl="0" indent="-342900" algn="ctr">
-                        <a:spcAft>
-                          <a:spcPts val="600"/>
-                        </a:spcAft>
-                        <a:buFont typeface="+mj-lt"/>
-                        <a:buAutoNum type="arabicPeriod"/>
-                      </a:pPr>
-                      <a:r>
-                        <a:rPr lang="zh-CN" sz="1200" kern="100" dirty="0">
-                          <a:solidFill>
-                            <a:schemeClr val="tx1"/>
-                          </a:solidFill>
-                          <a:effectLst/>
-                        </a:rPr>
-                        <a:t>数据库表单符合符合</a:t>
-                      </a:r>
-                      <a:r>
-                        <a:rPr lang="en-US" sz="1200" kern="100" dirty="0">
-                          <a:solidFill>
-                            <a:schemeClr val="tx1"/>
-                          </a:solidFill>
-                          <a:effectLst/>
-                        </a:rPr>
-                        <a:t>NF</a:t>
-                      </a:r>
-                      <a:r>
-                        <a:rPr lang="zh-CN" sz="1200" kern="100" dirty="0">
-                          <a:solidFill>
-                            <a:schemeClr val="tx1"/>
-                          </a:solidFill>
-                          <a:effectLst/>
-                        </a:rPr>
-                        <a:t>范式，能和服务器交换数据。</a:t>
-                      </a:r>
-                    </a:p>
-                    <a:p>
-                      <a:pPr marL="342900" lvl="0" indent="-342900" algn="ctr">
-                        <a:spcAft>
-                          <a:spcPts val="600"/>
-                        </a:spcAft>
-                        <a:buFont typeface="+mj-lt"/>
-                        <a:buAutoNum type="arabicPeriod"/>
-                      </a:pPr>
-                      <a:r>
-                        <a:rPr lang="zh-CN" sz="1200" kern="100" dirty="0">
-                          <a:solidFill>
-                            <a:schemeClr val="tx1"/>
-                          </a:solidFill>
-                          <a:effectLst/>
-                        </a:rPr>
-                        <a:t>能正确显示用户信息、活动信息。</a:t>
-                      </a:r>
-                    </a:p>
-                    <a:p>
-                      <a:pPr marL="342900" lvl="0" indent="-342900" algn="ctr">
-                        <a:spcAft>
-                          <a:spcPts val="600"/>
-                        </a:spcAft>
-                        <a:buFont typeface="+mj-lt"/>
-                        <a:buAutoNum type="arabicPeriod"/>
-                      </a:pPr>
-                      <a:r>
-                        <a:rPr lang="zh-CN" sz="1200" kern="100" dirty="0">
-                          <a:solidFill>
-                            <a:schemeClr val="tx1"/>
-                          </a:solidFill>
-                          <a:effectLst/>
-                        </a:rPr>
-                        <a:t>能添加活动信息</a:t>
-                      </a:r>
-                    </a:p>
-                    <a:p>
-                      <a:pPr marL="342900" lvl="0" indent="-342900" algn="ctr">
-                        <a:spcAft>
-                          <a:spcPts val="600"/>
-                        </a:spcAft>
-                        <a:buFont typeface="+mj-lt"/>
-                        <a:buAutoNum type="arabicPeriod"/>
-                      </a:pPr>
-                      <a:r>
-                        <a:rPr lang="zh-CN" sz="1200" kern="100" dirty="0">
-                          <a:solidFill>
-                            <a:schemeClr val="tx1"/>
-                          </a:solidFill>
-                          <a:effectLst/>
-                        </a:rPr>
-                        <a:t>通过</a:t>
-                      </a:r>
-                      <a:r>
-                        <a:rPr lang="en-US" sz="1200" kern="100" dirty="0" err="1">
-                          <a:solidFill>
-                            <a:schemeClr val="tx1"/>
-                          </a:solidFill>
-                          <a:effectLst/>
-                        </a:rPr>
-                        <a:t>hp</a:t>
-                      </a:r>
-                      <a:r>
-                        <a:rPr lang="en-US" sz="1200" kern="100" dirty="0">
-                          <a:solidFill>
-                            <a:schemeClr val="tx1"/>
-                          </a:solidFill>
-                          <a:effectLst/>
-                        </a:rPr>
-                        <a:t> </a:t>
-                      </a:r>
-                      <a:r>
-                        <a:rPr lang="en-US" sz="1200" kern="100" dirty="0" err="1">
-                          <a:solidFill>
-                            <a:schemeClr val="tx1"/>
-                          </a:solidFill>
-                          <a:effectLst/>
-                        </a:rPr>
-                        <a:t>utf</a:t>
-                      </a:r>
-                      <a:r>
-                        <a:rPr lang="zh-CN" sz="1200" kern="100" dirty="0">
-                          <a:solidFill>
-                            <a:schemeClr val="tx1"/>
-                          </a:solidFill>
-                          <a:effectLst/>
-                        </a:rPr>
-                        <a:t>测试</a:t>
-                      </a:r>
-                    </a:p>
-                    <a:p>
-                      <a:pPr marL="342900" lvl="0" indent="-342900" algn="ctr">
-                        <a:spcAft>
-                          <a:spcPts val="600"/>
-                        </a:spcAft>
-                        <a:buFont typeface="+mj-lt"/>
-                        <a:buAutoNum type="arabicPeriod"/>
-                      </a:pPr>
-                      <a:r>
-                        <a:rPr lang="zh-CN" sz="1200" kern="100" dirty="0">
-                          <a:solidFill>
-                            <a:schemeClr val="tx1"/>
-                          </a:solidFill>
-                          <a:effectLst/>
-                        </a:rPr>
-                        <a:t>输出测试报告</a:t>
-                      </a:r>
-                      <a:endParaRPr lang="zh-CN" sz="1200" kern="100" dirty="0">
-                        <a:solidFill>
-                          <a:schemeClr val="tx1"/>
-                        </a:solidFill>
-                        <a:effectLst/>
-                        <a:latin typeface="Times New Roman" panose="02020603050405020304" pitchFamily="18" charset="0"/>
-                        <a:ea typeface="宋体" panose="02010600030101010101" pitchFamily="2" charset="-122"/>
-                        <a:cs typeface="Times New Roman" panose="02020603050405020304" pitchFamily="18" charset="0"/>
-                      </a:endParaRPr>
-                    </a:p>
-                  </a:txBody>
-                  <a:tcPr marL="56106" marR="56106" marT="0" marB="0"/>
-                </a:tc>
-                <a:extLst>
-                  <a:ext uri="{0D108BD9-81ED-4DB2-BD59-A6C34878D82A}">
-                    <a16:rowId xmlns:a16="http://schemas.microsoft.com/office/drawing/2014/main" xmlns="" val="2244806116"/>
-                  </a:ext>
-                </a:extLst>
-              </a:tr>
-              <a:tr h="159730">
-                <a:tc>
-                  <a:txBody>
-                    <a:bodyPr/>
-                    <a:lstStyle/>
-                    <a:p>
-                      <a:pPr algn="ctr">
-                        <a:spcAft>
-                          <a:spcPts val="600"/>
-                        </a:spcAft>
-                      </a:pPr>
-                      <a:r>
-                        <a:rPr lang="en-US" sz="1200" kern="100" dirty="0">
-                          <a:solidFill>
-                            <a:schemeClr val="tx1"/>
-                          </a:solidFill>
-                          <a:effectLst/>
-                        </a:rPr>
-                        <a:t>08</a:t>
-                      </a:r>
-                      <a:endParaRPr lang="zh-CN" sz="1200" kern="100" dirty="0">
-                        <a:solidFill>
-                          <a:schemeClr val="tx1"/>
-                        </a:solidFill>
-                        <a:effectLst/>
-                        <a:latin typeface="Times New Roman" panose="02020603050405020304" pitchFamily="18" charset="0"/>
-                        <a:ea typeface="宋体" panose="02010600030101010101" pitchFamily="2" charset="-122"/>
-                        <a:cs typeface="Times New Roman" panose="02020603050405020304" pitchFamily="18" charset="0"/>
-                      </a:endParaRPr>
-                    </a:p>
-                  </a:txBody>
-                  <a:tcPr marL="56106" marR="56106" marT="0" marB="0"/>
-                </a:tc>
-                <a:tc>
-                  <a:txBody>
-                    <a:bodyPr/>
-                    <a:lstStyle/>
-                    <a:p>
-                      <a:pPr algn="ctr">
-                        <a:spcAft>
-                          <a:spcPts val="600"/>
-                        </a:spcAft>
-                      </a:pPr>
-                      <a:r>
-                        <a:rPr lang="zh-CN" sz="1200" kern="100" dirty="0">
-                          <a:solidFill>
-                            <a:schemeClr val="tx1"/>
-                          </a:solidFill>
-                          <a:effectLst/>
-                        </a:rPr>
-                        <a:t>项目总结报告</a:t>
-                      </a:r>
-                      <a:endParaRPr lang="zh-CN" sz="1200" kern="100" dirty="0">
-                        <a:solidFill>
-                          <a:schemeClr val="tx1"/>
-                        </a:solidFill>
-                        <a:effectLst/>
-                        <a:latin typeface="Times New Roman" panose="02020603050405020304" pitchFamily="18" charset="0"/>
-                        <a:ea typeface="宋体" panose="02010600030101010101" pitchFamily="2" charset="-122"/>
-                        <a:cs typeface="Times New Roman" panose="02020603050405020304" pitchFamily="18" charset="0"/>
-                      </a:endParaRPr>
-                    </a:p>
-                  </a:txBody>
-                  <a:tcPr marL="56106" marR="56106" marT="0" marB="0"/>
-                </a:tc>
-                <a:tc>
-                  <a:txBody>
-                    <a:bodyPr/>
-                    <a:lstStyle/>
-                    <a:p>
-                      <a:pPr algn="ctr">
-                        <a:spcAft>
-                          <a:spcPts val="600"/>
-                        </a:spcAft>
-                      </a:pPr>
-                      <a:r>
-                        <a:rPr lang="en-US" sz="1200" kern="100" dirty="0">
-                          <a:solidFill>
-                            <a:schemeClr val="tx1"/>
-                          </a:solidFill>
-                          <a:effectLst/>
-                        </a:rPr>
-                        <a:t> </a:t>
-                      </a:r>
-                      <a:endParaRPr lang="zh-CN" sz="1200" kern="100" dirty="0">
-                        <a:solidFill>
-                          <a:schemeClr val="tx1"/>
-                        </a:solidFill>
-                        <a:effectLst/>
-                        <a:latin typeface="Times New Roman" panose="02020603050405020304" pitchFamily="18" charset="0"/>
-                        <a:ea typeface="宋体" panose="02010600030101010101" pitchFamily="2" charset="-122"/>
-                        <a:cs typeface="Times New Roman" panose="02020603050405020304" pitchFamily="18" charset="0"/>
-                      </a:endParaRPr>
-                    </a:p>
-                  </a:txBody>
-                  <a:tcPr marL="56106" marR="56106" marT="0" marB="0"/>
-                </a:tc>
-                <a:extLst>
-                  <a:ext uri="{0D108BD9-81ED-4DB2-BD59-A6C34878D82A}">
-                    <a16:rowId xmlns:a16="http://schemas.microsoft.com/office/drawing/2014/main" xmlns="" val="589714274"/>
-                  </a:ext>
-                </a:extLst>
-              </a:tr>
-            </a:tbl>
-          </a:graphicData>
-        </a:graphic>
-      </p:graphicFrame>
-    </p:spTree>
-    <p:extLst>
-      <p:ext uri="{BB962C8B-B14F-4D97-AF65-F5344CB8AC3E}">
-        <p14:creationId xmlns:p14="http://schemas.microsoft.com/office/powerpoint/2010/main" val="2562952251"/>
       </p:ext>
     </p:extLst>
   </p:cSld>
